--- a/Reports/SEE PPT's/CIE-1_PPT's/Shridhar presentation.pptx
+++ b/Reports/SEE PPT's/CIE-1_PPT's/Shridhar presentation.pptx
@@ -124,7 +124,7 @@
   </p:defaultTextStyle>
   <p:extLst>
     <p:ext uri="{EFAFB233-063F-42B5-8137-9DF3F51BA10A}">
-      <p15:sldGuideLst xmlns:p15="http://schemas.microsoft.com/office/powerpoint/2012/main" xmlns="">
+      <p15:sldGuideLst xmlns:p15="http://schemas.microsoft.com/office/powerpoint/2012/main">
         <p15:guide id="1" orient="horz" pos="2160" userDrawn="1">
           <p15:clr>
             <a:srgbClr val="A4A3A4"/>
@@ -138,7 +138,7 @@
       </p15:sldGuideLst>
     </p:ext>
     <p:ext uri="{2D200454-40CA-4A62-9FC3-DE9A4176ACB9}">
-      <p15:notesGuideLst xmlns:p15="http://schemas.microsoft.com/office/powerpoint/2012/main" xmlns=""/>
+      <p15:notesGuideLst xmlns:p15="http://schemas.microsoft.com/office/powerpoint/2012/main"/>
     </p:ext>
   </p:extLst>
 </p:presentation>
@@ -149,7 +149,7 @@
   <p:cmAuthor id="1" name="KRISHNA ." initials="K." lastIdx="1" clrIdx="0">
     <p:extLst>
       <p:ext uri="{19B8F6BF-5375-455C-9EA6-DF929625EA0E}">
-        <p15:presenceInfo xmlns:p15="http://schemas.microsoft.com/office/powerpoint/2012/main" xmlns="" userId="a6445e251d59b333" providerId="Windows Live"/>
+        <p15:presenceInfo xmlns:p15="http://schemas.microsoft.com/office/powerpoint/2012/main" userId="a6445e251d59b333" providerId="Windows Live"/>
       </p:ext>
     </p:extLst>
   </p:cmAuthor>
@@ -157,9 +157,18 @@
 </file>
 
 <file path=ppt/charts/chart1.xml><?xml version="1.0" encoding="utf-8"?>
-<c:chartSpace xmlns:c="http://schemas.openxmlformats.org/drawingml/2006/chart" xmlns:a="http://schemas.openxmlformats.org/drawingml/2006/main" xmlns:r="http://schemas.openxmlformats.org/officeDocument/2006/relationships">
-  <c:date1904 val="1"/>
+<c:chartSpace xmlns:c="http://schemas.openxmlformats.org/drawingml/2006/chart" xmlns:a="http://schemas.openxmlformats.org/drawingml/2006/main" xmlns:r="http://schemas.openxmlformats.org/officeDocument/2006/relationships" xmlns:c16r2="http://schemas.microsoft.com/office/drawing/2015/06/chart">
+  <c:date1904 val="0"/>
   <c:lang val="en-US"/>
+  <c:roundedCorners val="0"/>
+  <mc:AlternateContent xmlns:mc="http://schemas.openxmlformats.org/markup-compatibility/2006">
+    <mc:Choice xmlns:c14="http://schemas.microsoft.com/office/drawing/2007/8/2/chart" Requires="c14">
+      <c14:style val="102"/>
+    </mc:Choice>
+    <mc:Fallback>
+      <c:style val="2"/>
+    </mc:Fallback>
+  </mc:AlternateContent>
   <c:chart>
     <c:title>
       <c:tx>
@@ -199,7 +208,7 @@
           </a:p>
         </c:rich>
       </c:tx>
-      <c:layout/>
+      <c:overlay val="0"/>
       <c:spPr>
         <a:noFill/>
         <a:ln>
@@ -207,12 +216,34 @@
         </a:ln>
         <a:effectLst/>
       </c:spPr>
+      <c:txPr>
+        <a:bodyPr rot="0" spcFirstLastPara="1" vertOverflow="ellipsis" vert="horz" wrap="square" anchor="ctr" anchorCtr="1"/>
+        <a:lstStyle/>
+        <a:p>
+          <a:pPr>
+            <a:defRPr sz="1862" b="0" i="0" u="none" strike="noStrike" kern="1200" spc="0" baseline="0">
+              <a:solidFill>
+                <a:schemeClr val="tx1">
+                  <a:lumMod val="65000"/>
+                  <a:lumOff val="35000"/>
+                </a:schemeClr>
+              </a:solidFill>
+              <a:latin typeface="+mn-lt"/>
+              <a:ea typeface="+mn-ea"/>
+              <a:cs typeface="+mn-cs"/>
+            </a:defRPr>
+          </a:pPr>
+          <a:endParaRPr lang="en-US"/>
+        </a:p>
+      </c:txPr>
     </c:title>
+    <c:autoTitleDeleted val="0"/>
     <c:plotArea>
       <c:layout/>
       <c:barChart>
         <c:barDir val="col"/>
         <c:grouping val="clustered"/>
+        <c:varyColors val="0"/>
         <c:ser>
           <c:idx val="0"/>
           <c:order val="0"/>
@@ -236,6 +267,7 @@
             </a:ln>
             <a:effectLst/>
           </c:spPr>
+          <c:invertIfNegative val="0"/>
           <c:cat>
             <c:strRef>
               <c:f>Sheet1!$A$2:$A$5</c:f>
@@ -277,7 +309,7 @@
               </c:numCache>
             </c:numRef>
           </c:val>
-          <c:extLst xmlns:c16r2="http://schemas.microsoft.com/office/drawing/2015/06/chart">
+          <c:extLst>
             <c:ext xmlns:c16="http://schemas.microsoft.com/office/drawing/2014/chart" uri="{C3380CC4-5D6E-409C-BE32-E72D297353CC}">
               <c16:uniqueId val="{00000000-94E4-46C2-84C2-EDD3180D4623}"/>
             </c:ext>
@@ -306,6 +338,7 @@
             </a:ln>
             <a:effectLst/>
           </c:spPr>
+          <c:invertIfNegative val="0"/>
           <c:cat>
             <c:strRef>
               <c:f>Sheet1!$A$2:$A$5</c:f>
@@ -347,7 +380,7 @@
               </c:numCache>
             </c:numRef>
           </c:val>
-          <c:extLst xmlns:c16r2="http://schemas.microsoft.com/office/drawing/2015/06/chart">
+          <c:extLst>
             <c:ext xmlns:c16="http://schemas.microsoft.com/office/drawing/2014/chart" uri="{C3380CC4-5D6E-409C-BE32-E72D297353CC}">
               <c16:uniqueId val="{00000001-94E4-46C2-84C2-EDD3180D4623}"/>
             </c:ext>
@@ -376,6 +409,7 @@
             </a:ln>
             <a:effectLst/>
           </c:spPr>
+          <c:invertIfNegative val="0"/>
           <c:cat>
             <c:strRef>
               <c:f>Sheet1!$A$2:$A$5</c:f>
@@ -417,7 +451,7 @@
               </c:numCache>
             </c:numRef>
           </c:val>
-          <c:extLst xmlns:c16r2="http://schemas.microsoft.com/office/drawing/2015/06/chart">
+          <c:extLst>
             <c:ext xmlns:c16="http://schemas.microsoft.com/office/drawing/2014/chart" uri="{C3380CC4-5D6E-409C-BE32-E72D297353CC}">
               <c16:uniqueId val="{00000001-7F8E-4DA9-889D-A8ADD25D326B}"/>
             </c:ext>
@@ -446,6 +480,7 @@
             </a:ln>
             <a:effectLst/>
           </c:spPr>
+          <c:invertIfNegative val="0"/>
           <c:cat>
             <c:strRef>
               <c:f>Sheet1!$A$2:$A$5</c:f>
@@ -487,7 +522,7 @@
               </c:numCache>
             </c:numRef>
           </c:val>
-          <c:extLst xmlns:c16r2="http://schemas.microsoft.com/office/drawing/2015/06/chart">
+          <c:extLst>
             <c:ext xmlns:c16="http://schemas.microsoft.com/office/drawing/2014/chart" uri="{C3380CC4-5D6E-409C-BE32-E72D297353CC}">
               <c16:uniqueId val="{00000002-7F8E-4DA9-889D-A8ADD25D326B}"/>
             </c:ext>
@@ -516,6 +551,7 @@
             </a:ln>
             <a:effectLst/>
           </c:spPr>
+          <c:invertIfNegative val="0"/>
           <c:cat>
             <c:strRef>
               <c:f>Sheet1!$A$2:$A$5</c:f>
@@ -557,12 +593,20 @@
               </c:numCache>
             </c:numRef>
           </c:val>
-          <c:extLst xmlns:c16r2="http://schemas.microsoft.com/office/drawing/2015/06/chart">
+          <c:extLst>
             <c:ext xmlns:c16="http://schemas.microsoft.com/office/drawing/2014/chart" uri="{C3380CC4-5D6E-409C-BE32-E72D297353CC}">
               <c16:uniqueId val="{00000003-7F8E-4DA9-889D-A8ADD25D326B}"/>
             </c:ext>
           </c:extLst>
         </c:ser>
+        <c:dLbls>
+          <c:showLegendKey val="0"/>
+          <c:showVal val="0"/>
+          <c:showCatName val="0"/>
+          <c:showSerName val="0"/>
+          <c:showPercent val="0"/>
+          <c:showBubbleSize val="0"/>
+        </c:dLbls>
         <c:gapWidth val="219"/>
         <c:overlap val="-27"/>
         <c:axId val="142027776"/>
@@ -573,9 +617,11 @@
         <c:scaling>
           <c:orientation val="minMax"/>
         </c:scaling>
+        <c:delete val="0"/>
         <c:axPos val="b"/>
         <c:numFmt formatCode="General" sourceLinked="1"/>
         <c:majorTickMark val="none"/>
+        <c:minorTickMark val="none"/>
         <c:tickLblPos val="nextTo"/>
         <c:spPr>
           <a:noFill/>
@@ -615,12 +661,14 @@
         <c:auto val="1"/>
         <c:lblAlgn val="ctr"/>
         <c:lblOffset val="100"/>
+        <c:noMultiLvlLbl val="0"/>
       </c:catAx>
       <c:valAx>
         <c:axId val="142029568"/>
         <c:scaling>
           <c:orientation val="minMax"/>
         </c:scaling>
+        <c:delete val="0"/>
         <c:axPos val="l"/>
         <c:majorGridlines>
           <c:spPr>
@@ -638,6 +686,7 @@
         </c:majorGridlines>
         <c:numFmt formatCode="General" sourceLinked="1"/>
         <c:majorTickMark val="none"/>
+        <c:minorTickMark val="none"/>
         <c:tickLblPos val="nextTo"/>
         <c:spPr>
           <a:noFill/>
@@ -680,7 +729,7 @@
     </c:plotArea>
     <c:legend>
       <c:legendPos val="b"/>
-      <c:layout/>
+      <c:overlay val="0"/>
       <c:spPr>
         <a:noFill/>
         <a:ln>
@@ -711,13 +760,14 @@
     </c:legend>
     <c:plotVisOnly val="1"/>
     <c:dispBlanksAs val="gap"/>
-    <c:extLst xmlns:c16r2="http://schemas.microsoft.com/office/drawing/2015/06/chart">
+    <c:extLst>
       <c:ext xmlns:c16r3="http://schemas.microsoft.com/office/drawing/2017/03/chart" uri="{56B9EC1D-385E-4148-901F-78D8002777C0}">
         <c16r3:dataDisplayOptions16>
           <c16r3:dispNaAsBlank val="1"/>
         </c16r3:dataDisplayOptions16>
       </c:ext>
     </c:extLst>
+    <c:showDLblsOverMax val="0"/>
   </c:chart>
   <c:spPr>
     <a:noFill/>
@@ -736,14 +786,25 @@
       <a:endParaRPr lang="en-US"/>
     </a:p>
   </c:txPr>
-  <c:externalData r:id="rId1"/>
+  <c:externalData r:id="rId3">
+    <c:autoUpdate val="0"/>
+  </c:externalData>
 </c:chartSpace>
 </file>
 
 <file path=ppt/charts/chart2.xml><?xml version="1.0" encoding="utf-8"?>
-<c:chartSpace xmlns:c="http://schemas.openxmlformats.org/drawingml/2006/chart" xmlns:a="http://schemas.openxmlformats.org/drawingml/2006/main" xmlns:r="http://schemas.openxmlformats.org/officeDocument/2006/relationships">
-  <c:date1904 val="1"/>
+<c:chartSpace xmlns:c="http://schemas.openxmlformats.org/drawingml/2006/chart" xmlns:a="http://schemas.openxmlformats.org/drawingml/2006/main" xmlns:r="http://schemas.openxmlformats.org/officeDocument/2006/relationships" xmlns:c16r2="http://schemas.microsoft.com/office/drawing/2015/06/chart">
+  <c:date1904 val="0"/>
   <c:lang val="en-US"/>
+  <c:roundedCorners val="0"/>
+  <mc:AlternateContent xmlns:mc="http://schemas.openxmlformats.org/markup-compatibility/2006">
+    <mc:Choice xmlns:c14="http://schemas.microsoft.com/office/drawing/2007/8/2/chart" Requires="c14">
+      <c14:style val="102"/>
+    </mc:Choice>
+    <mc:Fallback>
+      <c:style val="2"/>
+    </mc:Fallback>
+  </mc:AlternateContent>
   <c:chart>
     <c:title>
       <c:tx>
@@ -775,7 +836,7 @@
           </a:p>
         </c:rich>
       </c:tx>
-      <c:layout/>
+      <c:overlay val="0"/>
       <c:spPr>
         <a:noFill/>
         <a:ln>
@@ -783,12 +844,34 @@
         </a:ln>
         <a:effectLst/>
       </c:spPr>
+      <c:txPr>
+        <a:bodyPr rot="0" spcFirstLastPara="1" vertOverflow="ellipsis" vert="horz" wrap="square" anchor="ctr" anchorCtr="1"/>
+        <a:lstStyle/>
+        <a:p>
+          <a:pPr>
+            <a:defRPr sz="1862" b="0" i="0" u="none" strike="noStrike" kern="1200" spc="0" baseline="0">
+              <a:solidFill>
+                <a:schemeClr val="tx1">
+                  <a:lumMod val="65000"/>
+                  <a:lumOff val="35000"/>
+                </a:schemeClr>
+              </a:solidFill>
+              <a:latin typeface="+mn-lt"/>
+              <a:ea typeface="+mn-ea"/>
+              <a:cs typeface="+mn-cs"/>
+            </a:defRPr>
+          </a:pPr>
+          <a:endParaRPr lang="en-US"/>
+        </a:p>
+      </c:txPr>
     </c:title>
+    <c:autoTitleDeleted val="0"/>
     <c:plotArea>
       <c:layout/>
       <c:barChart>
         <c:barDir val="col"/>
         <c:grouping val="clustered"/>
+        <c:varyColors val="0"/>
         <c:ser>
           <c:idx val="0"/>
           <c:order val="0"/>
@@ -812,6 +895,7 @@
             </a:ln>
             <a:effectLst/>
           </c:spPr>
+          <c:invertIfNegative val="0"/>
           <c:cat>
             <c:numRef>
               <c:f>Sheet1!$A$2:$A$5</c:f>
@@ -854,7 +938,7 @@
               </c:numCache>
             </c:numRef>
           </c:val>
-          <c:extLst xmlns:c16r2="http://schemas.microsoft.com/office/drawing/2015/06/chart">
+          <c:extLst>
             <c:ext xmlns:c16="http://schemas.microsoft.com/office/drawing/2014/chart" uri="{C3380CC4-5D6E-409C-BE32-E72D297353CC}">
               <c16:uniqueId val="{00000000-2CC6-40BC-819D-250DEF4D96B6}"/>
             </c:ext>
@@ -883,6 +967,7 @@
             </a:ln>
             <a:effectLst/>
           </c:spPr>
+          <c:invertIfNegative val="0"/>
           <c:cat>
             <c:numRef>
               <c:f>Sheet1!$A$2:$A$5</c:f>
@@ -925,7 +1010,7 @@
               </c:numCache>
             </c:numRef>
           </c:val>
-          <c:extLst xmlns:c16r2="http://schemas.microsoft.com/office/drawing/2015/06/chart">
+          <c:extLst>
             <c:ext xmlns:c16="http://schemas.microsoft.com/office/drawing/2014/chart" uri="{C3380CC4-5D6E-409C-BE32-E72D297353CC}">
               <c16:uniqueId val="{00000001-2CC6-40BC-819D-250DEF4D96B6}"/>
             </c:ext>
@@ -954,6 +1039,7 @@
             </a:ln>
             <a:effectLst/>
           </c:spPr>
+          <c:invertIfNegative val="0"/>
           <c:cat>
             <c:numRef>
               <c:f>Sheet1!$A$2:$A$5</c:f>
@@ -996,12 +1082,20 @@
               </c:numCache>
             </c:numRef>
           </c:val>
-          <c:extLst xmlns:c16r2="http://schemas.microsoft.com/office/drawing/2015/06/chart">
+          <c:extLst>
             <c:ext xmlns:c16="http://schemas.microsoft.com/office/drawing/2014/chart" uri="{C3380CC4-5D6E-409C-BE32-E72D297353CC}">
               <c16:uniqueId val="{00000002-2CC6-40BC-819D-250DEF4D96B6}"/>
             </c:ext>
           </c:extLst>
         </c:ser>
+        <c:dLbls>
+          <c:showLegendKey val="0"/>
+          <c:showVal val="0"/>
+          <c:showCatName val="0"/>
+          <c:showSerName val="0"/>
+          <c:showPercent val="0"/>
+          <c:showBubbleSize val="0"/>
+        </c:dLbls>
         <c:gapWidth val="219"/>
         <c:overlap val="-27"/>
         <c:axId val="142006912"/>
@@ -1012,9 +1106,11 @@
         <c:scaling>
           <c:orientation val="minMax"/>
         </c:scaling>
+        <c:delete val="0"/>
         <c:axPos val="b"/>
         <c:numFmt formatCode="General" sourceLinked="1"/>
         <c:majorTickMark val="none"/>
+        <c:minorTickMark val="none"/>
         <c:tickLblPos val="nextTo"/>
         <c:spPr>
           <a:noFill/>
@@ -1054,12 +1150,14 @@
         <c:auto val="1"/>
         <c:lblAlgn val="ctr"/>
         <c:lblOffset val="100"/>
+        <c:noMultiLvlLbl val="0"/>
       </c:catAx>
       <c:valAx>
         <c:axId val="142070144"/>
         <c:scaling>
           <c:orientation val="minMax"/>
         </c:scaling>
+        <c:delete val="0"/>
         <c:axPos val="l"/>
         <c:majorGridlines>
           <c:spPr>
@@ -1077,6 +1175,7 @@
         </c:majorGridlines>
         <c:numFmt formatCode="0%" sourceLinked="1"/>
         <c:majorTickMark val="none"/>
+        <c:minorTickMark val="none"/>
         <c:tickLblPos val="nextTo"/>
         <c:spPr>
           <a:noFill/>
@@ -1119,7 +1218,7 @@
     </c:plotArea>
     <c:legend>
       <c:legendPos val="b"/>
-      <c:layout/>
+      <c:overlay val="0"/>
       <c:spPr>
         <a:noFill/>
         <a:ln>
@@ -1150,13 +1249,14 @@
     </c:legend>
     <c:plotVisOnly val="1"/>
     <c:dispBlanksAs val="gap"/>
-    <c:extLst xmlns:c16r2="http://schemas.microsoft.com/office/drawing/2015/06/chart">
+    <c:extLst>
       <c:ext xmlns:c16r3="http://schemas.microsoft.com/office/drawing/2017/03/chart" uri="{56B9EC1D-385E-4148-901F-78D8002777C0}">
         <c16r3:dataDisplayOptions16>
           <c16r3:dispNaAsBlank val="1"/>
         </c16r3:dataDisplayOptions16>
       </c:ext>
     </c:extLst>
+    <c:showDLblsOverMax val="0"/>
   </c:chart>
   <c:spPr>
     <a:noFill/>
@@ -1175,14 +1275,25 @@
       <a:endParaRPr lang="en-US"/>
     </a:p>
   </c:txPr>
-  <c:externalData r:id="rId1"/>
+  <c:externalData r:id="rId3">
+    <c:autoUpdate val="0"/>
+  </c:externalData>
 </c:chartSpace>
 </file>
 
 <file path=ppt/charts/chart3.xml><?xml version="1.0" encoding="utf-8"?>
-<c:chartSpace xmlns:c="http://schemas.openxmlformats.org/drawingml/2006/chart" xmlns:a="http://schemas.openxmlformats.org/drawingml/2006/main" xmlns:r="http://schemas.openxmlformats.org/officeDocument/2006/relationships">
-  <c:date1904 val="1"/>
+<c:chartSpace xmlns:c="http://schemas.openxmlformats.org/drawingml/2006/chart" xmlns:a="http://schemas.openxmlformats.org/drawingml/2006/main" xmlns:r="http://schemas.openxmlformats.org/officeDocument/2006/relationships" xmlns:c16r2="http://schemas.microsoft.com/office/drawing/2015/06/chart">
+  <c:date1904 val="0"/>
   <c:lang val="en-US"/>
+  <c:roundedCorners val="0"/>
+  <mc:AlternateContent xmlns:mc="http://schemas.openxmlformats.org/markup-compatibility/2006">
+    <mc:Choice xmlns:c14="http://schemas.microsoft.com/office/drawing/2007/8/2/chart" Requires="c14">
+      <c14:style val="102"/>
+    </mc:Choice>
+    <mc:Fallback>
+      <c:style val="2"/>
+    </mc:Fallback>
+  </mc:AlternateContent>
   <c:chart>
     <c:title>
       <c:tx>
@@ -1214,6 +1325,7 @@
           </a:p>
         </c:rich>
       </c:tx>
+      <c:overlay val="0"/>
       <c:spPr>
         <a:noFill/>
         <a:ln>
@@ -1221,12 +1333,34 @@
         </a:ln>
         <a:effectLst/>
       </c:spPr>
+      <c:txPr>
+        <a:bodyPr rot="0" spcFirstLastPara="1" vertOverflow="ellipsis" vert="horz" wrap="square" anchor="ctr" anchorCtr="1"/>
+        <a:lstStyle/>
+        <a:p>
+          <a:pPr>
+            <a:defRPr sz="1862" b="0" i="0" u="none" strike="noStrike" kern="1200" spc="0" baseline="0">
+              <a:solidFill>
+                <a:schemeClr val="tx1">
+                  <a:lumMod val="65000"/>
+                  <a:lumOff val="35000"/>
+                </a:schemeClr>
+              </a:solidFill>
+              <a:latin typeface="+mn-lt"/>
+              <a:ea typeface="+mn-ea"/>
+              <a:cs typeface="+mn-cs"/>
+            </a:defRPr>
+          </a:pPr>
+          <a:endParaRPr lang="en-US"/>
+        </a:p>
+      </c:txPr>
     </c:title>
+    <c:autoTitleDeleted val="0"/>
     <c:plotArea>
       <c:layout/>
       <c:barChart>
         <c:barDir val="col"/>
         <c:grouping val="clustered"/>
+        <c:varyColors val="0"/>
         <c:ser>
           <c:idx val="0"/>
           <c:order val="0"/>
@@ -1250,6 +1384,7 @@
             </a:ln>
             <a:effectLst/>
           </c:spPr>
+          <c:invertIfNegative val="0"/>
           <c:cat>
             <c:strRef>
               <c:f>Sheet1!$A$2:$A$4</c:f>
@@ -1285,7 +1420,7 @@
               </c:numCache>
             </c:numRef>
           </c:val>
-          <c:extLst xmlns:c16r2="http://schemas.microsoft.com/office/drawing/2015/06/chart">
+          <c:extLst>
             <c:ext xmlns:c16="http://schemas.microsoft.com/office/drawing/2014/chart" uri="{C3380CC4-5D6E-409C-BE32-E72D297353CC}">
               <c16:uniqueId val="{00000000-2A2A-4981-AA07-1639AC635C24}"/>
             </c:ext>
@@ -1314,6 +1449,7 @@
             </a:ln>
             <a:effectLst/>
           </c:spPr>
+          <c:invertIfNegative val="0"/>
           <c:cat>
             <c:strRef>
               <c:f>Sheet1!$A$2:$A$4</c:f>
@@ -1349,12 +1485,20 @@
               </c:numCache>
             </c:numRef>
           </c:val>
-          <c:extLst xmlns:c16r2="http://schemas.microsoft.com/office/drawing/2015/06/chart">
+          <c:extLst>
             <c:ext xmlns:c16="http://schemas.microsoft.com/office/drawing/2014/chart" uri="{C3380CC4-5D6E-409C-BE32-E72D297353CC}">
               <c16:uniqueId val="{00000001-2A2A-4981-AA07-1639AC635C24}"/>
             </c:ext>
           </c:extLst>
         </c:ser>
+        <c:dLbls>
+          <c:showLegendKey val="0"/>
+          <c:showVal val="0"/>
+          <c:showCatName val="0"/>
+          <c:showSerName val="0"/>
+          <c:showPercent val="0"/>
+          <c:showBubbleSize val="0"/>
+        </c:dLbls>
         <c:gapWidth val="219"/>
         <c:overlap val="-27"/>
         <c:axId val="148329984"/>
@@ -1365,9 +1509,11 @@
         <c:scaling>
           <c:orientation val="minMax"/>
         </c:scaling>
+        <c:delete val="0"/>
         <c:axPos val="b"/>
         <c:numFmt formatCode="General" sourceLinked="1"/>
         <c:majorTickMark val="none"/>
+        <c:minorTickMark val="none"/>
         <c:tickLblPos val="nextTo"/>
         <c:spPr>
           <a:noFill/>
@@ -1407,12 +1553,14 @@
         <c:auto val="1"/>
         <c:lblAlgn val="ctr"/>
         <c:lblOffset val="100"/>
+        <c:noMultiLvlLbl val="0"/>
       </c:catAx>
       <c:valAx>
         <c:axId val="148331520"/>
         <c:scaling>
           <c:orientation val="minMax"/>
         </c:scaling>
+        <c:delete val="0"/>
         <c:axPos val="l"/>
         <c:majorGridlines>
           <c:spPr>
@@ -1430,6 +1578,7 @@
         </c:majorGridlines>
         <c:numFmt formatCode="General" sourceLinked="1"/>
         <c:majorTickMark val="none"/>
+        <c:minorTickMark val="none"/>
         <c:tickLblPos val="nextTo"/>
         <c:spPr>
           <a:noFill/>
@@ -1472,6 +1621,7 @@
     </c:plotArea>
     <c:legend>
       <c:legendPos val="b"/>
+      <c:overlay val="0"/>
       <c:spPr>
         <a:noFill/>
         <a:ln>
@@ -1502,13 +1652,14 @@
     </c:legend>
     <c:plotVisOnly val="1"/>
     <c:dispBlanksAs val="gap"/>
-    <c:extLst xmlns:c16r2="http://schemas.microsoft.com/office/drawing/2015/06/chart">
+    <c:extLst>
       <c:ext xmlns:c16r3="http://schemas.microsoft.com/office/drawing/2017/03/chart" uri="{56B9EC1D-385E-4148-901F-78D8002777C0}">
         <c16r3:dataDisplayOptions16>
           <c16r3:dispNaAsBlank val="1"/>
         </c16r3:dataDisplayOptions16>
       </c:ext>
     </c:extLst>
+    <c:showDLblsOverMax val="0"/>
   </c:chart>
   <c:spPr>
     <a:noFill/>
@@ -1527,7 +1678,9 @@
       <a:endParaRPr lang="en-US"/>
     </a:p>
   </c:txPr>
-  <c:externalData r:id="rId1"/>
+  <c:externalData r:id="rId3">
+    <c:autoUpdate val="0"/>
+  </c:externalData>
 </c:chartSpace>
 </file>
 
@@ -3187,7 +3340,7 @@
           <p:cNvPr id="2" name="Header Placeholder 1">
             <a:extLst>
               <a:ext uri="{FF2B5EF4-FFF2-40B4-BE49-F238E27FC236}">
-                <a16:creationId xmlns:a16="http://schemas.microsoft.com/office/drawing/2014/main" xmlns="" id="{CCAAC74A-664E-43D3-859E-B35855730DBB}"/>
+                <a16:creationId xmlns:a16="http://schemas.microsoft.com/office/drawing/2014/main" id="{CCAAC74A-664E-43D3-859E-B35855730DBB}"/>
               </a:ext>
             </a:extLst>
           </p:cNvPr>
@@ -3224,7 +3377,7 @@
           <p:cNvPr id="3" name="Date Placeholder 2">
             <a:extLst>
               <a:ext uri="{FF2B5EF4-FFF2-40B4-BE49-F238E27FC236}">
-                <a16:creationId xmlns:a16="http://schemas.microsoft.com/office/drawing/2014/main" xmlns="" id="{2710C658-31F9-4A67-8267-E3463B262A30}"/>
+                <a16:creationId xmlns:a16="http://schemas.microsoft.com/office/drawing/2014/main" id="{2710C658-31F9-4A67-8267-E3463B262A30}"/>
               </a:ext>
             </a:extLst>
           </p:cNvPr>
@@ -3255,7 +3408,7 @@
             <a:fld id="{23AD794A-17F4-48F7-A14F-39DCAE091952}" type="datetimeFigureOut">
               <a:rPr lang="en-US" smtClean="0"/>
               <a:pPr/>
-              <a:t>11-May-23</a:t>
+              <a:t>6/23/2023</a:t>
             </a:fld>
             <a:endParaRPr lang="en-US" dirty="0"/>
           </a:p>
@@ -3266,7 +3419,7 @@
           <p:cNvPr id="4" name="Footer Placeholder 3">
             <a:extLst>
               <a:ext uri="{FF2B5EF4-FFF2-40B4-BE49-F238E27FC236}">
-                <a16:creationId xmlns:a16="http://schemas.microsoft.com/office/drawing/2014/main" xmlns="" id="{CD7BBBF1-3A7A-4F4B-8592-578ABE65B71F}"/>
+                <a16:creationId xmlns:a16="http://schemas.microsoft.com/office/drawing/2014/main" id="{CD7BBBF1-3A7A-4F4B-8592-578ABE65B71F}"/>
               </a:ext>
             </a:extLst>
           </p:cNvPr>
@@ -3303,7 +3456,7 @@
           <p:cNvPr id="5" name="Slide Number Placeholder 4">
             <a:extLst>
               <a:ext uri="{FF2B5EF4-FFF2-40B4-BE49-F238E27FC236}">
-                <a16:creationId xmlns:a16="http://schemas.microsoft.com/office/drawing/2014/main" xmlns="" id="{CA02F046-B531-4374-9A89-AC21BCA06E1B}"/>
+                <a16:creationId xmlns:a16="http://schemas.microsoft.com/office/drawing/2014/main" id="{CA02F046-B531-4374-9A89-AC21BCA06E1B}"/>
               </a:ext>
             </a:extLst>
           </p:cNvPr>
@@ -3343,7 +3496,7 @@
     </p:spTree>
     <p:extLst>
       <p:ext uri="{BB962C8B-B14F-4D97-AF65-F5344CB8AC3E}">
-        <p14:creationId xmlns:p14="http://schemas.microsoft.com/office/powerpoint/2010/main" xmlns="" val="900527363"/>
+        <p14:creationId xmlns:p14="http://schemas.microsoft.com/office/powerpoint/2010/main" val="900527363"/>
       </p:ext>
     </p:extLst>
   </p:cSld>
@@ -3434,7 +3587,7 @@
             <a:fld id="{594C6A87-CC60-415C-BFEE-13D1CAD6861A}" type="datetimeFigureOut">
               <a:rPr lang="en-US" smtClean="0"/>
               <a:pPr/>
-              <a:t>11-May-23</a:t>
+              <a:t>6/23/2023</a:t>
             </a:fld>
             <a:endParaRPr lang="en-US" dirty="0"/>
           </a:p>
@@ -3602,7 +3755,7 @@
     </p:spTree>
     <p:extLst>
       <p:ext uri="{BB962C8B-B14F-4D97-AF65-F5344CB8AC3E}">
-        <p14:creationId xmlns:p14="http://schemas.microsoft.com/office/powerpoint/2010/main" xmlns="" val="1300625787"/>
+        <p14:creationId xmlns:p14="http://schemas.microsoft.com/office/powerpoint/2010/main" val="1300625787"/>
       </p:ext>
     </p:extLst>
   </p:cSld>
@@ -3782,9 +3935,7 @@
         </p:style>
         <p:txBody>
           <a:bodyPr anchor="ctr"/>
-          <a:lstStyle>
-            <a:extLst/>
-          </a:lstStyle>
+          <a:lstStyle/>
           <a:p>
             <a:pPr algn="ctr" eaLnBrk="1" latinLnBrk="0" hangingPunct="1"/>
             <a:endParaRPr kumimoji="0" lang="en-US"/>
@@ -3837,10 +3988,9 @@
           </a:lstStyle>
           <a:p>
             <a:r>
-              <a:rPr kumimoji="0" lang="en-US" smtClean="0"/>
+              <a:rPr kumimoji="0" lang="en-US"/>
               <a:t>Click to edit Master title style</a:t>
             </a:r>
-            <a:endParaRPr kumimoji="0" lang="en-US"/>
           </a:p>
         </p:txBody>
       </p:sp>
@@ -3899,10 +4049,9 @@
           </a:lstStyle>
           <a:p>
             <a:r>
-              <a:rPr kumimoji="0" lang="en-US" smtClean="0"/>
+              <a:rPr kumimoji="0" lang="en-US"/>
               <a:t>Click to edit Master subtitle style</a:t>
             </a:r>
-            <a:endParaRPr kumimoji="0" lang="en-US"/>
           </a:p>
         </p:txBody>
       </p:sp>
@@ -3997,9 +4146,7 @@
           </p:spPr>
           <p:txBody>
             <a:bodyPr vert="horz" wrap="square" lIns="91440" tIns="45720" rIns="91440" bIns="45720" anchor="t" compatLnSpc="1"/>
-            <a:lstStyle>
-              <a:extLst/>
-            </a:lstStyle>
+            <a:lstStyle/>
             <a:p>
               <a:endParaRPr kumimoji="0" lang="en-US"/>
             </a:p>
@@ -4079,9 +4226,7 @@
           </p:spPr>
           <p:txBody>
             <a:bodyPr vert="horz" wrap="square" lIns="91440" tIns="45720" rIns="91440" bIns="45720" anchor="t" compatLnSpc="1"/>
-            <a:lstStyle>
-              <a:extLst/>
-            </a:lstStyle>
+            <a:lstStyle/>
             <a:p>
               <a:endParaRPr kumimoji="0" lang="en-US"/>
             </a:p>
@@ -4238,9 +4383,7 @@
           </p:style>
           <p:txBody>
             <a:bodyPr vert="horz" wrap="square" lIns="91440" tIns="45720" rIns="91440" bIns="45720" anchor="ctr" compatLnSpc="1"/>
-            <a:lstStyle>
-              <a:extLst/>
-            </a:lstStyle>
+            <a:lstStyle/>
             <a:p>
               <a:pPr algn="ctr" eaLnBrk="1" latinLnBrk="0" hangingPunct="1"/>
               <a:endParaRPr kumimoji="0" lang="en-US"/>
@@ -4328,7 +4471,7 @@
             <a:fld id="{64BF4833-09CA-4F95-9AA9-D45BF689F777}" type="datetimeFigureOut">
               <a:rPr lang="en-IN" smtClean="0"/>
               <a:pPr/>
-              <a:t>11-05-2023</a:t>
+              <a:t>23-06-2023</a:t>
             </a:fld>
             <a:endParaRPr lang="en-IN"/>
           </a:p>
@@ -4436,15 +4579,12 @@
         <p:spPr/>
         <p:txBody>
           <a:bodyPr/>
-          <a:lstStyle>
-            <a:extLst/>
-          </a:lstStyle>
-          <a:p>
-            <a:r>
-              <a:rPr kumimoji="0" lang="en-US" smtClean="0"/>
+          <a:lstStyle/>
+          <a:p>
+            <a:r>
+              <a:rPr kumimoji="0" lang="en-US"/>
               <a:t>Click to edit Master title style</a:t>
             </a:r>
-            <a:endParaRPr kumimoji="0" lang="en-US"/>
           </a:p>
         </p:txBody>
       </p:sp>
@@ -4466,41 +4606,39 @@
         </p:spPr>
         <p:txBody>
           <a:bodyPr vert="eaVert"/>
-          <a:lstStyle>
-            <a:extLst/>
-          </a:lstStyle>
+          <a:lstStyle/>
           <a:p>
             <a:pPr lvl="0" eaLnBrk="1" latinLnBrk="0" hangingPunct="1"/>
             <a:r>
-              <a:rPr lang="en-US" smtClean="0"/>
+              <a:rPr lang="en-US"/>
               <a:t>Click to edit Master text styles</a:t>
             </a:r>
           </a:p>
           <a:p>
             <a:pPr lvl="1" eaLnBrk="1" latinLnBrk="0" hangingPunct="1"/>
             <a:r>
-              <a:rPr lang="en-US" smtClean="0"/>
+              <a:rPr lang="en-US"/>
               <a:t>Second level</a:t>
             </a:r>
           </a:p>
           <a:p>
             <a:pPr lvl="2" eaLnBrk="1" latinLnBrk="0" hangingPunct="1"/>
             <a:r>
-              <a:rPr lang="en-US" smtClean="0"/>
+              <a:rPr lang="en-US"/>
               <a:t>Third level</a:t>
             </a:r>
           </a:p>
           <a:p>
             <a:pPr lvl="3" eaLnBrk="1" latinLnBrk="0" hangingPunct="1"/>
             <a:r>
-              <a:rPr lang="en-US" smtClean="0"/>
+              <a:rPr lang="en-US"/>
               <a:t>Fourth level</a:t>
             </a:r>
           </a:p>
           <a:p>
             <a:pPr lvl="4" eaLnBrk="1" latinLnBrk="0" hangingPunct="1"/>
             <a:r>
-              <a:rPr lang="en-US" smtClean="0"/>
+              <a:rPr lang="en-US"/>
               <a:t>Fifth level</a:t>
             </a:r>
             <a:endParaRPr kumimoji="0" lang="en-US"/>
@@ -4520,14 +4658,12 @@
         <p:spPr/>
         <p:txBody>
           <a:bodyPr/>
-          <a:lstStyle>
-            <a:extLst/>
-          </a:lstStyle>
+          <a:lstStyle/>
           <a:p>
             <a:fld id="{64BF4833-09CA-4F95-9AA9-D45BF689F777}" type="datetimeFigureOut">
               <a:rPr lang="en-IN" smtClean="0"/>
               <a:pPr/>
-              <a:t>11-05-2023</a:t>
+              <a:t>23-06-2023</a:t>
             </a:fld>
             <a:endParaRPr lang="en-IN"/>
           </a:p>
@@ -4546,9 +4682,7 @@
         <p:spPr/>
         <p:txBody>
           <a:bodyPr/>
-          <a:lstStyle>
-            <a:extLst/>
-          </a:lstStyle>
+          <a:lstStyle/>
           <a:p>
             <a:endParaRPr lang="en-IN"/>
           </a:p>
@@ -4567,9 +4701,7 @@
         <p:spPr/>
         <p:txBody>
           <a:bodyPr/>
-          <a:lstStyle>
-            <a:extLst/>
-          </a:lstStyle>
+          <a:lstStyle/>
           <a:p>
             <a:fld id="{03DC2DEF-D2FE-4B45-ABA4-9F153FD1C98A}" type="slidenum">
               <a:rPr lang="en-US" smtClean="0"/>
@@ -4624,15 +4756,12 @@
         </p:spPr>
         <p:txBody>
           <a:bodyPr vert="eaVert"/>
-          <a:lstStyle>
-            <a:extLst/>
-          </a:lstStyle>
-          <a:p>
-            <a:r>
-              <a:rPr kumimoji="0" lang="en-US" smtClean="0"/>
+          <a:lstStyle/>
+          <a:p>
+            <a:r>
+              <a:rPr kumimoji="0" lang="en-US"/>
               <a:t>Click to edit Master title style</a:t>
             </a:r>
-            <a:endParaRPr kumimoji="0" lang="en-US"/>
           </a:p>
         </p:txBody>
       </p:sp>
@@ -4654,41 +4783,39 @@
         </p:spPr>
         <p:txBody>
           <a:bodyPr vert="eaVert"/>
-          <a:lstStyle>
-            <a:extLst/>
-          </a:lstStyle>
+          <a:lstStyle/>
           <a:p>
             <a:pPr lvl="0" eaLnBrk="1" latinLnBrk="0" hangingPunct="1"/>
             <a:r>
-              <a:rPr lang="en-US" smtClean="0"/>
+              <a:rPr lang="en-US"/>
               <a:t>Click to edit Master text styles</a:t>
             </a:r>
           </a:p>
           <a:p>
             <a:pPr lvl="1" eaLnBrk="1" latinLnBrk="0" hangingPunct="1"/>
             <a:r>
-              <a:rPr lang="en-US" smtClean="0"/>
+              <a:rPr lang="en-US"/>
               <a:t>Second level</a:t>
             </a:r>
           </a:p>
           <a:p>
             <a:pPr lvl="2" eaLnBrk="1" latinLnBrk="0" hangingPunct="1"/>
             <a:r>
-              <a:rPr lang="en-US" smtClean="0"/>
+              <a:rPr lang="en-US"/>
               <a:t>Third level</a:t>
             </a:r>
           </a:p>
           <a:p>
             <a:pPr lvl="3" eaLnBrk="1" latinLnBrk="0" hangingPunct="1"/>
             <a:r>
-              <a:rPr lang="en-US" smtClean="0"/>
+              <a:rPr lang="en-US"/>
               <a:t>Fourth level</a:t>
             </a:r>
           </a:p>
           <a:p>
             <a:pPr lvl="4" eaLnBrk="1" latinLnBrk="0" hangingPunct="1"/>
             <a:r>
-              <a:rPr lang="en-US" smtClean="0"/>
+              <a:rPr lang="en-US"/>
               <a:t>Fifth level</a:t>
             </a:r>
             <a:endParaRPr kumimoji="0" lang="en-US"/>
@@ -4708,14 +4835,12 @@
         <p:spPr/>
         <p:txBody>
           <a:bodyPr/>
-          <a:lstStyle>
-            <a:extLst/>
-          </a:lstStyle>
+          <a:lstStyle/>
           <a:p>
             <a:fld id="{64BF4833-09CA-4F95-9AA9-D45BF689F777}" type="datetimeFigureOut">
               <a:rPr lang="en-IN" smtClean="0"/>
               <a:pPr/>
-              <a:t>11-05-2023</a:t>
+              <a:t>23-06-2023</a:t>
             </a:fld>
             <a:endParaRPr lang="en-IN"/>
           </a:p>
@@ -4734,9 +4859,7 @@
         <p:spPr/>
         <p:txBody>
           <a:bodyPr/>
-          <a:lstStyle>
-            <a:extLst/>
-          </a:lstStyle>
+          <a:lstStyle/>
           <a:p>
             <a:endParaRPr lang="en-IN"/>
           </a:p>
@@ -4755,9 +4878,7 @@
         <p:spPr/>
         <p:txBody>
           <a:bodyPr/>
-          <a:lstStyle>
-            <a:extLst/>
-          </a:lstStyle>
+          <a:lstStyle/>
           <a:p>
             <a:fld id="{03DC2DEF-D2FE-4B45-ABA4-9F153FD1C98A}" type="slidenum">
               <a:rPr lang="en-US" smtClean="0"/>
@@ -4799,7 +4920,7 @@
           <p:cNvPr id="7" name="Rectangle 6">
             <a:extLst>
               <a:ext uri="{FF2B5EF4-FFF2-40B4-BE49-F238E27FC236}">
-                <a16:creationId xmlns:a16="http://schemas.microsoft.com/office/drawing/2014/main" xmlns="" id="{76607FB0-0FB2-41FD-B334-74C7B05B8CEE}"/>
+                <a16:creationId xmlns:a16="http://schemas.microsoft.com/office/drawing/2014/main" id="{76607FB0-0FB2-41FD-B334-74C7B05B8CEE}"/>
               </a:ext>
             </a:extLst>
           </p:cNvPr>
@@ -4851,7 +4972,7 @@
           <p:cNvPr id="8" name="Rectangle 7">
             <a:extLst>
               <a:ext uri="{FF2B5EF4-FFF2-40B4-BE49-F238E27FC236}">
-                <a16:creationId xmlns:a16="http://schemas.microsoft.com/office/drawing/2014/main" xmlns="" id="{21508BC1-7ABB-42C8-B268-3C6F4FD455DE}"/>
+                <a16:creationId xmlns:a16="http://schemas.microsoft.com/office/drawing/2014/main" id="{21508BC1-7ABB-42C8-B268-3C6F4FD455DE}"/>
               </a:ext>
             </a:extLst>
           </p:cNvPr>
@@ -4903,7 +5024,7 @@
           <p:cNvPr id="9" name="Picture Placeholder 8">
             <a:extLst>
               <a:ext uri="{FF2B5EF4-FFF2-40B4-BE49-F238E27FC236}">
-                <a16:creationId xmlns:a16="http://schemas.microsoft.com/office/drawing/2014/main" xmlns="" id="{2D02598E-521E-41CD-B068-134834CFF4FF}"/>
+                <a16:creationId xmlns:a16="http://schemas.microsoft.com/office/drawing/2014/main" id="{2D02598E-521E-41CD-B068-134834CFF4FF}"/>
               </a:ext>
             </a:extLst>
           </p:cNvPr>
@@ -4949,7 +5070,7 @@
           <p:cNvPr id="10" name="Rectangle 9">
             <a:extLst>
               <a:ext uri="{FF2B5EF4-FFF2-40B4-BE49-F238E27FC236}">
-                <a16:creationId xmlns:a16="http://schemas.microsoft.com/office/drawing/2014/main" xmlns="" id="{F04A5F51-C7E6-44CC-ADF3-1C83AA35D0DC}"/>
+                <a16:creationId xmlns:a16="http://schemas.microsoft.com/office/drawing/2014/main" id="{F04A5F51-C7E6-44CC-ADF3-1C83AA35D0DC}"/>
               </a:ext>
             </a:extLst>
           </p:cNvPr>
@@ -5001,7 +5122,7 @@
           <p:cNvPr id="2" name="Title 1">
             <a:extLst>
               <a:ext uri="{FF2B5EF4-FFF2-40B4-BE49-F238E27FC236}">
-                <a16:creationId xmlns:a16="http://schemas.microsoft.com/office/drawing/2014/main" xmlns="" id="{4E8B51C6-9166-4F67-995A-396809E6533C}"/>
+                <a16:creationId xmlns:a16="http://schemas.microsoft.com/office/drawing/2014/main" id="{4E8B51C6-9166-4F67-995A-396809E6533C}"/>
               </a:ext>
             </a:extLst>
           </p:cNvPr>
@@ -5043,7 +5164,7 @@
           <p:cNvPr id="3" name="Subtitle 2">
             <a:extLst>
               <a:ext uri="{FF2B5EF4-FFF2-40B4-BE49-F238E27FC236}">
-                <a16:creationId xmlns:a16="http://schemas.microsoft.com/office/drawing/2014/main" xmlns="" id="{A951C9A4-8764-4CB3-AC26-C957C0E84BCD}"/>
+                <a16:creationId xmlns:a16="http://schemas.microsoft.com/office/drawing/2014/main" id="{A951C9A4-8764-4CB3-AC26-C957C0E84BCD}"/>
               </a:ext>
             </a:extLst>
           </p:cNvPr>
@@ -5116,7 +5237,7 @@
     </p:spTree>
     <p:extLst>
       <p:ext uri="{BB962C8B-B14F-4D97-AF65-F5344CB8AC3E}">
-        <p14:creationId xmlns:p14="http://schemas.microsoft.com/office/powerpoint/2010/main" xmlns="" val="3043890197"/>
+        <p14:creationId xmlns:p14="http://schemas.microsoft.com/office/powerpoint/2010/main" val="3043890197"/>
       </p:ext>
     </p:extLst>
   </p:cSld>
@@ -5148,7 +5269,7 @@
           <p:cNvPr id="18" name="Rectangle 17">
             <a:extLst>
               <a:ext uri="{FF2B5EF4-FFF2-40B4-BE49-F238E27FC236}">
-                <a16:creationId xmlns:a16="http://schemas.microsoft.com/office/drawing/2014/main" xmlns="" id="{1DD2DC66-11E4-4714-A8DE-E8AC34D49655}"/>
+                <a16:creationId xmlns:a16="http://schemas.microsoft.com/office/drawing/2014/main" id="{1DD2DC66-11E4-4714-A8DE-E8AC34D49655}"/>
               </a:ext>
             </a:extLst>
           </p:cNvPr>
@@ -5200,7 +5321,7 @@
           <p:cNvPr id="21" name="Rectangle 20">
             <a:extLst>
               <a:ext uri="{FF2B5EF4-FFF2-40B4-BE49-F238E27FC236}">
-                <a16:creationId xmlns:a16="http://schemas.microsoft.com/office/drawing/2014/main" xmlns="" id="{8CD9ECBB-3A0A-409C-B1C0-C8F4C3087894}"/>
+                <a16:creationId xmlns:a16="http://schemas.microsoft.com/office/drawing/2014/main" id="{8CD9ECBB-3A0A-409C-B1C0-C8F4C3087894}"/>
               </a:ext>
             </a:extLst>
           </p:cNvPr>
@@ -5252,7 +5373,7 @@
           <p:cNvPr id="22" name="Rectangle 21">
             <a:extLst>
               <a:ext uri="{FF2B5EF4-FFF2-40B4-BE49-F238E27FC236}">
-                <a16:creationId xmlns:a16="http://schemas.microsoft.com/office/drawing/2014/main" xmlns="" id="{6FB4FA2C-0414-484D-95CD-C5E17E33E238}"/>
+                <a16:creationId xmlns:a16="http://schemas.microsoft.com/office/drawing/2014/main" id="{6FB4FA2C-0414-484D-95CD-C5E17E33E238}"/>
               </a:ext>
             </a:extLst>
           </p:cNvPr>
@@ -5304,7 +5425,7 @@
           <p:cNvPr id="25" name="Rectangle 24">
             <a:extLst>
               <a:ext uri="{FF2B5EF4-FFF2-40B4-BE49-F238E27FC236}">
-                <a16:creationId xmlns:a16="http://schemas.microsoft.com/office/drawing/2014/main" xmlns="" id="{8D0DE753-6478-4950-8F99-15952FCB6521}"/>
+                <a16:creationId xmlns:a16="http://schemas.microsoft.com/office/drawing/2014/main" id="{8D0DE753-6478-4950-8F99-15952FCB6521}"/>
               </a:ext>
             </a:extLst>
           </p:cNvPr>
@@ -5356,7 +5477,7 @@
           <p:cNvPr id="2" name="Title 1">
             <a:extLst>
               <a:ext uri="{FF2B5EF4-FFF2-40B4-BE49-F238E27FC236}">
-                <a16:creationId xmlns:a16="http://schemas.microsoft.com/office/drawing/2014/main" xmlns="" id="{BADB3C88-F13B-4B5F-920D-B4EFFAA592E5}"/>
+                <a16:creationId xmlns:a16="http://schemas.microsoft.com/office/drawing/2014/main" id="{BADB3C88-F13B-4B5F-920D-B4EFFAA592E5}"/>
               </a:ext>
             </a:extLst>
           </p:cNvPr>
@@ -5390,7 +5511,7 @@
           <p:cNvPr id="17" name="Slide Number Placeholder 4">
             <a:extLst>
               <a:ext uri="{FF2B5EF4-FFF2-40B4-BE49-F238E27FC236}">
-                <a16:creationId xmlns:a16="http://schemas.microsoft.com/office/drawing/2014/main" xmlns="" id="{76336E3A-55EE-4423-B1AA-7489CA988813}"/>
+                <a16:creationId xmlns:a16="http://schemas.microsoft.com/office/drawing/2014/main" id="{76336E3A-55EE-4423-B1AA-7489CA988813}"/>
               </a:ext>
             </a:extLst>
           </p:cNvPr>
@@ -5425,7 +5546,7 @@
           <p:cNvPr id="24" name="Straight Connector 23">
             <a:extLst>
               <a:ext uri="{FF2B5EF4-FFF2-40B4-BE49-F238E27FC236}">
-                <a16:creationId xmlns:a16="http://schemas.microsoft.com/office/drawing/2014/main" xmlns="" id="{0C61EA57-B8EA-4589-A9DD-E25F300D5AFD}"/>
+                <a16:creationId xmlns:a16="http://schemas.microsoft.com/office/drawing/2014/main" id="{0C61EA57-B8EA-4589-A9DD-E25F300D5AFD}"/>
               </a:ext>
             </a:extLst>
           </p:cNvPr>
@@ -5466,7 +5587,7 @@
           <p:cNvPr id="43" name="Picture Placeholder 33">
             <a:extLst>
               <a:ext uri="{FF2B5EF4-FFF2-40B4-BE49-F238E27FC236}">
-                <a16:creationId xmlns:a16="http://schemas.microsoft.com/office/drawing/2014/main" xmlns="" id="{1644FD94-AD03-4C4F-A1A5-085DD8F56646}"/>
+                <a16:creationId xmlns:a16="http://schemas.microsoft.com/office/drawing/2014/main" id="{1644FD94-AD03-4C4F-A1A5-085DD8F56646}"/>
               </a:ext>
             </a:extLst>
           </p:cNvPr>
@@ -5511,7 +5632,7 @@
           <p:cNvPr id="28" name="Picture Placeholder 33">
             <a:extLst>
               <a:ext uri="{FF2B5EF4-FFF2-40B4-BE49-F238E27FC236}">
-                <a16:creationId xmlns:a16="http://schemas.microsoft.com/office/drawing/2014/main" xmlns="" id="{85BB27A3-DB87-46F4-8CA4-3C04A088E787}"/>
+                <a16:creationId xmlns:a16="http://schemas.microsoft.com/office/drawing/2014/main" id="{85BB27A3-DB87-46F4-8CA4-3C04A088E787}"/>
               </a:ext>
             </a:extLst>
           </p:cNvPr>
@@ -5556,7 +5677,7 @@
           <p:cNvPr id="29" name="Picture Placeholder 33">
             <a:extLst>
               <a:ext uri="{FF2B5EF4-FFF2-40B4-BE49-F238E27FC236}">
-                <a16:creationId xmlns:a16="http://schemas.microsoft.com/office/drawing/2014/main" xmlns="" id="{F356E399-83ED-4937-A1CC-F591866C0E8C}"/>
+                <a16:creationId xmlns:a16="http://schemas.microsoft.com/office/drawing/2014/main" id="{F356E399-83ED-4937-A1CC-F591866C0E8C}"/>
               </a:ext>
             </a:extLst>
           </p:cNvPr>
@@ -5601,7 +5722,7 @@
           <p:cNvPr id="30" name="Picture Placeholder 33">
             <a:extLst>
               <a:ext uri="{FF2B5EF4-FFF2-40B4-BE49-F238E27FC236}">
-                <a16:creationId xmlns:a16="http://schemas.microsoft.com/office/drawing/2014/main" xmlns="" id="{0967254B-CF1D-4F0D-A7F6-EC4E117B7509}"/>
+                <a16:creationId xmlns:a16="http://schemas.microsoft.com/office/drawing/2014/main" id="{0967254B-CF1D-4F0D-A7F6-EC4E117B7509}"/>
               </a:ext>
             </a:extLst>
           </p:cNvPr>
@@ -5646,7 +5767,7 @@
           <p:cNvPr id="31" name="Text Placeholder 39">
             <a:extLst>
               <a:ext uri="{FF2B5EF4-FFF2-40B4-BE49-F238E27FC236}">
-                <a16:creationId xmlns:a16="http://schemas.microsoft.com/office/drawing/2014/main" xmlns="" id="{0CEF6C35-6F7B-43AD-9E4D-44C2F8A7DFAC}"/>
+                <a16:creationId xmlns:a16="http://schemas.microsoft.com/office/drawing/2014/main" id="{0CEF6C35-6F7B-43AD-9E4D-44C2F8A7DFAC}"/>
               </a:ext>
             </a:extLst>
           </p:cNvPr>
@@ -5724,7 +5845,7 @@
           <p:cNvPr id="33" name="Text Placeholder 39">
             <a:extLst>
               <a:ext uri="{FF2B5EF4-FFF2-40B4-BE49-F238E27FC236}">
-                <a16:creationId xmlns:a16="http://schemas.microsoft.com/office/drawing/2014/main" xmlns="" id="{44EF032C-161A-4C58-B624-66488C255E1F}"/>
+                <a16:creationId xmlns:a16="http://schemas.microsoft.com/office/drawing/2014/main" id="{44EF032C-161A-4C58-B624-66488C255E1F}"/>
               </a:ext>
             </a:extLst>
           </p:cNvPr>
@@ -5802,7 +5923,7 @@
           <p:cNvPr id="37" name="Text Placeholder 39">
             <a:extLst>
               <a:ext uri="{FF2B5EF4-FFF2-40B4-BE49-F238E27FC236}">
-                <a16:creationId xmlns:a16="http://schemas.microsoft.com/office/drawing/2014/main" xmlns="" id="{ACF86334-F4A8-4CCD-944F-524700CD8386}"/>
+                <a16:creationId xmlns:a16="http://schemas.microsoft.com/office/drawing/2014/main" id="{ACF86334-F4A8-4CCD-944F-524700CD8386}"/>
               </a:ext>
             </a:extLst>
           </p:cNvPr>
@@ -5880,7 +6001,7 @@
           <p:cNvPr id="38" name="Text Placeholder 39">
             <a:extLst>
               <a:ext uri="{FF2B5EF4-FFF2-40B4-BE49-F238E27FC236}">
-                <a16:creationId xmlns:a16="http://schemas.microsoft.com/office/drawing/2014/main" xmlns="" id="{135B4AC9-821C-4D70-8A4A-1992394DE432}"/>
+                <a16:creationId xmlns:a16="http://schemas.microsoft.com/office/drawing/2014/main" id="{135B4AC9-821C-4D70-8A4A-1992394DE432}"/>
               </a:ext>
             </a:extLst>
           </p:cNvPr>
@@ -5958,7 +6079,7 @@
           <p:cNvPr id="40" name="Text Placeholder 39">
             <a:extLst>
               <a:ext uri="{FF2B5EF4-FFF2-40B4-BE49-F238E27FC236}">
-                <a16:creationId xmlns:a16="http://schemas.microsoft.com/office/drawing/2014/main" xmlns="" id="{D2CF516C-7598-43D3-95E9-5633F8F4469B}"/>
+                <a16:creationId xmlns:a16="http://schemas.microsoft.com/office/drawing/2014/main" id="{D2CF516C-7598-43D3-95E9-5633F8F4469B}"/>
               </a:ext>
             </a:extLst>
           </p:cNvPr>
@@ -6036,7 +6157,7 @@
           <p:cNvPr id="41" name="Text Placeholder 39">
             <a:extLst>
               <a:ext uri="{FF2B5EF4-FFF2-40B4-BE49-F238E27FC236}">
-                <a16:creationId xmlns:a16="http://schemas.microsoft.com/office/drawing/2014/main" xmlns="" id="{12A6084C-5383-4EFC-8D49-33C5B61E6492}"/>
+                <a16:creationId xmlns:a16="http://schemas.microsoft.com/office/drawing/2014/main" id="{12A6084C-5383-4EFC-8D49-33C5B61E6492}"/>
               </a:ext>
             </a:extLst>
           </p:cNvPr>
@@ -6114,7 +6235,7 @@
           <p:cNvPr id="42" name="Text Placeholder 39">
             <a:extLst>
               <a:ext uri="{FF2B5EF4-FFF2-40B4-BE49-F238E27FC236}">
-                <a16:creationId xmlns:a16="http://schemas.microsoft.com/office/drawing/2014/main" xmlns="" id="{EFC5493B-D3CF-41B9-A996-7FBE932504B8}"/>
+                <a16:creationId xmlns:a16="http://schemas.microsoft.com/office/drawing/2014/main" id="{EFC5493B-D3CF-41B9-A996-7FBE932504B8}"/>
               </a:ext>
             </a:extLst>
           </p:cNvPr>
@@ -6192,7 +6313,7 @@
           <p:cNvPr id="44" name="Text Placeholder 39">
             <a:extLst>
               <a:ext uri="{FF2B5EF4-FFF2-40B4-BE49-F238E27FC236}">
-                <a16:creationId xmlns:a16="http://schemas.microsoft.com/office/drawing/2014/main" xmlns="" id="{33A98F60-C169-44C1-9654-2239C9C1F29A}"/>
+                <a16:creationId xmlns:a16="http://schemas.microsoft.com/office/drawing/2014/main" id="{33A98F60-C169-44C1-9654-2239C9C1F29A}"/>
               </a:ext>
             </a:extLst>
           </p:cNvPr>
@@ -6268,7 +6389,7 @@
     </p:spTree>
     <p:extLst>
       <p:ext uri="{BB962C8B-B14F-4D97-AF65-F5344CB8AC3E}">
-        <p14:creationId xmlns:p14="http://schemas.microsoft.com/office/powerpoint/2010/main" xmlns="" val="3273004770"/>
+        <p14:creationId xmlns:p14="http://schemas.microsoft.com/office/powerpoint/2010/main" val="3273004770"/>
       </p:ext>
     </p:extLst>
   </p:cSld>
@@ -6300,7 +6421,7 @@
           <p:cNvPr id="7" name="Rectangle 6">
             <a:extLst>
               <a:ext uri="{FF2B5EF4-FFF2-40B4-BE49-F238E27FC236}">
-                <a16:creationId xmlns:a16="http://schemas.microsoft.com/office/drawing/2014/main" xmlns="" id="{76607FB0-0FB2-41FD-B334-74C7B05B8CEE}"/>
+                <a16:creationId xmlns:a16="http://schemas.microsoft.com/office/drawing/2014/main" id="{76607FB0-0FB2-41FD-B334-74C7B05B8CEE}"/>
               </a:ext>
             </a:extLst>
           </p:cNvPr>
@@ -6352,7 +6473,7 @@
           <p:cNvPr id="9" name="Picture Placeholder 8">
             <a:extLst>
               <a:ext uri="{FF2B5EF4-FFF2-40B4-BE49-F238E27FC236}">
-                <a16:creationId xmlns:a16="http://schemas.microsoft.com/office/drawing/2014/main" xmlns="" id="{2D02598E-521E-41CD-B068-134834CFF4FF}"/>
+                <a16:creationId xmlns:a16="http://schemas.microsoft.com/office/drawing/2014/main" id="{2D02598E-521E-41CD-B068-134834CFF4FF}"/>
               </a:ext>
             </a:extLst>
           </p:cNvPr>
@@ -6398,7 +6519,7 @@
           <p:cNvPr id="2" name="Title 1">
             <a:extLst>
               <a:ext uri="{FF2B5EF4-FFF2-40B4-BE49-F238E27FC236}">
-                <a16:creationId xmlns:a16="http://schemas.microsoft.com/office/drawing/2014/main" xmlns="" id="{4E8B51C6-9166-4F67-995A-396809E6533C}"/>
+                <a16:creationId xmlns:a16="http://schemas.microsoft.com/office/drawing/2014/main" id="{4E8B51C6-9166-4F67-995A-396809E6533C}"/>
               </a:ext>
             </a:extLst>
           </p:cNvPr>
@@ -6439,7 +6560,7 @@
     </p:spTree>
     <p:extLst>
       <p:ext uri="{BB962C8B-B14F-4D97-AF65-F5344CB8AC3E}">
-        <p14:creationId xmlns:p14="http://schemas.microsoft.com/office/powerpoint/2010/main" xmlns="" val="2757538097"/>
+        <p14:creationId xmlns:p14="http://schemas.microsoft.com/office/powerpoint/2010/main" val="2757538097"/>
       </p:ext>
     </p:extLst>
   </p:cSld>
@@ -6471,7 +6592,7 @@
           <p:cNvPr id="2" name="Title 1">
             <a:extLst>
               <a:ext uri="{FF2B5EF4-FFF2-40B4-BE49-F238E27FC236}">
-                <a16:creationId xmlns:a16="http://schemas.microsoft.com/office/drawing/2014/main" xmlns="" id="{BADB3C88-F13B-4B5F-920D-B4EFFAA592E5}"/>
+                <a16:creationId xmlns:a16="http://schemas.microsoft.com/office/drawing/2014/main" id="{BADB3C88-F13B-4B5F-920D-B4EFFAA592E5}"/>
               </a:ext>
             </a:extLst>
           </p:cNvPr>
@@ -6499,7 +6620,7 @@
           <p:cNvPr id="5" name="Slide Number Placeholder 4">
             <a:extLst>
               <a:ext uri="{FF2B5EF4-FFF2-40B4-BE49-F238E27FC236}">
-                <a16:creationId xmlns:a16="http://schemas.microsoft.com/office/drawing/2014/main" xmlns="" id="{6E5460C4-49C1-4270-BC58-5EEBC77615CD}"/>
+                <a16:creationId xmlns:a16="http://schemas.microsoft.com/office/drawing/2014/main" id="{6E5460C4-49C1-4270-BC58-5EEBC77615CD}"/>
               </a:ext>
             </a:extLst>
           </p:cNvPr>
@@ -6529,7 +6650,7 @@
           <p:cNvPr id="24" name="Rectangle 23">
             <a:extLst>
               <a:ext uri="{FF2B5EF4-FFF2-40B4-BE49-F238E27FC236}">
-                <a16:creationId xmlns:a16="http://schemas.microsoft.com/office/drawing/2014/main" xmlns="" id="{E2950CCA-59F9-4C47-A5BA-294E9EDCBABE}"/>
+                <a16:creationId xmlns:a16="http://schemas.microsoft.com/office/drawing/2014/main" id="{E2950CCA-59F9-4C47-A5BA-294E9EDCBABE}"/>
               </a:ext>
             </a:extLst>
           </p:cNvPr>
@@ -6581,7 +6702,7 @@
           <p:cNvPr id="25" name="Rectangle 24">
             <a:extLst>
               <a:ext uri="{FF2B5EF4-FFF2-40B4-BE49-F238E27FC236}">
-                <a16:creationId xmlns:a16="http://schemas.microsoft.com/office/drawing/2014/main" xmlns="" id="{EB5BF167-B9E6-4F02-9FA8-3CA79D552F0E}"/>
+                <a16:creationId xmlns:a16="http://schemas.microsoft.com/office/drawing/2014/main" id="{EB5BF167-B9E6-4F02-9FA8-3CA79D552F0E}"/>
               </a:ext>
             </a:extLst>
           </p:cNvPr>
@@ -6633,7 +6754,7 @@
           <p:cNvPr id="26" name="Rectangle 25">
             <a:extLst>
               <a:ext uri="{FF2B5EF4-FFF2-40B4-BE49-F238E27FC236}">
-                <a16:creationId xmlns:a16="http://schemas.microsoft.com/office/drawing/2014/main" xmlns="" id="{B48694DE-D82B-49DB-8A45-D1DD4C9BCEF1}"/>
+                <a16:creationId xmlns:a16="http://schemas.microsoft.com/office/drawing/2014/main" id="{B48694DE-D82B-49DB-8A45-D1DD4C9BCEF1}"/>
               </a:ext>
             </a:extLst>
           </p:cNvPr>
@@ -6685,7 +6806,7 @@
           <p:cNvPr id="27" name="Rectangle 26">
             <a:extLst>
               <a:ext uri="{FF2B5EF4-FFF2-40B4-BE49-F238E27FC236}">
-                <a16:creationId xmlns:a16="http://schemas.microsoft.com/office/drawing/2014/main" xmlns="" id="{407C1370-8D38-4641-8D37-30A1218A4372}"/>
+                <a16:creationId xmlns:a16="http://schemas.microsoft.com/office/drawing/2014/main" id="{407C1370-8D38-4641-8D37-30A1218A4372}"/>
               </a:ext>
             </a:extLst>
           </p:cNvPr>
@@ -6737,7 +6858,7 @@
           <p:cNvPr id="29" name="Straight Connector 28">
             <a:extLst>
               <a:ext uri="{FF2B5EF4-FFF2-40B4-BE49-F238E27FC236}">
-                <a16:creationId xmlns:a16="http://schemas.microsoft.com/office/drawing/2014/main" xmlns="" id="{CE3EDDE5-9B23-44D7-8546-0B2365B42B16}"/>
+                <a16:creationId xmlns:a16="http://schemas.microsoft.com/office/drawing/2014/main" id="{CE3EDDE5-9B23-44D7-8546-0B2365B42B16}"/>
               </a:ext>
             </a:extLst>
           </p:cNvPr>
@@ -6778,7 +6899,7 @@
           <p:cNvPr id="30" name="Straight Connector 29">
             <a:extLst>
               <a:ext uri="{FF2B5EF4-FFF2-40B4-BE49-F238E27FC236}">
-                <a16:creationId xmlns:a16="http://schemas.microsoft.com/office/drawing/2014/main" xmlns="" id="{B9D259D5-D3C0-4B60-B2D9-9B6DFFD270D8}"/>
+                <a16:creationId xmlns:a16="http://schemas.microsoft.com/office/drawing/2014/main" id="{B9D259D5-D3C0-4B60-B2D9-9B6DFFD270D8}"/>
               </a:ext>
             </a:extLst>
           </p:cNvPr>
@@ -6819,7 +6940,7 @@
           <p:cNvPr id="31" name="Straight Connector 30">
             <a:extLst>
               <a:ext uri="{FF2B5EF4-FFF2-40B4-BE49-F238E27FC236}">
-                <a16:creationId xmlns:a16="http://schemas.microsoft.com/office/drawing/2014/main" xmlns="" id="{0710C392-9E34-4640-AC70-210A1B8C47B5}"/>
+                <a16:creationId xmlns:a16="http://schemas.microsoft.com/office/drawing/2014/main" id="{0710C392-9E34-4640-AC70-210A1B8C47B5}"/>
               </a:ext>
             </a:extLst>
           </p:cNvPr>
@@ -6860,7 +6981,7 @@
           <p:cNvPr id="32" name="Straight Connector 31">
             <a:extLst>
               <a:ext uri="{FF2B5EF4-FFF2-40B4-BE49-F238E27FC236}">
-                <a16:creationId xmlns:a16="http://schemas.microsoft.com/office/drawing/2014/main" xmlns="" id="{D7A92E0B-B060-48FA-A650-36894FF4B216}"/>
+                <a16:creationId xmlns:a16="http://schemas.microsoft.com/office/drawing/2014/main" id="{D7A92E0B-B060-48FA-A650-36894FF4B216}"/>
               </a:ext>
             </a:extLst>
           </p:cNvPr>
@@ -6901,7 +7022,7 @@
           <p:cNvPr id="34" name="Picture Placeholder 33">
             <a:extLst>
               <a:ext uri="{FF2B5EF4-FFF2-40B4-BE49-F238E27FC236}">
-                <a16:creationId xmlns:a16="http://schemas.microsoft.com/office/drawing/2014/main" xmlns="" id="{D9056F2B-EAFD-4A57-BB92-D14816C84DDE}"/>
+                <a16:creationId xmlns:a16="http://schemas.microsoft.com/office/drawing/2014/main" id="{D9056F2B-EAFD-4A57-BB92-D14816C84DDE}"/>
               </a:ext>
             </a:extLst>
           </p:cNvPr>
@@ -6944,7 +7065,7 @@
           <p:cNvPr id="35" name="Picture Placeholder 33">
             <a:extLst>
               <a:ext uri="{FF2B5EF4-FFF2-40B4-BE49-F238E27FC236}">
-                <a16:creationId xmlns:a16="http://schemas.microsoft.com/office/drawing/2014/main" xmlns="" id="{E65006DE-F797-4019-BB72-F484F9FE7E58}"/>
+                <a16:creationId xmlns:a16="http://schemas.microsoft.com/office/drawing/2014/main" id="{E65006DE-F797-4019-BB72-F484F9FE7E58}"/>
               </a:ext>
             </a:extLst>
           </p:cNvPr>
@@ -6987,7 +7108,7 @@
           <p:cNvPr id="36" name="Picture Placeholder 33">
             <a:extLst>
               <a:ext uri="{FF2B5EF4-FFF2-40B4-BE49-F238E27FC236}">
-                <a16:creationId xmlns:a16="http://schemas.microsoft.com/office/drawing/2014/main" xmlns="" id="{0947D252-5545-4406-8764-B7712464DA56}"/>
+                <a16:creationId xmlns:a16="http://schemas.microsoft.com/office/drawing/2014/main" id="{0947D252-5545-4406-8764-B7712464DA56}"/>
               </a:ext>
             </a:extLst>
           </p:cNvPr>
@@ -7030,7 +7151,7 @@
           <p:cNvPr id="38" name="Picture Placeholder 33">
             <a:extLst>
               <a:ext uri="{FF2B5EF4-FFF2-40B4-BE49-F238E27FC236}">
-                <a16:creationId xmlns:a16="http://schemas.microsoft.com/office/drawing/2014/main" xmlns="" id="{DD89F80C-C1D7-4F63-BAD2-F4EE1F9A162F}"/>
+                <a16:creationId xmlns:a16="http://schemas.microsoft.com/office/drawing/2014/main" id="{DD89F80C-C1D7-4F63-BAD2-F4EE1F9A162F}"/>
               </a:ext>
             </a:extLst>
           </p:cNvPr>
@@ -7073,7 +7194,7 @@
           <p:cNvPr id="40" name="Text Placeholder 39">
             <a:extLst>
               <a:ext uri="{FF2B5EF4-FFF2-40B4-BE49-F238E27FC236}">
-                <a16:creationId xmlns:a16="http://schemas.microsoft.com/office/drawing/2014/main" xmlns="" id="{08BBFEC8-B6BE-4768-9284-26D98C06FFC4}"/>
+                <a16:creationId xmlns:a16="http://schemas.microsoft.com/office/drawing/2014/main" id="{08BBFEC8-B6BE-4768-9284-26D98C06FFC4}"/>
               </a:ext>
             </a:extLst>
           </p:cNvPr>
@@ -7150,7 +7271,7 @@
           <p:cNvPr id="41" name="Text Placeholder 39">
             <a:extLst>
               <a:ext uri="{FF2B5EF4-FFF2-40B4-BE49-F238E27FC236}">
-                <a16:creationId xmlns:a16="http://schemas.microsoft.com/office/drawing/2014/main" xmlns="" id="{D12C79C2-427D-418B-8FFA-C27D8F2C986B}"/>
+                <a16:creationId xmlns:a16="http://schemas.microsoft.com/office/drawing/2014/main" id="{D12C79C2-427D-418B-8FFA-C27D8F2C986B}"/>
               </a:ext>
             </a:extLst>
           </p:cNvPr>
@@ -7227,7 +7348,7 @@
           <p:cNvPr id="42" name="Text Placeholder 39">
             <a:extLst>
               <a:ext uri="{FF2B5EF4-FFF2-40B4-BE49-F238E27FC236}">
-                <a16:creationId xmlns:a16="http://schemas.microsoft.com/office/drawing/2014/main" xmlns="" id="{0FD568C4-A06D-4A56-B7D6-AF338F5C329A}"/>
+                <a16:creationId xmlns:a16="http://schemas.microsoft.com/office/drawing/2014/main" id="{0FD568C4-A06D-4A56-B7D6-AF338F5C329A}"/>
               </a:ext>
             </a:extLst>
           </p:cNvPr>
@@ -7304,7 +7425,7 @@
           <p:cNvPr id="43" name="Text Placeholder 39">
             <a:extLst>
               <a:ext uri="{FF2B5EF4-FFF2-40B4-BE49-F238E27FC236}">
-                <a16:creationId xmlns:a16="http://schemas.microsoft.com/office/drawing/2014/main" xmlns="" id="{76B41443-1233-4172-B61C-7CC516D88802}"/>
+                <a16:creationId xmlns:a16="http://schemas.microsoft.com/office/drawing/2014/main" id="{76B41443-1233-4172-B61C-7CC516D88802}"/>
               </a:ext>
             </a:extLst>
           </p:cNvPr>
@@ -7379,7 +7500,7 @@
     </p:spTree>
     <p:extLst>
       <p:ext uri="{BB962C8B-B14F-4D97-AF65-F5344CB8AC3E}">
-        <p14:creationId xmlns:p14="http://schemas.microsoft.com/office/powerpoint/2010/main" xmlns="" val="3843774090"/>
+        <p14:creationId xmlns:p14="http://schemas.microsoft.com/office/powerpoint/2010/main" val="3843774090"/>
       </p:ext>
     </p:extLst>
   </p:cSld>
@@ -7411,7 +7532,7 @@
           <p:cNvPr id="2" name="Title 1">
             <a:extLst>
               <a:ext uri="{FF2B5EF4-FFF2-40B4-BE49-F238E27FC236}">
-                <a16:creationId xmlns:a16="http://schemas.microsoft.com/office/drawing/2014/main" xmlns="" id="{BADB3C88-F13B-4B5F-920D-B4EFFAA592E5}"/>
+                <a16:creationId xmlns:a16="http://schemas.microsoft.com/office/drawing/2014/main" id="{BADB3C88-F13B-4B5F-920D-B4EFFAA592E5}"/>
               </a:ext>
             </a:extLst>
           </p:cNvPr>
@@ -7445,7 +7566,7 @@
           <p:cNvPr id="17" name="Slide Number Placeholder 4">
             <a:extLst>
               <a:ext uri="{FF2B5EF4-FFF2-40B4-BE49-F238E27FC236}">
-                <a16:creationId xmlns:a16="http://schemas.microsoft.com/office/drawing/2014/main" xmlns="" id="{76336E3A-55EE-4423-B1AA-7489CA988813}"/>
+                <a16:creationId xmlns:a16="http://schemas.microsoft.com/office/drawing/2014/main" id="{76336E3A-55EE-4423-B1AA-7489CA988813}"/>
               </a:ext>
             </a:extLst>
           </p:cNvPr>
@@ -7480,7 +7601,7 @@
           <p:cNvPr id="24" name="Straight Connector 23">
             <a:extLst>
               <a:ext uri="{FF2B5EF4-FFF2-40B4-BE49-F238E27FC236}">
-                <a16:creationId xmlns:a16="http://schemas.microsoft.com/office/drawing/2014/main" xmlns="" id="{0C61EA57-B8EA-4589-A9DD-E25F300D5AFD}"/>
+                <a16:creationId xmlns:a16="http://schemas.microsoft.com/office/drawing/2014/main" id="{0C61EA57-B8EA-4589-A9DD-E25F300D5AFD}"/>
               </a:ext>
             </a:extLst>
           </p:cNvPr>
@@ -7521,7 +7642,7 @@
           <p:cNvPr id="4" name="Chart Placeholder 3">
             <a:extLst>
               <a:ext uri="{FF2B5EF4-FFF2-40B4-BE49-F238E27FC236}">
-                <a16:creationId xmlns:a16="http://schemas.microsoft.com/office/drawing/2014/main" xmlns="" id="{56084AEC-DB39-4367-A213-BB2FE4AD38BE}"/>
+                <a16:creationId xmlns:a16="http://schemas.microsoft.com/office/drawing/2014/main" id="{56084AEC-DB39-4367-A213-BB2FE4AD38BE}"/>
               </a:ext>
             </a:extLst>
           </p:cNvPr>
@@ -7562,7 +7683,7 @@
           <p:cNvPr id="25" name="Rectangle 24">
             <a:extLst>
               <a:ext uri="{FF2B5EF4-FFF2-40B4-BE49-F238E27FC236}">
-                <a16:creationId xmlns:a16="http://schemas.microsoft.com/office/drawing/2014/main" xmlns="" id="{D928258E-48B5-471F-BC61-B45FB2CA51BA}"/>
+                <a16:creationId xmlns:a16="http://schemas.microsoft.com/office/drawing/2014/main" id="{D928258E-48B5-471F-BC61-B45FB2CA51BA}"/>
               </a:ext>
             </a:extLst>
           </p:cNvPr>
@@ -7614,7 +7735,7 @@
           <p:cNvPr id="6" name="Text Placeholder 5">
             <a:extLst>
               <a:ext uri="{FF2B5EF4-FFF2-40B4-BE49-F238E27FC236}">
-                <a16:creationId xmlns:a16="http://schemas.microsoft.com/office/drawing/2014/main" xmlns="" id="{9867FAC3-5109-4D5D-8105-FC48313396C4}"/>
+                <a16:creationId xmlns:a16="http://schemas.microsoft.com/office/drawing/2014/main" id="{9867FAC3-5109-4D5D-8105-FC48313396C4}"/>
               </a:ext>
             </a:extLst>
           </p:cNvPr>
@@ -7712,7 +7833,7 @@
     </p:spTree>
     <p:extLst>
       <p:ext uri="{BB962C8B-B14F-4D97-AF65-F5344CB8AC3E}">
-        <p14:creationId xmlns:p14="http://schemas.microsoft.com/office/powerpoint/2010/main" xmlns="" val="3120761927"/>
+        <p14:creationId xmlns:p14="http://schemas.microsoft.com/office/powerpoint/2010/main" val="3120761927"/>
       </p:ext>
     </p:extLst>
   </p:cSld>
@@ -7744,7 +7865,7 @@
           <p:cNvPr id="9" name="Rectangle 8">
             <a:extLst>
               <a:ext uri="{FF2B5EF4-FFF2-40B4-BE49-F238E27FC236}">
-                <a16:creationId xmlns:a16="http://schemas.microsoft.com/office/drawing/2014/main" xmlns="" id="{0A6C789F-805A-4494-8430-C63414191AC2}"/>
+                <a16:creationId xmlns:a16="http://schemas.microsoft.com/office/drawing/2014/main" id="{0A6C789F-805A-4494-8430-C63414191AC2}"/>
               </a:ext>
             </a:extLst>
           </p:cNvPr>
@@ -7796,7 +7917,7 @@
           <p:cNvPr id="10" name="Rectangle 9">
             <a:extLst>
               <a:ext uri="{FF2B5EF4-FFF2-40B4-BE49-F238E27FC236}">
-                <a16:creationId xmlns:a16="http://schemas.microsoft.com/office/drawing/2014/main" xmlns="" id="{A5A73287-EED0-4EEC-8007-E2C13366027B}"/>
+                <a16:creationId xmlns:a16="http://schemas.microsoft.com/office/drawing/2014/main" id="{A5A73287-EED0-4EEC-8007-E2C13366027B}"/>
               </a:ext>
             </a:extLst>
           </p:cNvPr>
@@ -7848,7 +7969,7 @@
           <p:cNvPr id="2" name="Title 1">
             <a:extLst>
               <a:ext uri="{FF2B5EF4-FFF2-40B4-BE49-F238E27FC236}">
-                <a16:creationId xmlns:a16="http://schemas.microsoft.com/office/drawing/2014/main" xmlns="" id="{DE3A6AA5-A315-455E-B5C7-E53E3746ED81}"/>
+                <a16:creationId xmlns:a16="http://schemas.microsoft.com/office/drawing/2014/main" id="{DE3A6AA5-A315-455E-B5C7-E53E3746ED81}"/>
               </a:ext>
             </a:extLst>
           </p:cNvPr>
@@ -7876,7 +7997,7 @@
           <p:cNvPr id="3" name="Content Placeholder 2">
             <a:extLst>
               <a:ext uri="{FF2B5EF4-FFF2-40B4-BE49-F238E27FC236}">
-                <a16:creationId xmlns:a16="http://schemas.microsoft.com/office/drawing/2014/main" xmlns="" id="{3E60534E-DE82-45F4-8E2E-DA97F169177F}"/>
+                <a16:creationId xmlns:a16="http://schemas.microsoft.com/office/drawing/2014/main" id="{3E60534E-DE82-45F4-8E2E-DA97F169177F}"/>
               </a:ext>
             </a:extLst>
           </p:cNvPr>
@@ -7977,7 +8098,7 @@
           <p:cNvPr id="4" name="Content Placeholder 3">
             <a:extLst>
               <a:ext uri="{FF2B5EF4-FFF2-40B4-BE49-F238E27FC236}">
-                <a16:creationId xmlns:a16="http://schemas.microsoft.com/office/drawing/2014/main" xmlns="" id="{23F1116B-C8B0-450D-83F6-49C4ABB22CCD}"/>
+                <a16:creationId xmlns:a16="http://schemas.microsoft.com/office/drawing/2014/main" id="{23F1116B-C8B0-450D-83F6-49C4ABB22CCD}"/>
               </a:ext>
             </a:extLst>
           </p:cNvPr>
@@ -8078,7 +8199,7 @@
           <p:cNvPr id="7" name="Slide Number Placeholder 6">
             <a:extLst>
               <a:ext uri="{FF2B5EF4-FFF2-40B4-BE49-F238E27FC236}">
-                <a16:creationId xmlns:a16="http://schemas.microsoft.com/office/drawing/2014/main" xmlns="" id="{2C182A82-4FBE-4689-B739-692549B4030D}"/>
+                <a16:creationId xmlns:a16="http://schemas.microsoft.com/office/drawing/2014/main" id="{2C182A82-4FBE-4689-B739-692549B4030D}"/>
               </a:ext>
             </a:extLst>
           </p:cNvPr>
@@ -8108,7 +8229,7 @@
           <p:cNvPr id="8" name="Picture Placeholder 6">
             <a:extLst>
               <a:ext uri="{FF2B5EF4-FFF2-40B4-BE49-F238E27FC236}">
-                <a16:creationId xmlns:a16="http://schemas.microsoft.com/office/drawing/2014/main" xmlns="" id="{4DC80855-A1B8-4B65-B6F6-2AA6239EC246}"/>
+                <a16:creationId xmlns:a16="http://schemas.microsoft.com/office/drawing/2014/main" id="{4DC80855-A1B8-4B65-B6F6-2AA6239EC246}"/>
               </a:ext>
             </a:extLst>
           </p:cNvPr>
@@ -8154,7 +8275,7 @@
     </p:spTree>
     <p:extLst>
       <p:ext uri="{BB962C8B-B14F-4D97-AF65-F5344CB8AC3E}">
-        <p14:creationId xmlns:p14="http://schemas.microsoft.com/office/powerpoint/2010/main" xmlns="" val="1219079953"/>
+        <p14:creationId xmlns:p14="http://schemas.microsoft.com/office/powerpoint/2010/main" val="1219079953"/>
       </p:ext>
     </p:extLst>
   </p:cSld>
@@ -8186,7 +8307,7 @@
           <p:cNvPr id="7" name="Rectangle 6">
             <a:extLst>
               <a:ext uri="{FF2B5EF4-FFF2-40B4-BE49-F238E27FC236}">
-                <a16:creationId xmlns:a16="http://schemas.microsoft.com/office/drawing/2014/main" xmlns="" id="{4DB43705-0B3F-4F77-A8BB-08EC09D36A56}"/>
+                <a16:creationId xmlns:a16="http://schemas.microsoft.com/office/drawing/2014/main" id="{4DB43705-0B3F-4F77-A8BB-08EC09D36A56}"/>
               </a:ext>
             </a:extLst>
           </p:cNvPr>
@@ -8238,7 +8359,7 @@
           <p:cNvPr id="2" name="Title 1">
             <a:extLst>
               <a:ext uri="{FF2B5EF4-FFF2-40B4-BE49-F238E27FC236}">
-                <a16:creationId xmlns:a16="http://schemas.microsoft.com/office/drawing/2014/main" xmlns="" id="{9B2BA5B3-8B1C-4C1C-B4EB-C9A8AC24AEDE}"/>
+                <a16:creationId xmlns:a16="http://schemas.microsoft.com/office/drawing/2014/main" id="{9B2BA5B3-8B1C-4C1C-B4EB-C9A8AC24AEDE}"/>
               </a:ext>
             </a:extLst>
           </p:cNvPr>
@@ -8280,7 +8401,7 @@
           <p:cNvPr id="9" name="Slide Number Placeholder 8">
             <a:extLst>
               <a:ext uri="{FF2B5EF4-FFF2-40B4-BE49-F238E27FC236}">
-                <a16:creationId xmlns:a16="http://schemas.microsoft.com/office/drawing/2014/main" xmlns="" id="{6B54C622-8EF1-4AE4-AB25-19D71A5C547C}"/>
+                <a16:creationId xmlns:a16="http://schemas.microsoft.com/office/drawing/2014/main" id="{6B54C622-8EF1-4AE4-AB25-19D71A5C547C}"/>
               </a:ext>
             </a:extLst>
           </p:cNvPr>
@@ -8310,7 +8431,7 @@
           <p:cNvPr id="5" name="Text Placeholder 4">
             <a:extLst>
               <a:ext uri="{FF2B5EF4-FFF2-40B4-BE49-F238E27FC236}">
-                <a16:creationId xmlns:a16="http://schemas.microsoft.com/office/drawing/2014/main" xmlns="" id="{BA2A6524-3EAC-4E27-BF8E-8F87E480F902}"/>
+                <a16:creationId xmlns:a16="http://schemas.microsoft.com/office/drawing/2014/main" id="{BA2A6524-3EAC-4E27-BF8E-8F87E480F902}"/>
               </a:ext>
             </a:extLst>
           </p:cNvPr>
@@ -8388,7 +8509,7 @@
           <p:cNvPr id="6" name="Content Placeholder 5">
             <a:extLst>
               <a:ext uri="{FF2B5EF4-FFF2-40B4-BE49-F238E27FC236}">
-                <a16:creationId xmlns:a16="http://schemas.microsoft.com/office/drawing/2014/main" xmlns="" id="{61FB94EC-1786-4ACB-B9A8-28216C7AB699}"/>
+                <a16:creationId xmlns:a16="http://schemas.microsoft.com/office/drawing/2014/main" id="{61FB94EC-1786-4ACB-B9A8-28216C7AB699}"/>
               </a:ext>
             </a:extLst>
           </p:cNvPr>
@@ -8489,7 +8610,7 @@
           <p:cNvPr id="3" name="Text Placeholder 2">
             <a:extLst>
               <a:ext uri="{FF2B5EF4-FFF2-40B4-BE49-F238E27FC236}">
-                <a16:creationId xmlns:a16="http://schemas.microsoft.com/office/drawing/2014/main" xmlns="" id="{9DA658D4-2F70-44A3-A7C3-BF6A1D7BE2A9}"/>
+                <a16:creationId xmlns:a16="http://schemas.microsoft.com/office/drawing/2014/main" id="{9DA658D4-2F70-44A3-A7C3-BF6A1D7BE2A9}"/>
               </a:ext>
             </a:extLst>
           </p:cNvPr>
@@ -8565,7 +8686,7 @@
           <p:cNvPr id="4" name="Content Placeholder 3">
             <a:extLst>
               <a:ext uri="{FF2B5EF4-FFF2-40B4-BE49-F238E27FC236}">
-                <a16:creationId xmlns:a16="http://schemas.microsoft.com/office/drawing/2014/main" xmlns="" id="{CDF57B0C-62A3-4053-936D-9841C7D76D8B}"/>
+                <a16:creationId xmlns:a16="http://schemas.microsoft.com/office/drawing/2014/main" id="{CDF57B0C-62A3-4053-936D-9841C7D76D8B}"/>
               </a:ext>
             </a:extLst>
           </p:cNvPr>
@@ -8666,7 +8787,7 @@
           <p:cNvPr id="11" name="Picture Placeholder 6">
             <a:extLst>
               <a:ext uri="{FF2B5EF4-FFF2-40B4-BE49-F238E27FC236}">
-                <a16:creationId xmlns:a16="http://schemas.microsoft.com/office/drawing/2014/main" xmlns="" id="{16CD8AAD-701B-4F23-AB47-6FC680787135}"/>
+                <a16:creationId xmlns:a16="http://schemas.microsoft.com/office/drawing/2014/main" id="{16CD8AAD-701B-4F23-AB47-6FC680787135}"/>
               </a:ext>
             </a:extLst>
           </p:cNvPr>
@@ -8714,7 +8835,7 @@
           <p:cNvPr id="16" name="Picture Placeholder 6">
             <a:extLst>
               <a:ext uri="{FF2B5EF4-FFF2-40B4-BE49-F238E27FC236}">
-                <a16:creationId xmlns:a16="http://schemas.microsoft.com/office/drawing/2014/main" xmlns="" id="{2B9551A7-E41A-4D0E-925B-71270CA0F339}"/>
+                <a16:creationId xmlns:a16="http://schemas.microsoft.com/office/drawing/2014/main" id="{2B9551A7-E41A-4D0E-925B-71270CA0F339}"/>
               </a:ext>
             </a:extLst>
           </p:cNvPr>
@@ -8760,7 +8881,7 @@
     </p:spTree>
     <p:extLst>
       <p:ext uri="{BB962C8B-B14F-4D97-AF65-F5344CB8AC3E}">
-        <p14:creationId xmlns:p14="http://schemas.microsoft.com/office/powerpoint/2010/main" xmlns="" val="523174283"/>
+        <p14:creationId xmlns:p14="http://schemas.microsoft.com/office/powerpoint/2010/main" val="523174283"/>
       </p:ext>
     </p:extLst>
   </p:cSld>
@@ -8792,7 +8913,7 @@
           <p:cNvPr id="11" name="Rectangle 10">
             <a:extLst>
               <a:ext uri="{FF2B5EF4-FFF2-40B4-BE49-F238E27FC236}">
-                <a16:creationId xmlns:a16="http://schemas.microsoft.com/office/drawing/2014/main" xmlns="" id="{0565E0AE-C9AC-4E26-B4A4-DDEE620D8979}"/>
+                <a16:creationId xmlns:a16="http://schemas.microsoft.com/office/drawing/2014/main" id="{0565E0AE-C9AC-4E26-B4A4-DDEE620D8979}"/>
               </a:ext>
             </a:extLst>
           </p:cNvPr>
@@ -8844,7 +8965,7 @@
           <p:cNvPr id="9" name="Text Placeholder 8">
             <a:extLst>
               <a:ext uri="{FF2B5EF4-FFF2-40B4-BE49-F238E27FC236}">
-                <a16:creationId xmlns:a16="http://schemas.microsoft.com/office/drawing/2014/main" xmlns="" id="{B15B70BB-4776-4914-92C9-092579FD6EBE}"/>
+                <a16:creationId xmlns:a16="http://schemas.microsoft.com/office/drawing/2014/main" id="{B15B70BB-4776-4914-92C9-092579FD6EBE}"/>
               </a:ext>
             </a:extLst>
           </p:cNvPr>
@@ -8906,7 +9027,7 @@
           <p:cNvPr id="10" name="Text Placeholder 8">
             <a:extLst>
               <a:ext uri="{FF2B5EF4-FFF2-40B4-BE49-F238E27FC236}">
-                <a16:creationId xmlns:a16="http://schemas.microsoft.com/office/drawing/2014/main" xmlns="" id="{58899736-796A-4B23-9534-D8784DD9A238}"/>
+                <a16:creationId xmlns:a16="http://schemas.microsoft.com/office/drawing/2014/main" id="{58899736-796A-4B23-9534-D8784DD9A238}"/>
               </a:ext>
             </a:extLst>
           </p:cNvPr>
@@ -8968,7 +9089,7 @@
           <p:cNvPr id="12" name="Rectangle 11">
             <a:extLst>
               <a:ext uri="{FF2B5EF4-FFF2-40B4-BE49-F238E27FC236}">
-                <a16:creationId xmlns:a16="http://schemas.microsoft.com/office/drawing/2014/main" xmlns="" id="{6F023CF6-0A85-4867-A5CF-F75DDBC4C20A}"/>
+                <a16:creationId xmlns:a16="http://schemas.microsoft.com/office/drawing/2014/main" id="{6F023CF6-0A85-4867-A5CF-F75DDBC4C20A}"/>
               </a:ext>
             </a:extLst>
           </p:cNvPr>
@@ -9020,7 +9141,7 @@
           <p:cNvPr id="13" name="Rectangle 12">
             <a:extLst>
               <a:ext uri="{FF2B5EF4-FFF2-40B4-BE49-F238E27FC236}">
-                <a16:creationId xmlns:a16="http://schemas.microsoft.com/office/drawing/2014/main" xmlns="" id="{AF9F3577-4130-4F32-9302-DA8838D30560}"/>
+                <a16:creationId xmlns:a16="http://schemas.microsoft.com/office/drawing/2014/main" id="{AF9F3577-4130-4F32-9302-DA8838D30560}"/>
               </a:ext>
             </a:extLst>
           </p:cNvPr>
@@ -9072,7 +9193,7 @@
           <p:cNvPr id="4" name="Picture Placeholder 6">
             <a:extLst>
               <a:ext uri="{FF2B5EF4-FFF2-40B4-BE49-F238E27FC236}">
-                <a16:creationId xmlns:a16="http://schemas.microsoft.com/office/drawing/2014/main" xmlns="" id="{7E138685-E3C5-48A4-8460-3BEDDDEDA6AD}"/>
+                <a16:creationId xmlns:a16="http://schemas.microsoft.com/office/drawing/2014/main" id="{7E138685-E3C5-48A4-8460-3BEDDDEDA6AD}"/>
               </a:ext>
             </a:extLst>
           </p:cNvPr>
@@ -9120,7 +9241,7 @@
           <p:cNvPr id="6" name="Picture Placeholder 6">
             <a:extLst>
               <a:ext uri="{FF2B5EF4-FFF2-40B4-BE49-F238E27FC236}">
-                <a16:creationId xmlns:a16="http://schemas.microsoft.com/office/drawing/2014/main" xmlns="" id="{B6811C8C-D1DA-4EE5-888B-A30D6285BA5D}"/>
+                <a16:creationId xmlns:a16="http://schemas.microsoft.com/office/drawing/2014/main" id="{B6811C8C-D1DA-4EE5-888B-A30D6285BA5D}"/>
               </a:ext>
             </a:extLst>
           </p:cNvPr>
@@ -9166,7 +9287,7 @@
     </p:spTree>
     <p:extLst>
       <p:ext uri="{BB962C8B-B14F-4D97-AF65-F5344CB8AC3E}">
-        <p14:creationId xmlns:p14="http://schemas.microsoft.com/office/powerpoint/2010/main" xmlns="" val="589013213"/>
+        <p14:creationId xmlns:p14="http://schemas.microsoft.com/office/powerpoint/2010/main" val="589013213"/>
       </p:ext>
     </p:extLst>
   </p:cSld>
@@ -9206,41 +9327,39 @@
         <p:spPr/>
         <p:txBody>
           <a:bodyPr/>
-          <a:lstStyle>
-            <a:extLst/>
-          </a:lstStyle>
+          <a:lstStyle/>
           <a:p>
             <a:pPr lvl="0" eaLnBrk="1" latinLnBrk="0" hangingPunct="1"/>
             <a:r>
-              <a:rPr lang="en-US" smtClean="0"/>
+              <a:rPr lang="en-US"/>
               <a:t>Click to edit Master text styles</a:t>
             </a:r>
           </a:p>
           <a:p>
             <a:pPr lvl="1" eaLnBrk="1" latinLnBrk="0" hangingPunct="1"/>
             <a:r>
-              <a:rPr lang="en-US" smtClean="0"/>
+              <a:rPr lang="en-US"/>
               <a:t>Second level</a:t>
             </a:r>
           </a:p>
           <a:p>
             <a:pPr lvl="2" eaLnBrk="1" latinLnBrk="0" hangingPunct="1"/>
             <a:r>
-              <a:rPr lang="en-US" smtClean="0"/>
+              <a:rPr lang="en-US"/>
               <a:t>Third level</a:t>
             </a:r>
           </a:p>
           <a:p>
             <a:pPr lvl="3" eaLnBrk="1" latinLnBrk="0" hangingPunct="1"/>
             <a:r>
-              <a:rPr lang="en-US" smtClean="0"/>
+              <a:rPr lang="en-US"/>
               <a:t>Fourth level</a:t>
             </a:r>
           </a:p>
           <a:p>
             <a:pPr lvl="4" eaLnBrk="1" latinLnBrk="0" hangingPunct="1"/>
             <a:r>
-              <a:rPr lang="en-US" smtClean="0"/>
+              <a:rPr lang="en-US"/>
               <a:t>Fifth level</a:t>
             </a:r>
             <a:endParaRPr kumimoji="0" lang="en-US"/>
@@ -9260,14 +9379,12 @@
         <p:spPr/>
         <p:txBody>
           <a:bodyPr/>
-          <a:lstStyle>
-            <a:extLst/>
-          </a:lstStyle>
+          <a:lstStyle/>
           <a:p>
             <a:fld id="{64BF4833-09CA-4F95-9AA9-D45BF689F777}" type="datetimeFigureOut">
               <a:rPr lang="en-IN" smtClean="0"/>
               <a:pPr/>
-              <a:t>11-05-2023</a:t>
+              <a:t>23-06-2023</a:t>
             </a:fld>
             <a:endParaRPr lang="en-IN"/>
           </a:p>
@@ -9286,9 +9403,7 @@
         <p:spPr/>
         <p:txBody>
           <a:bodyPr/>
-          <a:lstStyle>
-            <a:extLst/>
-          </a:lstStyle>
+          <a:lstStyle/>
           <a:p>
             <a:endParaRPr lang="en-IN"/>
           </a:p>
@@ -9307,9 +9422,7 @@
         <p:spPr/>
         <p:txBody>
           <a:bodyPr/>
-          <a:lstStyle>
-            <a:extLst/>
-          </a:lstStyle>
+          <a:lstStyle/>
           <a:p>
             <a:fld id="{03DC2DEF-D2FE-4B45-ABA4-9F153FD1C98A}" type="slidenum">
               <a:rPr lang="en-US" smtClean="0"/>
@@ -9333,15 +9446,12 @@
         <p:spPr/>
         <p:txBody>
           <a:bodyPr rtlCol="0"/>
-          <a:lstStyle>
-            <a:extLst/>
-          </a:lstStyle>
-          <a:p>
-            <a:r>
-              <a:rPr kumimoji="0" lang="en-US" smtClean="0"/>
+          <a:lstStyle/>
+          <a:p>
+            <a:r>
+              <a:rPr kumimoji="0" lang="en-US"/>
               <a:t>Click to edit Master title style</a:t>
             </a:r>
-            <a:endParaRPr kumimoji="0" lang="en-US"/>
           </a:p>
         </p:txBody>
       </p:sp>
@@ -9375,7 +9485,7 @@
           <p:cNvPr id="3" name="Rectangle 2">
             <a:extLst>
               <a:ext uri="{FF2B5EF4-FFF2-40B4-BE49-F238E27FC236}">
-                <a16:creationId xmlns:a16="http://schemas.microsoft.com/office/drawing/2014/main" xmlns="" id="{EAB4EF4F-0A84-4C50-B171-F044231527B2}"/>
+                <a16:creationId xmlns:a16="http://schemas.microsoft.com/office/drawing/2014/main" id="{EAB4EF4F-0A84-4C50-B171-F044231527B2}"/>
               </a:ext>
             </a:extLst>
           </p:cNvPr>
@@ -9427,7 +9537,7 @@
           <p:cNvPr id="11" name="Rectangle 10">
             <a:extLst>
               <a:ext uri="{FF2B5EF4-FFF2-40B4-BE49-F238E27FC236}">
-                <a16:creationId xmlns:a16="http://schemas.microsoft.com/office/drawing/2014/main" xmlns="" id="{9171FC10-F7C3-4841-A705-B83FDE093009}"/>
+                <a16:creationId xmlns:a16="http://schemas.microsoft.com/office/drawing/2014/main" id="{9171FC10-F7C3-4841-A705-B83FDE093009}"/>
               </a:ext>
             </a:extLst>
           </p:cNvPr>
@@ -9479,7 +9589,7 @@
           <p:cNvPr id="4" name="Picture Placeholder 6">
             <a:extLst>
               <a:ext uri="{FF2B5EF4-FFF2-40B4-BE49-F238E27FC236}">
-                <a16:creationId xmlns:a16="http://schemas.microsoft.com/office/drawing/2014/main" xmlns="" id="{18957288-25D1-4D25-BECD-5A2E6A888185}"/>
+                <a16:creationId xmlns:a16="http://schemas.microsoft.com/office/drawing/2014/main" id="{18957288-25D1-4D25-BECD-5A2E6A888185}"/>
               </a:ext>
             </a:extLst>
           </p:cNvPr>
@@ -9525,7 +9635,7 @@
     </p:spTree>
     <p:extLst>
       <p:ext uri="{BB962C8B-B14F-4D97-AF65-F5344CB8AC3E}">
-        <p14:creationId xmlns:p14="http://schemas.microsoft.com/office/powerpoint/2010/main" xmlns="" val="3653777858"/>
+        <p14:creationId xmlns:p14="http://schemas.microsoft.com/office/powerpoint/2010/main" val="3653777858"/>
       </p:ext>
     </p:extLst>
   </p:cSld>
@@ -9557,7 +9667,7 @@
           <p:cNvPr id="3" name="Rectangle 2">
             <a:extLst>
               <a:ext uri="{FF2B5EF4-FFF2-40B4-BE49-F238E27FC236}">
-                <a16:creationId xmlns:a16="http://schemas.microsoft.com/office/drawing/2014/main" xmlns="" id="{EAB4EF4F-0A84-4C50-B171-F044231527B2}"/>
+                <a16:creationId xmlns:a16="http://schemas.microsoft.com/office/drawing/2014/main" id="{EAB4EF4F-0A84-4C50-B171-F044231527B2}"/>
               </a:ext>
             </a:extLst>
           </p:cNvPr>
@@ -9609,7 +9719,7 @@
           <p:cNvPr id="5" name="Rectangle 4">
             <a:extLst>
               <a:ext uri="{FF2B5EF4-FFF2-40B4-BE49-F238E27FC236}">
-                <a16:creationId xmlns:a16="http://schemas.microsoft.com/office/drawing/2014/main" xmlns="" id="{113E1565-5B33-4914-9800-50B8400266FF}"/>
+                <a16:creationId xmlns:a16="http://schemas.microsoft.com/office/drawing/2014/main" id="{113E1565-5B33-4914-9800-50B8400266FF}"/>
               </a:ext>
             </a:extLst>
           </p:cNvPr>
@@ -9661,7 +9771,7 @@
           <p:cNvPr id="6" name="Picture Placeholder 6">
             <a:extLst>
               <a:ext uri="{FF2B5EF4-FFF2-40B4-BE49-F238E27FC236}">
-                <a16:creationId xmlns:a16="http://schemas.microsoft.com/office/drawing/2014/main" xmlns="" id="{DE438B2E-01A6-453B-928D-97D98438168E}"/>
+                <a16:creationId xmlns:a16="http://schemas.microsoft.com/office/drawing/2014/main" id="{DE438B2E-01A6-453B-928D-97D98438168E}"/>
               </a:ext>
             </a:extLst>
           </p:cNvPr>
@@ -9707,7 +9817,7 @@
     </p:spTree>
     <p:extLst>
       <p:ext uri="{BB962C8B-B14F-4D97-AF65-F5344CB8AC3E}">
-        <p14:creationId xmlns:p14="http://schemas.microsoft.com/office/powerpoint/2010/main" xmlns="" val="3230339695"/>
+        <p14:creationId xmlns:p14="http://schemas.microsoft.com/office/powerpoint/2010/main" val="3230339695"/>
       </p:ext>
     </p:extLst>
   </p:cSld>
@@ -9739,7 +9849,7 @@
           <p:cNvPr id="7" name="Rectangle 6">
             <a:extLst>
               <a:ext uri="{FF2B5EF4-FFF2-40B4-BE49-F238E27FC236}">
-                <a16:creationId xmlns:a16="http://schemas.microsoft.com/office/drawing/2014/main" xmlns="" id="{ED497887-B1EF-4184-95F4-276A92D54B8F}"/>
+                <a16:creationId xmlns:a16="http://schemas.microsoft.com/office/drawing/2014/main" id="{ED497887-B1EF-4184-95F4-276A92D54B8F}"/>
               </a:ext>
             </a:extLst>
           </p:cNvPr>
@@ -9791,7 +9901,7 @@
           <p:cNvPr id="2" name="Title 1">
             <a:extLst>
               <a:ext uri="{FF2B5EF4-FFF2-40B4-BE49-F238E27FC236}">
-                <a16:creationId xmlns:a16="http://schemas.microsoft.com/office/drawing/2014/main" xmlns="" id="{4C2FFEDF-1F62-45E5-8000-9689D9DFC4D1}"/>
+                <a16:creationId xmlns:a16="http://schemas.microsoft.com/office/drawing/2014/main" id="{4C2FFEDF-1F62-45E5-8000-9689D9DFC4D1}"/>
               </a:ext>
             </a:extLst>
           </p:cNvPr>
@@ -9832,7 +9942,7 @@
           <p:cNvPr id="6" name="Slide Number Placeholder 5">
             <a:extLst>
               <a:ext uri="{FF2B5EF4-FFF2-40B4-BE49-F238E27FC236}">
-                <a16:creationId xmlns:a16="http://schemas.microsoft.com/office/drawing/2014/main" xmlns="" id="{A8D10129-98D8-456D-9925-F02A38DE1423}"/>
+                <a16:creationId xmlns:a16="http://schemas.microsoft.com/office/drawing/2014/main" id="{A8D10129-98D8-456D-9925-F02A38DE1423}"/>
               </a:ext>
             </a:extLst>
           </p:cNvPr>
@@ -9862,7 +9972,7 @@
           <p:cNvPr id="16" name="Rectangle 15">
             <a:extLst>
               <a:ext uri="{FF2B5EF4-FFF2-40B4-BE49-F238E27FC236}">
-                <a16:creationId xmlns:a16="http://schemas.microsoft.com/office/drawing/2014/main" xmlns="" id="{A73E3CFC-9652-4E07-82D7-0EC3304CAA1F}"/>
+                <a16:creationId xmlns:a16="http://schemas.microsoft.com/office/drawing/2014/main" id="{A73E3CFC-9652-4E07-82D7-0EC3304CAA1F}"/>
               </a:ext>
             </a:extLst>
           </p:cNvPr>
@@ -9914,7 +10024,7 @@
           <p:cNvPr id="8" name="Picture Placeholder 6">
             <a:extLst>
               <a:ext uri="{FF2B5EF4-FFF2-40B4-BE49-F238E27FC236}">
-                <a16:creationId xmlns:a16="http://schemas.microsoft.com/office/drawing/2014/main" xmlns="" id="{230D70C6-13FD-45D4-8FB6-26C56B8FF2D4}"/>
+                <a16:creationId xmlns:a16="http://schemas.microsoft.com/office/drawing/2014/main" id="{230D70C6-13FD-45D4-8FB6-26C56B8FF2D4}"/>
               </a:ext>
             </a:extLst>
           </p:cNvPr>
@@ -9962,7 +10072,7 @@
           <p:cNvPr id="3" name="Rectangle 2">
             <a:extLst>
               <a:ext uri="{FF2B5EF4-FFF2-40B4-BE49-F238E27FC236}">
-                <a16:creationId xmlns:a16="http://schemas.microsoft.com/office/drawing/2014/main" xmlns="" id="{E10ED78A-2A17-41C4-9030-D406C56DDF4A}"/>
+                <a16:creationId xmlns:a16="http://schemas.microsoft.com/office/drawing/2014/main" id="{E10ED78A-2A17-41C4-9030-D406C56DDF4A}"/>
               </a:ext>
             </a:extLst>
           </p:cNvPr>
@@ -10009,7 +10119,7 @@
     </p:spTree>
     <p:extLst>
       <p:ext uri="{BB962C8B-B14F-4D97-AF65-F5344CB8AC3E}">
-        <p14:creationId xmlns:p14="http://schemas.microsoft.com/office/powerpoint/2010/main" xmlns="" val="1598743923"/>
+        <p14:creationId xmlns:p14="http://schemas.microsoft.com/office/powerpoint/2010/main" val="1598743923"/>
       </p:ext>
     </p:extLst>
   </p:cSld>
@@ -10041,7 +10151,7 @@
           <p:cNvPr id="7" name="Rectangle 6">
             <a:extLst>
               <a:ext uri="{FF2B5EF4-FFF2-40B4-BE49-F238E27FC236}">
-                <a16:creationId xmlns:a16="http://schemas.microsoft.com/office/drawing/2014/main" xmlns="" id="{76607FB0-0FB2-41FD-B334-74C7B05B8CEE}"/>
+                <a16:creationId xmlns:a16="http://schemas.microsoft.com/office/drawing/2014/main" id="{76607FB0-0FB2-41FD-B334-74C7B05B8CEE}"/>
               </a:ext>
             </a:extLst>
           </p:cNvPr>
@@ -10093,7 +10203,7 @@
           <p:cNvPr id="9" name="Picture Placeholder 8">
             <a:extLst>
               <a:ext uri="{FF2B5EF4-FFF2-40B4-BE49-F238E27FC236}">
-                <a16:creationId xmlns:a16="http://schemas.microsoft.com/office/drawing/2014/main" xmlns="" id="{2D02598E-521E-41CD-B068-134834CFF4FF}"/>
+                <a16:creationId xmlns:a16="http://schemas.microsoft.com/office/drawing/2014/main" id="{2D02598E-521E-41CD-B068-134834CFF4FF}"/>
               </a:ext>
             </a:extLst>
           </p:cNvPr>
@@ -10139,7 +10249,7 @@
           <p:cNvPr id="10" name="Rectangle 9">
             <a:extLst>
               <a:ext uri="{FF2B5EF4-FFF2-40B4-BE49-F238E27FC236}">
-                <a16:creationId xmlns:a16="http://schemas.microsoft.com/office/drawing/2014/main" xmlns="" id="{F04A5F51-C7E6-44CC-ADF3-1C83AA35D0DC}"/>
+                <a16:creationId xmlns:a16="http://schemas.microsoft.com/office/drawing/2014/main" id="{F04A5F51-C7E6-44CC-ADF3-1C83AA35D0DC}"/>
               </a:ext>
             </a:extLst>
           </p:cNvPr>
@@ -10188,7 +10298,7 @@
           <p:cNvPr id="2" name="Title 1">
             <a:extLst>
               <a:ext uri="{FF2B5EF4-FFF2-40B4-BE49-F238E27FC236}">
-                <a16:creationId xmlns:a16="http://schemas.microsoft.com/office/drawing/2014/main" xmlns="" id="{4E8B51C6-9166-4F67-995A-396809E6533C}"/>
+                <a16:creationId xmlns:a16="http://schemas.microsoft.com/office/drawing/2014/main" id="{4E8B51C6-9166-4F67-995A-396809E6533C}"/>
               </a:ext>
             </a:extLst>
           </p:cNvPr>
@@ -10230,7 +10340,7 @@
           <p:cNvPr id="3" name="Subtitle 2">
             <a:extLst>
               <a:ext uri="{FF2B5EF4-FFF2-40B4-BE49-F238E27FC236}">
-                <a16:creationId xmlns:a16="http://schemas.microsoft.com/office/drawing/2014/main" xmlns="" id="{A951C9A4-8764-4CB3-AC26-C957C0E84BCD}"/>
+                <a16:creationId xmlns:a16="http://schemas.microsoft.com/office/drawing/2014/main" id="{A951C9A4-8764-4CB3-AC26-C957C0E84BCD}"/>
               </a:ext>
             </a:extLst>
           </p:cNvPr>
@@ -10303,7 +10413,7 @@
     </p:spTree>
     <p:extLst>
       <p:ext uri="{BB962C8B-B14F-4D97-AF65-F5344CB8AC3E}">
-        <p14:creationId xmlns:p14="http://schemas.microsoft.com/office/powerpoint/2010/main" xmlns="" val="2694810674"/>
+        <p14:creationId xmlns:p14="http://schemas.microsoft.com/office/powerpoint/2010/main" val="2694810674"/>
       </p:ext>
     </p:extLst>
   </p:cSld>
@@ -10335,7 +10445,7 @@
           <p:cNvPr id="7" name="Rectangle 6">
             <a:extLst>
               <a:ext uri="{FF2B5EF4-FFF2-40B4-BE49-F238E27FC236}">
-                <a16:creationId xmlns:a16="http://schemas.microsoft.com/office/drawing/2014/main" xmlns="" id="{76607FB0-0FB2-41FD-B334-74C7B05B8CEE}"/>
+                <a16:creationId xmlns:a16="http://schemas.microsoft.com/office/drawing/2014/main" id="{76607FB0-0FB2-41FD-B334-74C7B05B8CEE}"/>
               </a:ext>
             </a:extLst>
           </p:cNvPr>
@@ -10387,7 +10497,7 @@
           <p:cNvPr id="9" name="Picture Placeholder 8">
             <a:extLst>
               <a:ext uri="{FF2B5EF4-FFF2-40B4-BE49-F238E27FC236}">
-                <a16:creationId xmlns:a16="http://schemas.microsoft.com/office/drawing/2014/main" xmlns="" id="{2D02598E-521E-41CD-B068-134834CFF4FF}"/>
+                <a16:creationId xmlns:a16="http://schemas.microsoft.com/office/drawing/2014/main" id="{2D02598E-521E-41CD-B068-134834CFF4FF}"/>
               </a:ext>
             </a:extLst>
           </p:cNvPr>
@@ -10433,7 +10543,7 @@
           <p:cNvPr id="2" name="Title 1">
             <a:extLst>
               <a:ext uri="{FF2B5EF4-FFF2-40B4-BE49-F238E27FC236}">
-                <a16:creationId xmlns:a16="http://schemas.microsoft.com/office/drawing/2014/main" xmlns="" id="{4E8B51C6-9166-4F67-995A-396809E6533C}"/>
+                <a16:creationId xmlns:a16="http://schemas.microsoft.com/office/drawing/2014/main" id="{4E8B51C6-9166-4F67-995A-396809E6533C}"/>
               </a:ext>
             </a:extLst>
           </p:cNvPr>
@@ -10477,7 +10587,7 @@
           <p:cNvPr id="3" name="Subtitle 2">
             <a:extLst>
               <a:ext uri="{FF2B5EF4-FFF2-40B4-BE49-F238E27FC236}">
-                <a16:creationId xmlns:a16="http://schemas.microsoft.com/office/drawing/2014/main" xmlns="" id="{A951C9A4-8764-4CB3-AC26-C957C0E84BCD}"/>
+                <a16:creationId xmlns:a16="http://schemas.microsoft.com/office/drawing/2014/main" id="{A951C9A4-8764-4CB3-AC26-C957C0E84BCD}"/>
               </a:ext>
             </a:extLst>
           </p:cNvPr>
@@ -10550,7 +10660,7 @@
     </p:spTree>
     <p:extLst>
       <p:ext uri="{BB962C8B-B14F-4D97-AF65-F5344CB8AC3E}">
-        <p14:creationId xmlns:p14="http://schemas.microsoft.com/office/powerpoint/2010/main" xmlns="" val="855044332"/>
+        <p14:creationId xmlns:p14="http://schemas.microsoft.com/office/powerpoint/2010/main" val="855044332"/>
       </p:ext>
     </p:extLst>
   </p:cSld>
@@ -10582,7 +10692,7 @@
           <p:cNvPr id="7" name="Rectangle 6">
             <a:extLst>
               <a:ext uri="{FF2B5EF4-FFF2-40B4-BE49-F238E27FC236}">
-                <a16:creationId xmlns:a16="http://schemas.microsoft.com/office/drawing/2014/main" xmlns="" id="{76607FB0-0FB2-41FD-B334-74C7B05B8CEE}"/>
+                <a16:creationId xmlns:a16="http://schemas.microsoft.com/office/drawing/2014/main" id="{76607FB0-0FB2-41FD-B334-74C7B05B8CEE}"/>
               </a:ext>
             </a:extLst>
           </p:cNvPr>
@@ -10634,7 +10744,7 @@
           <p:cNvPr id="4" name="Rectangle 3">
             <a:extLst>
               <a:ext uri="{FF2B5EF4-FFF2-40B4-BE49-F238E27FC236}">
-                <a16:creationId xmlns:a16="http://schemas.microsoft.com/office/drawing/2014/main" xmlns="" id="{D1A59197-7C21-44E6-8A97-DE0ABD1E6909}"/>
+                <a16:creationId xmlns:a16="http://schemas.microsoft.com/office/drawing/2014/main" id="{D1A59197-7C21-44E6-8A97-DE0ABD1E6909}"/>
               </a:ext>
             </a:extLst>
           </p:cNvPr>
@@ -10686,7 +10796,7 @@
           <p:cNvPr id="9" name="Picture Placeholder 8">
             <a:extLst>
               <a:ext uri="{FF2B5EF4-FFF2-40B4-BE49-F238E27FC236}">
-                <a16:creationId xmlns:a16="http://schemas.microsoft.com/office/drawing/2014/main" xmlns="" id="{2D02598E-521E-41CD-B068-134834CFF4FF}"/>
+                <a16:creationId xmlns:a16="http://schemas.microsoft.com/office/drawing/2014/main" id="{2D02598E-521E-41CD-B068-134834CFF4FF}"/>
               </a:ext>
             </a:extLst>
           </p:cNvPr>
@@ -10732,7 +10842,7 @@
           <p:cNvPr id="2" name="Title 1">
             <a:extLst>
               <a:ext uri="{FF2B5EF4-FFF2-40B4-BE49-F238E27FC236}">
-                <a16:creationId xmlns:a16="http://schemas.microsoft.com/office/drawing/2014/main" xmlns="" id="{4E8B51C6-9166-4F67-995A-396809E6533C}"/>
+                <a16:creationId xmlns:a16="http://schemas.microsoft.com/office/drawing/2014/main" id="{4E8B51C6-9166-4F67-995A-396809E6533C}"/>
               </a:ext>
             </a:extLst>
           </p:cNvPr>
@@ -10776,7 +10886,7 @@
           <p:cNvPr id="3" name="Subtitle 2">
             <a:extLst>
               <a:ext uri="{FF2B5EF4-FFF2-40B4-BE49-F238E27FC236}">
-                <a16:creationId xmlns:a16="http://schemas.microsoft.com/office/drawing/2014/main" xmlns="" id="{A951C9A4-8764-4CB3-AC26-C957C0E84BCD}"/>
+                <a16:creationId xmlns:a16="http://schemas.microsoft.com/office/drawing/2014/main" id="{A951C9A4-8764-4CB3-AC26-C957C0E84BCD}"/>
               </a:ext>
             </a:extLst>
           </p:cNvPr>
@@ -10851,7 +10961,7 @@
           <p:cNvPr id="8" name="Rectangle 7">
             <a:extLst>
               <a:ext uri="{FF2B5EF4-FFF2-40B4-BE49-F238E27FC236}">
-                <a16:creationId xmlns:a16="http://schemas.microsoft.com/office/drawing/2014/main" xmlns="" id="{C1626B81-8882-4179-8C3A-BEA9BBEF2A62}"/>
+                <a16:creationId xmlns:a16="http://schemas.microsoft.com/office/drawing/2014/main" id="{C1626B81-8882-4179-8C3A-BEA9BBEF2A62}"/>
               </a:ext>
             </a:extLst>
           </p:cNvPr>
@@ -10901,7 +11011,7 @@
     </p:spTree>
     <p:extLst>
       <p:ext uri="{BB962C8B-B14F-4D97-AF65-F5344CB8AC3E}">
-        <p14:creationId xmlns:p14="http://schemas.microsoft.com/office/powerpoint/2010/main" xmlns="" val="2724836410"/>
+        <p14:creationId xmlns:p14="http://schemas.microsoft.com/office/powerpoint/2010/main" val="2724836410"/>
       </p:ext>
     </p:extLst>
   </p:cSld>
@@ -10933,7 +11043,7 @@
           <p:cNvPr id="7" name="Rectangle 6">
             <a:extLst>
               <a:ext uri="{FF2B5EF4-FFF2-40B4-BE49-F238E27FC236}">
-                <a16:creationId xmlns:a16="http://schemas.microsoft.com/office/drawing/2014/main" xmlns="" id="{76607FB0-0FB2-41FD-B334-74C7B05B8CEE}"/>
+                <a16:creationId xmlns:a16="http://schemas.microsoft.com/office/drawing/2014/main" id="{76607FB0-0FB2-41FD-B334-74C7B05B8CEE}"/>
               </a:ext>
             </a:extLst>
           </p:cNvPr>
@@ -10985,7 +11095,7 @@
           <p:cNvPr id="15" name="Rectangle 14">
             <a:extLst>
               <a:ext uri="{FF2B5EF4-FFF2-40B4-BE49-F238E27FC236}">
-                <a16:creationId xmlns:a16="http://schemas.microsoft.com/office/drawing/2014/main" xmlns="" id="{1517DDCC-4521-4225-8F36-D4B39128409A}"/>
+                <a16:creationId xmlns:a16="http://schemas.microsoft.com/office/drawing/2014/main" id="{1517DDCC-4521-4225-8F36-D4B39128409A}"/>
               </a:ext>
             </a:extLst>
           </p:cNvPr>
@@ -11039,7 +11149,7 @@
           <p:cNvPr id="6" name="Rectangle 5">
             <a:extLst>
               <a:ext uri="{FF2B5EF4-FFF2-40B4-BE49-F238E27FC236}">
-                <a16:creationId xmlns:a16="http://schemas.microsoft.com/office/drawing/2014/main" xmlns="" id="{B16570C8-2343-4B74-AF97-DC7CE5D92865}"/>
+                <a16:creationId xmlns:a16="http://schemas.microsoft.com/office/drawing/2014/main" id="{B16570C8-2343-4B74-AF97-DC7CE5D92865}"/>
               </a:ext>
             </a:extLst>
           </p:cNvPr>
@@ -11093,7 +11203,7 @@
           <p:cNvPr id="9" name="Picture Placeholder 8">
             <a:extLst>
               <a:ext uri="{FF2B5EF4-FFF2-40B4-BE49-F238E27FC236}">
-                <a16:creationId xmlns:a16="http://schemas.microsoft.com/office/drawing/2014/main" xmlns="" id="{2D02598E-521E-41CD-B068-134834CFF4FF}"/>
+                <a16:creationId xmlns:a16="http://schemas.microsoft.com/office/drawing/2014/main" id="{2D02598E-521E-41CD-B068-134834CFF4FF}"/>
               </a:ext>
             </a:extLst>
           </p:cNvPr>
@@ -11139,7 +11249,7 @@
           <p:cNvPr id="14" name="Rectangle 13">
             <a:extLst>
               <a:ext uri="{FF2B5EF4-FFF2-40B4-BE49-F238E27FC236}">
-                <a16:creationId xmlns:a16="http://schemas.microsoft.com/office/drawing/2014/main" xmlns="" id="{40B27536-7968-45BB-9FA8-DF1A47A47827}"/>
+                <a16:creationId xmlns:a16="http://schemas.microsoft.com/office/drawing/2014/main" id="{40B27536-7968-45BB-9FA8-DF1A47A47827}"/>
               </a:ext>
             </a:extLst>
           </p:cNvPr>
@@ -11191,7 +11301,7 @@
           <p:cNvPr id="2" name="Title 1">
             <a:extLst>
               <a:ext uri="{FF2B5EF4-FFF2-40B4-BE49-F238E27FC236}">
-                <a16:creationId xmlns:a16="http://schemas.microsoft.com/office/drawing/2014/main" xmlns="" id="{4E8B51C6-9166-4F67-995A-396809E6533C}"/>
+                <a16:creationId xmlns:a16="http://schemas.microsoft.com/office/drawing/2014/main" id="{4E8B51C6-9166-4F67-995A-396809E6533C}"/>
               </a:ext>
             </a:extLst>
           </p:cNvPr>
@@ -11235,7 +11345,7 @@
           <p:cNvPr id="3" name="Subtitle 2">
             <a:extLst>
               <a:ext uri="{FF2B5EF4-FFF2-40B4-BE49-F238E27FC236}">
-                <a16:creationId xmlns:a16="http://schemas.microsoft.com/office/drawing/2014/main" xmlns="" id="{A951C9A4-8764-4CB3-AC26-C957C0E84BCD}"/>
+                <a16:creationId xmlns:a16="http://schemas.microsoft.com/office/drawing/2014/main" id="{A951C9A4-8764-4CB3-AC26-C957C0E84BCD}"/>
               </a:ext>
             </a:extLst>
           </p:cNvPr>
@@ -11308,7 +11418,7 @@
     </p:spTree>
     <p:extLst>
       <p:ext uri="{BB962C8B-B14F-4D97-AF65-F5344CB8AC3E}">
-        <p14:creationId xmlns:p14="http://schemas.microsoft.com/office/powerpoint/2010/main" xmlns="" val="2928379178"/>
+        <p14:creationId xmlns:p14="http://schemas.microsoft.com/office/powerpoint/2010/main" val="2928379178"/>
       </p:ext>
     </p:extLst>
   </p:cSld>
@@ -11340,7 +11450,7 @@
           <p:cNvPr id="5" name="Rectangle 4">
             <a:extLst>
               <a:ext uri="{FF2B5EF4-FFF2-40B4-BE49-F238E27FC236}">
-                <a16:creationId xmlns:a16="http://schemas.microsoft.com/office/drawing/2014/main" xmlns="" id="{29C071DB-1B6B-4FC3-A099-12F35734D22D}"/>
+                <a16:creationId xmlns:a16="http://schemas.microsoft.com/office/drawing/2014/main" id="{29C071DB-1B6B-4FC3-A099-12F35734D22D}"/>
               </a:ext>
             </a:extLst>
           </p:cNvPr>
@@ -11392,7 +11502,7 @@
           <p:cNvPr id="8" name="Rectangle 7">
             <a:extLst>
               <a:ext uri="{FF2B5EF4-FFF2-40B4-BE49-F238E27FC236}">
-                <a16:creationId xmlns:a16="http://schemas.microsoft.com/office/drawing/2014/main" xmlns="" id="{35768407-2D97-4F4F-8CB8-4D3668680B64}"/>
+                <a16:creationId xmlns:a16="http://schemas.microsoft.com/office/drawing/2014/main" id="{35768407-2D97-4F4F-8CB8-4D3668680B64}"/>
               </a:ext>
             </a:extLst>
           </p:cNvPr>
@@ -11448,7 +11558,7 @@
           <p:cNvPr id="2" name="Title 1">
             <a:extLst>
               <a:ext uri="{FF2B5EF4-FFF2-40B4-BE49-F238E27FC236}">
-                <a16:creationId xmlns:a16="http://schemas.microsoft.com/office/drawing/2014/main" xmlns="" id="{E94FD2F3-3119-48E2-B464-A93E23C5A607}"/>
+                <a16:creationId xmlns:a16="http://schemas.microsoft.com/office/drawing/2014/main" id="{E94FD2F3-3119-48E2-B464-A93E23C5A607}"/>
               </a:ext>
             </a:extLst>
           </p:cNvPr>
@@ -11488,7 +11598,7 @@
           <p:cNvPr id="3" name="Content Placeholder 2">
             <a:extLst>
               <a:ext uri="{FF2B5EF4-FFF2-40B4-BE49-F238E27FC236}">
-                <a16:creationId xmlns:a16="http://schemas.microsoft.com/office/drawing/2014/main" xmlns="" id="{FCE87C6E-3441-429B-A81D-87F8344C068B}"/>
+                <a16:creationId xmlns:a16="http://schemas.microsoft.com/office/drawing/2014/main" id="{FCE87C6E-3441-429B-A81D-87F8344C068B}"/>
               </a:ext>
             </a:extLst>
           </p:cNvPr>
@@ -11589,7 +11699,7 @@
           <p:cNvPr id="6" name="Slide Number Placeholder 5">
             <a:extLst>
               <a:ext uri="{FF2B5EF4-FFF2-40B4-BE49-F238E27FC236}">
-                <a16:creationId xmlns:a16="http://schemas.microsoft.com/office/drawing/2014/main" xmlns="" id="{FC8ECDD1-1369-42FD-BD19-6797742A154C}"/>
+                <a16:creationId xmlns:a16="http://schemas.microsoft.com/office/drawing/2014/main" id="{FC8ECDD1-1369-42FD-BD19-6797742A154C}"/>
               </a:ext>
             </a:extLst>
           </p:cNvPr>
@@ -11619,7 +11729,7 @@
           <p:cNvPr id="7" name="Picture Placeholder 6">
             <a:extLst>
               <a:ext uri="{FF2B5EF4-FFF2-40B4-BE49-F238E27FC236}">
-                <a16:creationId xmlns:a16="http://schemas.microsoft.com/office/drawing/2014/main" xmlns="" id="{6D4AFEBD-46AA-4A09-AD19-CDD123811A47}"/>
+                <a16:creationId xmlns:a16="http://schemas.microsoft.com/office/drawing/2014/main" id="{6D4AFEBD-46AA-4A09-AD19-CDD123811A47}"/>
               </a:ext>
             </a:extLst>
           </p:cNvPr>
@@ -11665,7 +11775,7 @@
     </p:spTree>
     <p:extLst>
       <p:ext uri="{BB962C8B-B14F-4D97-AF65-F5344CB8AC3E}">
-        <p14:creationId xmlns:p14="http://schemas.microsoft.com/office/powerpoint/2010/main" xmlns="" val="3377171018"/>
+        <p14:creationId xmlns:p14="http://schemas.microsoft.com/office/powerpoint/2010/main" val="3377171018"/>
       </p:ext>
     </p:extLst>
   </p:cSld>
@@ -11697,7 +11807,7 @@
           <p:cNvPr id="8" name="Rectangle 7">
             <a:extLst>
               <a:ext uri="{FF2B5EF4-FFF2-40B4-BE49-F238E27FC236}">
-                <a16:creationId xmlns:a16="http://schemas.microsoft.com/office/drawing/2014/main" xmlns="" id="{34C5F727-FA73-47F4-8647-79441AA996E3}"/>
+                <a16:creationId xmlns:a16="http://schemas.microsoft.com/office/drawing/2014/main" id="{34C5F727-FA73-47F4-8647-79441AA996E3}"/>
               </a:ext>
             </a:extLst>
           </p:cNvPr>
@@ -11749,7 +11859,7 @@
           <p:cNvPr id="2" name="Title 1">
             <a:extLst>
               <a:ext uri="{FF2B5EF4-FFF2-40B4-BE49-F238E27FC236}">
-                <a16:creationId xmlns:a16="http://schemas.microsoft.com/office/drawing/2014/main" xmlns="" id="{E94FD2F3-3119-48E2-B464-A93E23C5A607}"/>
+                <a16:creationId xmlns:a16="http://schemas.microsoft.com/office/drawing/2014/main" id="{E94FD2F3-3119-48E2-B464-A93E23C5A607}"/>
               </a:ext>
             </a:extLst>
           </p:cNvPr>
@@ -11788,7 +11898,7 @@
           <p:cNvPr id="3" name="Content Placeholder 2">
             <a:extLst>
               <a:ext uri="{FF2B5EF4-FFF2-40B4-BE49-F238E27FC236}">
-                <a16:creationId xmlns:a16="http://schemas.microsoft.com/office/drawing/2014/main" xmlns="" id="{FCE87C6E-3441-429B-A81D-87F8344C068B}"/>
+                <a16:creationId xmlns:a16="http://schemas.microsoft.com/office/drawing/2014/main" id="{FCE87C6E-3441-429B-A81D-87F8344C068B}"/>
               </a:ext>
             </a:extLst>
           </p:cNvPr>
@@ -11850,7 +11960,7 @@
           <p:cNvPr id="6" name="Slide Number Placeholder 5">
             <a:extLst>
               <a:ext uri="{FF2B5EF4-FFF2-40B4-BE49-F238E27FC236}">
-                <a16:creationId xmlns:a16="http://schemas.microsoft.com/office/drawing/2014/main" xmlns="" id="{FC8ECDD1-1369-42FD-BD19-6797742A154C}"/>
+                <a16:creationId xmlns:a16="http://schemas.microsoft.com/office/drawing/2014/main" id="{FC8ECDD1-1369-42FD-BD19-6797742A154C}"/>
               </a:ext>
             </a:extLst>
           </p:cNvPr>
@@ -11880,7 +11990,7 @@
           <p:cNvPr id="5" name="Picture Placeholder 1">
             <a:extLst>
               <a:ext uri="{FF2B5EF4-FFF2-40B4-BE49-F238E27FC236}">
-                <a16:creationId xmlns:a16="http://schemas.microsoft.com/office/drawing/2014/main" xmlns="" id="{08C777B1-9A90-4B1E-A6AE-9339286077EB}"/>
+                <a16:creationId xmlns:a16="http://schemas.microsoft.com/office/drawing/2014/main" id="{08C777B1-9A90-4B1E-A6AE-9339286077EB}"/>
               </a:ext>
             </a:extLst>
           </p:cNvPr>
@@ -11973,7 +12083,7 @@
           <p:cNvPr id="7" name="Picture Placeholder 2">
             <a:extLst>
               <a:ext uri="{FF2B5EF4-FFF2-40B4-BE49-F238E27FC236}">
-                <a16:creationId xmlns:a16="http://schemas.microsoft.com/office/drawing/2014/main" xmlns="" id="{0FEA994A-8056-4F3D-9365-B6A362A93EE3}"/>
+                <a16:creationId xmlns:a16="http://schemas.microsoft.com/office/drawing/2014/main" id="{0FEA994A-8056-4F3D-9365-B6A362A93EE3}"/>
               </a:ext>
             </a:extLst>
           </p:cNvPr>
@@ -12066,7 +12176,7 @@
           <p:cNvPr id="9" name="Rectangle 8">
             <a:extLst>
               <a:ext uri="{FF2B5EF4-FFF2-40B4-BE49-F238E27FC236}">
-                <a16:creationId xmlns:a16="http://schemas.microsoft.com/office/drawing/2014/main" xmlns="" id="{E429E334-587D-4420-9285-C2A5F494582B}"/>
+                <a16:creationId xmlns:a16="http://schemas.microsoft.com/office/drawing/2014/main" id="{E429E334-587D-4420-9285-C2A5F494582B}"/>
               </a:ext>
             </a:extLst>
           </p:cNvPr>
@@ -12118,7 +12228,7 @@
           <p:cNvPr id="10" name="Rectangle 9">
             <a:extLst>
               <a:ext uri="{FF2B5EF4-FFF2-40B4-BE49-F238E27FC236}">
-                <a16:creationId xmlns:a16="http://schemas.microsoft.com/office/drawing/2014/main" xmlns="" id="{F7BD4601-EF26-4D7C-8CB6-95488F17575B}"/>
+                <a16:creationId xmlns:a16="http://schemas.microsoft.com/office/drawing/2014/main" id="{F7BD4601-EF26-4D7C-8CB6-95488F17575B}"/>
               </a:ext>
             </a:extLst>
           </p:cNvPr>
@@ -12170,7 +12280,7 @@
           <p:cNvPr id="11" name="Rectangle 10">
             <a:extLst>
               <a:ext uri="{FF2B5EF4-FFF2-40B4-BE49-F238E27FC236}">
-                <a16:creationId xmlns:a16="http://schemas.microsoft.com/office/drawing/2014/main" xmlns="" id="{91949C41-2679-4E9D-A28C-F0C979F5702B}"/>
+                <a16:creationId xmlns:a16="http://schemas.microsoft.com/office/drawing/2014/main" id="{91949C41-2679-4E9D-A28C-F0C979F5702B}"/>
               </a:ext>
             </a:extLst>
           </p:cNvPr>
@@ -12222,7 +12332,7 @@
           <p:cNvPr id="12" name="Rectangle 11">
             <a:extLst>
               <a:ext uri="{FF2B5EF4-FFF2-40B4-BE49-F238E27FC236}">
-                <a16:creationId xmlns:a16="http://schemas.microsoft.com/office/drawing/2014/main" xmlns="" id="{3454B05D-55FD-4118-B899-4095FF50870D}"/>
+                <a16:creationId xmlns:a16="http://schemas.microsoft.com/office/drawing/2014/main" id="{3454B05D-55FD-4118-B899-4095FF50870D}"/>
               </a:ext>
             </a:extLst>
           </p:cNvPr>
@@ -12272,7 +12382,7 @@
     </p:spTree>
     <p:extLst>
       <p:ext uri="{BB962C8B-B14F-4D97-AF65-F5344CB8AC3E}">
-        <p14:creationId xmlns:p14="http://schemas.microsoft.com/office/powerpoint/2010/main" xmlns="" val="440533000"/>
+        <p14:creationId xmlns:p14="http://schemas.microsoft.com/office/powerpoint/2010/main" val="440533000"/>
       </p:ext>
     </p:extLst>
   </p:cSld>
@@ -12304,7 +12414,7 @@
           <p:cNvPr id="8" name="Rectangle 7">
             <a:extLst>
               <a:ext uri="{FF2B5EF4-FFF2-40B4-BE49-F238E27FC236}">
-                <a16:creationId xmlns:a16="http://schemas.microsoft.com/office/drawing/2014/main" xmlns="" id="{34C5F727-FA73-47F4-8647-79441AA996E3}"/>
+                <a16:creationId xmlns:a16="http://schemas.microsoft.com/office/drawing/2014/main" id="{34C5F727-FA73-47F4-8647-79441AA996E3}"/>
               </a:ext>
             </a:extLst>
           </p:cNvPr>
@@ -12356,7 +12466,7 @@
           <p:cNvPr id="2" name="Title 1">
             <a:extLst>
               <a:ext uri="{FF2B5EF4-FFF2-40B4-BE49-F238E27FC236}">
-                <a16:creationId xmlns:a16="http://schemas.microsoft.com/office/drawing/2014/main" xmlns="" id="{E94FD2F3-3119-48E2-B464-A93E23C5A607}"/>
+                <a16:creationId xmlns:a16="http://schemas.microsoft.com/office/drawing/2014/main" id="{E94FD2F3-3119-48E2-B464-A93E23C5A607}"/>
               </a:ext>
             </a:extLst>
           </p:cNvPr>
@@ -12396,7 +12506,7 @@
           <p:cNvPr id="3" name="Content Placeholder 2">
             <a:extLst>
               <a:ext uri="{FF2B5EF4-FFF2-40B4-BE49-F238E27FC236}">
-                <a16:creationId xmlns:a16="http://schemas.microsoft.com/office/drawing/2014/main" xmlns="" id="{FCE87C6E-3441-429B-A81D-87F8344C068B}"/>
+                <a16:creationId xmlns:a16="http://schemas.microsoft.com/office/drawing/2014/main" id="{FCE87C6E-3441-429B-A81D-87F8344C068B}"/>
               </a:ext>
             </a:extLst>
           </p:cNvPr>
@@ -12477,7 +12587,7 @@
           <p:cNvPr id="6" name="Slide Number Placeholder 5">
             <a:extLst>
               <a:ext uri="{FF2B5EF4-FFF2-40B4-BE49-F238E27FC236}">
-                <a16:creationId xmlns:a16="http://schemas.microsoft.com/office/drawing/2014/main" xmlns="" id="{FC8ECDD1-1369-42FD-BD19-6797742A154C}"/>
+                <a16:creationId xmlns:a16="http://schemas.microsoft.com/office/drawing/2014/main" id="{FC8ECDD1-1369-42FD-BD19-6797742A154C}"/>
               </a:ext>
             </a:extLst>
           </p:cNvPr>
@@ -12507,7 +12617,7 @@
           <p:cNvPr id="13" name="Picture Placeholder 6">
             <a:extLst>
               <a:ext uri="{FF2B5EF4-FFF2-40B4-BE49-F238E27FC236}">
-                <a16:creationId xmlns:a16="http://schemas.microsoft.com/office/drawing/2014/main" xmlns="" id="{9303FD92-1AC4-4708-B13E-C97E00210D2E}"/>
+                <a16:creationId xmlns:a16="http://schemas.microsoft.com/office/drawing/2014/main" id="{9303FD92-1AC4-4708-B13E-C97E00210D2E}"/>
               </a:ext>
             </a:extLst>
           </p:cNvPr>
@@ -12555,7 +12665,7 @@
           <p:cNvPr id="14" name="Picture Placeholder 6">
             <a:extLst>
               <a:ext uri="{FF2B5EF4-FFF2-40B4-BE49-F238E27FC236}">
-                <a16:creationId xmlns:a16="http://schemas.microsoft.com/office/drawing/2014/main" xmlns="" id="{F6824EBC-CC6E-4D5A-B85A-DAC55ACE8533}"/>
+                <a16:creationId xmlns:a16="http://schemas.microsoft.com/office/drawing/2014/main" id="{F6824EBC-CC6E-4D5A-B85A-DAC55ACE8533}"/>
               </a:ext>
             </a:extLst>
           </p:cNvPr>
@@ -12603,7 +12713,7 @@
           <p:cNvPr id="15" name="Rectangle 14">
             <a:extLst>
               <a:ext uri="{FF2B5EF4-FFF2-40B4-BE49-F238E27FC236}">
-                <a16:creationId xmlns:a16="http://schemas.microsoft.com/office/drawing/2014/main" xmlns="" id="{43661888-890D-4E0C-8076-65EDFDB7DE27}"/>
+                <a16:creationId xmlns:a16="http://schemas.microsoft.com/office/drawing/2014/main" id="{43661888-890D-4E0C-8076-65EDFDB7DE27}"/>
               </a:ext>
             </a:extLst>
           </p:cNvPr>
@@ -12655,7 +12765,7 @@
           <p:cNvPr id="16" name="Rectangle 15">
             <a:extLst>
               <a:ext uri="{FF2B5EF4-FFF2-40B4-BE49-F238E27FC236}">
-                <a16:creationId xmlns:a16="http://schemas.microsoft.com/office/drawing/2014/main" xmlns="" id="{5AE48EF9-5BAF-4BD7-A6BE-866C0307B69F}"/>
+                <a16:creationId xmlns:a16="http://schemas.microsoft.com/office/drawing/2014/main" id="{5AE48EF9-5BAF-4BD7-A6BE-866C0307B69F}"/>
               </a:ext>
             </a:extLst>
           </p:cNvPr>
@@ -12707,7 +12817,7 @@
           <p:cNvPr id="17" name="Rectangle 16">
             <a:extLst>
               <a:ext uri="{FF2B5EF4-FFF2-40B4-BE49-F238E27FC236}">
-                <a16:creationId xmlns:a16="http://schemas.microsoft.com/office/drawing/2014/main" xmlns="" id="{E8D4A5F4-99AC-4FB3-8A59-AB8D7B4FC7D7}"/>
+                <a16:creationId xmlns:a16="http://schemas.microsoft.com/office/drawing/2014/main" id="{E8D4A5F4-99AC-4FB3-8A59-AB8D7B4FC7D7}"/>
               </a:ext>
             </a:extLst>
           </p:cNvPr>
@@ -12757,7 +12867,7 @@
     </p:spTree>
     <p:extLst>
       <p:ext uri="{BB962C8B-B14F-4D97-AF65-F5344CB8AC3E}">
-        <p14:creationId xmlns:p14="http://schemas.microsoft.com/office/powerpoint/2010/main" xmlns="" val="74013615"/>
+        <p14:creationId xmlns:p14="http://schemas.microsoft.com/office/powerpoint/2010/main" val="74013615"/>
       </p:ext>
     </p:extLst>
   </p:cSld>
@@ -12833,10 +12943,9 @@
           </a:lstStyle>
           <a:p>
             <a:r>
-              <a:rPr kumimoji="0" lang="en-US" smtClean="0"/>
+              <a:rPr kumimoji="0" lang="en-US"/>
               <a:t>Click to edit Master title style</a:t>
             </a:r>
-            <a:endParaRPr kumimoji="0" lang="en-US"/>
           </a:p>
         </p:txBody>
       </p:sp>
@@ -12912,7 +13021,7 @@
           <a:p>
             <a:pPr lvl="0" eaLnBrk="1" latinLnBrk="0" hangingPunct="1"/>
             <a:r>
-              <a:rPr kumimoji="0" lang="en-US" smtClean="0"/>
+              <a:rPr kumimoji="0" lang="en-US"/>
               <a:t>Click to edit Master text styles</a:t>
             </a:r>
           </a:p>
@@ -12931,14 +13040,12 @@
         <p:spPr/>
         <p:txBody>
           <a:bodyPr/>
-          <a:lstStyle>
-            <a:extLst/>
-          </a:lstStyle>
+          <a:lstStyle/>
           <a:p>
             <a:fld id="{64BF4833-09CA-4F95-9AA9-D45BF689F777}" type="datetimeFigureOut">
               <a:rPr lang="en-IN" smtClean="0"/>
               <a:pPr/>
-              <a:t>11-05-2023</a:t>
+              <a:t>23-06-2023</a:t>
             </a:fld>
             <a:endParaRPr lang="en-IN"/>
           </a:p>
@@ -12957,9 +13064,7 @@
         <p:spPr/>
         <p:txBody>
           <a:bodyPr/>
-          <a:lstStyle>
-            <a:extLst/>
-          </a:lstStyle>
+          <a:lstStyle/>
           <a:p>
             <a:endParaRPr lang="en-IN"/>
           </a:p>
@@ -12978,9 +13083,7 @@
         <p:spPr/>
         <p:txBody>
           <a:bodyPr/>
-          <a:lstStyle>
-            <a:extLst/>
-          </a:lstStyle>
+          <a:lstStyle/>
           <a:p>
             <a:fld id="{03DC2DEF-D2FE-4B45-ABA4-9F153FD1C98A}" type="slidenum">
               <a:rPr lang="en-US" smtClean="0"/>
@@ -13062,9 +13165,7 @@
         </p:style>
         <p:txBody>
           <a:bodyPr anchor="ctr"/>
-          <a:lstStyle>
-            <a:extLst/>
-          </a:lstStyle>
+          <a:lstStyle/>
           <a:p>
             <a:pPr algn="l" eaLnBrk="1" latinLnBrk="0" hangingPunct="1"/>
             <a:endParaRPr kumimoji="0" lang="en-US"/>
@@ -13142,9 +13243,7 @@
         </p:style>
         <p:txBody>
           <a:bodyPr anchor="ctr"/>
-          <a:lstStyle>
-            <a:extLst/>
-          </a:lstStyle>
+          <a:lstStyle/>
           <a:p>
             <a:pPr algn="l" eaLnBrk="1" latinLnBrk="0" hangingPunct="1"/>
             <a:endParaRPr kumimoji="0" lang="en-US"/>
@@ -13156,7 +13255,7 @@
           <p:cNvPr id="9" name="Rectangle 8">
             <a:extLst>
               <a:ext uri="{FF2B5EF4-FFF2-40B4-BE49-F238E27FC236}">
-                <a16:creationId xmlns:a16="http://schemas.microsoft.com/office/drawing/2014/main" xmlns="" id="{65AC5C5D-988B-4CAD-952E-486CC127141E}"/>
+                <a16:creationId xmlns:a16="http://schemas.microsoft.com/office/drawing/2014/main" id="{65AC5C5D-988B-4CAD-952E-486CC127141E}"/>
               </a:ext>
             </a:extLst>
           </p:cNvPr>
@@ -13208,7 +13307,7 @@
           <p:cNvPr id="10" name="Rectangle 9">
             <a:extLst>
               <a:ext uri="{FF2B5EF4-FFF2-40B4-BE49-F238E27FC236}">
-                <a16:creationId xmlns:a16="http://schemas.microsoft.com/office/drawing/2014/main" xmlns="" id="{FC165B12-2AD0-4A2E-8701-E6880767D676}"/>
+                <a16:creationId xmlns:a16="http://schemas.microsoft.com/office/drawing/2014/main" id="{FC165B12-2AD0-4A2E-8701-E6880767D676}"/>
               </a:ext>
             </a:extLst>
           </p:cNvPr>
@@ -13257,7 +13356,7 @@
           <p:cNvPr id="11" name="Rectangle 10">
             <a:extLst>
               <a:ext uri="{FF2B5EF4-FFF2-40B4-BE49-F238E27FC236}">
-                <a16:creationId xmlns:a16="http://schemas.microsoft.com/office/drawing/2014/main" xmlns="" id="{B7B8685B-0557-4378-A4BB-A9FCC95C7A94}"/>
+                <a16:creationId xmlns:a16="http://schemas.microsoft.com/office/drawing/2014/main" id="{B7B8685B-0557-4378-A4BB-A9FCC95C7A94}"/>
               </a:ext>
             </a:extLst>
           </p:cNvPr>
@@ -13309,7 +13408,7 @@
           <p:cNvPr id="12" name="Rectangle 11">
             <a:extLst>
               <a:ext uri="{FF2B5EF4-FFF2-40B4-BE49-F238E27FC236}">
-                <a16:creationId xmlns:a16="http://schemas.microsoft.com/office/drawing/2014/main" xmlns="" id="{F477C460-DFDD-49DA-A732-58BE13C03CAC}"/>
+                <a16:creationId xmlns:a16="http://schemas.microsoft.com/office/drawing/2014/main" id="{F477C460-DFDD-49DA-A732-58BE13C03CAC}"/>
               </a:ext>
             </a:extLst>
           </p:cNvPr>
@@ -13386,7 +13485,7 @@
           <p:cNvPr id="8" name="Rectangle 7">
             <a:extLst>
               <a:ext uri="{FF2B5EF4-FFF2-40B4-BE49-F238E27FC236}">
-                <a16:creationId xmlns:a16="http://schemas.microsoft.com/office/drawing/2014/main" xmlns="" id="{34C5F727-FA73-47F4-8647-79441AA996E3}"/>
+                <a16:creationId xmlns:a16="http://schemas.microsoft.com/office/drawing/2014/main" id="{34C5F727-FA73-47F4-8647-79441AA996E3}"/>
               </a:ext>
             </a:extLst>
           </p:cNvPr>
@@ -13438,7 +13537,7 @@
           <p:cNvPr id="2" name="Title 1">
             <a:extLst>
               <a:ext uri="{FF2B5EF4-FFF2-40B4-BE49-F238E27FC236}">
-                <a16:creationId xmlns:a16="http://schemas.microsoft.com/office/drawing/2014/main" xmlns="" id="{E94FD2F3-3119-48E2-B464-A93E23C5A607}"/>
+                <a16:creationId xmlns:a16="http://schemas.microsoft.com/office/drawing/2014/main" id="{E94FD2F3-3119-48E2-B464-A93E23C5A607}"/>
               </a:ext>
             </a:extLst>
           </p:cNvPr>
@@ -13478,7 +13577,7 @@
           <p:cNvPr id="3" name="Content Placeholder 2">
             <a:extLst>
               <a:ext uri="{FF2B5EF4-FFF2-40B4-BE49-F238E27FC236}">
-                <a16:creationId xmlns:a16="http://schemas.microsoft.com/office/drawing/2014/main" xmlns="" id="{FCE87C6E-3441-429B-A81D-87F8344C068B}"/>
+                <a16:creationId xmlns:a16="http://schemas.microsoft.com/office/drawing/2014/main" id="{FCE87C6E-3441-429B-A81D-87F8344C068B}"/>
               </a:ext>
             </a:extLst>
           </p:cNvPr>
@@ -13559,7 +13658,7 @@
           <p:cNvPr id="6" name="Slide Number Placeholder 5">
             <a:extLst>
               <a:ext uri="{FF2B5EF4-FFF2-40B4-BE49-F238E27FC236}">
-                <a16:creationId xmlns:a16="http://schemas.microsoft.com/office/drawing/2014/main" xmlns="" id="{FC8ECDD1-1369-42FD-BD19-6797742A154C}"/>
+                <a16:creationId xmlns:a16="http://schemas.microsoft.com/office/drawing/2014/main" id="{FC8ECDD1-1369-42FD-BD19-6797742A154C}"/>
               </a:ext>
             </a:extLst>
           </p:cNvPr>
@@ -13589,7 +13688,7 @@
           <p:cNvPr id="13" name="Picture Placeholder 6">
             <a:extLst>
               <a:ext uri="{FF2B5EF4-FFF2-40B4-BE49-F238E27FC236}">
-                <a16:creationId xmlns:a16="http://schemas.microsoft.com/office/drawing/2014/main" xmlns="" id="{9303FD92-1AC4-4708-B13E-C97E00210D2E}"/>
+                <a16:creationId xmlns:a16="http://schemas.microsoft.com/office/drawing/2014/main" id="{9303FD92-1AC4-4708-B13E-C97E00210D2E}"/>
               </a:ext>
             </a:extLst>
           </p:cNvPr>
@@ -13637,7 +13736,7 @@
           <p:cNvPr id="11" name="Rectangle 10">
             <a:extLst>
               <a:ext uri="{FF2B5EF4-FFF2-40B4-BE49-F238E27FC236}">
-                <a16:creationId xmlns:a16="http://schemas.microsoft.com/office/drawing/2014/main" xmlns="" id="{0E4979D5-6F1E-40A2-9A8E-8C5AE1AA3B62}"/>
+                <a16:creationId xmlns:a16="http://schemas.microsoft.com/office/drawing/2014/main" id="{0E4979D5-6F1E-40A2-9A8E-8C5AE1AA3B62}"/>
               </a:ext>
             </a:extLst>
           </p:cNvPr>
@@ -13687,7 +13786,7 @@
     </p:spTree>
     <p:extLst>
       <p:ext uri="{BB962C8B-B14F-4D97-AF65-F5344CB8AC3E}">
-        <p14:creationId xmlns:p14="http://schemas.microsoft.com/office/powerpoint/2010/main" xmlns="" val="243879636"/>
+        <p14:creationId xmlns:p14="http://schemas.microsoft.com/office/powerpoint/2010/main" val="243879636"/>
       </p:ext>
     </p:extLst>
   </p:cSld>
@@ -13719,7 +13818,7 @@
           <p:cNvPr id="8" name="Rectangle 7">
             <a:extLst>
               <a:ext uri="{FF2B5EF4-FFF2-40B4-BE49-F238E27FC236}">
-                <a16:creationId xmlns:a16="http://schemas.microsoft.com/office/drawing/2014/main" xmlns="" id="{34C5F727-FA73-47F4-8647-79441AA996E3}"/>
+                <a16:creationId xmlns:a16="http://schemas.microsoft.com/office/drawing/2014/main" id="{34C5F727-FA73-47F4-8647-79441AA996E3}"/>
               </a:ext>
             </a:extLst>
           </p:cNvPr>
@@ -13771,7 +13870,7 @@
           <p:cNvPr id="11" name="Rectangle 10">
             <a:extLst>
               <a:ext uri="{FF2B5EF4-FFF2-40B4-BE49-F238E27FC236}">
-                <a16:creationId xmlns:a16="http://schemas.microsoft.com/office/drawing/2014/main" xmlns="" id="{0E4979D5-6F1E-40A2-9A8E-8C5AE1AA3B62}"/>
+                <a16:creationId xmlns:a16="http://schemas.microsoft.com/office/drawing/2014/main" id="{0E4979D5-6F1E-40A2-9A8E-8C5AE1AA3B62}"/>
               </a:ext>
             </a:extLst>
           </p:cNvPr>
@@ -13823,7 +13922,7 @@
           <p:cNvPr id="2" name="Title 1">
             <a:extLst>
               <a:ext uri="{FF2B5EF4-FFF2-40B4-BE49-F238E27FC236}">
-                <a16:creationId xmlns:a16="http://schemas.microsoft.com/office/drawing/2014/main" xmlns="" id="{E94FD2F3-3119-48E2-B464-A93E23C5A607}"/>
+                <a16:creationId xmlns:a16="http://schemas.microsoft.com/office/drawing/2014/main" id="{E94FD2F3-3119-48E2-B464-A93E23C5A607}"/>
               </a:ext>
             </a:extLst>
           </p:cNvPr>
@@ -13863,7 +13962,7 @@
           <p:cNvPr id="3" name="Content Placeholder 2">
             <a:extLst>
               <a:ext uri="{FF2B5EF4-FFF2-40B4-BE49-F238E27FC236}">
-                <a16:creationId xmlns:a16="http://schemas.microsoft.com/office/drawing/2014/main" xmlns="" id="{FCE87C6E-3441-429B-A81D-87F8344C068B}"/>
+                <a16:creationId xmlns:a16="http://schemas.microsoft.com/office/drawing/2014/main" id="{FCE87C6E-3441-429B-A81D-87F8344C068B}"/>
               </a:ext>
             </a:extLst>
           </p:cNvPr>
@@ -13944,7 +14043,7 @@
           <p:cNvPr id="6" name="Slide Number Placeholder 5">
             <a:extLst>
               <a:ext uri="{FF2B5EF4-FFF2-40B4-BE49-F238E27FC236}">
-                <a16:creationId xmlns:a16="http://schemas.microsoft.com/office/drawing/2014/main" xmlns="" id="{FC8ECDD1-1369-42FD-BD19-6797742A154C}"/>
+                <a16:creationId xmlns:a16="http://schemas.microsoft.com/office/drawing/2014/main" id="{FC8ECDD1-1369-42FD-BD19-6797742A154C}"/>
               </a:ext>
             </a:extLst>
           </p:cNvPr>
@@ -13974,7 +14073,7 @@
           <p:cNvPr id="13" name="Picture Placeholder 6">
             <a:extLst>
               <a:ext uri="{FF2B5EF4-FFF2-40B4-BE49-F238E27FC236}">
-                <a16:creationId xmlns:a16="http://schemas.microsoft.com/office/drawing/2014/main" xmlns="" id="{9303FD92-1AC4-4708-B13E-C97E00210D2E}"/>
+                <a16:creationId xmlns:a16="http://schemas.microsoft.com/office/drawing/2014/main" id="{9303FD92-1AC4-4708-B13E-C97E00210D2E}"/>
               </a:ext>
             </a:extLst>
           </p:cNvPr>
@@ -14022,7 +14121,7 @@
           <p:cNvPr id="4" name="Rectangle 3">
             <a:extLst>
               <a:ext uri="{FF2B5EF4-FFF2-40B4-BE49-F238E27FC236}">
-                <a16:creationId xmlns:a16="http://schemas.microsoft.com/office/drawing/2014/main" xmlns="" id="{7306EB3B-6A54-45E7-B23D-F9515CC15D12}"/>
+                <a16:creationId xmlns:a16="http://schemas.microsoft.com/office/drawing/2014/main" id="{7306EB3B-6A54-45E7-B23D-F9515CC15D12}"/>
               </a:ext>
             </a:extLst>
           </p:cNvPr>
@@ -14074,7 +14173,7 @@
           <p:cNvPr id="9" name="Rectangle 8">
             <a:extLst>
               <a:ext uri="{FF2B5EF4-FFF2-40B4-BE49-F238E27FC236}">
-                <a16:creationId xmlns:a16="http://schemas.microsoft.com/office/drawing/2014/main" xmlns="" id="{7E110354-15BA-4B22-B7CF-3D5BFA5C722D}"/>
+                <a16:creationId xmlns:a16="http://schemas.microsoft.com/office/drawing/2014/main" id="{7E110354-15BA-4B22-B7CF-3D5BFA5C722D}"/>
               </a:ext>
             </a:extLst>
           </p:cNvPr>
@@ -14124,7 +14223,7 @@
     </p:spTree>
     <p:extLst>
       <p:ext uri="{BB962C8B-B14F-4D97-AF65-F5344CB8AC3E}">
-        <p14:creationId xmlns:p14="http://schemas.microsoft.com/office/powerpoint/2010/main" xmlns="" val="4151357272"/>
+        <p14:creationId xmlns:p14="http://schemas.microsoft.com/office/powerpoint/2010/main" val="4151357272"/>
       </p:ext>
     </p:extLst>
   </p:cSld>
@@ -14156,7 +14255,7 @@
           <p:cNvPr id="8" name="Rectangle 7">
             <a:extLst>
               <a:ext uri="{FF2B5EF4-FFF2-40B4-BE49-F238E27FC236}">
-                <a16:creationId xmlns:a16="http://schemas.microsoft.com/office/drawing/2014/main" xmlns="" id="{34C5F727-FA73-47F4-8647-79441AA996E3}"/>
+                <a16:creationId xmlns:a16="http://schemas.microsoft.com/office/drawing/2014/main" id="{34C5F727-FA73-47F4-8647-79441AA996E3}"/>
               </a:ext>
             </a:extLst>
           </p:cNvPr>
@@ -14208,7 +14307,7 @@
           <p:cNvPr id="2" name="Title 1">
             <a:extLst>
               <a:ext uri="{FF2B5EF4-FFF2-40B4-BE49-F238E27FC236}">
-                <a16:creationId xmlns:a16="http://schemas.microsoft.com/office/drawing/2014/main" xmlns="" id="{E94FD2F3-3119-48E2-B464-A93E23C5A607}"/>
+                <a16:creationId xmlns:a16="http://schemas.microsoft.com/office/drawing/2014/main" id="{E94FD2F3-3119-48E2-B464-A93E23C5A607}"/>
               </a:ext>
             </a:extLst>
           </p:cNvPr>
@@ -14248,7 +14347,7 @@
           <p:cNvPr id="3" name="Content Placeholder 2">
             <a:extLst>
               <a:ext uri="{FF2B5EF4-FFF2-40B4-BE49-F238E27FC236}">
-                <a16:creationId xmlns:a16="http://schemas.microsoft.com/office/drawing/2014/main" xmlns="" id="{FCE87C6E-3441-429B-A81D-87F8344C068B}"/>
+                <a16:creationId xmlns:a16="http://schemas.microsoft.com/office/drawing/2014/main" id="{FCE87C6E-3441-429B-A81D-87F8344C068B}"/>
               </a:ext>
             </a:extLst>
           </p:cNvPr>
@@ -14329,7 +14428,7 @@
           <p:cNvPr id="6" name="Slide Number Placeholder 5">
             <a:extLst>
               <a:ext uri="{FF2B5EF4-FFF2-40B4-BE49-F238E27FC236}">
-                <a16:creationId xmlns:a16="http://schemas.microsoft.com/office/drawing/2014/main" xmlns="" id="{FC8ECDD1-1369-42FD-BD19-6797742A154C}"/>
+                <a16:creationId xmlns:a16="http://schemas.microsoft.com/office/drawing/2014/main" id="{FC8ECDD1-1369-42FD-BD19-6797742A154C}"/>
               </a:ext>
             </a:extLst>
           </p:cNvPr>
@@ -14359,7 +14458,7 @@
           <p:cNvPr id="13" name="Picture Placeholder 6">
             <a:extLst>
               <a:ext uri="{FF2B5EF4-FFF2-40B4-BE49-F238E27FC236}">
-                <a16:creationId xmlns:a16="http://schemas.microsoft.com/office/drawing/2014/main" xmlns="" id="{9303FD92-1AC4-4708-B13E-C97E00210D2E}"/>
+                <a16:creationId xmlns:a16="http://schemas.microsoft.com/office/drawing/2014/main" id="{9303FD92-1AC4-4708-B13E-C97E00210D2E}"/>
               </a:ext>
             </a:extLst>
           </p:cNvPr>
@@ -14407,7 +14506,7 @@
           <p:cNvPr id="5" name="Rectangle 4">
             <a:extLst>
               <a:ext uri="{FF2B5EF4-FFF2-40B4-BE49-F238E27FC236}">
-                <a16:creationId xmlns:a16="http://schemas.microsoft.com/office/drawing/2014/main" xmlns="" id="{8E16C293-C1E0-4EA5-BDE5-D226D72FC08B}"/>
+                <a16:creationId xmlns:a16="http://schemas.microsoft.com/office/drawing/2014/main" id="{8E16C293-C1E0-4EA5-BDE5-D226D72FC08B}"/>
               </a:ext>
             </a:extLst>
           </p:cNvPr>
@@ -14459,7 +14558,7 @@
           <p:cNvPr id="12" name="Rectangle 11">
             <a:extLst>
               <a:ext uri="{FF2B5EF4-FFF2-40B4-BE49-F238E27FC236}">
-                <a16:creationId xmlns:a16="http://schemas.microsoft.com/office/drawing/2014/main" xmlns="" id="{DC770C08-8FFF-4293-8E7D-DBFEE4E3E443}"/>
+                <a16:creationId xmlns:a16="http://schemas.microsoft.com/office/drawing/2014/main" id="{DC770C08-8FFF-4293-8E7D-DBFEE4E3E443}"/>
               </a:ext>
             </a:extLst>
           </p:cNvPr>
@@ -14509,7 +14608,7 @@
     </p:spTree>
     <p:extLst>
       <p:ext uri="{BB962C8B-B14F-4D97-AF65-F5344CB8AC3E}">
-        <p14:creationId xmlns:p14="http://schemas.microsoft.com/office/powerpoint/2010/main" xmlns="" val="2414620619"/>
+        <p14:creationId xmlns:p14="http://schemas.microsoft.com/office/powerpoint/2010/main" val="2414620619"/>
       </p:ext>
     </p:extLst>
   </p:cSld>
@@ -14541,7 +14640,7 @@
           <p:cNvPr id="7" name="Rectangle 6">
             <a:extLst>
               <a:ext uri="{FF2B5EF4-FFF2-40B4-BE49-F238E27FC236}">
-                <a16:creationId xmlns:a16="http://schemas.microsoft.com/office/drawing/2014/main" xmlns="" id="{ED497887-B1EF-4184-95F4-276A92D54B8F}"/>
+                <a16:creationId xmlns:a16="http://schemas.microsoft.com/office/drawing/2014/main" id="{ED497887-B1EF-4184-95F4-276A92D54B8F}"/>
               </a:ext>
             </a:extLst>
           </p:cNvPr>
@@ -14593,7 +14692,7 @@
           <p:cNvPr id="8" name="Rectangle 7">
             <a:extLst>
               <a:ext uri="{FF2B5EF4-FFF2-40B4-BE49-F238E27FC236}">
-                <a16:creationId xmlns:a16="http://schemas.microsoft.com/office/drawing/2014/main" xmlns="" id="{4F93C6CC-9D8D-4981-8106-72C617756BD8}"/>
+                <a16:creationId xmlns:a16="http://schemas.microsoft.com/office/drawing/2014/main" id="{4F93C6CC-9D8D-4981-8106-72C617756BD8}"/>
               </a:ext>
             </a:extLst>
           </p:cNvPr>
@@ -14642,7 +14741,7 @@
           <p:cNvPr id="11" name="Picture Placeholder 6">
             <a:extLst>
               <a:ext uri="{FF2B5EF4-FFF2-40B4-BE49-F238E27FC236}">
-                <a16:creationId xmlns:a16="http://schemas.microsoft.com/office/drawing/2014/main" xmlns="" id="{391EAACA-1322-4E60-917E-C7408F539D5D}"/>
+                <a16:creationId xmlns:a16="http://schemas.microsoft.com/office/drawing/2014/main" id="{391EAACA-1322-4E60-917E-C7408F539D5D}"/>
               </a:ext>
             </a:extLst>
           </p:cNvPr>
@@ -14690,7 +14789,7 @@
           <p:cNvPr id="2" name="Title 1">
             <a:extLst>
               <a:ext uri="{FF2B5EF4-FFF2-40B4-BE49-F238E27FC236}">
-                <a16:creationId xmlns:a16="http://schemas.microsoft.com/office/drawing/2014/main" xmlns="" id="{4C2FFEDF-1F62-45E5-8000-9689D9DFC4D1}"/>
+                <a16:creationId xmlns:a16="http://schemas.microsoft.com/office/drawing/2014/main" id="{4C2FFEDF-1F62-45E5-8000-9689D9DFC4D1}"/>
               </a:ext>
             </a:extLst>
           </p:cNvPr>
@@ -14732,7 +14831,7 @@
           <p:cNvPr id="6" name="Slide Number Placeholder 5">
             <a:extLst>
               <a:ext uri="{FF2B5EF4-FFF2-40B4-BE49-F238E27FC236}">
-                <a16:creationId xmlns:a16="http://schemas.microsoft.com/office/drawing/2014/main" xmlns="" id="{A8D10129-98D8-456D-9925-F02A38DE1423}"/>
+                <a16:creationId xmlns:a16="http://schemas.microsoft.com/office/drawing/2014/main" id="{A8D10129-98D8-456D-9925-F02A38DE1423}"/>
               </a:ext>
             </a:extLst>
           </p:cNvPr>
@@ -14762,7 +14861,7 @@
           <p:cNvPr id="12" name="Freeform: Shape 11">
             <a:extLst>
               <a:ext uri="{FF2B5EF4-FFF2-40B4-BE49-F238E27FC236}">
-                <a16:creationId xmlns:a16="http://schemas.microsoft.com/office/drawing/2014/main" xmlns="" id="{43296215-27AE-462B-9127-E1C932633896}"/>
+                <a16:creationId xmlns:a16="http://schemas.microsoft.com/office/drawing/2014/main" id="{43296215-27AE-462B-9127-E1C932633896}"/>
               </a:ext>
             </a:extLst>
           </p:cNvPr>
@@ -14916,7 +15015,7 @@
     </p:spTree>
     <p:extLst>
       <p:ext uri="{BB962C8B-B14F-4D97-AF65-F5344CB8AC3E}">
-        <p14:creationId xmlns:p14="http://schemas.microsoft.com/office/powerpoint/2010/main" xmlns="" val="2274798320"/>
+        <p14:creationId xmlns:p14="http://schemas.microsoft.com/office/powerpoint/2010/main" val="2274798320"/>
       </p:ext>
     </p:extLst>
   </p:cSld>
@@ -15037,7 +15136,7 @@
           <p:cNvPr id="7" name="Rectangle 6">
             <a:extLst>
               <a:ext uri="{FF2B5EF4-FFF2-40B4-BE49-F238E27FC236}">
-                <a16:creationId xmlns:a16="http://schemas.microsoft.com/office/drawing/2014/main" xmlns="" id="{ED497887-B1EF-4184-95F4-276A92D54B8F}"/>
+                <a16:creationId xmlns:a16="http://schemas.microsoft.com/office/drawing/2014/main" id="{ED497887-B1EF-4184-95F4-276A92D54B8F}"/>
               </a:ext>
             </a:extLst>
           </p:cNvPr>
@@ -15089,7 +15188,7 @@
           <p:cNvPr id="33" name="Picture Placeholder 32">
             <a:extLst>
               <a:ext uri="{FF2B5EF4-FFF2-40B4-BE49-F238E27FC236}">
-                <a16:creationId xmlns:a16="http://schemas.microsoft.com/office/drawing/2014/main" xmlns="" id="{2DB7CFEB-6952-4BC3-B9E0-0C382490F9E6}"/>
+                <a16:creationId xmlns:a16="http://schemas.microsoft.com/office/drawing/2014/main" id="{2DB7CFEB-6952-4BC3-B9E0-0C382490F9E6}"/>
               </a:ext>
             </a:extLst>
           </p:cNvPr>
@@ -15447,7 +15546,7 @@
           <p:cNvPr id="2" name="Title 1">
             <a:extLst>
               <a:ext uri="{FF2B5EF4-FFF2-40B4-BE49-F238E27FC236}">
-                <a16:creationId xmlns:a16="http://schemas.microsoft.com/office/drawing/2014/main" xmlns="" id="{4C2FFEDF-1F62-45E5-8000-9689D9DFC4D1}"/>
+                <a16:creationId xmlns:a16="http://schemas.microsoft.com/office/drawing/2014/main" id="{4C2FFEDF-1F62-45E5-8000-9689D9DFC4D1}"/>
               </a:ext>
             </a:extLst>
           </p:cNvPr>
@@ -15488,7 +15587,7 @@
           <p:cNvPr id="6" name="Slide Number Placeholder 5">
             <a:extLst>
               <a:ext uri="{FF2B5EF4-FFF2-40B4-BE49-F238E27FC236}">
-                <a16:creationId xmlns:a16="http://schemas.microsoft.com/office/drawing/2014/main" xmlns="" id="{A8D10129-98D8-456D-9925-F02A38DE1423}"/>
+                <a16:creationId xmlns:a16="http://schemas.microsoft.com/office/drawing/2014/main" id="{A8D10129-98D8-456D-9925-F02A38DE1423}"/>
               </a:ext>
             </a:extLst>
           </p:cNvPr>
@@ -15518,7 +15617,7 @@
           <p:cNvPr id="16" name="Rectangle 15">
             <a:extLst>
               <a:ext uri="{FF2B5EF4-FFF2-40B4-BE49-F238E27FC236}">
-                <a16:creationId xmlns:a16="http://schemas.microsoft.com/office/drawing/2014/main" xmlns="" id="{A73E3CFC-9652-4E07-82D7-0EC3304CAA1F}"/>
+                <a16:creationId xmlns:a16="http://schemas.microsoft.com/office/drawing/2014/main" id="{A73E3CFC-9652-4E07-82D7-0EC3304CAA1F}"/>
               </a:ext>
             </a:extLst>
           </p:cNvPr>
@@ -15570,7 +15669,7 @@
           <p:cNvPr id="17" name="Rectangle 16">
             <a:extLst>
               <a:ext uri="{FF2B5EF4-FFF2-40B4-BE49-F238E27FC236}">
-                <a16:creationId xmlns:a16="http://schemas.microsoft.com/office/drawing/2014/main" xmlns="" id="{76B43515-5C7A-4125-B76D-8A24D2BBE5EC}"/>
+                <a16:creationId xmlns:a16="http://schemas.microsoft.com/office/drawing/2014/main" id="{76B43515-5C7A-4125-B76D-8A24D2BBE5EC}"/>
               </a:ext>
             </a:extLst>
           </p:cNvPr>
@@ -15622,7 +15721,7 @@
           <p:cNvPr id="18" name="Rectangle 17">
             <a:extLst>
               <a:ext uri="{FF2B5EF4-FFF2-40B4-BE49-F238E27FC236}">
-                <a16:creationId xmlns:a16="http://schemas.microsoft.com/office/drawing/2014/main" xmlns="" id="{0C9A713B-4176-4C86-9E87-4ADBD6F444FB}"/>
+                <a16:creationId xmlns:a16="http://schemas.microsoft.com/office/drawing/2014/main" id="{0C9A713B-4176-4C86-9E87-4ADBD6F444FB}"/>
               </a:ext>
             </a:extLst>
           </p:cNvPr>
@@ -15672,7 +15771,7 @@
     </p:spTree>
     <p:extLst>
       <p:ext uri="{BB962C8B-B14F-4D97-AF65-F5344CB8AC3E}">
-        <p14:creationId xmlns:p14="http://schemas.microsoft.com/office/powerpoint/2010/main" xmlns="" val="1162233376"/>
+        <p14:creationId xmlns:p14="http://schemas.microsoft.com/office/powerpoint/2010/main" val="1162233376"/>
       </p:ext>
     </p:extLst>
   </p:cSld>
@@ -15704,7 +15803,7 @@
           <p:cNvPr id="7" name="Rectangle 6">
             <a:extLst>
               <a:ext uri="{FF2B5EF4-FFF2-40B4-BE49-F238E27FC236}">
-                <a16:creationId xmlns:a16="http://schemas.microsoft.com/office/drawing/2014/main" xmlns="" id="{ED497887-B1EF-4184-95F4-276A92D54B8F}"/>
+                <a16:creationId xmlns:a16="http://schemas.microsoft.com/office/drawing/2014/main" id="{ED497887-B1EF-4184-95F4-276A92D54B8F}"/>
               </a:ext>
             </a:extLst>
           </p:cNvPr>
@@ -15756,7 +15855,7 @@
           <p:cNvPr id="2" name="Title 1">
             <a:extLst>
               <a:ext uri="{FF2B5EF4-FFF2-40B4-BE49-F238E27FC236}">
-                <a16:creationId xmlns:a16="http://schemas.microsoft.com/office/drawing/2014/main" xmlns="" id="{4C2FFEDF-1F62-45E5-8000-9689D9DFC4D1}"/>
+                <a16:creationId xmlns:a16="http://schemas.microsoft.com/office/drawing/2014/main" id="{4C2FFEDF-1F62-45E5-8000-9689D9DFC4D1}"/>
               </a:ext>
             </a:extLst>
           </p:cNvPr>
@@ -15797,7 +15896,7 @@
           <p:cNvPr id="6" name="Slide Number Placeholder 5">
             <a:extLst>
               <a:ext uri="{FF2B5EF4-FFF2-40B4-BE49-F238E27FC236}">
-                <a16:creationId xmlns:a16="http://schemas.microsoft.com/office/drawing/2014/main" xmlns="" id="{A8D10129-98D8-456D-9925-F02A38DE1423}"/>
+                <a16:creationId xmlns:a16="http://schemas.microsoft.com/office/drawing/2014/main" id="{A8D10129-98D8-456D-9925-F02A38DE1423}"/>
               </a:ext>
             </a:extLst>
           </p:cNvPr>
@@ -15827,7 +15926,7 @@
           <p:cNvPr id="16" name="Rectangle 15">
             <a:extLst>
               <a:ext uri="{FF2B5EF4-FFF2-40B4-BE49-F238E27FC236}">
-                <a16:creationId xmlns:a16="http://schemas.microsoft.com/office/drawing/2014/main" xmlns="" id="{A73E3CFC-9652-4E07-82D7-0EC3304CAA1F}"/>
+                <a16:creationId xmlns:a16="http://schemas.microsoft.com/office/drawing/2014/main" id="{A73E3CFC-9652-4E07-82D7-0EC3304CAA1F}"/>
               </a:ext>
             </a:extLst>
           </p:cNvPr>
@@ -15879,7 +15978,7 @@
           <p:cNvPr id="26" name="Rectangle 25">
             <a:extLst>
               <a:ext uri="{FF2B5EF4-FFF2-40B4-BE49-F238E27FC236}">
-                <a16:creationId xmlns:a16="http://schemas.microsoft.com/office/drawing/2014/main" xmlns="" id="{DFA0623C-0B34-4074-8AA0-6428A5AF07A3}"/>
+                <a16:creationId xmlns:a16="http://schemas.microsoft.com/office/drawing/2014/main" id="{DFA0623C-0B34-4074-8AA0-6428A5AF07A3}"/>
               </a:ext>
             </a:extLst>
           </p:cNvPr>
@@ -15931,7 +16030,7 @@
           <p:cNvPr id="33" name="Picture Placeholder 32">
             <a:extLst>
               <a:ext uri="{FF2B5EF4-FFF2-40B4-BE49-F238E27FC236}">
-                <a16:creationId xmlns:a16="http://schemas.microsoft.com/office/drawing/2014/main" xmlns="" id="{B5D335A5-A601-4D8A-AEF5-F34792FF565A}"/>
+                <a16:creationId xmlns:a16="http://schemas.microsoft.com/office/drawing/2014/main" id="{B5D335A5-A601-4D8A-AEF5-F34792FF565A}"/>
               </a:ext>
             </a:extLst>
           </p:cNvPr>
@@ -16320,7 +16419,7 @@
     </p:spTree>
     <p:extLst>
       <p:ext uri="{BB962C8B-B14F-4D97-AF65-F5344CB8AC3E}">
-        <p14:creationId xmlns:p14="http://schemas.microsoft.com/office/powerpoint/2010/main" xmlns="" val="2883340266"/>
+        <p14:creationId xmlns:p14="http://schemas.microsoft.com/office/powerpoint/2010/main" val="2883340266"/>
       </p:ext>
     </p:extLst>
   </p:cSld>
@@ -16352,7 +16451,7 @@
           <p:cNvPr id="10" name="Rectangle 9">
             <a:extLst>
               <a:ext uri="{FF2B5EF4-FFF2-40B4-BE49-F238E27FC236}">
-                <a16:creationId xmlns:a16="http://schemas.microsoft.com/office/drawing/2014/main" xmlns="" id="{A5A73287-EED0-4EEC-8007-E2C13366027B}"/>
+                <a16:creationId xmlns:a16="http://schemas.microsoft.com/office/drawing/2014/main" id="{A5A73287-EED0-4EEC-8007-E2C13366027B}"/>
               </a:ext>
             </a:extLst>
           </p:cNvPr>
@@ -16404,7 +16503,7 @@
           <p:cNvPr id="2" name="Title 1">
             <a:extLst>
               <a:ext uri="{FF2B5EF4-FFF2-40B4-BE49-F238E27FC236}">
-                <a16:creationId xmlns:a16="http://schemas.microsoft.com/office/drawing/2014/main" xmlns="" id="{DE3A6AA5-A315-455E-B5C7-E53E3746ED81}"/>
+                <a16:creationId xmlns:a16="http://schemas.microsoft.com/office/drawing/2014/main" id="{DE3A6AA5-A315-455E-B5C7-E53E3746ED81}"/>
               </a:ext>
             </a:extLst>
           </p:cNvPr>
@@ -16433,7 +16532,7 @@
           <p:cNvPr id="4" name="Content Placeholder 3">
             <a:extLst>
               <a:ext uri="{FF2B5EF4-FFF2-40B4-BE49-F238E27FC236}">
-                <a16:creationId xmlns:a16="http://schemas.microsoft.com/office/drawing/2014/main" xmlns="" id="{23F1116B-C8B0-450D-83F6-49C4ABB22CCD}"/>
+                <a16:creationId xmlns:a16="http://schemas.microsoft.com/office/drawing/2014/main" id="{23F1116B-C8B0-450D-83F6-49C4ABB22CCD}"/>
               </a:ext>
             </a:extLst>
           </p:cNvPr>
@@ -16534,7 +16633,7 @@
           <p:cNvPr id="7" name="Slide Number Placeholder 6">
             <a:extLst>
               <a:ext uri="{FF2B5EF4-FFF2-40B4-BE49-F238E27FC236}">
-                <a16:creationId xmlns:a16="http://schemas.microsoft.com/office/drawing/2014/main" xmlns="" id="{2C182A82-4FBE-4689-B739-692549B4030D}"/>
+                <a16:creationId xmlns:a16="http://schemas.microsoft.com/office/drawing/2014/main" id="{2C182A82-4FBE-4689-B739-692549B4030D}"/>
               </a:ext>
             </a:extLst>
           </p:cNvPr>
@@ -16564,7 +16663,7 @@
           <p:cNvPr id="8" name="Picture Placeholder 6">
             <a:extLst>
               <a:ext uri="{FF2B5EF4-FFF2-40B4-BE49-F238E27FC236}">
-                <a16:creationId xmlns:a16="http://schemas.microsoft.com/office/drawing/2014/main" xmlns="" id="{4DC80855-A1B8-4B65-B6F6-2AA6239EC246}"/>
+                <a16:creationId xmlns:a16="http://schemas.microsoft.com/office/drawing/2014/main" id="{4DC80855-A1B8-4B65-B6F6-2AA6239EC246}"/>
               </a:ext>
             </a:extLst>
           </p:cNvPr>
@@ -16612,7 +16711,7 @@
           <p:cNvPr id="11" name="Picture Placeholder 6">
             <a:extLst>
               <a:ext uri="{FF2B5EF4-FFF2-40B4-BE49-F238E27FC236}">
-                <a16:creationId xmlns:a16="http://schemas.microsoft.com/office/drawing/2014/main" xmlns="" id="{B9795E85-7B91-41BB-9DF4-A4893AA48FFA}"/>
+                <a16:creationId xmlns:a16="http://schemas.microsoft.com/office/drawing/2014/main" id="{B9795E85-7B91-41BB-9DF4-A4893AA48FFA}"/>
               </a:ext>
             </a:extLst>
           </p:cNvPr>
@@ -16660,7 +16759,7 @@
           <p:cNvPr id="12" name="Rectangle 11">
             <a:extLst>
               <a:ext uri="{FF2B5EF4-FFF2-40B4-BE49-F238E27FC236}">
-                <a16:creationId xmlns:a16="http://schemas.microsoft.com/office/drawing/2014/main" xmlns="" id="{BB372D75-4BAD-4C47-AE7D-0F2711031EEC}"/>
+                <a16:creationId xmlns:a16="http://schemas.microsoft.com/office/drawing/2014/main" id="{BB372D75-4BAD-4C47-AE7D-0F2711031EEC}"/>
               </a:ext>
             </a:extLst>
           </p:cNvPr>
@@ -16712,7 +16811,7 @@
           <p:cNvPr id="3" name="Content Placeholder 2">
             <a:extLst>
               <a:ext uri="{FF2B5EF4-FFF2-40B4-BE49-F238E27FC236}">
-                <a16:creationId xmlns:a16="http://schemas.microsoft.com/office/drawing/2014/main" xmlns="" id="{3E60534E-DE82-45F4-8E2E-DA97F169177F}"/>
+                <a16:creationId xmlns:a16="http://schemas.microsoft.com/office/drawing/2014/main" id="{3E60534E-DE82-45F4-8E2E-DA97F169177F}"/>
               </a:ext>
             </a:extLst>
           </p:cNvPr>
@@ -16811,7 +16910,7 @@
     </p:spTree>
     <p:extLst>
       <p:ext uri="{BB962C8B-B14F-4D97-AF65-F5344CB8AC3E}">
-        <p14:creationId xmlns:p14="http://schemas.microsoft.com/office/powerpoint/2010/main" xmlns="" val="4281018264"/>
+        <p14:creationId xmlns:p14="http://schemas.microsoft.com/office/powerpoint/2010/main" val="4281018264"/>
       </p:ext>
     </p:extLst>
   </p:cSld>
@@ -16843,7 +16942,7 @@
           <p:cNvPr id="2" name="Title 1">
             <a:extLst>
               <a:ext uri="{FF2B5EF4-FFF2-40B4-BE49-F238E27FC236}">
-                <a16:creationId xmlns:a16="http://schemas.microsoft.com/office/drawing/2014/main" xmlns="" id="{DE3A6AA5-A315-455E-B5C7-E53E3746ED81}"/>
+                <a16:creationId xmlns:a16="http://schemas.microsoft.com/office/drawing/2014/main" id="{DE3A6AA5-A315-455E-B5C7-E53E3746ED81}"/>
               </a:ext>
             </a:extLst>
           </p:cNvPr>
@@ -16872,7 +16971,7 @@
           <p:cNvPr id="7" name="Slide Number Placeholder 6">
             <a:extLst>
               <a:ext uri="{FF2B5EF4-FFF2-40B4-BE49-F238E27FC236}">
-                <a16:creationId xmlns:a16="http://schemas.microsoft.com/office/drawing/2014/main" xmlns="" id="{2C182A82-4FBE-4689-B739-692549B4030D}"/>
+                <a16:creationId xmlns:a16="http://schemas.microsoft.com/office/drawing/2014/main" id="{2C182A82-4FBE-4689-B739-692549B4030D}"/>
               </a:ext>
             </a:extLst>
           </p:cNvPr>
@@ -16902,7 +17001,7 @@
           <p:cNvPr id="8" name="Picture Placeholder 6">
             <a:extLst>
               <a:ext uri="{FF2B5EF4-FFF2-40B4-BE49-F238E27FC236}">
-                <a16:creationId xmlns:a16="http://schemas.microsoft.com/office/drawing/2014/main" xmlns="" id="{4DC80855-A1B8-4B65-B6F6-2AA6239EC246}"/>
+                <a16:creationId xmlns:a16="http://schemas.microsoft.com/office/drawing/2014/main" id="{4DC80855-A1B8-4B65-B6F6-2AA6239EC246}"/>
               </a:ext>
             </a:extLst>
           </p:cNvPr>
@@ -16950,7 +17049,7 @@
           <p:cNvPr id="12" name="Rectangle 11">
             <a:extLst>
               <a:ext uri="{FF2B5EF4-FFF2-40B4-BE49-F238E27FC236}">
-                <a16:creationId xmlns:a16="http://schemas.microsoft.com/office/drawing/2014/main" xmlns="" id="{BB372D75-4BAD-4C47-AE7D-0F2711031EEC}"/>
+                <a16:creationId xmlns:a16="http://schemas.microsoft.com/office/drawing/2014/main" id="{BB372D75-4BAD-4C47-AE7D-0F2711031EEC}"/>
               </a:ext>
             </a:extLst>
           </p:cNvPr>
@@ -17002,7 +17101,7 @@
           <p:cNvPr id="4" name="Content Placeholder 3">
             <a:extLst>
               <a:ext uri="{FF2B5EF4-FFF2-40B4-BE49-F238E27FC236}">
-                <a16:creationId xmlns:a16="http://schemas.microsoft.com/office/drawing/2014/main" xmlns="" id="{23F1116B-C8B0-450D-83F6-49C4ABB22CCD}"/>
+                <a16:creationId xmlns:a16="http://schemas.microsoft.com/office/drawing/2014/main" id="{23F1116B-C8B0-450D-83F6-49C4ABB22CCD}"/>
               </a:ext>
             </a:extLst>
           </p:cNvPr>
@@ -17103,7 +17202,7 @@
           <p:cNvPr id="3" name="Content Placeholder 2">
             <a:extLst>
               <a:ext uri="{FF2B5EF4-FFF2-40B4-BE49-F238E27FC236}">
-                <a16:creationId xmlns:a16="http://schemas.microsoft.com/office/drawing/2014/main" xmlns="" id="{3E60534E-DE82-45F4-8E2E-DA97F169177F}"/>
+                <a16:creationId xmlns:a16="http://schemas.microsoft.com/office/drawing/2014/main" id="{3E60534E-DE82-45F4-8E2E-DA97F169177F}"/>
               </a:ext>
             </a:extLst>
           </p:cNvPr>
@@ -17204,7 +17303,7 @@
           <p:cNvPr id="6" name="Straight Connector 5">
             <a:extLst>
               <a:ext uri="{FF2B5EF4-FFF2-40B4-BE49-F238E27FC236}">
-                <a16:creationId xmlns:a16="http://schemas.microsoft.com/office/drawing/2014/main" xmlns="" id="{C15E3050-1157-4448-A84E-5AC72FC84A7F}"/>
+                <a16:creationId xmlns:a16="http://schemas.microsoft.com/office/drawing/2014/main" id="{C15E3050-1157-4448-A84E-5AC72FC84A7F}"/>
               </a:ext>
             </a:extLst>
           </p:cNvPr>
@@ -17243,7 +17342,7 @@
     </p:spTree>
     <p:extLst>
       <p:ext uri="{BB962C8B-B14F-4D97-AF65-F5344CB8AC3E}">
-        <p14:creationId xmlns:p14="http://schemas.microsoft.com/office/powerpoint/2010/main" xmlns="" val="3105386309"/>
+        <p14:creationId xmlns:p14="http://schemas.microsoft.com/office/powerpoint/2010/main" val="3105386309"/>
       </p:ext>
     </p:extLst>
   </p:cSld>
@@ -17275,7 +17374,7 @@
           <p:cNvPr id="9" name="Rectangle 8">
             <a:extLst>
               <a:ext uri="{FF2B5EF4-FFF2-40B4-BE49-F238E27FC236}">
-                <a16:creationId xmlns:a16="http://schemas.microsoft.com/office/drawing/2014/main" xmlns="" id="{F30BCBF1-64A6-4051-BC31-B793E99731A6}"/>
+                <a16:creationId xmlns:a16="http://schemas.microsoft.com/office/drawing/2014/main" id="{F30BCBF1-64A6-4051-BC31-B793E99731A6}"/>
               </a:ext>
             </a:extLst>
           </p:cNvPr>
@@ -17327,7 +17426,7 @@
           <p:cNvPr id="22" name="Rectangle 21">
             <a:extLst>
               <a:ext uri="{FF2B5EF4-FFF2-40B4-BE49-F238E27FC236}">
-                <a16:creationId xmlns:a16="http://schemas.microsoft.com/office/drawing/2014/main" xmlns="" id="{115DEB4D-1697-4E72-B2BF-F5EA1EF3B009}"/>
+                <a16:creationId xmlns:a16="http://schemas.microsoft.com/office/drawing/2014/main" id="{115DEB4D-1697-4E72-B2BF-F5EA1EF3B009}"/>
               </a:ext>
             </a:extLst>
           </p:cNvPr>
@@ -17379,7 +17478,7 @@
           <p:cNvPr id="2" name="Title 1">
             <a:extLst>
               <a:ext uri="{FF2B5EF4-FFF2-40B4-BE49-F238E27FC236}">
-                <a16:creationId xmlns:a16="http://schemas.microsoft.com/office/drawing/2014/main" xmlns="" id="{DE3A6AA5-A315-455E-B5C7-E53E3746ED81}"/>
+                <a16:creationId xmlns:a16="http://schemas.microsoft.com/office/drawing/2014/main" id="{DE3A6AA5-A315-455E-B5C7-E53E3746ED81}"/>
               </a:ext>
             </a:extLst>
           </p:cNvPr>
@@ -17418,7 +17517,7 @@
           <p:cNvPr id="7" name="Slide Number Placeholder 6">
             <a:extLst>
               <a:ext uri="{FF2B5EF4-FFF2-40B4-BE49-F238E27FC236}">
-                <a16:creationId xmlns:a16="http://schemas.microsoft.com/office/drawing/2014/main" xmlns="" id="{2C182A82-4FBE-4689-B739-692549B4030D}"/>
+                <a16:creationId xmlns:a16="http://schemas.microsoft.com/office/drawing/2014/main" id="{2C182A82-4FBE-4689-B739-692549B4030D}"/>
               </a:ext>
             </a:extLst>
           </p:cNvPr>
@@ -17448,7 +17547,7 @@
           <p:cNvPr id="4" name="Content Placeholder 3">
             <a:extLst>
               <a:ext uri="{FF2B5EF4-FFF2-40B4-BE49-F238E27FC236}">
-                <a16:creationId xmlns:a16="http://schemas.microsoft.com/office/drawing/2014/main" xmlns="" id="{23F1116B-C8B0-450D-83F6-49C4ABB22CCD}"/>
+                <a16:creationId xmlns:a16="http://schemas.microsoft.com/office/drawing/2014/main" id="{23F1116B-C8B0-450D-83F6-49C4ABB22CCD}"/>
               </a:ext>
             </a:extLst>
           </p:cNvPr>
@@ -17548,7 +17647,7 @@
           <p:cNvPr id="3" name="Content Placeholder 2">
             <a:extLst>
               <a:ext uri="{FF2B5EF4-FFF2-40B4-BE49-F238E27FC236}">
-                <a16:creationId xmlns:a16="http://schemas.microsoft.com/office/drawing/2014/main" xmlns="" id="{3E60534E-DE82-45F4-8E2E-DA97F169177F}"/>
+                <a16:creationId xmlns:a16="http://schemas.microsoft.com/office/drawing/2014/main" id="{3E60534E-DE82-45F4-8E2E-DA97F169177F}"/>
               </a:ext>
             </a:extLst>
           </p:cNvPr>
@@ -17648,7 +17747,7 @@
           <p:cNvPr id="25" name="Picture Placeholder 24">
             <a:extLst>
               <a:ext uri="{FF2B5EF4-FFF2-40B4-BE49-F238E27FC236}">
-                <a16:creationId xmlns:a16="http://schemas.microsoft.com/office/drawing/2014/main" xmlns="" id="{84421AF3-217F-49BD-BF47-1140F3F445D8}"/>
+                <a16:creationId xmlns:a16="http://schemas.microsoft.com/office/drawing/2014/main" id="{84421AF3-217F-49BD-BF47-1140F3F445D8}"/>
               </a:ext>
             </a:extLst>
           </p:cNvPr>
@@ -17907,7 +18006,7 @@
           <p:cNvPr id="20" name="Rectangle 19">
             <a:extLst>
               <a:ext uri="{FF2B5EF4-FFF2-40B4-BE49-F238E27FC236}">
-                <a16:creationId xmlns:a16="http://schemas.microsoft.com/office/drawing/2014/main" xmlns="" id="{475378D9-445B-4812-AE73-9B2CF92DCDF1}"/>
+                <a16:creationId xmlns:a16="http://schemas.microsoft.com/office/drawing/2014/main" id="{475378D9-445B-4812-AE73-9B2CF92DCDF1}"/>
               </a:ext>
             </a:extLst>
           </p:cNvPr>
@@ -17959,7 +18058,7 @@
           <p:cNvPr id="21" name="Rectangle 20">
             <a:extLst>
               <a:ext uri="{FF2B5EF4-FFF2-40B4-BE49-F238E27FC236}">
-                <a16:creationId xmlns:a16="http://schemas.microsoft.com/office/drawing/2014/main" xmlns="" id="{B569B8CC-B741-4501-A871-F6CC58941F5C}"/>
+                <a16:creationId xmlns:a16="http://schemas.microsoft.com/office/drawing/2014/main" id="{B569B8CC-B741-4501-A871-F6CC58941F5C}"/>
               </a:ext>
             </a:extLst>
           </p:cNvPr>
@@ -18011,7 +18110,7 @@
           <p:cNvPr id="23" name="Straight Connector 22">
             <a:extLst>
               <a:ext uri="{FF2B5EF4-FFF2-40B4-BE49-F238E27FC236}">
-                <a16:creationId xmlns:a16="http://schemas.microsoft.com/office/drawing/2014/main" xmlns="" id="{8ED9C5BC-5F16-4DC8-BAA3-30A378B7F5FB}"/>
+                <a16:creationId xmlns:a16="http://schemas.microsoft.com/office/drawing/2014/main" id="{8ED9C5BC-5F16-4DC8-BAA3-30A378B7F5FB}"/>
               </a:ext>
             </a:extLst>
           </p:cNvPr>
@@ -18054,7 +18153,7 @@
           <p:cNvPr id="24" name="Rectangle 23">
             <a:extLst>
               <a:ext uri="{FF2B5EF4-FFF2-40B4-BE49-F238E27FC236}">
-                <a16:creationId xmlns:a16="http://schemas.microsoft.com/office/drawing/2014/main" xmlns="" id="{2F0E9B02-FBE7-4B3F-833A-FCDE146B2DAD}"/>
+                <a16:creationId xmlns:a16="http://schemas.microsoft.com/office/drawing/2014/main" id="{2F0E9B02-FBE7-4B3F-833A-FCDE146B2DAD}"/>
               </a:ext>
             </a:extLst>
           </p:cNvPr>
@@ -18104,7 +18203,7 @@
     </p:spTree>
     <p:extLst>
       <p:ext uri="{BB962C8B-B14F-4D97-AF65-F5344CB8AC3E}">
-        <p14:creationId xmlns:p14="http://schemas.microsoft.com/office/powerpoint/2010/main" xmlns="" val="1258960895"/>
+        <p14:creationId xmlns:p14="http://schemas.microsoft.com/office/powerpoint/2010/main" val="1258960895"/>
       </p:ext>
     </p:extLst>
   </p:cSld>
@@ -18136,7 +18235,7 @@
           <p:cNvPr id="9" name="Rectangle 8">
             <a:extLst>
               <a:ext uri="{FF2B5EF4-FFF2-40B4-BE49-F238E27FC236}">
-                <a16:creationId xmlns:a16="http://schemas.microsoft.com/office/drawing/2014/main" xmlns="" id="{F30BCBF1-64A6-4051-BC31-B793E99731A6}"/>
+                <a16:creationId xmlns:a16="http://schemas.microsoft.com/office/drawing/2014/main" id="{F30BCBF1-64A6-4051-BC31-B793E99731A6}"/>
               </a:ext>
             </a:extLst>
           </p:cNvPr>
@@ -18188,7 +18287,7 @@
           <p:cNvPr id="13" name="Picture Placeholder 6">
             <a:extLst>
               <a:ext uri="{FF2B5EF4-FFF2-40B4-BE49-F238E27FC236}">
-                <a16:creationId xmlns:a16="http://schemas.microsoft.com/office/drawing/2014/main" xmlns="" id="{73E3AB81-FB3C-492F-8AB9-CFC37EECCEE7}"/>
+                <a16:creationId xmlns:a16="http://schemas.microsoft.com/office/drawing/2014/main" id="{73E3AB81-FB3C-492F-8AB9-CFC37EECCEE7}"/>
               </a:ext>
             </a:extLst>
           </p:cNvPr>
@@ -18236,7 +18335,7 @@
           <p:cNvPr id="14" name="Rectangle 13">
             <a:extLst>
               <a:ext uri="{FF2B5EF4-FFF2-40B4-BE49-F238E27FC236}">
-                <a16:creationId xmlns:a16="http://schemas.microsoft.com/office/drawing/2014/main" xmlns="" id="{BF2C4CC9-6F35-4EBF-857F-EBD298D77347}"/>
+                <a16:creationId xmlns:a16="http://schemas.microsoft.com/office/drawing/2014/main" id="{BF2C4CC9-6F35-4EBF-857F-EBD298D77347}"/>
               </a:ext>
             </a:extLst>
           </p:cNvPr>
@@ -18288,7 +18387,7 @@
           <p:cNvPr id="15" name="Rectangle 14">
             <a:extLst>
               <a:ext uri="{FF2B5EF4-FFF2-40B4-BE49-F238E27FC236}">
-                <a16:creationId xmlns:a16="http://schemas.microsoft.com/office/drawing/2014/main" xmlns="" id="{D1D54A23-014A-49B4-9E28-7641C8A4F0C1}"/>
+                <a16:creationId xmlns:a16="http://schemas.microsoft.com/office/drawing/2014/main" id="{D1D54A23-014A-49B4-9E28-7641C8A4F0C1}"/>
               </a:ext>
             </a:extLst>
           </p:cNvPr>
@@ -18340,7 +18439,7 @@
           <p:cNvPr id="2" name="Title 1">
             <a:extLst>
               <a:ext uri="{FF2B5EF4-FFF2-40B4-BE49-F238E27FC236}">
-                <a16:creationId xmlns:a16="http://schemas.microsoft.com/office/drawing/2014/main" xmlns="" id="{DE3A6AA5-A315-455E-B5C7-E53E3746ED81}"/>
+                <a16:creationId xmlns:a16="http://schemas.microsoft.com/office/drawing/2014/main" id="{DE3A6AA5-A315-455E-B5C7-E53E3746ED81}"/>
               </a:ext>
             </a:extLst>
           </p:cNvPr>
@@ -18380,7 +18479,7 @@
           <p:cNvPr id="7" name="Slide Number Placeholder 6">
             <a:extLst>
               <a:ext uri="{FF2B5EF4-FFF2-40B4-BE49-F238E27FC236}">
-                <a16:creationId xmlns:a16="http://schemas.microsoft.com/office/drawing/2014/main" xmlns="" id="{2C182A82-4FBE-4689-B739-692549B4030D}"/>
+                <a16:creationId xmlns:a16="http://schemas.microsoft.com/office/drawing/2014/main" id="{2C182A82-4FBE-4689-B739-692549B4030D}"/>
               </a:ext>
             </a:extLst>
           </p:cNvPr>
@@ -18410,7 +18509,7 @@
           <p:cNvPr id="4" name="Content Placeholder 3">
             <a:extLst>
               <a:ext uri="{FF2B5EF4-FFF2-40B4-BE49-F238E27FC236}">
-                <a16:creationId xmlns:a16="http://schemas.microsoft.com/office/drawing/2014/main" xmlns="" id="{23F1116B-C8B0-450D-83F6-49C4ABB22CCD}"/>
+                <a16:creationId xmlns:a16="http://schemas.microsoft.com/office/drawing/2014/main" id="{23F1116B-C8B0-450D-83F6-49C4ABB22CCD}"/>
               </a:ext>
             </a:extLst>
           </p:cNvPr>
@@ -18511,7 +18610,7 @@
           <p:cNvPr id="3" name="Content Placeholder 2">
             <a:extLst>
               <a:ext uri="{FF2B5EF4-FFF2-40B4-BE49-F238E27FC236}">
-                <a16:creationId xmlns:a16="http://schemas.microsoft.com/office/drawing/2014/main" xmlns="" id="{3E60534E-DE82-45F4-8E2E-DA97F169177F}"/>
+                <a16:creationId xmlns:a16="http://schemas.microsoft.com/office/drawing/2014/main" id="{3E60534E-DE82-45F4-8E2E-DA97F169177F}"/>
               </a:ext>
             </a:extLst>
           </p:cNvPr>
@@ -18610,7 +18709,7 @@
     </p:spTree>
     <p:extLst>
       <p:ext uri="{BB962C8B-B14F-4D97-AF65-F5344CB8AC3E}">
-        <p14:creationId xmlns:p14="http://schemas.microsoft.com/office/powerpoint/2010/main" xmlns="" val="3106958734"/>
+        <p14:creationId xmlns:p14="http://schemas.microsoft.com/office/powerpoint/2010/main" val="3106958734"/>
       </p:ext>
     </p:extLst>
   </p:cSld>
@@ -18681,35 +18780,35 @@
           <a:p>
             <a:pPr lvl="0" eaLnBrk="1" latinLnBrk="0" hangingPunct="1"/>
             <a:r>
-              <a:rPr lang="en-US" smtClean="0"/>
+              <a:rPr lang="en-US"/>
               <a:t>Click to edit Master text styles</a:t>
             </a:r>
           </a:p>
           <a:p>
             <a:pPr lvl="1" eaLnBrk="1" latinLnBrk="0" hangingPunct="1"/>
             <a:r>
-              <a:rPr lang="en-US" smtClean="0"/>
+              <a:rPr lang="en-US"/>
               <a:t>Second level</a:t>
             </a:r>
           </a:p>
           <a:p>
             <a:pPr lvl="2" eaLnBrk="1" latinLnBrk="0" hangingPunct="1"/>
             <a:r>
-              <a:rPr lang="en-US" smtClean="0"/>
+              <a:rPr lang="en-US"/>
               <a:t>Third level</a:t>
             </a:r>
           </a:p>
           <a:p>
             <a:pPr lvl="3" eaLnBrk="1" latinLnBrk="0" hangingPunct="1"/>
             <a:r>
-              <a:rPr lang="en-US" smtClean="0"/>
+              <a:rPr lang="en-US"/>
               <a:t>Fourth level</a:t>
             </a:r>
           </a:p>
           <a:p>
             <a:pPr lvl="4" eaLnBrk="1" latinLnBrk="0" hangingPunct="1"/>
             <a:r>
-              <a:rPr lang="en-US" smtClean="0"/>
+              <a:rPr lang="en-US"/>
               <a:t>Fifth level</a:t>
             </a:r>
             <a:endParaRPr kumimoji="0" lang="en-US"/>
@@ -18755,35 +18854,35 @@
           <a:p>
             <a:pPr lvl="0" eaLnBrk="1" latinLnBrk="0" hangingPunct="1"/>
             <a:r>
-              <a:rPr lang="en-US" smtClean="0"/>
+              <a:rPr lang="en-US"/>
               <a:t>Click to edit Master text styles</a:t>
             </a:r>
           </a:p>
           <a:p>
             <a:pPr lvl="1" eaLnBrk="1" latinLnBrk="0" hangingPunct="1"/>
             <a:r>
-              <a:rPr lang="en-US" smtClean="0"/>
+              <a:rPr lang="en-US"/>
               <a:t>Second level</a:t>
             </a:r>
           </a:p>
           <a:p>
             <a:pPr lvl="2" eaLnBrk="1" latinLnBrk="0" hangingPunct="1"/>
             <a:r>
-              <a:rPr lang="en-US" smtClean="0"/>
+              <a:rPr lang="en-US"/>
               <a:t>Third level</a:t>
             </a:r>
           </a:p>
           <a:p>
             <a:pPr lvl="3" eaLnBrk="1" latinLnBrk="0" hangingPunct="1"/>
             <a:r>
-              <a:rPr lang="en-US" smtClean="0"/>
+              <a:rPr lang="en-US"/>
               <a:t>Fourth level</a:t>
             </a:r>
           </a:p>
           <a:p>
             <a:pPr lvl="4" eaLnBrk="1" latinLnBrk="0" hangingPunct="1"/>
             <a:r>
-              <a:rPr lang="en-US" smtClean="0"/>
+              <a:rPr lang="en-US"/>
               <a:t>Fifth level</a:t>
             </a:r>
             <a:endParaRPr kumimoji="0" lang="en-US"/>
@@ -18803,14 +18902,12 @@
         <p:spPr/>
         <p:txBody>
           <a:bodyPr/>
-          <a:lstStyle>
-            <a:extLst/>
-          </a:lstStyle>
+          <a:lstStyle/>
           <a:p>
             <a:fld id="{64BF4833-09CA-4F95-9AA9-D45BF689F777}" type="datetimeFigureOut">
               <a:rPr lang="en-IN" smtClean="0"/>
               <a:pPr/>
-              <a:t>11-05-2023</a:t>
+              <a:t>23-06-2023</a:t>
             </a:fld>
             <a:endParaRPr lang="en-IN"/>
           </a:p>
@@ -18829,9 +18926,7 @@
         <p:spPr/>
         <p:txBody>
           <a:bodyPr/>
-          <a:lstStyle>
-            <a:extLst/>
-          </a:lstStyle>
+          <a:lstStyle/>
           <a:p>
             <a:endParaRPr lang="en-IN"/>
           </a:p>
@@ -18850,9 +18945,7 @@
         <p:spPr/>
         <p:txBody>
           <a:bodyPr/>
-          <a:lstStyle>
-            <a:extLst/>
-          </a:lstStyle>
+          <a:lstStyle/>
           <a:p>
             <a:fld id="{03DC2DEF-D2FE-4B45-ABA4-9F153FD1C98A}" type="slidenum">
               <a:rPr lang="en-US" smtClean="0"/>
@@ -18876,15 +18969,12 @@
         <p:spPr/>
         <p:txBody>
           <a:bodyPr rtlCol="0"/>
-          <a:lstStyle>
-            <a:extLst/>
-          </a:lstStyle>
-          <a:p>
-            <a:r>
-              <a:rPr kumimoji="0" lang="en-US" smtClean="0"/>
+          <a:lstStyle/>
+          <a:p>
+            <a:r>
+              <a:rPr kumimoji="0" lang="en-US"/>
               <a:t>Click to edit Master title style</a:t>
             </a:r>
-            <a:endParaRPr kumimoji="0" lang="en-US"/>
           </a:p>
         </p:txBody>
       </p:sp>
@@ -18919,7 +19009,7 @@
           <p:cNvPr id="3" name="Rectangle 2">
             <a:extLst>
               <a:ext uri="{FF2B5EF4-FFF2-40B4-BE49-F238E27FC236}">
-                <a16:creationId xmlns:a16="http://schemas.microsoft.com/office/drawing/2014/main" xmlns="" id="{EAB4EF4F-0A84-4C50-B171-F044231527B2}"/>
+                <a16:creationId xmlns:a16="http://schemas.microsoft.com/office/drawing/2014/main" id="{EAB4EF4F-0A84-4C50-B171-F044231527B2}"/>
               </a:ext>
             </a:extLst>
           </p:cNvPr>
@@ -18971,7 +19061,7 @@
           <p:cNvPr id="27" name="Picture Placeholder 26">
             <a:extLst>
               <a:ext uri="{FF2B5EF4-FFF2-40B4-BE49-F238E27FC236}">
-                <a16:creationId xmlns:a16="http://schemas.microsoft.com/office/drawing/2014/main" xmlns="" id="{404FC023-3732-4036-B4DA-F34DC453036D}"/>
+                <a16:creationId xmlns:a16="http://schemas.microsoft.com/office/drawing/2014/main" id="{404FC023-3732-4036-B4DA-F34DC453036D}"/>
               </a:ext>
             </a:extLst>
           </p:cNvPr>
@@ -19426,7 +19516,7 @@
     </p:spTree>
     <p:extLst>
       <p:ext uri="{BB962C8B-B14F-4D97-AF65-F5344CB8AC3E}">
-        <p14:creationId xmlns:p14="http://schemas.microsoft.com/office/powerpoint/2010/main" xmlns="" val="4221609258"/>
+        <p14:creationId xmlns:p14="http://schemas.microsoft.com/office/powerpoint/2010/main" val="4221609258"/>
       </p:ext>
     </p:extLst>
   </p:cSld>
@@ -19458,7 +19548,7 @@
           <p:cNvPr id="3" name="Rectangle 2">
             <a:extLst>
               <a:ext uri="{FF2B5EF4-FFF2-40B4-BE49-F238E27FC236}">
-                <a16:creationId xmlns:a16="http://schemas.microsoft.com/office/drawing/2014/main" xmlns="" id="{EAB4EF4F-0A84-4C50-B171-F044231527B2}"/>
+                <a16:creationId xmlns:a16="http://schemas.microsoft.com/office/drawing/2014/main" id="{EAB4EF4F-0A84-4C50-B171-F044231527B2}"/>
               </a:ext>
             </a:extLst>
           </p:cNvPr>
@@ -19510,7 +19600,7 @@
           <p:cNvPr id="4" name="Picture Placeholder 6">
             <a:extLst>
               <a:ext uri="{FF2B5EF4-FFF2-40B4-BE49-F238E27FC236}">
-                <a16:creationId xmlns:a16="http://schemas.microsoft.com/office/drawing/2014/main" xmlns="" id="{18957288-25D1-4D25-BECD-5A2E6A888185}"/>
+                <a16:creationId xmlns:a16="http://schemas.microsoft.com/office/drawing/2014/main" id="{18957288-25D1-4D25-BECD-5A2E6A888185}"/>
               </a:ext>
             </a:extLst>
           </p:cNvPr>
@@ -19558,7 +19648,7 @@
           <p:cNvPr id="5" name="Picture Placeholder 6">
             <a:extLst>
               <a:ext uri="{FF2B5EF4-FFF2-40B4-BE49-F238E27FC236}">
-                <a16:creationId xmlns:a16="http://schemas.microsoft.com/office/drawing/2014/main" xmlns="" id="{D9C7DFC2-3A77-4761-A9AF-98963C5CCA07}"/>
+                <a16:creationId xmlns:a16="http://schemas.microsoft.com/office/drawing/2014/main" id="{D9C7DFC2-3A77-4761-A9AF-98963C5CCA07}"/>
               </a:ext>
             </a:extLst>
           </p:cNvPr>
@@ -19606,7 +19696,7 @@
           <p:cNvPr id="6" name="Picture Placeholder 6">
             <a:extLst>
               <a:ext uri="{FF2B5EF4-FFF2-40B4-BE49-F238E27FC236}">
-                <a16:creationId xmlns:a16="http://schemas.microsoft.com/office/drawing/2014/main" xmlns="" id="{3F6FD22A-5FDA-45EC-BE49-3C0E30A397B0}"/>
+                <a16:creationId xmlns:a16="http://schemas.microsoft.com/office/drawing/2014/main" id="{3F6FD22A-5FDA-45EC-BE49-3C0E30A397B0}"/>
               </a:ext>
             </a:extLst>
           </p:cNvPr>
@@ -19654,7 +19744,7 @@
           <p:cNvPr id="7" name="Picture Placeholder 6">
             <a:extLst>
               <a:ext uri="{FF2B5EF4-FFF2-40B4-BE49-F238E27FC236}">
-                <a16:creationId xmlns:a16="http://schemas.microsoft.com/office/drawing/2014/main" xmlns="" id="{B64BDA74-9644-41EB-984D-939D27B60F3F}"/>
+                <a16:creationId xmlns:a16="http://schemas.microsoft.com/office/drawing/2014/main" id="{B64BDA74-9644-41EB-984D-939D27B60F3F}"/>
               </a:ext>
             </a:extLst>
           </p:cNvPr>
@@ -19700,7 +19790,7 @@
     </p:spTree>
     <p:extLst>
       <p:ext uri="{BB962C8B-B14F-4D97-AF65-F5344CB8AC3E}">
-        <p14:creationId xmlns:p14="http://schemas.microsoft.com/office/powerpoint/2010/main" xmlns="" val="4114473868"/>
+        <p14:creationId xmlns:p14="http://schemas.microsoft.com/office/powerpoint/2010/main" val="4114473868"/>
       </p:ext>
     </p:extLst>
   </p:cSld>
@@ -19732,7 +19822,7 @@
           <p:cNvPr id="3" name="Rectangle 2">
             <a:extLst>
               <a:ext uri="{FF2B5EF4-FFF2-40B4-BE49-F238E27FC236}">
-                <a16:creationId xmlns:a16="http://schemas.microsoft.com/office/drawing/2014/main" xmlns="" id="{EAB4EF4F-0A84-4C50-B171-F044231527B2}"/>
+                <a16:creationId xmlns:a16="http://schemas.microsoft.com/office/drawing/2014/main" id="{EAB4EF4F-0A84-4C50-B171-F044231527B2}"/>
               </a:ext>
             </a:extLst>
           </p:cNvPr>
@@ -19784,7 +19874,7 @@
           <p:cNvPr id="4" name="Picture Placeholder 6">
             <a:extLst>
               <a:ext uri="{FF2B5EF4-FFF2-40B4-BE49-F238E27FC236}">
-                <a16:creationId xmlns:a16="http://schemas.microsoft.com/office/drawing/2014/main" xmlns="" id="{18957288-25D1-4D25-BECD-5A2E6A888185}"/>
+                <a16:creationId xmlns:a16="http://schemas.microsoft.com/office/drawing/2014/main" id="{18957288-25D1-4D25-BECD-5A2E6A888185}"/>
               </a:ext>
             </a:extLst>
           </p:cNvPr>
@@ -19832,7 +19922,7 @@
           <p:cNvPr id="2" name="Group 1">
             <a:extLst>
               <a:ext uri="{FF2B5EF4-FFF2-40B4-BE49-F238E27FC236}">
-                <a16:creationId xmlns:a16="http://schemas.microsoft.com/office/drawing/2014/main" xmlns="" id="{18F30468-CC2E-4430-88DD-81D548B988FA}"/>
+                <a16:creationId xmlns:a16="http://schemas.microsoft.com/office/drawing/2014/main" id="{18F30468-CC2E-4430-88DD-81D548B988FA}"/>
               </a:ext>
             </a:extLst>
           </p:cNvPr>
@@ -19852,7 +19942,7 @@
             <p:cNvPr id="8" name="Rectangle 7">
               <a:extLst>
                 <a:ext uri="{FF2B5EF4-FFF2-40B4-BE49-F238E27FC236}">
-                  <a16:creationId xmlns:a16="http://schemas.microsoft.com/office/drawing/2014/main" xmlns="" id="{BF6F92E0-2218-46A5-A183-84468D9B72A2}"/>
+                  <a16:creationId xmlns:a16="http://schemas.microsoft.com/office/drawing/2014/main" id="{BF6F92E0-2218-46A5-A183-84468D9B72A2}"/>
                 </a:ext>
               </a:extLst>
             </p:cNvPr>
@@ -19904,7 +19994,7 @@
             <p:cNvPr id="9" name="Rectangle 8">
               <a:extLst>
                 <a:ext uri="{FF2B5EF4-FFF2-40B4-BE49-F238E27FC236}">
-                  <a16:creationId xmlns:a16="http://schemas.microsoft.com/office/drawing/2014/main" xmlns="" id="{9B476586-864B-4C72-91AF-8CF8796C6DE8}"/>
+                  <a16:creationId xmlns:a16="http://schemas.microsoft.com/office/drawing/2014/main" id="{9B476586-864B-4C72-91AF-8CF8796C6DE8}"/>
                 </a:ext>
               </a:extLst>
             </p:cNvPr>
@@ -19957,7 +20047,7 @@
           <p:cNvPr id="10" name="Rectangle 9">
             <a:extLst>
               <a:ext uri="{FF2B5EF4-FFF2-40B4-BE49-F238E27FC236}">
-                <a16:creationId xmlns:a16="http://schemas.microsoft.com/office/drawing/2014/main" xmlns="" id="{38B3D026-83A3-4D78-8B11-A20A6F47170C}"/>
+                <a16:creationId xmlns:a16="http://schemas.microsoft.com/office/drawing/2014/main" id="{38B3D026-83A3-4D78-8B11-A20A6F47170C}"/>
               </a:ext>
             </a:extLst>
           </p:cNvPr>
@@ -20007,7 +20097,7 @@
     </p:spTree>
     <p:extLst>
       <p:ext uri="{BB962C8B-B14F-4D97-AF65-F5344CB8AC3E}">
-        <p14:creationId xmlns:p14="http://schemas.microsoft.com/office/powerpoint/2010/main" xmlns="" val="2359956026"/>
+        <p14:creationId xmlns:p14="http://schemas.microsoft.com/office/powerpoint/2010/main" val="2359956026"/>
       </p:ext>
     </p:extLst>
   </p:cSld>
@@ -20039,7 +20129,7 @@
           <p:cNvPr id="2" name="Title 1">
             <a:extLst>
               <a:ext uri="{FF2B5EF4-FFF2-40B4-BE49-F238E27FC236}">
-                <a16:creationId xmlns:a16="http://schemas.microsoft.com/office/drawing/2014/main" xmlns="" id="{9B2BA5B3-8B1C-4C1C-B4EB-C9A8AC24AEDE}"/>
+                <a16:creationId xmlns:a16="http://schemas.microsoft.com/office/drawing/2014/main" id="{9B2BA5B3-8B1C-4C1C-B4EB-C9A8AC24AEDE}"/>
               </a:ext>
             </a:extLst>
           </p:cNvPr>
@@ -20073,7 +20163,7 @@
           <p:cNvPr id="9" name="Slide Number Placeholder 8">
             <a:extLst>
               <a:ext uri="{FF2B5EF4-FFF2-40B4-BE49-F238E27FC236}">
-                <a16:creationId xmlns:a16="http://schemas.microsoft.com/office/drawing/2014/main" xmlns="" id="{6B54C622-8EF1-4AE4-AB25-19D71A5C547C}"/>
+                <a16:creationId xmlns:a16="http://schemas.microsoft.com/office/drawing/2014/main" id="{6B54C622-8EF1-4AE4-AB25-19D71A5C547C}"/>
               </a:ext>
             </a:extLst>
           </p:cNvPr>
@@ -20103,7 +20193,7 @@
           <p:cNvPr id="8" name="Picture Placeholder 6">
             <a:extLst>
               <a:ext uri="{FF2B5EF4-FFF2-40B4-BE49-F238E27FC236}">
-                <a16:creationId xmlns:a16="http://schemas.microsoft.com/office/drawing/2014/main" xmlns="" id="{39EF0319-0CF7-4AB8-BE69-FEE9B6C298FE}"/>
+                <a16:creationId xmlns:a16="http://schemas.microsoft.com/office/drawing/2014/main" id="{39EF0319-0CF7-4AB8-BE69-FEE9B6C298FE}"/>
               </a:ext>
             </a:extLst>
           </p:cNvPr>
@@ -20151,7 +20241,7 @@
           <p:cNvPr id="7" name="Rectangle 6">
             <a:extLst>
               <a:ext uri="{FF2B5EF4-FFF2-40B4-BE49-F238E27FC236}">
-                <a16:creationId xmlns:a16="http://schemas.microsoft.com/office/drawing/2014/main" xmlns="" id="{02FAA6CD-8686-4F0E-9F34-3D74AC34027E}"/>
+                <a16:creationId xmlns:a16="http://schemas.microsoft.com/office/drawing/2014/main" id="{02FAA6CD-8686-4F0E-9F34-3D74AC34027E}"/>
               </a:ext>
             </a:extLst>
           </p:cNvPr>
@@ -20203,7 +20293,7 @@
           <p:cNvPr id="3" name="Text Placeholder 2">
             <a:extLst>
               <a:ext uri="{FF2B5EF4-FFF2-40B4-BE49-F238E27FC236}">
-                <a16:creationId xmlns:a16="http://schemas.microsoft.com/office/drawing/2014/main" xmlns="" id="{9DA658D4-2F70-44A3-A7C3-BF6A1D7BE2A9}"/>
+                <a16:creationId xmlns:a16="http://schemas.microsoft.com/office/drawing/2014/main" id="{9DA658D4-2F70-44A3-A7C3-BF6A1D7BE2A9}"/>
               </a:ext>
             </a:extLst>
           </p:cNvPr>
@@ -20279,7 +20369,7 @@
           <p:cNvPr id="10" name="Rectangle 9">
             <a:extLst>
               <a:ext uri="{FF2B5EF4-FFF2-40B4-BE49-F238E27FC236}">
-                <a16:creationId xmlns:a16="http://schemas.microsoft.com/office/drawing/2014/main" xmlns="" id="{735AFBAA-25FF-494A-937E-3DFC5F737803}"/>
+                <a16:creationId xmlns:a16="http://schemas.microsoft.com/office/drawing/2014/main" id="{735AFBAA-25FF-494A-937E-3DFC5F737803}"/>
               </a:ext>
             </a:extLst>
           </p:cNvPr>
@@ -20335,7 +20425,7 @@
           <p:cNvPr id="4" name="Content Placeholder 3">
             <a:extLst>
               <a:ext uri="{FF2B5EF4-FFF2-40B4-BE49-F238E27FC236}">
-                <a16:creationId xmlns:a16="http://schemas.microsoft.com/office/drawing/2014/main" xmlns="" id="{CDF57B0C-62A3-4053-936D-9841C7D76D8B}"/>
+                <a16:creationId xmlns:a16="http://schemas.microsoft.com/office/drawing/2014/main" id="{CDF57B0C-62A3-4053-936D-9841C7D76D8B}"/>
               </a:ext>
             </a:extLst>
           </p:cNvPr>
@@ -20416,7 +20506,7 @@
           <p:cNvPr id="11" name="Picture Placeholder 6">
             <a:extLst>
               <a:ext uri="{FF2B5EF4-FFF2-40B4-BE49-F238E27FC236}">
-                <a16:creationId xmlns:a16="http://schemas.microsoft.com/office/drawing/2014/main" xmlns="" id="{F36B08A9-4F2C-4D72-A755-CBF0DAD5A4FC}"/>
+                <a16:creationId xmlns:a16="http://schemas.microsoft.com/office/drawing/2014/main" id="{F36B08A9-4F2C-4D72-A755-CBF0DAD5A4FC}"/>
               </a:ext>
             </a:extLst>
           </p:cNvPr>
@@ -20464,7 +20554,7 @@
           <p:cNvPr id="12" name="Rectangle 11">
             <a:extLst>
               <a:ext uri="{FF2B5EF4-FFF2-40B4-BE49-F238E27FC236}">
-                <a16:creationId xmlns:a16="http://schemas.microsoft.com/office/drawing/2014/main" xmlns="" id="{7CD8F79B-BFE6-4B3E-8853-5C61FDFF46D9}"/>
+                <a16:creationId xmlns:a16="http://schemas.microsoft.com/office/drawing/2014/main" id="{7CD8F79B-BFE6-4B3E-8853-5C61FDFF46D9}"/>
               </a:ext>
             </a:extLst>
           </p:cNvPr>
@@ -20520,7 +20610,7 @@
           <p:cNvPr id="13" name="Rectangle 12">
             <a:extLst>
               <a:ext uri="{FF2B5EF4-FFF2-40B4-BE49-F238E27FC236}">
-                <a16:creationId xmlns:a16="http://schemas.microsoft.com/office/drawing/2014/main" xmlns="" id="{33B3569E-E4EC-433C-AFDA-E50961675D8F}"/>
+                <a16:creationId xmlns:a16="http://schemas.microsoft.com/office/drawing/2014/main" id="{33B3569E-E4EC-433C-AFDA-E50961675D8F}"/>
               </a:ext>
             </a:extLst>
           </p:cNvPr>
@@ -20576,7 +20666,7 @@
           <p:cNvPr id="5" name="Text Placeholder 4">
             <a:extLst>
               <a:ext uri="{FF2B5EF4-FFF2-40B4-BE49-F238E27FC236}">
-                <a16:creationId xmlns:a16="http://schemas.microsoft.com/office/drawing/2014/main" xmlns="" id="{BA2A6524-3EAC-4E27-BF8E-8F87E480F902}"/>
+                <a16:creationId xmlns:a16="http://schemas.microsoft.com/office/drawing/2014/main" id="{BA2A6524-3EAC-4E27-BF8E-8F87E480F902}"/>
               </a:ext>
             </a:extLst>
           </p:cNvPr>
@@ -20652,7 +20742,7 @@
           <p:cNvPr id="6" name="Content Placeholder 5">
             <a:extLst>
               <a:ext uri="{FF2B5EF4-FFF2-40B4-BE49-F238E27FC236}">
-                <a16:creationId xmlns:a16="http://schemas.microsoft.com/office/drawing/2014/main" xmlns="" id="{61FB94EC-1786-4ACB-B9A8-28216C7AB699}"/>
+                <a16:creationId xmlns:a16="http://schemas.microsoft.com/office/drawing/2014/main" id="{61FB94EC-1786-4ACB-B9A8-28216C7AB699}"/>
               </a:ext>
             </a:extLst>
           </p:cNvPr>
@@ -20731,7 +20821,7 @@
     </p:spTree>
     <p:extLst>
       <p:ext uri="{BB962C8B-B14F-4D97-AF65-F5344CB8AC3E}">
-        <p14:creationId xmlns:p14="http://schemas.microsoft.com/office/powerpoint/2010/main" xmlns="" val="389618877"/>
+        <p14:creationId xmlns:p14="http://schemas.microsoft.com/office/powerpoint/2010/main" val="389618877"/>
       </p:ext>
     </p:extLst>
   </p:cSld>
@@ -20763,7 +20853,7 @@
           <p:cNvPr id="2" name="Title 1">
             <a:extLst>
               <a:ext uri="{FF2B5EF4-FFF2-40B4-BE49-F238E27FC236}">
-                <a16:creationId xmlns:a16="http://schemas.microsoft.com/office/drawing/2014/main" xmlns="" id="{9B2BA5B3-8B1C-4C1C-B4EB-C9A8AC24AEDE}"/>
+                <a16:creationId xmlns:a16="http://schemas.microsoft.com/office/drawing/2014/main" id="{9B2BA5B3-8B1C-4C1C-B4EB-C9A8AC24AEDE}"/>
               </a:ext>
             </a:extLst>
           </p:cNvPr>
@@ -20797,7 +20887,7 @@
           <p:cNvPr id="9" name="Slide Number Placeholder 8">
             <a:extLst>
               <a:ext uri="{FF2B5EF4-FFF2-40B4-BE49-F238E27FC236}">
-                <a16:creationId xmlns:a16="http://schemas.microsoft.com/office/drawing/2014/main" xmlns="" id="{6B54C622-8EF1-4AE4-AB25-19D71A5C547C}"/>
+                <a16:creationId xmlns:a16="http://schemas.microsoft.com/office/drawing/2014/main" id="{6B54C622-8EF1-4AE4-AB25-19D71A5C547C}"/>
               </a:ext>
             </a:extLst>
           </p:cNvPr>
@@ -20827,7 +20917,7 @@
           <p:cNvPr id="8" name="Picture Placeholder 6">
             <a:extLst>
               <a:ext uri="{FF2B5EF4-FFF2-40B4-BE49-F238E27FC236}">
-                <a16:creationId xmlns:a16="http://schemas.microsoft.com/office/drawing/2014/main" xmlns="" id="{39EF0319-0CF7-4AB8-BE69-FEE9B6C298FE}"/>
+                <a16:creationId xmlns:a16="http://schemas.microsoft.com/office/drawing/2014/main" id="{39EF0319-0CF7-4AB8-BE69-FEE9B6C298FE}"/>
               </a:ext>
             </a:extLst>
           </p:cNvPr>
@@ -20875,7 +20965,7 @@
           <p:cNvPr id="7" name="Rectangle 6">
             <a:extLst>
               <a:ext uri="{FF2B5EF4-FFF2-40B4-BE49-F238E27FC236}">
-                <a16:creationId xmlns:a16="http://schemas.microsoft.com/office/drawing/2014/main" xmlns="" id="{02FAA6CD-8686-4F0E-9F34-3D74AC34027E}"/>
+                <a16:creationId xmlns:a16="http://schemas.microsoft.com/office/drawing/2014/main" id="{02FAA6CD-8686-4F0E-9F34-3D74AC34027E}"/>
               </a:ext>
             </a:extLst>
           </p:cNvPr>
@@ -20927,7 +21017,7 @@
           <p:cNvPr id="3" name="Text Placeholder 2">
             <a:extLst>
               <a:ext uri="{FF2B5EF4-FFF2-40B4-BE49-F238E27FC236}">
-                <a16:creationId xmlns:a16="http://schemas.microsoft.com/office/drawing/2014/main" xmlns="" id="{9DA658D4-2F70-44A3-A7C3-BF6A1D7BE2A9}"/>
+                <a16:creationId xmlns:a16="http://schemas.microsoft.com/office/drawing/2014/main" id="{9DA658D4-2F70-44A3-A7C3-BF6A1D7BE2A9}"/>
               </a:ext>
             </a:extLst>
           </p:cNvPr>
@@ -21003,7 +21093,7 @@
           <p:cNvPr id="10" name="Rectangle 9">
             <a:extLst>
               <a:ext uri="{FF2B5EF4-FFF2-40B4-BE49-F238E27FC236}">
-                <a16:creationId xmlns:a16="http://schemas.microsoft.com/office/drawing/2014/main" xmlns="" id="{735AFBAA-25FF-494A-937E-3DFC5F737803}"/>
+                <a16:creationId xmlns:a16="http://schemas.microsoft.com/office/drawing/2014/main" id="{735AFBAA-25FF-494A-937E-3DFC5F737803}"/>
               </a:ext>
             </a:extLst>
           </p:cNvPr>
@@ -21059,7 +21149,7 @@
           <p:cNvPr id="4" name="Content Placeholder 3">
             <a:extLst>
               <a:ext uri="{FF2B5EF4-FFF2-40B4-BE49-F238E27FC236}">
-                <a16:creationId xmlns:a16="http://schemas.microsoft.com/office/drawing/2014/main" xmlns="" id="{CDF57B0C-62A3-4053-936D-9841C7D76D8B}"/>
+                <a16:creationId xmlns:a16="http://schemas.microsoft.com/office/drawing/2014/main" id="{CDF57B0C-62A3-4053-936D-9841C7D76D8B}"/>
               </a:ext>
             </a:extLst>
           </p:cNvPr>
@@ -21140,7 +21230,7 @@
           <p:cNvPr id="12" name="Rectangle 11">
             <a:extLst>
               <a:ext uri="{FF2B5EF4-FFF2-40B4-BE49-F238E27FC236}">
-                <a16:creationId xmlns:a16="http://schemas.microsoft.com/office/drawing/2014/main" xmlns="" id="{7CD8F79B-BFE6-4B3E-8853-5C61FDFF46D9}"/>
+                <a16:creationId xmlns:a16="http://schemas.microsoft.com/office/drawing/2014/main" id="{7CD8F79B-BFE6-4B3E-8853-5C61FDFF46D9}"/>
               </a:ext>
             </a:extLst>
           </p:cNvPr>
@@ -21196,7 +21286,7 @@
           <p:cNvPr id="13" name="Rectangle 12">
             <a:extLst>
               <a:ext uri="{FF2B5EF4-FFF2-40B4-BE49-F238E27FC236}">
-                <a16:creationId xmlns:a16="http://schemas.microsoft.com/office/drawing/2014/main" xmlns="" id="{33B3569E-E4EC-433C-AFDA-E50961675D8F}"/>
+                <a16:creationId xmlns:a16="http://schemas.microsoft.com/office/drawing/2014/main" id="{33B3569E-E4EC-433C-AFDA-E50961675D8F}"/>
               </a:ext>
             </a:extLst>
           </p:cNvPr>
@@ -21252,7 +21342,7 @@
           <p:cNvPr id="5" name="Text Placeholder 4">
             <a:extLst>
               <a:ext uri="{FF2B5EF4-FFF2-40B4-BE49-F238E27FC236}">
-                <a16:creationId xmlns:a16="http://schemas.microsoft.com/office/drawing/2014/main" xmlns="" id="{BA2A6524-3EAC-4E27-BF8E-8F87E480F902}"/>
+                <a16:creationId xmlns:a16="http://schemas.microsoft.com/office/drawing/2014/main" id="{BA2A6524-3EAC-4E27-BF8E-8F87E480F902}"/>
               </a:ext>
             </a:extLst>
           </p:cNvPr>
@@ -21328,7 +21418,7 @@
           <p:cNvPr id="6" name="Content Placeholder 5">
             <a:extLst>
               <a:ext uri="{FF2B5EF4-FFF2-40B4-BE49-F238E27FC236}">
-                <a16:creationId xmlns:a16="http://schemas.microsoft.com/office/drawing/2014/main" xmlns="" id="{61FB94EC-1786-4ACB-B9A8-28216C7AB699}"/>
+                <a16:creationId xmlns:a16="http://schemas.microsoft.com/office/drawing/2014/main" id="{61FB94EC-1786-4ACB-B9A8-28216C7AB699}"/>
               </a:ext>
             </a:extLst>
           </p:cNvPr>
@@ -21407,7 +21497,7 @@
     </p:spTree>
     <p:extLst>
       <p:ext uri="{BB962C8B-B14F-4D97-AF65-F5344CB8AC3E}">
-        <p14:creationId xmlns:p14="http://schemas.microsoft.com/office/powerpoint/2010/main" xmlns="" val="3258851992"/>
+        <p14:creationId xmlns:p14="http://schemas.microsoft.com/office/powerpoint/2010/main" val="3258851992"/>
       </p:ext>
     </p:extLst>
   </p:cSld>
@@ -21439,7 +21529,7 @@
           <p:cNvPr id="2" name="Title 1">
             <a:extLst>
               <a:ext uri="{FF2B5EF4-FFF2-40B4-BE49-F238E27FC236}">
-                <a16:creationId xmlns:a16="http://schemas.microsoft.com/office/drawing/2014/main" xmlns="" id="{9B2BA5B3-8B1C-4C1C-B4EB-C9A8AC24AEDE}"/>
+                <a16:creationId xmlns:a16="http://schemas.microsoft.com/office/drawing/2014/main" id="{9B2BA5B3-8B1C-4C1C-B4EB-C9A8AC24AEDE}"/>
               </a:ext>
             </a:extLst>
           </p:cNvPr>
@@ -21473,7 +21563,7 @@
           <p:cNvPr id="9" name="Slide Number Placeholder 8">
             <a:extLst>
               <a:ext uri="{FF2B5EF4-FFF2-40B4-BE49-F238E27FC236}">
-                <a16:creationId xmlns:a16="http://schemas.microsoft.com/office/drawing/2014/main" xmlns="" id="{6B54C622-8EF1-4AE4-AB25-19D71A5C547C}"/>
+                <a16:creationId xmlns:a16="http://schemas.microsoft.com/office/drawing/2014/main" id="{6B54C622-8EF1-4AE4-AB25-19D71A5C547C}"/>
               </a:ext>
             </a:extLst>
           </p:cNvPr>
@@ -21503,7 +21593,7 @@
           <p:cNvPr id="8" name="Picture Placeholder 6">
             <a:extLst>
               <a:ext uri="{FF2B5EF4-FFF2-40B4-BE49-F238E27FC236}">
-                <a16:creationId xmlns:a16="http://schemas.microsoft.com/office/drawing/2014/main" xmlns="" id="{39EF0319-0CF7-4AB8-BE69-FEE9B6C298FE}"/>
+                <a16:creationId xmlns:a16="http://schemas.microsoft.com/office/drawing/2014/main" id="{39EF0319-0CF7-4AB8-BE69-FEE9B6C298FE}"/>
               </a:ext>
             </a:extLst>
           </p:cNvPr>
@@ -21551,7 +21641,7 @@
           <p:cNvPr id="5" name="Text Placeholder 4">
             <a:extLst>
               <a:ext uri="{FF2B5EF4-FFF2-40B4-BE49-F238E27FC236}">
-                <a16:creationId xmlns:a16="http://schemas.microsoft.com/office/drawing/2014/main" xmlns="" id="{BA2A6524-3EAC-4E27-BF8E-8F87E480F902}"/>
+                <a16:creationId xmlns:a16="http://schemas.microsoft.com/office/drawing/2014/main" id="{BA2A6524-3EAC-4E27-BF8E-8F87E480F902}"/>
               </a:ext>
             </a:extLst>
           </p:cNvPr>
@@ -21629,7 +21719,7 @@
           <p:cNvPr id="6" name="Content Placeholder 5">
             <a:extLst>
               <a:ext uri="{FF2B5EF4-FFF2-40B4-BE49-F238E27FC236}">
-                <a16:creationId xmlns:a16="http://schemas.microsoft.com/office/drawing/2014/main" xmlns="" id="{61FB94EC-1786-4ACB-B9A8-28216C7AB699}"/>
+                <a16:creationId xmlns:a16="http://schemas.microsoft.com/office/drawing/2014/main" id="{61FB94EC-1786-4ACB-B9A8-28216C7AB699}"/>
               </a:ext>
             </a:extLst>
           </p:cNvPr>
@@ -21730,7 +21820,7 @@
           <p:cNvPr id="3" name="Text Placeholder 2">
             <a:extLst>
               <a:ext uri="{FF2B5EF4-FFF2-40B4-BE49-F238E27FC236}">
-                <a16:creationId xmlns:a16="http://schemas.microsoft.com/office/drawing/2014/main" xmlns="" id="{9DA658D4-2F70-44A3-A7C3-BF6A1D7BE2A9}"/>
+                <a16:creationId xmlns:a16="http://schemas.microsoft.com/office/drawing/2014/main" id="{9DA658D4-2F70-44A3-A7C3-BF6A1D7BE2A9}"/>
               </a:ext>
             </a:extLst>
           </p:cNvPr>
@@ -21806,7 +21896,7 @@
           <p:cNvPr id="4" name="Content Placeholder 3">
             <a:extLst>
               <a:ext uri="{FF2B5EF4-FFF2-40B4-BE49-F238E27FC236}">
-                <a16:creationId xmlns:a16="http://schemas.microsoft.com/office/drawing/2014/main" xmlns="" id="{CDF57B0C-62A3-4053-936D-9841C7D76D8B}"/>
+                <a16:creationId xmlns:a16="http://schemas.microsoft.com/office/drawing/2014/main" id="{CDF57B0C-62A3-4053-936D-9841C7D76D8B}"/>
               </a:ext>
             </a:extLst>
           </p:cNvPr>
@@ -21905,7 +21995,7 @@
     </p:spTree>
     <p:extLst>
       <p:ext uri="{BB962C8B-B14F-4D97-AF65-F5344CB8AC3E}">
-        <p14:creationId xmlns:p14="http://schemas.microsoft.com/office/powerpoint/2010/main" xmlns="" val="3686419478"/>
+        <p14:creationId xmlns:p14="http://schemas.microsoft.com/office/powerpoint/2010/main" val="3686419478"/>
       </p:ext>
     </p:extLst>
   </p:cSld>
@@ -21937,7 +22027,7 @@
           <p:cNvPr id="15" name="Rectangle 14">
             <a:extLst>
               <a:ext uri="{FF2B5EF4-FFF2-40B4-BE49-F238E27FC236}">
-                <a16:creationId xmlns:a16="http://schemas.microsoft.com/office/drawing/2014/main" xmlns="" id="{990C1024-E4C7-44C6-ADC4-870B3D482C3F}"/>
+                <a16:creationId xmlns:a16="http://schemas.microsoft.com/office/drawing/2014/main" id="{990C1024-E4C7-44C6-ADC4-870B3D482C3F}"/>
               </a:ext>
             </a:extLst>
           </p:cNvPr>
@@ -21989,7 +22079,7 @@
           <p:cNvPr id="7" name="Rectangle 6">
             <a:extLst>
               <a:ext uri="{FF2B5EF4-FFF2-40B4-BE49-F238E27FC236}">
-                <a16:creationId xmlns:a16="http://schemas.microsoft.com/office/drawing/2014/main" xmlns="" id="{4DB43705-0B3F-4F77-A8BB-08EC09D36A56}"/>
+                <a16:creationId xmlns:a16="http://schemas.microsoft.com/office/drawing/2014/main" id="{4DB43705-0B3F-4F77-A8BB-08EC09D36A56}"/>
               </a:ext>
             </a:extLst>
           </p:cNvPr>
@@ -22041,7 +22131,7 @@
           <p:cNvPr id="2" name="Title 1">
             <a:extLst>
               <a:ext uri="{FF2B5EF4-FFF2-40B4-BE49-F238E27FC236}">
-                <a16:creationId xmlns:a16="http://schemas.microsoft.com/office/drawing/2014/main" xmlns="" id="{9B2BA5B3-8B1C-4C1C-B4EB-C9A8AC24AEDE}"/>
+                <a16:creationId xmlns:a16="http://schemas.microsoft.com/office/drawing/2014/main" id="{9B2BA5B3-8B1C-4C1C-B4EB-C9A8AC24AEDE}"/>
               </a:ext>
             </a:extLst>
           </p:cNvPr>
@@ -22083,7 +22173,7 @@
           <p:cNvPr id="9" name="Slide Number Placeholder 8">
             <a:extLst>
               <a:ext uri="{FF2B5EF4-FFF2-40B4-BE49-F238E27FC236}">
-                <a16:creationId xmlns:a16="http://schemas.microsoft.com/office/drawing/2014/main" xmlns="" id="{6B54C622-8EF1-4AE4-AB25-19D71A5C547C}"/>
+                <a16:creationId xmlns:a16="http://schemas.microsoft.com/office/drawing/2014/main" id="{6B54C622-8EF1-4AE4-AB25-19D71A5C547C}"/>
               </a:ext>
             </a:extLst>
           </p:cNvPr>
@@ -22113,7 +22203,7 @@
           <p:cNvPr id="5" name="Text Placeholder 4">
             <a:extLst>
               <a:ext uri="{FF2B5EF4-FFF2-40B4-BE49-F238E27FC236}">
-                <a16:creationId xmlns:a16="http://schemas.microsoft.com/office/drawing/2014/main" xmlns="" id="{BA2A6524-3EAC-4E27-BF8E-8F87E480F902}"/>
+                <a16:creationId xmlns:a16="http://schemas.microsoft.com/office/drawing/2014/main" id="{BA2A6524-3EAC-4E27-BF8E-8F87E480F902}"/>
               </a:ext>
             </a:extLst>
           </p:cNvPr>
@@ -22191,7 +22281,7 @@
           <p:cNvPr id="6" name="Content Placeholder 5">
             <a:extLst>
               <a:ext uri="{FF2B5EF4-FFF2-40B4-BE49-F238E27FC236}">
-                <a16:creationId xmlns:a16="http://schemas.microsoft.com/office/drawing/2014/main" xmlns="" id="{61FB94EC-1786-4ACB-B9A8-28216C7AB699}"/>
+                <a16:creationId xmlns:a16="http://schemas.microsoft.com/office/drawing/2014/main" id="{61FB94EC-1786-4ACB-B9A8-28216C7AB699}"/>
               </a:ext>
             </a:extLst>
           </p:cNvPr>
@@ -22292,7 +22382,7 @@
           <p:cNvPr id="3" name="Text Placeholder 2">
             <a:extLst>
               <a:ext uri="{FF2B5EF4-FFF2-40B4-BE49-F238E27FC236}">
-                <a16:creationId xmlns:a16="http://schemas.microsoft.com/office/drawing/2014/main" xmlns="" id="{9DA658D4-2F70-44A3-A7C3-BF6A1D7BE2A9}"/>
+                <a16:creationId xmlns:a16="http://schemas.microsoft.com/office/drawing/2014/main" id="{9DA658D4-2F70-44A3-A7C3-BF6A1D7BE2A9}"/>
               </a:ext>
             </a:extLst>
           </p:cNvPr>
@@ -22368,7 +22458,7 @@
           <p:cNvPr id="4" name="Content Placeholder 3">
             <a:extLst>
               <a:ext uri="{FF2B5EF4-FFF2-40B4-BE49-F238E27FC236}">
-                <a16:creationId xmlns:a16="http://schemas.microsoft.com/office/drawing/2014/main" xmlns="" id="{CDF57B0C-62A3-4053-936D-9841C7D76D8B}"/>
+                <a16:creationId xmlns:a16="http://schemas.microsoft.com/office/drawing/2014/main" id="{CDF57B0C-62A3-4053-936D-9841C7D76D8B}"/>
               </a:ext>
             </a:extLst>
           </p:cNvPr>
@@ -22469,7 +22559,7 @@
           <p:cNvPr id="17" name="Picture Placeholder 6">
             <a:extLst>
               <a:ext uri="{FF2B5EF4-FFF2-40B4-BE49-F238E27FC236}">
-                <a16:creationId xmlns:a16="http://schemas.microsoft.com/office/drawing/2014/main" xmlns="" id="{9DFBCB44-5019-402B-BEC3-12F7F5526F0E}"/>
+                <a16:creationId xmlns:a16="http://schemas.microsoft.com/office/drawing/2014/main" id="{9DFBCB44-5019-402B-BEC3-12F7F5526F0E}"/>
               </a:ext>
             </a:extLst>
           </p:cNvPr>
@@ -22517,7 +22607,7 @@
           <p:cNvPr id="18" name="Picture Placeholder 6">
             <a:extLst>
               <a:ext uri="{FF2B5EF4-FFF2-40B4-BE49-F238E27FC236}">
-                <a16:creationId xmlns:a16="http://schemas.microsoft.com/office/drawing/2014/main" xmlns="" id="{8CD826C9-080C-4638-B261-376BD8B31622}"/>
+                <a16:creationId xmlns:a16="http://schemas.microsoft.com/office/drawing/2014/main" id="{8CD826C9-080C-4638-B261-376BD8B31622}"/>
               </a:ext>
             </a:extLst>
           </p:cNvPr>
@@ -22563,7 +22653,7 @@
     </p:spTree>
     <p:extLst>
       <p:ext uri="{BB962C8B-B14F-4D97-AF65-F5344CB8AC3E}">
-        <p14:creationId xmlns:p14="http://schemas.microsoft.com/office/powerpoint/2010/main" xmlns="" val="3565490311"/>
+        <p14:creationId xmlns:p14="http://schemas.microsoft.com/office/powerpoint/2010/main" val="3565490311"/>
       </p:ext>
     </p:extLst>
   </p:cSld>
@@ -22595,7 +22685,7 @@
           <p:cNvPr id="2" name="Title 1">
             <a:extLst>
               <a:ext uri="{FF2B5EF4-FFF2-40B4-BE49-F238E27FC236}">
-                <a16:creationId xmlns:a16="http://schemas.microsoft.com/office/drawing/2014/main" xmlns="" id="{BADB3C88-F13B-4B5F-920D-B4EFFAA592E5}"/>
+                <a16:creationId xmlns:a16="http://schemas.microsoft.com/office/drawing/2014/main" id="{BADB3C88-F13B-4B5F-920D-B4EFFAA592E5}"/>
               </a:ext>
             </a:extLst>
           </p:cNvPr>
@@ -22623,7 +22713,7 @@
           <p:cNvPr id="5" name="Slide Number Placeholder 4">
             <a:extLst>
               <a:ext uri="{FF2B5EF4-FFF2-40B4-BE49-F238E27FC236}">
-                <a16:creationId xmlns:a16="http://schemas.microsoft.com/office/drawing/2014/main" xmlns="" id="{6E5460C4-49C1-4270-BC58-5EEBC77615CD}"/>
+                <a16:creationId xmlns:a16="http://schemas.microsoft.com/office/drawing/2014/main" id="{6E5460C4-49C1-4270-BC58-5EEBC77615CD}"/>
               </a:ext>
             </a:extLst>
           </p:cNvPr>
@@ -22653,7 +22743,7 @@
           <p:cNvPr id="4" name="Picture Placeholder 6">
             <a:extLst>
               <a:ext uri="{FF2B5EF4-FFF2-40B4-BE49-F238E27FC236}">
-                <a16:creationId xmlns:a16="http://schemas.microsoft.com/office/drawing/2014/main" xmlns="" id="{7E138685-E3C5-48A4-8460-3BEDDDEDA6AD}"/>
+                <a16:creationId xmlns:a16="http://schemas.microsoft.com/office/drawing/2014/main" id="{7E138685-E3C5-48A4-8460-3BEDDDEDA6AD}"/>
               </a:ext>
             </a:extLst>
           </p:cNvPr>
@@ -22701,7 +22791,7 @@
           <p:cNvPr id="6" name="Picture Placeholder 6">
             <a:extLst>
               <a:ext uri="{FF2B5EF4-FFF2-40B4-BE49-F238E27FC236}">
-                <a16:creationId xmlns:a16="http://schemas.microsoft.com/office/drawing/2014/main" xmlns="" id="{B6811C8C-D1DA-4EE5-888B-A30D6285BA5D}"/>
+                <a16:creationId xmlns:a16="http://schemas.microsoft.com/office/drawing/2014/main" id="{B6811C8C-D1DA-4EE5-888B-A30D6285BA5D}"/>
               </a:ext>
             </a:extLst>
           </p:cNvPr>
@@ -22749,7 +22839,7 @@
           <p:cNvPr id="7" name="Rectangle 6">
             <a:extLst>
               <a:ext uri="{FF2B5EF4-FFF2-40B4-BE49-F238E27FC236}">
-                <a16:creationId xmlns:a16="http://schemas.microsoft.com/office/drawing/2014/main" xmlns="" id="{85661614-E5E5-43DF-A12A-7BE84E58EE3B}"/>
+                <a16:creationId xmlns:a16="http://schemas.microsoft.com/office/drawing/2014/main" id="{85661614-E5E5-43DF-A12A-7BE84E58EE3B}"/>
               </a:ext>
             </a:extLst>
           </p:cNvPr>
@@ -22801,7 +22891,7 @@
           <p:cNvPr id="8" name="Rectangle 7">
             <a:extLst>
               <a:ext uri="{FF2B5EF4-FFF2-40B4-BE49-F238E27FC236}">
-                <a16:creationId xmlns:a16="http://schemas.microsoft.com/office/drawing/2014/main" xmlns="" id="{9161B260-71A2-402A-A38D-FE2C484B7F99}"/>
+                <a16:creationId xmlns:a16="http://schemas.microsoft.com/office/drawing/2014/main" id="{9161B260-71A2-402A-A38D-FE2C484B7F99}"/>
               </a:ext>
             </a:extLst>
           </p:cNvPr>
@@ -22853,7 +22943,7 @@
           <p:cNvPr id="9" name="Text Placeholder 8">
             <a:extLst>
               <a:ext uri="{FF2B5EF4-FFF2-40B4-BE49-F238E27FC236}">
-                <a16:creationId xmlns:a16="http://schemas.microsoft.com/office/drawing/2014/main" xmlns="" id="{B15B70BB-4776-4914-92C9-092579FD6EBE}"/>
+                <a16:creationId xmlns:a16="http://schemas.microsoft.com/office/drawing/2014/main" id="{B15B70BB-4776-4914-92C9-092579FD6EBE}"/>
               </a:ext>
             </a:extLst>
           </p:cNvPr>
@@ -22915,7 +23005,7 @@
           <p:cNvPr id="10" name="Text Placeholder 8">
             <a:extLst>
               <a:ext uri="{FF2B5EF4-FFF2-40B4-BE49-F238E27FC236}">
-                <a16:creationId xmlns:a16="http://schemas.microsoft.com/office/drawing/2014/main" xmlns="" id="{58899736-796A-4B23-9534-D8784DD9A238}"/>
+                <a16:creationId xmlns:a16="http://schemas.microsoft.com/office/drawing/2014/main" id="{58899736-796A-4B23-9534-D8784DD9A238}"/>
               </a:ext>
             </a:extLst>
           </p:cNvPr>
@@ -22975,7 +23065,7 @@
     </p:spTree>
     <p:extLst>
       <p:ext uri="{BB962C8B-B14F-4D97-AF65-F5344CB8AC3E}">
-        <p14:creationId xmlns:p14="http://schemas.microsoft.com/office/powerpoint/2010/main" xmlns="" val="2878641747"/>
+        <p14:creationId xmlns:p14="http://schemas.microsoft.com/office/powerpoint/2010/main" val="2878641747"/>
       </p:ext>
     </p:extLst>
   </p:cSld>
@@ -23007,7 +23097,7 @@
           <p:cNvPr id="11" name="Rectangle 10">
             <a:extLst>
               <a:ext uri="{FF2B5EF4-FFF2-40B4-BE49-F238E27FC236}">
-                <a16:creationId xmlns:a16="http://schemas.microsoft.com/office/drawing/2014/main" xmlns="" id="{0565E0AE-C9AC-4E26-B4A4-DDEE620D8979}"/>
+                <a16:creationId xmlns:a16="http://schemas.microsoft.com/office/drawing/2014/main" id="{0565E0AE-C9AC-4E26-B4A4-DDEE620D8979}"/>
               </a:ext>
             </a:extLst>
           </p:cNvPr>
@@ -23059,7 +23149,7 @@
           <p:cNvPr id="12" name="Rectangle 11">
             <a:extLst>
               <a:ext uri="{FF2B5EF4-FFF2-40B4-BE49-F238E27FC236}">
-                <a16:creationId xmlns:a16="http://schemas.microsoft.com/office/drawing/2014/main" xmlns="" id="{6F023CF6-0A85-4867-A5CF-F75DDBC4C20A}"/>
+                <a16:creationId xmlns:a16="http://schemas.microsoft.com/office/drawing/2014/main" id="{6F023CF6-0A85-4867-A5CF-F75DDBC4C20A}"/>
               </a:ext>
             </a:extLst>
           </p:cNvPr>
@@ -23111,7 +23201,7 @@
           <p:cNvPr id="4" name="Picture Placeholder 6">
             <a:extLst>
               <a:ext uri="{FF2B5EF4-FFF2-40B4-BE49-F238E27FC236}">
-                <a16:creationId xmlns:a16="http://schemas.microsoft.com/office/drawing/2014/main" xmlns="" id="{7E138685-E3C5-48A4-8460-3BEDDDEDA6AD}"/>
+                <a16:creationId xmlns:a16="http://schemas.microsoft.com/office/drawing/2014/main" id="{7E138685-E3C5-48A4-8460-3BEDDDEDA6AD}"/>
               </a:ext>
             </a:extLst>
           </p:cNvPr>
@@ -23159,7 +23249,7 @@
           <p:cNvPr id="6" name="Picture Placeholder 6">
             <a:extLst>
               <a:ext uri="{FF2B5EF4-FFF2-40B4-BE49-F238E27FC236}">
-                <a16:creationId xmlns:a16="http://schemas.microsoft.com/office/drawing/2014/main" xmlns="" id="{B6811C8C-D1DA-4EE5-888B-A30D6285BA5D}"/>
+                <a16:creationId xmlns:a16="http://schemas.microsoft.com/office/drawing/2014/main" id="{B6811C8C-D1DA-4EE5-888B-A30D6285BA5D}"/>
               </a:ext>
             </a:extLst>
           </p:cNvPr>
@@ -23207,7 +23297,7 @@
           <p:cNvPr id="9" name="Text Placeholder 8">
             <a:extLst>
               <a:ext uri="{FF2B5EF4-FFF2-40B4-BE49-F238E27FC236}">
-                <a16:creationId xmlns:a16="http://schemas.microsoft.com/office/drawing/2014/main" xmlns="" id="{B15B70BB-4776-4914-92C9-092579FD6EBE}"/>
+                <a16:creationId xmlns:a16="http://schemas.microsoft.com/office/drawing/2014/main" id="{B15B70BB-4776-4914-92C9-092579FD6EBE}"/>
               </a:ext>
             </a:extLst>
           </p:cNvPr>
@@ -23269,7 +23359,7 @@
           <p:cNvPr id="10" name="Text Placeholder 8">
             <a:extLst>
               <a:ext uri="{FF2B5EF4-FFF2-40B4-BE49-F238E27FC236}">
-                <a16:creationId xmlns:a16="http://schemas.microsoft.com/office/drawing/2014/main" xmlns="" id="{58899736-796A-4B23-9534-D8784DD9A238}"/>
+                <a16:creationId xmlns:a16="http://schemas.microsoft.com/office/drawing/2014/main" id="{58899736-796A-4B23-9534-D8784DD9A238}"/>
               </a:ext>
             </a:extLst>
           </p:cNvPr>
@@ -23331,7 +23421,7 @@
           <p:cNvPr id="14" name="Group 13">
             <a:extLst>
               <a:ext uri="{FF2B5EF4-FFF2-40B4-BE49-F238E27FC236}">
-                <a16:creationId xmlns:a16="http://schemas.microsoft.com/office/drawing/2014/main" xmlns="" id="{AF4B4D45-80E3-42F8-B437-4182608210C3}"/>
+                <a16:creationId xmlns:a16="http://schemas.microsoft.com/office/drawing/2014/main" id="{AF4B4D45-80E3-42F8-B437-4182608210C3}"/>
               </a:ext>
             </a:extLst>
           </p:cNvPr>
@@ -23354,7 +23444,7 @@
             <p:cNvPr id="15" name="Rectangle 14">
               <a:extLst>
                 <a:ext uri="{FF2B5EF4-FFF2-40B4-BE49-F238E27FC236}">
-                  <a16:creationId xmlns:a16="http://schemas.microsoft.com/office/drawing/2014/main" xmlns="" id="{D670E361-AF23-4722-9250-CCF26B3C5884}"/>
+                  <a16:creationId xmlns:a16="http://schemas.microsoft.com/office/drawing/2014/main" id="{D670E361-AF23-4722-9250-CCF26B3C5884}"/>
                 </a:ext>
               </a:extLst>
             </p:cNvPr>
@@ -23404,7 +23494,7 @@
             <p:cNvPr id="16" name="Rectangle 15">
               <a:extLst>
                 <a:ext uri="{FF2B5EF4-FFF2-40B4-BE49-F238E27FC236}">
-                  <a16:creationId xmlns:a16="http://schemas.microsoft.com/office/drawing/2014/main" xmlns="" id="{BDE16CED-9FCD-4407-99EF-FFBE689DA9F1}"/>
+                  <a16:creationId xmlns:a16="http://schemas.microsoft.com/office/drawing/2014/main" id="{BDE16CED-9FCD-4407-99EF-FFBE689DA9F1}"/>
                 </a:ext>
               </a:extLst>
             </p:cNvPr>
@@ -23455,7 +23545,7 @@
           <p:cNvPr id="17" name="Group 16">
             <a:extLst>
               <a:ext uri="{FF2B5EF4-FFF2-40B4-BE49-F238E27FC236}">
-                <a16:creationId xmlns:a16="http://schemas.microsoft.com/office/drawing/2014/main" xmlns="" id="{FA147081-5AFB-463F-B27C-7A0C4CA0573B}"/>
+                <a16:creationId xmlns:a16="http://schemas.microsoft.com/office/drawing/2014/main" id="{FA147081-5AFB-463F-B27C-7A0C4CA0573B}"/>
               </a:ext>
             </a:extLst>
           </p:cNvPr>
@@ -23478,7 +23568,7 @@
             <p:cNvPr id="18" name="Rectangle 17">
               <a:extLst>
                 <a:ext uri="{FF2B5EF4-FFF2-40B4-BE49-F238E27FC236}">
-                  <a16:creationId xmlns:a16="http://schemas.microsoft.com/office/drawing/2014/main" xmlns="" id="{AE24567E-B0AE-4E55-A5FB-3019A9598162}"/>
+                  <a16:creationId xmlns:a16="http://schemas.microsoft.com/office/drawing/2014/main" id="{AE24567E-B0AE-4E55-A5FB-3019A9598162}"/>
                 </a:ext>
               </a:extLst>
             </p:cNvPr>
@@ -23528,7 +23618,7 @@
             <p:cNvPr id="19" name="Rectangle 18">
               <a:extLst>
                 <a:ext uri="{FF2B5EF4-FFF2-40B4-BE49-F238E27FC236}">
-                  <a16:creationId xmlns:a16="http://schemas.microsoft.com/office/drawing/2014/main" xmlns="" id="{4918E6C0-B582-4943-9462-FE9740846585}"/>
+                  <a16:creationId xmlns:a16="http://schemas.microsoft.com/office/drawing/2014/main" id="{4918E6C0-B582-4943-9462-FE9740846585}"/>
                 </a:ext>
               </a:extLst>
             </p:cNvPr>
@@ -23577,7 +23667,7 @@
     </p:spTree>
     <p:extLst>
       <p:ext uri="{BB962C8B-B14F-4D97-AF65-F5344CB8AC3E}">
-        <p14:creationId xmlns:p14="http://schemas.microsoft.com/office/powerpoint/2010/main" xmlns="" val="493388266"/>
+        <p14:creationId xmlns:p14="http://schemas.microsoft.com/office/powerpoint/2010/main" val="493388266"/>
       </p:ext>
     </p:extLst>
   </p:cSld>
@@ -23609,7 +23699,7 @@
           <p:cNvPr id="11" name="Rectangle 10">
             <a:extLst>
               <a:ext uri="{FF2B5EF4-FFF2-40B4-BE49-F238E27FC236}">
-                <a16:creationId xmlns:a16="http://schemas.microsoft.com/office/drawing/2014/main" xmlns="" id="{0565E0AE-C9AC-4E26-B4A4-DDEE620D8979}"/>
+                <a16:creationId xmlns:a16="http://schemas.microsoft.com/office/drawing/2014/main" id="{0565E0AE-C9AC-4E26-B4A4-DDEE620D8979}"/>
               </a:ext>
             </a:extLst>
           </p:cNvPr>
@@ -23661,7 +23751,7 @@
           <p:cNvPr id="4" name="Picture Placeholder 6">
             <a:extLst>
               <a:ext uri="{FF2B5EF4-FFF2-40B4-BE49-F238E27FC236}">
-                <a16:creationId xmlns:a16="http://schemas.microsoft.com/office/drawing/2014/main" xmlns="" id="{7E138685-E3C5-48A4-8460-3BEDDDEDA6AD}"/>
+                <a16:creationId xmlns:a16="http://schemas.microsoft.com/office/drawing/2014/main" id="{7E138685-E3C5-48A4-8460-3BEDDDEDA6AD}"/>
               </a:ext>
             </a:extLst>
           </p:cNvPr>
@@ -23709,7 +23799,7 @@
           <p:cNvPr id="6" name="Picture Placeholder 6">
             <a:extLst>
               <a:ext uri="{FF2B5EF4-FFF2-40B4-BE49-F238E27FC236}">
-                <a16:creationId xmlns:a16="http://schemas.microsoft.com/office/drawing/2014/main" xmlns="" id="{B6811C8C-D1DA-4EE5-888B-A30D6285BA5D}"/>
+                <a16:creationId xmlns:a16="http://schemas.microsoft.com/office/drawing/2014/main" id="{B6811C8C-D1DA-4EE5-888B-A30D6285BA5D}"/>
               </a:ext>
             </a:extLst>
           </p:cNvPr>
@@ -23757,7 +23847,7 @@
           <p:cNvPr id="9" name="Text Placeholder 8">
             <a:extLst>
               <a:ext uri="{FF2B5EF4-FFF2-40B4-BE49-F238E27FC236}">
-                <a16:creationId xmlns:a16="http://schemas.microsoft.com/office/drawing/2014/main" xmlns="" id="{B15B70BB-4776-4914-92C9-092579FD6EBE}"/>
+                <a16:creationId xmlns:a16="http://schemas.microsoft.com/office/drawing/2014/main" id="{B15B70BB-4776-4914-92C9-092579FD6EBE}"/>
               </a:ext>
             </a:extLst>
           </p:cNvPr>
@@ -23819,7 +23909,7 @@
           <p:cNvPr id="10" name="Text Placeholder 8">
             <a:extLst>
               <a:ext uri="{FF2B5EF4-FFF2-40B4-BE49-F238E27FC236}">
-                <a16:creationId xmlns:a16="http://schemas.microsoft.com/office/drawing/2014/main" xmlns="" id="{58899736-796A-4B23-9534-D8784DD9A238}"/>
+                <a16:creationId xmlns:a16="http://schemas.microsoft.com/office/drawing/2014/main" id="{58899736-796A-4B23-9534-D8784DD9A238}"/>
               </a:ext>
             </a:extLst>
           </p:cNvPr>
@@ -23879,7 +23969,7 @@
     </p:spTree>
     <p:extLst>
       <p:ext uri="{BB962C8B-B14F-4D97-AF65-F5344CB8AC3E}">
-        <p14:creationId xmlns:p14="http://schemas.microsoft.com/office/powerpoint/2010/main" xmlns="" val="3303732246"/>
+        <p14:creationId xmlns:p14="http://schemas.microsoft.com/office/powerpoint/2010/main" val="3303732246"/>
       </p:ext>
     </p:extLst>
   </p:cSld>
@@ -23937,10 +24027,9 @@
           </a:lstStyle>
           <a:p>
             <a:r>
-              <a:rPr kumimoji="0" lang="en-US" smtClean="0"/>
+              <a:rPr kumimoji="0" lang="en-US"/>
               <a:t>Click to edit Master title style</a:t>
             </a:r>
-            <a:endParaRPr kumimoji="0" lang="en-US"/>
           </a:p>
         </p:txBody>
       </p:sp>
@@ -24001,7 +24090,7 @@
           <a:p>
             <a:pPr lvl="0" eaLnBrk="1" latinLnBrk="0" hangingPunct="1"/>
             <a:r>
-              <a:rPr kumimoji="0" lang="en-US" smtClean="0"/>
+              <a:rPr kumimoji="0" lang="en-US"/>
               <a:t>Click to edit Master text styles</a:t>
             </a:r>
           </a:p>
@@ -24064,7 +24153,7 @@
           <a:p>
             <a:pPr lvl="0" eaLnBrk="1" latinLnBrk="0" hangingPunct="1"/>
             <a:r>
-              <a:rPr kumimoji="0" lang="en-US" smtClean="0"/>
+              <a:rPr kumimoji="0" lang="en-US"/>
               <a:t>Click to edit Master text styles</a:t>
             </a:r>
           </a:p>
@@ -24114,35 +24203,35 @@
           <a:p>
             <a:pPr lvl="0" eaLnBrk="1" latinLnBrk="0" hangingPunct="1"/>
             <a:r>
-              <a:rPr lang="en-US" smtClean="0"/>
+              <a:rPr lang="en-US"/>
               <a:t>Click to edit Master text styles</a:t>
             </a:r>
           </a:p>
           <a:p>
             <a:pPr lvl="1" eaLnBrk="1" latinLnBrk="0" hangingPunct="1"/>
             <a:r>
-              <a:rPr lang="en-US" smtClean="0"/>
+              <a:rPr lang="en-US"/>
               <a:t>Second level</a:t>
             </a:r>
           </a:p>
           <a:p>
             <a:pPr lvl="2" eaLnBrk="1" latinLnBrk="0" hangingPunct="1"/>
             <a:r>
-              <a:rPr lang="en-US" smtClean="0"/>
+              <a:rPr lang="en-US"/>
               <a:t>Third level</a:t>
             </a:r>
           </a:p>
           <a:p>
             <a:pPr lvl="3" eaLnBrk="1" latinLnBrk="0" hangingPunct="1"/>
             <a:r>
-              <a:rPr lang="en-US" smtClean="0"/>
+              <a:rPr lang="en-US"/>
               <a:t>Fourth level</a:t>
             </a:r>
           </a:p>
           <a:p>
             <a:pPr lvl="4" eaLnBrk="1" latinLnBrk="0" hangingPunct="1"/>
             <a:r>
-              <a:rPr lang="en-US" smtClean="0"/>
+              <a:rPr lang="en-US"/>
               <a:t>Fifth level</a:t>
             </a:r>
             <a:endParaRPr kumimoji="0" lang="en-US"/>
@@ -24196,35 +24285,35 @@
           <a:p>
             <a:pPr lvl="0" eaLnBrk="1" latinLnBrk="0" hangingPunct="1"/>
             <a:r>
-              <a:rPr lang="en-US" smtClean="0"/>
+              <a:rPr lang="en-US"/>
               <a:t>Click to edit Master text styles</a:t>
             </a:r>
           </a:p>
           <a:p>
             <a:pPr lvl="1" eaLnBrk="1" latinLnBrk="0" hangingPunct="1"/>
             <a:r>
-              <a:rPr lang="en-US" smtClean="0"/>
+              <a:rPr lang="en-US"/>
               <a:t>Second level</a:t>
             </a:r>
           </a:p>
           <a:p>
             <a:pPr lvl="2" eaLnBrk="1" latinLnBrk="0" hangingPunct="1"/>
             <a:r>
-              <a:rPr lang="en-US" smtClean="0"/>
+              <a:rPr lang="en-US"/>
               <a:t>Third level</a:t>
             </a:r>
           </a:p>
           <a:p>
             <a:pPr lvl="3" eaLnBrk="1" latinLnBrk="0" hangingPunct="1"/>
             <a:r>
-              <a:rPr lang="en-US" smtClean="0"/>
+              <a:rPr lang="en-US"/>
               <a:t>Fourth level</a:t>
             </a:r>
           </a:p>
           <a:p>
             <a:pPr lvl="4" eaLnBrk="1" latinLnBrk="0" hangingPunct="1"/>
             <a:r>
-              <a:rPr lang="en-US" smtClean="0"/>
+              <a:rPr lang="en-US"/>
               <a:t>Fifth level</a:t>
             </a:r>
             <a:endParaRPr kumimoji="0" lang="en-US"/>
@@ -24244,14 +24333,12 @@
         <p:spPr/>
         <p:txBody>
           <a:bodyPr/>
-          <a:lstStyle>
-            <a:extLst/>
-          </a:lstStyle>
+          <a:lstStyle/>
           <a:p>
             <a:fld id="{64BF4833-09CA-4F95-9AA9-D45BF689F777}" type="datetimeFigureOut">
               <a:rPr lang="en-IN" smtClean="0"/>
               <a:pPr/>
-              <a:t>11-05-2023</a:t>
+              <a:t>23-06-2023</a:t>
             </a:fld>
             <a:endParaRPr lang="en-IN"/>
           </a:p>
@@ -24270,9 +24357,7 @@
         <p:spPr/>
         <p:txBody>
           <a:bodyPr/>
-          <a:lstStyle>
-            <a:extLst/>
-          </a:lstStyle>
+          <a:lstStyle/>
           <a:p>
             <a:endParaRPr lang="en-IN"/>
           </a:p>
@@ -24291,9 +24376,7 @@
         <p:spPr/>
         <p:txBody>
           <a:bodyPr/>
-          <a:lstStyle>
-            <a:extLst/>
-          </a:lstStyle>
+          <a:lstStyle/>
           <a:p>
             <a:fld id="{03DC2DEF-D2FE-4B45-ABA4-9F153FD1C98A}" type="slidenum">
               <a:rPr lang="en-US" smtClean="0"/>
@@ -24335,7 +24418,7 @@
           <p:cNvPr id="11" name="Rectangle 10">
             <a:extLst>
               <a:ext uri="{FF2B5EF4-FFF2-40B4-BE49-F238E27FC236}">
-                <a16:creationId xmlns:a16="http://schemas.microsoft.com/office/drawing/2014/main" xmlns="" id="{0565E0AE-C9AC-4E26-B4A4-DDEE620D8979}"/>
+                <a16:creationId xmlns:a16="http://schemas.microsoft.com/office/drawing/2014/main" id="{0565E0AE-C9AC-4E26-B4A4-DDEE620D8979}"/>
               </a:ext>
             </a:extLst>
           </p:cNvPr>
@@ -24387,7 +24470,7 @@
           <p:cNvPr id="12" name="Rectangle 11">
             <a:extLst>
               <a:ext uri="{FF2B5EF4-FFF2-40B4-BE49-F238E27FC236}">
-                <a16:creationId xmlns:a16="http://schemas.microsoft.com/office/drawing/2014/main" xmlns="" id="{6F023CF6-0A85-4867-A5CF-F75DDBC4C20A}"/>
+                <a16:creationId xmlns:a16="http://schemas.microsoft.com/office/drawing/2014/main" id="{6F023CF6-0A85-4867-A5CF-F75DDBC4C20A}"/>
               </a:ext>
             </a:extLst>
           </p:cNvPr>
@@ -24439,7 +24522,7 @@
           <p:cNvPr id="4" name="Picture Placeholder 6">
             <a:extLst>
               <a:ext uri="{FF2B5EF4-FFF2-40B4-BE49-F238E27FC236}">
-                <a16:creationId xmlns:a16="http://schemas.microsoft.com/office/drawing/2014/main" xmlns="" id="{7E138685-E3C5-48A4-8460-3BEDDDEDA6AD}"/>
+                <a16:creationId xmlns:a16="http://schemas.microsoft.com/office/drawing/2014/main" id="{7E138685-E3C5-48A4-8460-3BEDDDEDA6AD}"/>
               </a:ext>
             </a:extLst>
           </p:cNvPr>
@@ -24487,7 +24570,7 @@
           <p:cNvPr id="20" name="Rectangle 19">
             <a:extLst>
               <a:ext uri="{FF2B5EF4-FFF2-40B4-BE49-F238E27FC236}">
-                <a16:creationId xmlns:a16="http://schemas.microsoft.com/office/drawing/2014/main" xmlns="" id="{97E2F46B-C34E-40D3-9D43-BBA43EDFC924}"/>
+                <a16:creationId xmlns:a16="http://schemas.microsoft.com/office/drawing/2014/main" id="{97E2F46B-C34E-40D3-9D43-BBA43EDFC924}"/>
               </a:ext>
             </a:extLst>
           </p:cNvPr>
@@ -24539,7 +24622,7 @@
           <p:cNvPr id="6" name="Picture Placeholder 6">
             <a:extLst>
               <a:ext uri="{FF2B5EF4-FFF2-40B4-BE49-F238E27FC236}">
-                <a16:creationId xmlns:a16="http://schemas.microsoft.com/office/drawing/2014/main" xmlns="" id="{B6811C8C-D1DA-4EE5-888B-A30D6285BA5D}"/>
+                <a16:creationId xmlns:a16="http://schemas.microsoft.com/office/drawing/2014/main" id="{B6811C8C-D1DA-4EE5-888B-A30D6285BA5D}"/>
               </a:ext>
             </a:extLst>
           </p:cNvPr>
@@ -24587,7 +24670,7 @@
           <p:cNvPr id="9" name="Text Placeholder 8">
             <a:extLst>
               <a:ext uri="{FF2B5EF4-FFF2-40B4-BE49-F238E27FC236}">
-                <a16:creationId xmlns:a16="http://schemas.microsoft.com/office/drawing/2014/main" xmlns="" id="{B15B70BB-4776-4914-92C9-092579FD6EBE}"/>
+                <a16:creationId xmlns:a16="http://schemas.microsoft.com/office/drawing/2014/main" id="{B15B70BB-4776-4914-92C9-092579FD6EBE}"/>
               </a:ext>
             </a:extLst>
           </p:cNvPr>
@@ -24649,7 +24732,7 @@
           <p:cNvPr id="10" name="Text Placeholder 8">
             <a:extLst>
               <a:ext uri="{FF2B5EF4-FFF2-40B4-BE49-F238E27FC236}">
-                <a16:creationId xmlns:a16="http://schemas.microsoft.com/office/drawing/2014/main" xmlns="" id="{58899736-796A-4B23-9534-D8784DD9A238}"/>
+                <a16:creationId xmlns:a16="http://schemas.microsoft.com/office/drawing/2014/main" id="{58899736-796A-4B23-9534-D8784DD9A238}"/>
               </a:ext>
             </a:extLst>
           </p:cNvPr>
@@ -24709,7 +24792,7 @@
     </p:spTree>
     <p:extLst>
       <p:ext uri="{BB962C8B-B14F-4D97-AF65-F5344CB8AC3E}">
-        <p14:creationId xmlns:p14="http://schemas.microsoft.com/office/powerpoint/2010/main" xmlns="" val="3633710137"/>
+        <p14:creationId xmlns:p14="http://schemas.microsoft.com/office/powerpoint/2010/main" val="3633710137"/>
       </p:ext>
     </p:extLst>
   </p:cSld>
@@ -24741,7 +24824,7 @@
           <p:cNvPr id="21" name="Rectangle 20">
             <a:extLst>
               <a:ext uri="{FF2B5EF4-FFF2-40B4-BE49-F238E27FC236}">
-                <a16:creationId xmlns:a16="http://schemas.microsoft.com/office/drawing/2014/main" xmlns="" id="{6B607F24-5B01-4964-9736-E876BC347E55}"/>
+                <a16:creationId xmlns:a16="http://schemas.microsoft.com/office/drawing/2014/main" id="{6B607F24-5B01-4964-9736-E876BC347E55}"/>
               </a:ext>
             </a:extLst>
           </p:cNvPr>
@@ -24793,7 +24876,7 @@
           <p:cNvPr id="2" name="Title 1">
             <a:extLst>
               <a:ext uri="{FF2B5EF4-FFF2-40B4-BE49-F238E27FC236}">
-                <a16:creationId xmlns:a16="http://schemas.microsoft.com/office/drawing/2014/main" xmlns="" id="{BADB3C88-F13B-4B5F-920D-B4EFFAA592E5}"/>
+                <a16:creationId xmlns:a16="http://schemas.microsoft.com/office/drawing/2014/main" id="{BADB3C88-F13B-4B5F-920D-B4EFFAA592E5}"/>
               </a:ext>
             </a:extLst>
           </p:cNvPr>
@@ -24827,7 +24910,7 @@
           <p:cNvPr id="24" name="Rectangle 23">
             <a:extLst>
               <a:ext uri="{FF2B5EF4-FFF2-40B4-BE49-F238E27FC236}">
-                <a16:creationId xmlns:a16="http://schemas.microsoft.com/office/drawing/2014/main" xmlns="" id="{E2950CCA-59F9-4C47-A5BA-294E9EDCBABE}"/>
+                <a16:creationId xmlns:a16="http://schemas.microsoft.com/office/drawing/2014/main" id="{E2950CCA-59F9-4C47-A5BA-294E9EDCBABE}"/>
               </a:ext>
             </a:extLst>
           </p:cNvPr>
@@ -24879,7 +24962,7 @@
           <p:cNvPr id="22" name="Rectangle 21">
             <a:extLst>
               <a:ext uri="{FF2B5EF4-FFF2-40B4-BE49-F238E27FC236}">
-                <a16:creationId xmlns:a16="http://schemas.microsoft.com/office/drawing/2014/main" xmlns="" id="{F44232AA-36A1-4A85-8868-9D12848EB106}"/>
+                <a16:creationId xmlns:a16="http://schemas.microsoft.com/office/drawing/2014/main" id="{F44232AA-36A1-4A85-8868-9D12848EB106}"/>
               </a:ext>
             </a:extLst>
           </p:cNvPr>
@@ -24931,7 +25014,7 @@
           <p:cNvPr id="23" name="Rectangle 22">
             <a:extLst>
               <a:ext uri="{FF2B5EF4-FFF2-40B4-BE49-F238E27FC236}">
-                <a16:creationId xmlns:a16="http://schemas.microsoft.com/office/drawing/2014/main" xmlns="" id="{0B045D93-056D-486E-A634-890ECB9AF9C2}"/>
+                <a16:creationId xmlns:a16="http://schemas.microsoft.com/office/drawing/2014/main" id="{0B045D93-056D-486E-A634-890ECB9AF9C2}"/>
               </a:ext>
             </a:extLst>
           </p:cNvPr>
@@ -24983,7 +25066,7 @@
           <p:cNvPr id="28" name="Rectangle 27">
             <a:extLst>
               <a:ext uri="{FF2B5EF4-FFF2-40B4-BE49-F238E27FC236}">
-                <a16:creationId xmlns:a16="http://schemas.microsoft.com/office/drawing/2014/main" xmlns="" id="{567CD5E4-19A9-4EFD-BBF1-2B1FBC9BB9BD}"/>
+                <a16:creationId xmlns:a16="http://schemas.microsoft.com/office/drawing/2014/main" id="{567CD5E4-19A9-4EFD-BBF1-2B1FBC9BB9BD}"/>
               </a:ext>
             </a:extLst>
           </p:cNvPr>
@@ -25037,7 +25120,7 @@
           <p:cNvPr id="33" name="Rectangle 32">
             <a:extLst>
               <a:ext uri="{FF2B5EF4-FFF2-40B4-BE49-F238E27FC236}">
-                <a16:creationId xmlns:a16="http://schemas.microsoft.com/office/drawing/2014/main" xmlns="" id="{AA533582-AC3E-4F3B-9602-085EB97AD294}"/>
+                <a16:creationId xmlns:a16="http://schemas.microsoft.com/office/drawing/2014/main" id="{AA533582-AC3E-4F3B-9602-085EB97AD294}"/>
               </a:ext>
             </a:extLst>
           </p:cNvPr>
@@ -25091,7 +25174,7 @@
           <p:cNvPr id="37" name="Rectangle 36">
             <a:extLst>
               <a:ext uri="{FF2B5EF4-FFF2-40B4-BE49-F238E27FC236}">
-                <a16:creationId xmlns:a16="http://schemas.microsoft.com/office/drawing/2014/main" xmlns="" id="{CF0B1BD9-4AC2-4549-9001-383664C7F224}"/>
+                <a16:creationId xmlns:a16="http://schemas.microsoft.com/office/drawing/2014/main" id="{CF0B1BD9-4AC2-4549-9001-383664C7F224}"/>
               </a:ext>
             </a:extLst>
           </p:cNvPr>
@@ -25145,7 +25228,7 @@
           <p:cNvPr id="4" name="Isosceles Triangle 3">
             <a:extLst>
               <a:ext uri="{FF2B5EF4-FFF2-40B4-BE49-F238E27FC236}">
-                <a16:creationId xmlns:a16="http://schemas.microsoft.com/office/drawing/2014/main" xmlns="" id="{32B2DC05-AAD7-458D-B737-BE8CCA1FFA99}"/>
+                <a16:creationId xmlns:a16="http://schemas.microsoft.com/office/drawing/2014/main" id="{32B2DC05-AAD7-458D-B737-BE8CCA1FFA99}"/>
               </a:ext>
             </a:extLst>
           </p:cNvPr>
@@ -25194,7 +25277,7 @@
           <p:cNvPr id="39" name="Isosceles Triangle 38">
             <a:extLst>
               <a:ext uri="{FF2B5EF4-FFF2-40B4-BE49-F238E27FC236}">
-                <a16:creationId xmlns:a16="http://schemas.microsoft.com/office/drawing/2014/main" xmlns="" id="{E423C01B-EB10-48EF-8F1C-C2A7E1923E3E}"/>
+                <a16:creationId xmlns:a16="http://schemas.microsoft.com/office/drawing/2014/main" id="{E423C01B-EB10-48EF-8F1C-C2A7E1923E3E}"/>
               </a:ext>
             </a:extLst>
           </p:cNvPr>
@@ -25246,7 +25329,7 @@
           <p:cNvPr id="44" name="Isosceles Triangle 43">
             <a:extLst>
               <a:ext uri="{FF2B5EF4-FFF2-40B4-BE49-F238E27FC236}">
-                <a16:creationId xmlns:a16="http://schemas.microsoft.com/office/drawing/2014/main" xmlns="" id="{BB0D5D5D-BB46-489A-A006-03E52FDA0AB6}"/>
+                <a16:creationId xmlns:a16="http://schemas.microsoft.com/office/drawing/2014/main" id="{BB0D5D5D-BB46-489A-A006-03E52FDA0AB6}"/>
               </a:ext>
             </a:extLst>
           </p:cNvPr>
@@ -25298,7 +25381,7 @@
           <p:cNvPr id="45" name="Picture Placeholder 33">
             <a:extLst>
               <a:ext uri="{FF2B5EF4-FFF2-40B4-BE49-F238E27FC236}">
-                <a16:creationId xmlns:a16="http://schemas.microsoft.com/office/drawing/2014/main" xmlns="" id="{2D0DCA06-9544-45C9-BE22-EBB853AE757C}"/>
+                <a16:creationId xmlns:a16="http://schemas.microsoft.com/office/drawing/2014/main" id="{2D0DCA06-9544-45C9-BE22-EBB853AE757C}"/>
               </a:ext>
             </a:extLst>
           </p:cNvPr>
@@ -25343,7 +25426,7 @@
           <p:cNvPr id="46" name="Picture Placeholder 33">
             <a:extLst>
               <a:ext uri="{FF2B5EF4-FFF2-40B4-BE49-F238E27FC236}">
-                <a16:creationId xmlns:a16="http://schemas.microsoft.com/office/drawing/2014/main" xmlns="" id="{21403A13-F195-405D-B352-4B77969E358B}"/>
+                <a16:creationId xmlns:a16="http://schemas.microsoft.com/office/drawing/2014/main" id="{21403A13-F195-405D-B352-4B77969E358B}"/>
               </a:ext>
             </a:extLst>
           </p:cNvPr>
@@ -25388,7 +25471,7 @@
           <p:cNvPr id="47" name="Picture Placeholder 33">
             <a:extLst>
               <a:ext uri="{FF2B5EF4-FFF2-40B4-BE49-F238E27FC236}">
-                <a16:creationId xmlns:a16="http://schemas.microsoft.com/office/drawing/2014/main" xmlns="" id="{390C9BE2-4328-41D9-82FB-F6FEE7026C55}"/>
+                <a16:creationId xmlns:a16="http://schemas.microsoft.com/office/drawing/2014/main" id="{390C9BE2-4328-41D9-82FB-F6FEE7026C55}"/>
               </a:ext>
             </a:extLst>
           </p:cNvPr>
@@ -25433,7 +25516,7 @@
           <p:cNvPr id="48" name="Picture Placeholder 6">
             <a:extLst>
               <a:ext uri="{FF2B5EF4-FFF2-40B4-BE49-F238E27FC236}">
-                <a16:creationId xmlns:a16="http://schemas.microsoft.com/office/drawing/2014/main" xmlns="" id="{7E57D58E-479C-4409-8D5F-7CAC3178A771}"/>
+                <a16:creationId xmlns:a16="http://schemas.microsoft.com/office/drawing/2014/main" id="{7E57D58E-479C-4409-8D5F-7CAC3178A771}"/>
               </a:ext>
             </a:extLst>
           </p:cNvPr>
@@ -25481,7 +25564,7 @@
           <p:cNvPr id="17" name="Text Placeholder 39">
             <a:extLst>
               <a:ext uri="{FF2B5EF4-FFF2-40B4-BE49-F238E27FC236}">
-                <a16:creationId xmlns:a16="http://schemas.microsoft.com/office/drawing/2014/main" xmlns="" id="{1EE624A7-7FE4-44DC-B710-D995C25C9CEA}"/>
+                <a16:creationId xmlns:a16="http://schemas.microsoft.com/office/drawing/2014/main" id="{1EE624A7-7FE4-44DC-B710-D995C25C9CEA}"/>
               </a:ext>
             </a:extLst>
           </p:cNvPr>
@@ -25558,7 +25641,7 @@
           <p:cNvPr id="18" name="Text Placeholder 39">
             <a:extLst>
               <a:ext uri="{FF2B5EF4-FFF2-40B4-BE49-F238E27FC236}">
-                <a16:creationId xmlns:a16="http://schemas.microsoft.com/office/drawing/2014/main" xmlns="" id="{34CC27D1-7AB7-4922-81C5-41E9C01BAAE1}"/>
+                <a16:creationId xmlns:a16="http://schemas.microsoft.com/office/drawing/2014/main" id="{34CC27D1-7AB7-4922-81C5-41E9C01BAAE1}"/>
               </a:ext>
             </a:extLst>
           </p:cNvPr>
@@ -25635,7 +25718,7 @@
           <p:cNvPr id="19" name="Text Placeholder 39">
             <a:extLst>
               <a:ext uri="{FF2B5EF4-FFF2-40B4-BE49-F238E27FC236}">
-                <a16:creationId xmlns:a16="http://schemas.microsoft.com/office/drawing/2014/main" xmlns="" id="{03F0CFEB-33B8-47FE-BC44-44AF273543D5}"/>
+                <a16:creationId xmlns:a16="http://schemas.microsoft.com/office/drawing/2014/main" id="{03F0CFEB-33B8-47FE-BC44-44AF273543D5}"/>
               </a:ext>
             </a:extLst>
           </p:cNvPr>
@@ -25710,7 +25793,7 @@
     </p:spTree>
     <p:extLst>
       <p:ext uri="{BB962C8B-B14F-4D97-AF65-F5344CB8AC3E}">
-        <p14:creationId xmlns:p14="http://schemas.microsoft.com/office/powerpoint/2010/main" xmlns="" val="2014259182"/>
+        <p14:creationId xmlns:p14="http://schemas.microsoft.com/office/powerpoint/2010/main" val="2014259182"/>
       </p:ext>
     </p:extLst>
   </p:cSld>
@@ -25742,7 +25825,7 @@
           <p:cNvPr id="2" name="Title 1">
             <a:extLst>
               <a:ext uri="{FF2B5EF4-FFF2-40B4-BE49-F238E27FC236}">
-                <a16:creationId xmlns:a16="http://schemas.microsoft.com/office/drawing/2014/main" xmlns="" id="{BADB3C88-F13B-4B5F-920D-B4EFFAA592E5}"/>
+                <a16:creationId xmlns:a16="http://schemas.microsoft.com/office/drawing/2014/main" id="{BADB3C88-F13B-4B5F-920D-B4EFFAA592E5}"/>
               </a:ext>
             </a:extLst>
           </p:cNvPr>
@@ -25776,7 +25859,7 @@
           <p:cNvPr id="48" name="Picture Placeholder 6">
             <a:extLst>
               <a:ext uri="{FF2B5EF4-FFF2-40B4-BE49-F238E27FC236}">
-                <a16:creationId xmlns:a16="http://schemas.microsoft.com/office/drawing/2014/main" xmlns="" id="{7E57D58E-479C-4409-8D5F-7CAC3178A771}"/>
+                <a16:creationId xmlns:a16="http://schemas.microsoft.com/office/drawing/2014/main" id="{7E57D58E-479C-4409-8D5F-7CAC3178A771}"/>
               </a:ext>
             </a:extLst>
           </p:cNvPr>
@@ -25824,7 +25907,7 @@
           <p:cNvPr id="17" name="Slide Number Placeholder 4">
             <a:extLst>
               <a:ext uri="{FF2B5EF4-FFF2-40B4-BE49-F238E27FC236}">
-                <a16:creationId xmlns:a16="http://schemas.microsoft.com/office/drawing/2014/main" xmlns="" id="{76336E3A-55EE-4423-B1AA-7489CA988813}"/>
+                <a16:creationId xmlns:a16="http://schemas.microsoft.com/office/drawing/2014/main" id="{76336E3A-55EE-4423-B1AA-7489CA988813}"/>
               </a:ext>
             </a:extLst>
           </p:cNvPr>
@@ -25859,7 +25942,7 @@
           <p:cNvPr id="20" name="Picture Placeholder 33">
             <a:extLst>
               <a:ext uri="{FF2B5EF4-FFF2-40B4-BE49-F238E27FC236}">
-                <a16:creationId xmlns:a16="http://schemas.microsoft.com/office/drawing/2014/main" xmlns="" id="{917F3183-F8DC-409E-BDAF-E3190E5CC10A}"/>
+                <a16:creationId xmlns:a16="http://schemas.microsoft.com/office/drawing/2014/main" id="{917F3183-F8DC-409E-BDAF-E3190E5CC10A}"/>
               </a:ext>
             </a:extLst>
           </p:cNvPr>
@@ -25904,7 +25987,7 @@
           <p:cNvPr id="25" name="Picture Placeholder 33">
             <a:extLst>
               <a:ext uri="{FF2B5EF4-FFF2-40B4-BE49-F238E27FC236}">
-                <a16:creationId xmlns:a16="http://schemas.microsoft.com/office/drawing/2014/main" xmlns="" id="{8DCF90EE-8A0F-46BB-A8EC-27CB7826EB0D}"/>
+                <a16:creationId xmlns:a16="http://schemas.microsoft.com/office/drawing/2014/main" id="{8DCF90EE-8A0F-46BB-A8EC-27CB7826EB0D}"/>
               </a:ext>
             </a:extLst>
           </p:cNvPr>
@@ -25949,7 +26032,7 @@
           <p:cNvPr id="26" name="Picture Placeholder 33">
             <a:extLst>
               <a:ext uri="{FF2B5EF4-FFF2-40B4-BE49-F238E27FC236}">
-                <a16:creationId xmlns:a16="http://schemas.microsoft.com/office/drawing/2014/main" xmlns="" id="{4B6BCE84-A7A7-4701-966F-9F969C523C51}"/>
+                <a16:creationId xmlns:a16="http://schemas.microsoft.com/office/drawing/2014/main" id="{4B6BCE84-A7A7-4701-966F-9F969C523C51}"/>
               </a:ext>
             </a:extLst>
           </p:cNvPr>
@@ -25994,7 +26077,7 @@
           <p:cNvPr id="27" name="Picture Placeholder 33">
             <a:extLst>
               <a:ext uri="{FF2B5EF4-FFF2-40B4-BE49-F238E27FC236}">
-                <a16:creationId xmlns:a16="http://schemas.microsoft.com/office/drawing/2014/main" xmlns="" id="{2F810615-16AA-4D3F-93BB-1074BABE1234}"/>
+                <a16:creationId xmlns:a16="http://schemas.microsoft.com/office/drawing/2014/main" id="{2F810615-16AA-4D3F-93BB-1074BABE1234}"/>
               </a:ext>
             </a:extLst>
           </p:cNvPr>
@@ -26039,7 +26122,7 @@
           <p:cNvPr id="32" name="Rectangle 31">
             <a:extLst>
               <a:ext uri="{FF2B5EF4-FFF2-40B4-BE49-F238E27FC236}">
-                <a16:creationId xmlns:a16="http://schemas.microsoft.com/office/drawing/2014/main" xmlns="" id="{E9E999B4-BC91-4EF5-915C-59E58E141134}"/>
+                <a16:creationId xmlns:a16="http://schemas.microsoft.com/office/drawing/2014/main" id="{E9E999B4-BC91-4EF5-915C-59E58E141134}"/>
               </a:ext>
             </a:extLst>
           </p:cNvPr>
@@ -26091,7 +26174,7 @@
           <p:cNvPr id="34" name="Rectangle 33">
             <a:extLst>
               <a:ext uri="{FF2B5EF4-FFF2-40B4-BE49-F238E27FC236}">
-                <a16:creationId xmlns:a16="http://schemas.microsoft.com/office/drawing/2014/main" xmlns="" id="{8E3D72D1-545E-4FA9-B18F-DBE257DA9472}"/>
+                <a16:creationId xmlns:a16="http://schemas.microsoft.com/office/drawing/2014/main" id="{8E3D72D1-545E-4FA9-B18F-DBE257DA9472}"/>
               </a:ext>
             </a:extLst>
           </p:cNvPr>
@@ -26143,7 +26226,7 @@
           <p:cNvPr id="35" name="Rectangle 34">
             <a:extLst>
               <a:ext uri="{FF2B5EF4-FFF2-40B4-BE49-F238E27FC236}">
-                <a16:creationId xmlns:a16="http://schemas.microsoft.com/office/drawing/2014/main" xmlns="" id="{A1FF2C74-7F94-4D15-9530-4844CA0ABABA}"/>
+                <a16:creationId xmlns:a16="http://schemas.microsoft.com/office/drawing/2014/main" id="{A1FF2C74-7F94-4D15-9530-4844CA0ABABA}"/>
               </a:ext>
             </a:extLst>
           </p:cNvPr>
@@ -26195,7 +26278,7 @@
           <p:cNvPr id="36" name="Rectangle 35">
             <a:extLst>
               <a:ext uri="{FF2B5EF4-FFF2-40B4-BE49-F238E27FC236}">
-                <a16:creationId xmlns:a16="http://schemas.microsoft.com/office/drawing/2014/main" xmlns="" id="{D65048BF-5755-467D-94DA-799CD1A9ED70}"/>
+                <a16:creationId xmlns:a16="http://schemas.microsoft.com/office/drawing/2014/main" id="{D65048BF-5755-467D-94DA-799CD1A9ED70}"/>
               </a:ext>
             </a:extLst>
           </p:cNvPr>
@@ -26247,7 +26330,7 @@
           <p:cNvPr id="38" name="Text Placeholder 39">
             <a:extLst>
               <a:ext uri="{FF2B5EF4-FFF2-40B4-BE49-F238E27FC236}">
-                <a16:creationId xmlns:a16="http://schemas.microsoft.com/office/drawing/2014/main" xmlns="" id="{3C8488B4-AC1B-43A6-A416-3F5BC72456F9}"/>
+                <a16:creationId xmlns:a16="http://schemas.microsoft.com/office/drawing/2014/main" id="{3C8488B4-AC1B-43A6-A416-3F5BC72456F9}"/>
               </a:ext>
             </a:extLst>
           </p:cNvPr>
@@ -26324,7 +26407,7 @@
           <p:cNvPr id="40" name="Text Placeholder 39">
             <a:extLst>
               <a:ext uri="{FF2B5EF4-FFF2-40B4-BE49-F238E27FC236}">
-                <a16:creationId xmlns:a16="http://schemas.microsoft.com/office/drawing/2014/main" xmlns="" id="{950DB978-3832-472D-9958-42D6A712EA6B}"/>
+                <a16:creationId xmlns:a16="http://schemas.microsoft.com/office/drawing/2014/main" id="{950DB978-3832-472D-9958-42D6A712EA6B}"/>
               </a:ext>
             </a:extLst>
           </p:cNvPr>
@@ -26401,7 +26484,7 @@
           <p:cNvPr id="41" name="Text Placeholder 39">
             <a:extLst>
               <a:ext uri="{FF2B5EF4-FFF2-40B4-BE49-F238E27FC236}">
-                <a16:creationId xmlns:a16="http://schemas.microsoft.com/office/drawing/2014/main" xmlns="" id="{7A9C8821-D3DD-40C3-83BD-38D190405711}"/>
+                <a16:creationId xmlns:a16="http://schemas.microsoft.com/office/drawing/2014/main" id="{7A9C8821-D3DD-40C3-83BD-38D190405711}"/>
               </a:ext>
             </a:extLst>
           </p:cNvPr>
@@ -26478,7 +26561,7 @@
           <p:cNvPr id="42" name="Text Placeholder 39">
             <a:extLst>
               <a:ext uri="{FF2B5EF4-FFF2-40B4-BE49-F238E27FC236}">
-                <a16:creationId xmlns:a16="http://schemas.microsoft.com/office/drawing/2014/main" xmlns="" id="{C3FC554A-BF67-40BD-BD4F-B2EA17BBDBC1}"/>
+                <a16:creationId xmlns:a16="http://schemas.microsoft.com/office/drawing/2014/main" id="{C3FC554A-BF67-40BD-BD4F-B2EA17BBDBC1}"/>
               </a:ext>
             </a:extLst>
           </p:cNvPr>
@@ -26555,7 +26638,7 @@
           <p:cNvPr id="6" name="Straight Connector 5">
             <a:extLst>
               <a:ext uri="{FF2B5EF4-FFF2-40B4-BE49-F238E27FC236}">
-                <a16:creationId xmlns:a16="http://schemas.microsoft.com/office/drawing/2014/main" xmlns="" id="{62ECF54D-C7AE-4FFE-A9FA-ECD663CD2A09}"/>
+                <a16:creationId xmlns:a16="http://schemas.microsoft.com/office/drawing/2014/main" id="{62ECF54D-C7AE-4FFE-A9FA-ECD663CD2A09}"/>
               </a:ext>
             </a:extLst>
           </p:cNvPr>
@@ -26598,7 +26681,7 @@
           <p:cNvPr id="29" name="Straight Connector 28">
             <a:extLst>
               <a:ext uri="{FF2B5EF4-FFF2-40B4-BE49-F238E27FC236}">
-                <a16:creationId xmlns:a16="http://schemas.microsoft.com/office/drawing/2014/main" xmlns="" id="{7FB84BED-8481-4D23-AE06-31529215FE6C}"/>
+                <a16:creationId xmlns:a16="http://schemas.microsoft.com/office/drawing/2014/main" id="{7FB84BED-8481-4D23-AE06-31529215FE6C}"/>
               </a:ext>
             </a:extLst>
           </p:cNvPr>
@@ -26641,7 +26724,7 @@
           <p:cNvPr id="30" name="Straight Connector 29">
             <a:extLst>
               <a:ext uri="{FF2B5EF4-FFF2-40B4-BE49-F238E27FC236}">
-                <a16:creationId xmlns:a16="http://schemas.microsoft.com/office/drawing/2014/main" xmlns="" id="{4A09D405-9228-4697-A91F-4E5A2B5B6512}"/>
+                <a16:creationId xmlns:a16="http://schemas.microsoft.com/office/drawing/2014/main" id="{4A09D405-9228-4697-A91F-4E5A2B5B6512}"/>
               </a:ext>
             </a:extLst>
           </p:cNvPr>
@@ -26684,7 +26767,7 @@
           <p:cNvPr id="31" name="Straight Connector 30">
             <a:extLst>
               <a:ext uri="{FF2B5EF4-FFF2-40B4-BE49-F238E27FC236}">
-                <a16:creationId xmlns:a16="http://schemas.microsoft.com/office/drawing/2014/main" xmlns="" id="{9645748A-37E1-4661-B50F-D1FCAF7F3088}"/>
+                <a16:creationId xmlns:a16="http://schemas.microsoft.com/office/drawing/2014/main" id="{9645748A-37E1-4661-B50F-D1FCAF7F3088}"/>
               </a:ext>
             </a:extLst>
           </p:cNvPr>
@@ -26725,7 +26808,7 @@
     </p:spTree>
     <p:extLst>
       <p:ext uri="{BB962C8B-B14F-4D97-AF65-F5344CB8AC3E}">
-        <p14:creationId xmlns:p14="http://schemas.microsoft.com/office/powerpoint/2010/main" xmlns="" val="2230872149"/>
+        <p14:creationId xmlns:p14="http://schemas.microsoft.com/office/powerpoint/2010/main" val="2230872149"/>
       </p:ext>
     </p:extLst>
   </p:cSld>
@@ -26757,7 +26840,7 @@
           <p:cNvPr id="2" name="Title 1">
             <a:extLst>
               <a:ext uri="{FF2B5EF4-FFF2-40B4-BE49-F238E27FC236}">
-                <a16:creationId xmlns:a16="http://schemas.microsoft.com/office/drawing/2014/main" xmlns="" id="{BADB3C88-F13B-4B5F-920D-B4EFFAA592E5}"/>
+                <a16:creationId xmlns:a16="http://schemas.microsoft.com/office/drawing/2014/main" id="{BADB3C88-F13B-4B5F-920D-B4EFFAA592E5}"/>
               </a:ext>
             </a:extLst>
           </p:cNvPr>
@@ -26791,7 +26874,7 @@
           <p:cNvPr id="48" name="Picture Placeholder 6">
             <a:extLst>
               <a:ext uri="{FF2B5EF4-FFF2-40B4-BE49-F238E27FC236}">
-                <a16:creationId xmlns:a16="http://schemas.microsoft.com/office/drawing/2014/main" xmlns="" id="{7E57D58E-479C-4409-8D5F-7CAC3178A771}"/>
+                <a16:creationId xmlns:a16="http://schemas.microsoft.com/office/drawing/2014/main" id="{7E57D58E-479C-4409-8D5F-7CAC3178A771}"/>
               </a:ext>
             </a:extLst>
           </p:cNvPr>
@@ -26839,7 +26922,7 @@
           <p:cNvPr id="17" name="Slide Number Placeholder 4">
             <a:extLst>
               <a:ext uri="{FF2B5EF4-FFF2-40B4-BE49-F238E27FC236}">
-                <a16:creationId xmlns:a16="http://schemas.microsoft.com/office/drawing/2014/main" xmlns="" id="{76336E3A-55EE-4423-B1AA-7489CA988813}"/>
+                <a16:creationId xmlns:a16="http://schemas.microsoft.com/office/drawing/2014/main" id="{76336E3A-55EE-4423-B1AA-7489CA988813}"/>
               </a:ext>
             </a:extLst>
           </p:cNvPr>
@@ -26874,7 +26957,7 @@
           <p:cNvPr id="18" name="Rectangle 17">
             <a:extLst>
               <a:ext uri="{FF2B5EF4-FFF2-40B4-BE49-F238E27FC236}">
-                <a16:creationId xmlns:a16="http://schemas.microsoft.com/office/drawing/2014/main" xmlns="" id="{1DD2DC66-11E4-4714-A8DE-E8AC34D49655}"/>
+                <a16:creationId xmlns:a16="http://schemas.microsoft.com/office/drawing/2014/main" id="{1DD2DC66-11E4-4714-A8DE-E8AC34D49655}"/>
               </a:ext>
             </a:extLst>
           </p:cNvPr>
@@ -26926,7 +27009,7 @@
           <p:cNvPr id="5" name="Group 4">
             <a:extLst>
               <a:ext uri="{FF2B5EF4-FFF2-40B4-BE49-F238E27FC236}">
-                <a16:creationId xmlns:a16="http://schemas.microsoft.com/office/drawing/2014/main" xmlns="" id="{B6748F93-9B1D-4874-A164-A654BF7D6C8C}"/>
+                <a16:creationId xmlns:a16="http://schemas.microsoft.com/office/drawing/2014/main" id="{B6748F93-9B1D-4874-A164-A654BF7D6C8C}"/>
               </a:ext>
             </a:extLst>
           </p:cNvPr>
@@ -26946,7 +27029,7 @@
             <p:cNvPr id="4" name="Straight Connector 3">
               <a:extLst>
                 <a:ext uri="{FF2B5EF4-FFF2-40B4-BE49-F238E27FC236}">
-                  <a16:creationId xmlns:a16="http://schemas.microsoft.com/office/drawing/2014/main" xmlns="" id="{4AEF10CE-C943-4C6B-9DBF-5A0E63CDC89B}"/>
+                  <a16:creationId xmlns:a16="http://schemas.microsoft.com/office/drawing/2014/main" id="{4AEF10CE-C943-4C6B-9DBF-5A0E63CDC89B}"/>
                 </a:ext>
               </a:extLst>
             </p:cNvPr>
@@ -26987,7 +27070,7 @@
             <p:cNvPr id="21" name="Straight Connector 20">
               <a:extLst>
                 <a:ext uri="{FF2B5EF4-FFF2-40B4-BE49-F238E27FC236}">
-                  <a16:creationId xmlns:a16="http://schemas.microsoft.com/office/drawing/2014/main" xmlns="" id="{3428B198-0637-4F15-900F-6709BFE4BDEA}"/>
+                  <a16:creationId xmlns:a16="http://schemas.microsoft.com/office/drawing/2014/main" id="{3428B198-0637-4F15-900F-6709BFE4BDEA}"/>
                 </a:ext>
               </a:extLst>
             </p:cNvPr>
@@ -27028,7 +27111,7 @@
             <p:cNvPr id="22" name="Straight Connector 21">
               <a:extLst>
                 <a:ext uri="{FF2B5EF4-FFF2-40B4-BE49-F238E27FC236}">
-                  <a16:creationId xmlns:a16="http://schemas.microsoft.com/office/drawing/2014/main" xmlns="" id="{7F29A1B0-F4AB-4243-979A-50FADE3330EA}"/>
+                  <a16:creationId xmlns:a16="http://schemas.microsoft.com/office/drawing/2014/main" id="{7F29A1B0-F4AB-4243-979A-50FADE3330EA}"/>
                 </a:ext>
               </a:extLst>
             </p:cNvPr>
@@ -27070,7 +27153,7 @@
           <p:cNvPr id="24" name="Straight Connector 23">
             <a:extLst>
               <a:ext uri="{FF2B5EF4-FFF2-40B4-BE49-F238E27FC236}">
-                <a16:creationId xmlns:a16="http://schemas.microsoft.com/office/drawing/2014/main" xmlns="" id="{0C61EA57-B8EA-4589-A9DD-E25F300D5AFD}"/>
+                <a16:creationId xmlns:a16="http://schemas.microsoft.com/office/drawing/2014/main" id="{0C61EA57-B8EA-4589-A9DD-E25F300D5AFD}"/>
               </a:ext>
             </a:extLst>
           </p:cNvPr>
@@ -27111,7 +27194,7 @@
           <p:cNvPr id="28" name="Group 27">
             <a:extLst>
               <a:ext uri="{FF2B5EF4-FFF2-40B4-BE49-F238E27FC236}">
-                <a16:creationId xmlns:a16="http://schemas.microsoft.com/office/drawing/2014/main" xmlns="" id="{F894F998-0FDF-4CA2-802E-4FCFA7674171}"/>
+                <a16:creationId xmlns:a16="http://schemas.microsoft.com/office/drawing/2014/main" id="{F894F998-0FDF-4CA2-802E-4FCFA7674171}"/>
               </a:ext>
             </a:extLst>
           </p:cNvPr>
@@ -27131,7 +27214,7 @@
             <p:cNvPr id="33" name="Straight Connector 32">
               <a:extLst>
                 <a:ext uri="{FF2B5EF4-FFF2-40B4-BE49-F238E27FC236}">
-                  <a16:creationId xmlns:a16="http://schemas.microsoft.com/office/drawing/2014/main" xmlns="" id="{C1F0C0C8-87C4-49FB-B35B-E937E9D0BEC5}"/>
+                  <a16:creationId xmlns:a16="http://schemas.microsoft.com/office/drawing/2014/main" id="{C1F0C0C8-87C4-49FB-B35B-E937E9D0BEC5}"/>
                 </a:ext>
               </a:extLst>
             </p:cNvPr>
@@ -27174,7 +27257,7 @@
             <p:cNvPr id="37" name="Straight Connector 36">
               <a:extLst>
                 <a:ext uri="{FF2B5EF4-FFF2-40B4-BE49-F238E27FC236}">
-                  <a16:creationId xmlns:a16="http://schemas.microsoft.com/office/drawing/2014/main" xmlns="" id="{4857C5D3-7E33-4894-8AC3-0FD1BEB12F40}"/>
+                  <a16:creationId xmlns:a16="http://schemas.microsoft.com/office/drawing/2014/main" id="{4857C5D3-7E33-4894-8AC3-0FD1BEB12F40}"/>
                 </a:ext>
               </a:extLst>
             </p:cNvPr>
@@ -27217,7 +27300,7 @@
             <p:cNvPr id="38" name="Straight Connector 37">
               <a:extLst>
                 <a:ext uri="{FF2B5EF4-FFF2-40B4-BE49-F238E27FC236}">
-                  <a16:creationId xmlns:a16="http://schemas.microsoft.com/office/drawing/2014/main" xmlns="" id="{100BA9F8-92BF-42F0-BD46-D9B7E7422F75}"/>
+                  <a16:creationId xmlns:a16="http://schemas.microsoft.com/office/drawing/2014/main" id="{100BA9F8-92BF-42F0-BD46-D9B7E7422F75}"/>
                 </a:ext>
               </a:extLst>
             </p:cNvPr>
@@ -27261,7 +27344,7 @@
           <p:cNvPr id="39" name="Text Placeholder 39">
             <a:extLst>
               <a:ext uri="{FF2B5EF4-FFF2-40B4-BE49-F238E27FC236}">
-                <a16:creationId xmlns:a16="http://schemas.microsoft.com/office/drawing/2014/main" xmlns="" id="{9760B601-DCBC-47C8-95BE-A5DFCCBAD096}"/>
+                <a16:creationId xmlns:a16="http://schemas.microsoft.com/office/drawing/2014/main" id="{9760B601-DCBC-47C8-95BE-A5DFCCBAD096}"/>
               </a:ext>
             </a:extLst>
           </p:cNvPr>
@@ -27338,7 +27421,7 @@
           <p:cNvPr id="40" name="Text Placeholder 39">
             <a:extLst>
               <a:ext uri="{FF2B5EF4-FFF2-40B4-BE49-F238E27FC236}">
-                <a16:creationId xmlns:a16="http://schemas.microsoft.com/office/drawing/2014/main" xmlns="" id="{179CBA0C-6465-4209-AF3F-548A57F20CE8}"/>
+                <a16:creationId xmlns:a16="http://schemas.microsoft.com/office/drawing/2014/main" id="{179CBA0C-6465-4209-AF3F-548A57F20CE8}"/>
               </a:ext>
             </a:extLst>
           </p:cNvPr>
@@ -27415,7 +27498,7 @@
           <p:cNvPr id="41" name="Text Placeholder 39">
             <a:extLst>
               <a:ext uri="{FF2B5EF4-FFF2-40B4-BE49-F238E27FC236}">
-                <a16:creationId xmlns:a16="http://schemas.microsoft.com/office/drawing/2014/main" xmlns="" id="{99852211-6BD9-4B69-BBC9-F2181F272D23}"/>
+                <a16:creationId xmlns:a16="http://schemas.microsoft.com/office/drawing/2014/main" id="{99852211-6BD9-4B69-BBC9-F2181F272D23}"/>
               </a:ext>
             </a:extLst>
           </p:cNvPr>
@@ -27492,7 +27575,7 @@
           <p:cNvPr id="42" name="Text Placeholder 39">
             <a:extLst>
               <a:ext uri="{FF2B5EF4-FFF2-40B4-BE49-F238E27FC236}">
-                <a16:creationId xmlns:a16="http://schemas.microsoft.com/office/drawing/2014/main" xmlns="" id="{EEF11D65-7095-41D2-9630-E2EB44552E58}"/>
+                <a16:creationId xmlns:a16="http://schemas.microsoft.com/office/drawing/2014/main" id="{EEF11D65-7095-41D2-9630-E2EB44552E58}"/>
               </a:ext>
             </a:extLst>
           </p:cNvPr>
@@ -27569,7 +27652,7 @@
           <p:cNvPr id="43" name="Picture Placeholder 33">
             <a:extLst>
               <a:ext uri="{FF2B5EF4-FFF2-40B4-BE49-F238E27FC236}">
-                <a16:creationId xmlns:a16="http://schemas.microsoft.com/office/drawing/2014/main" xmlns="" id="{1644FD94-AD03-4C4F-A1A5-085DD8F56646}"/>
+                <a16:creationId xmlns:a16="http://schemas.microsoft.com/office/drawing/2014/main" id="{1644FD94-AD03-4C4F-A1A5-085DD8F56646}"/>
               </a:ext>
             </a:extLst>
           </p:cNvPr>
@@ -27614,7 +27697,7 @@
           <p:cNvPr id="44" name="Picture Placeholder 33">
             <a:extLst>
               <a:ext uri="{FF2B5EF4-FFF2-40B4-BE49-F238E27FC236}">
-                <a16:creationId xmlns:a16="http://schemas.microsoft.com/office/drawing/2014/main" xmlns="" id="{9A1BE0BE-1FFD-445C-B6BA-E4A602D22112}"/>
+                <a16:creationId xmlns:a16="http://schemas.microsoft.com/office/drawing/2014/main" id="{9A1BE0BE-1FFD-445C-B6BA-E4A602D22112}"/>
               </a:ext>
             </a:extLst>
           </p:cNvPr>
@@ -27659,7 +27742,7 @@
           <p:cNvPr id="45" name="Picture Placeholder 33">
             <a:extLst>
               <a:ext uri="{FF2B5EF4-FFF2-40B4-BE49-F238E27FC236}">
-                <a16:creationId xmlns:a16="http://schemas.microsoft.com/office/drawing/2014/main" xmlns="" id="{B577AF17-6C7E-48B9-B267-0874B232A710}"/>
+                <a16:creationId xmlns:a16="http://schemas.microsoft.com/office/drawing/2014/main" id="{B577AF17-6C7E-48B9-B267-0874B232A710}"/>
               </a:ext>
             </a:extLst>
           </p:cNvPr>
@@ -27704,7 +27787,7 @@
           <p:cNvPr id="46" name="Picture Placeholder 33">
             <a:extLst>
               <a:ext uri="{FF2B5EF4-FFF2-40B4-BE49-F238E27FC236}">
-                <a16:creationId xmlns:a16="http://schemas.microsoft.com/office/drawing/2014/main" xmlns="" id="{98A01AB1-3434-46C7-B1B3-90AFD4B1799F}"/>
+                <a16:creationId xmlns:a16="http://schemas.microsoft.com/office/drawing/2014/main" id="{98A01AB1-3434-46C7-B1B3-90AFD4B1799F}"/>
               </a:ext>
             </a:extLst>
           </p:cNvPr>
@@ -27747,7 +27830,7 @@
     </p:spTree>
     <p:extLst>
       <p:ext uri="{BB962C8B-B14F-4D97-AF65-F5344CB8AC3E}">
-        <p14:creationId xmlns:p14="http://schemas.microsoft.com/office/powerpoint/2010/main" xmlns="" val="2728092510"/>
+        <p14:creationId xmlns:p14="http://schemas.microsoft.com/office/powerpoint/2010/main" val="2728092510"/>
       </p:ext>
     </p:extLst>
   </p:cSld>
@@ -27779,7 +27862,7 @@
           <p:cNvPr id="2" name="Title 1">
             <a:extLst>
               <a:ext uri="{FF2B5EF4-FFF2-40B4-BE49-F238E27FC236}">
-                <a16:creationId xmlns:a16="http://schemas.microsoft.com/office/drawing/2014/main" xmlns="" id="{BADB3C88-F13B-4B5F-920D-B4EFFAA592E5}"/>
+                <a16:creationId xmlns:a16="http://schemas.microsoft.com/office/drawing/2014/main" id="{BADB3C88-F13B-4B5F-920D-B4EFFAA592E5}"/>
               </a:ext>
             </a:extLst>
           </p:cNvPr>
@@ -27813,7 +27896,7 @@
           <p:cNvPr id="17" name="Slide Number Placeholder 4">
             <a:extLst>
               <a:ext uri="{FF2B5EF4-FFF2-40B4-BE49-F238E27FC236}">
-                <a16:creationId xmlns:a16="http://schemas.microsoft.com/office/drawing/2014/main" xmlns="" id="{76336E3A-55EE-4423-B1AA-7489CA988813}"/>
+                <a16:creationId xmlns:a16="http://schemas.microsoft.com/office/drawing/2014/main" id="{76336E3A-55EE-4423-B1AA-7489CA988813}"/>
               </a:ext>
             </a:extLst>
           </p:cNvPr>
@@ -27848,7 +27931,7 @@
           <p:cNvPr id="24" name="Straight Connector 23">
             <a:extLst>
               <a:ext uri="{FF2B5EF4-FFF2-40B4-BE49-F238E27FC236}">
-                <a16:creationId xmlns:a16="http://schemas.microsoft.com/office/drawing/2014/main" xmlns="" id="{0C61EA57-B8EA-4589-A9DD-E25F300D5AFD}"/>
+                <a16:creationId xmlns:a16="http://schemas.microsoft.com/office/drawing/2014/main" id="{0C61EA57-B8EA-4589-A9DD-E25F300D5AFD}"/>
               </a:ext>
             </a:extLst>
           </p:cNvPr>
@@ -27889,7 +27972,7 @@
           <p:cNvPr id="18" name="Rectangle 17">
             <a:extLst>
               <a:ext uri="{FF2B5EF4-FFF2-40B4-BE49-F238E27FC236}">
-                <a16:creationId xmlns:a16="http://schemas.microsoft.com/office/drawing/2014/main" xmlns="" id="{1DD2DC66-11E4-4714-A8DE-E8AC34D49655}"/>
+                <a16:creationId xmlns:a16="http://schemas.microsoft.com/office/drawing/2014/main" id="{1DD2DC66-11E4-4714-A8DE-E8AC34D49655}"/>
               </a:ext>
             </a:extLst>
           </p:cNvPr>
@@ -27941,7 +28024,7 @@
           <p:cNvPr id="23" name="Rectangle 22">
             <a:extLst>
               <a:ext uri="{FF2B5EF4-FFF2-40B4-BE49-F238E27FC236}">
-                <a16:creationId xmlns:a16="http://schemas.microsoft.com/office/drawing/2014/main" xmlns="" id="{EAF541B1-4F4B-40BC-BF0B-B80864399D0C}"/>
+                <a16:creationId xmlns:a16="http://schemas.microsoft.com/office/drawing/2014/main" id="{EAF541B1-4F4B-40BC-BF0B-B80864399D0C}"/>
               </a:ext>
             </a:extLst>
           </p:cNvPr>
@@ -27993,7 +28076,7 @@
           <p:cNvPr id="26" name="Rectangle 25">
             <a:extLst>
               <a:ext uri="{FF2B5EF4-FFF2-40B4-BE49-F238E27FC236}">
-                <a16:creationId xmlns:a16="http://schemas.microsoft.com/office/drawing/2014/main" xmlns="" id="{DB837A4A-8DA3-4F45-9468-2C7DE5B35803}"/>
+                <a16:creationId xmlns:a16="http://schemas.microsoft.com/office/drawing/2014/main" id="{DB837A4A-8DA3-4F45-9468-2C7DE5B35803}"/>
               </a:ext>
             </a:extLst>
           </p:cNvPr>
@@ -28045,7 +28128,7 @@
           <p:cNvPr id="27" name="Rectangle 26">
             <a:extLst>
               <a:ext uri="{FF2B5EF4-FFF2-40B4-BE49-F238E27FC236}">
-                <a16:creationId xmlns:a16="http://schemas.microsoft.com/office/drawing/2014/main" xmlns="" id="{39CA034F-F360-4CF5-B944-C16768254C5A}"/>
+                <a16:creationId xmlns:a16="http://schemas.microsoft.com/office/drawing/2014/main" id="{39CA034F-F360-4CF5-B944-C16768254C5A}"/>
               </a:ext>
             </a:extLst>
           </p:cNvPr>
@@ -28097,7 +28180,7 @@
           <p:cNvPr id="43" name="Picture Placeholder 33">
             <a:extLst>
               <a:ext uri="{FF2B5EF4-FFF2-40B4-BE49-F238E27FC236}">
-                <a16:creationId xmlns:a16="http://schemas.microsoft.com/office/drawing/2014/main" xmlns="" id="{1644FD94-AD03-4C4F-A1A5-085DD8F56646}"/>
+                <a16:creationId xmlns:a16="http://schemas.microsoft.com/office/drawing/2014/main" id="{1644FD94-AD03-4C4F-A1A5-085DD8F56646}"/>
               </a:ext>
             </a:extLst>
           </p:cNvPr>
@@ -28142,7 +28225,7 @@
           <p:cNvPr id="32" name="Rectangle 31">
             <a:extLst>
               <a:ext uri="{FF2B5EF4-FFF2-40B4-BE49-F238E27FC236}">
-                <a16:creationId xmlns:a16="http://schemas.microsoft.com/office/drawing/2014/main" xmlns="" id="{ECA01639-D8FA-4F18-8FE5-E923F5A1BB48}"/>
+                <a16:creationId xmlns:a16="http://schemas.microsoft.com/office/drawing/2014/main" id="{ECA01639-D8FA-4F18-8FE5-E923F5A1BB48}"/>
               </a:ext>
             </a:extLst>
           </p:cNvPr>
@@ -28196,7 +28279,7 @@
           <p:cNvPr id="34" name="Rectangle 33">
             <a:extLst>
               <a:ext uri="{FF2B5EF4-FFF2-40B4-BE49-F238E27FC236}">
-                <a16:creationId xmlns:a16="http://schemas.microsoft.com/office/drawing/2014/main" xmlns="" id="{AF02D09E-3C25-405E-BF24-A884A07C224A}"/>
+                <a16:creationId xmlns:a16="http://schemas.microsoft.com/office/drawing/2014/main" id="{AF02D09E-3C25-405E-BF24-A884A07C224A}"/>
               </a:ext>
             </a:extLst>
           </p:cNvPr>
@@ -28250,7 +28333,7 @@
           <p:cNvPr id="39" name="Text Placeholder 39">
             <a:extLst>
               <a:ext uri="{FF2B5EF4-FFF2-40B4-BE49-F238E27FC236}">
-                <a16:creationId xmlns:a16="http://schemas.microsoft.com/office/drawing/2014/main" xmlns="" id="{9760B601-DCBC-47C8-95BE-A5DFCCBAD096}"/>
+                <a16:creationId xmlns:a16="http://schemas.microsoft.com/office/drawing/2014/main" id="{9760B601-DCBC-47C8-95BE-A5DFCCBAD096}"/>
               </a:ext>
             </a:extLst>
           </p:cNvPr>
@@ -28327,7 +28410,7 @@
           <p:cNvPr id="35" name="Text Placeholder 39">
             <a:extLst>
               <a:ext uri="{FF2B5EF4-FFF2-40B4-BE49-F238E27FC236}">
-                <a16:creationId xmlns:a16="http://schemas.microsoft.com/office/drawing/2014/main" xmlns="" id="{33BDF68D-A417-4526-95BD-83DC0A4FA5B1}"/>
+                <a16:creationId xmlns:a16="http://schemas.microsoft.com/office/drawing/2014/main" id="{33BDF68D-A417-4526-95BD-83DC0A4FA5B1}"/>
               </a:ext>
             </a:extLst>
           </p:cNvPr>
@@ -28404,7 +28487,7 @@
           <p:cNvPr id="36" name="Rectangle 35">
             <a:extLst>
               <a:ext uri="{FF2B5EF4-FFF2-40B4-BE49-F238E27FC236}">
-                <a16:creationId xmlns:a16="http://schemas.microsoft.com/office/drawing/2014/main" xmlns="" id="{1C6F0F84-9668-4EA8-A3F5-3AD5AED3EFDD}"/>
+                <a16:creationId xmlns:a16="http://schemas.microsoft.com/office/drawing/2014/main" id="{1C6F0F84-9668-4EA8-A3F5-3AD5AED3EFDD}"/>
               </a:ext>
             </a:extLst>
           </p:cNvPr>
@@ -28458,7 +28541,7 @@
           <p:cNvPr id="47" name="Rectangle 46">
             <a:extLst>
               <a:ext uri="{FF2B5EF4-FFF2-40B4-BE49-F238E27FC236}">
-                <a16:creationId xmlns:a16="http://schemas.microsoft.com/office/drawing/2014/main" xmlns="" id="{19CCCFCB-4EAD-47A3-8F4A-307EE022DD53}"/>
+                <a16:creationId xmlns:a16="http://schemas.microsoft.com/office/drawing/2014/main" id="{19CCCFCB-4EAD-47A3-8F4A-307EE022DD53}"/>
               </a:ext>
             </a:extLst>
           </p:cNvPr>
@@ -28512,7 +28595,7 @@
           <p:cNvPr id="49" name="Text Placeholder 39">
             <a:extLst>
               <a:ext uri="{FF2B5EF4-FFF2-40B4-BE49-F238E27FC236}">
-                <a16:creationId xmlns:a16="http://schemas.microsoft.com/office/drawing/2014/main" xmlns="" id="{058CD71F-A7E3-4F68-ADE3-4E6B1BAE3129}"/>
+                <a16:creationId xmlns:a16="http://schemas.microsoft.com/office/drawing/2014/main" id="{058CD71F-A7E3-4F68-ADE3-4E6B1BAE3129}"/>
               </a:ext>
             </a:extLst>
           </p:cNvPr>
@@ -28589,7 +28672,7 @@
           <p:cNvPr id="50" name="Text Placeholder 39">
             <a:extLst>
               <a:ext uri="{FF2B5EF4-FFF2-40B4-BE49-F238E27FC236}">
-                <a16:creationId xmlns:a16="http://schemas.microsoft.com/office/drawing/2014/main" xmlns="" id="{6EC40EC2-3775-4AF2-965D-0235107D8342}"/>
+                <a16:creationId xmlns:a16="http://schemas.microsoft.com/office/drawing/2014/main" id="{6EC40EC2-3775-4AF2-965D-0235107D8342}"/>
               </a:ext>
             </a:extLst>
           </p:cNvPr>
@@ -28666,7 +28749,7 @@
           <p:cNvPr id="51" name="Picture Placeholder 33">
             <a:extLst>
               <a:ext uri="{FF2B5EF4-FFF2-40B4-BE49-F238E27FC236}">
-                <a16:creationId xmlns:a16="http://schemas.microsoft.com/office/drawing/2014/main" xmlns="" id="{F196EA03-E36C-4E2A-A82F-8FA76EC2DBFC}"/>
+                <a16:creationId xmlns:a16="http://schemas.microsoft.com/office/drawing/2014/main" id="{F196EA03-E36C-4E2A-A82F-8FA76EC2DBFC}"/>
               </a:ext>
             </a:extLst>
           </p:cNvPr>
@@ -28711,7 +28794,7 @@
           <p:cNvPr id="52" name="Picture Placeholder 33">
             <a:extLst>
               <a:ext uri="{FF2B5EF4-FFF2-40B4-BE49-F238E27FC236}">
-                <a16:creationId xmlns:a16="http://schemas.microsoft.com/office/drawing/2014/main" xmlns="" id="{9A754FAD-4B3A-4A76-9F0D-84DA72FD822B}"/>
+                <a16:creationId xmlns:a16="http://schemas.microsoft.com/office/drawing/2014/main" id="{9A754FAD-4B3A-4A76-9F0D-84DA72FD822B}"/>
               </a:ext>
             </a:extLst>
           </p:cNvPr>
@@ -28756,7 +28839,7 @@
           <p:cNvPr id="53" name="Picture Placeholder 33">
             <a:extLst>
               <a:ext uri="{FF2B5EF4-FFF2-40B4-BE49-F238E27FC236}">
-                <a16:creationId xmlns:a16="http://schemas.microsoft.com/office/drawing/2014/main" xmlns="" id="{7A45718F-1012-47C4-BF29-7462E5C6CB90}"/>
+                <a16:creationId xmlns:a16="http://schemas.microsoft.com/office/drawing/2014/main" id="{7A45718F-1012-47C4-BF29-7462E5C6CB90}"/>
               </a:ext>
             </a:extLst>
           </p:cNvPr>
@@ -28799,7 +28882,7 @@
     </p:spTree>
     <p:extLst>
       <p:ext uri="{BB962C8B-B14F-4D97-AF65-F5344CB8AC3E}">
-        <p14:creationId xmlns:p14="http://schemas.microsoft.com/office/powerpoint/2010/main" xmlns="" val="627732245"/>
+        <p14:creationId xmlns:p14="http://schemas.microsoft.com/office/powerpoint/2010/main" val="627732245"/>
       </p:ext>
     </p:extLst>
   </p:cSld>
@@ -28831,7 +28914,7 @@
           <p:cNvPr id="23" name="Rectangle 22">
             <a:extLst>
               <a:ext uri="{FF2B5EF4-FFF2-40B4-BE49-F238E27FC236}">
-                <a16:creationId xmlns:a16="http://schemas.microsoft.com/office/drawing/2014/main" xmlns="" id="{FBB81E01-55F6-44A7-8ACB-B172EA0F9FB3}"/>
+                <a16:creationId xmlns:a16="http://schemas.microsoft.com/office/drawing/2014/main" id="{FBB81E01-55F6-44A7-8ACB-B172EA0F9FB3}"/>
               </a:ext>
             </a:extLst>
           </p:cNvPr>
@@ -28883,7 +28966,7 @@
           <p:cNvPr id="26" name="Rectangle 25">
             <a:extLst>
               <a:ext uri="{FF2B5EF4-FFF2-40B4-BE49-F238E27FC236}">
-                <a16:creationId xmlns:a16="http://schemas.microsoft.com/office/drawing/2014/main" xmlns="" id="{FAD85DF7-0BE8-4B88-98A1-F5062CDAA964}"/>
+                <a16:creationId xmlns:a16="http://schemas.microsoft.com/office/drawing/2014/main" id="{FAD85DF7-0BE8-4B88-98A1-F5062CDAA964}"/>
               </a:ext>
             </a:extLst>
           </p:cNvPr>
@@ -28935,7 +29018,7 @@
           <p:cNvPr id="27" name="Rectangle 26">
             <a:extLst>
               <a:ext uri="{FF2B5EF4-FFF2-40B4-BE49-F238E27FC236}">
-                <a16:creationId xmlns:a16="http://schemas.microsoft.com/office/drawing/2014/main" xmlns="" id="{DF69394C-95D0-4D10-A34D-A35EF27D2806}"/>
+                <a16:creationId xmlns:a16="http://schemas.microsoft.com/office/drawing/2014/main" id="{DF69394C-95D0-4D10-A34D-A35EF27D2806}"/>
               </a:ext>
             </a:extLst>
           </p:cNvPr>
@@ -28987,7 +29070,7 @@
           <p:cNvPr id="32" name="Rectangle 31">
             <a:extLst>
               <a:ext uri="{FF2B5EF4-FFF2-40B4-BE49-F238E27FC236}">
-                <a16:creationId xmlns:a16="http://schemas.microsoft.com/office/drawing/2014/main" xmlns="" id="{86DBF753-694A-4503-A33B-73C09E8EE3A5}"/>
+                <a16:creationId xmlns:a16="http://schemas.microsoft.com/office/drawing/2014/main" id="{86DBF753-694A-4503-A33B-73C09E8EE3A5}"/>
               </a:ext>
             </a:extLst>
           </p:cNvPr>
@@ -29039,7 +29122,7 @@
           <p:cNvPr id="2" name="Title 1">
             <a:extLst>
               <a:ext uri="{FF2B5EF4-FFF2-40B4-BE49-F238E27FC236}">
-                <a16:creationId xmlns:a16="http://schemas.microsoft.com/office/drawing/2014/main" xmlns="" id="{BADB3C88-F13B-4B5F-920D-B4EFFAA592E5}"/>
+                <a16:creationId xmlns:a16="http://schemas.microsoft.com/office/drawing/2014/main" id="{BADB3C88-F13B-4B5F-920D-B4EFFAA592E5}"/>
               </a:ext>
             </a:extLst>
           </p:cNvPr>
@@ -29073,7 +29156,7 @@
           <p:cNvPr id="17" name="Slide Number Placeholder 4">
             <a:extLst>
               <a:ext uri="{FF2B5EF4-FFF2-40B4-BE49-F238E27FC236}">
-                <a16:creationId xmlns:a16="http://schemas.microsoft.com/office/drawing/2014/main" xmlns="" id="{76336E3A-55EE-4423-B1AA-7489CA988813}"/>
+                <a16:creationId xmlns:a16="http://schemas.microsoft.com/office/drawing/2014/main" id="{76336E3A-55EE-4423-B1AA-7489CA988813}"/>
               </a:ext>
             </a:extLst>
           </p:cNvPr>
@@ -29108,7 +29191,7 @@
           <p:cNvPr id="24" name="Straight Connector 23">
             <a:extLst>
               <a:ext uri="{FF2B5EF4-FFF2-40B4-BE49-F238E27FC236}">
-                <a16:creationId xmlns:a16="http://schemas.microsoft.com/office/drawing/2014/main" xmlns="" id="{0C61EA57-B8EA-4589-A9DD-E25F300D5AFD}"/>
+                <a16:creationId xmlns:a16="http://schemas.microsoft.com/office/drawing/2014/main" id="{0C61EA57-B8EA-4589-A9DD-E25F300D5AFD}"/>
               </a:ext>
             </a:extLst>
           </p:cNvPr>
@@ -29149,7 +29232,7 @@
           <p:cNvPr id="43" name="Picture Placeholder 33">
             <a:extLst>
               <a:ext uri="{FF2B5EF4-FFF2-40B4-BE49-F238E27FC236}">
-                <a16:creationId xmlns:a16="http://schemas.microsoft.com/office/drawing/2014/main" xmlns="" id="{1644FD94-AD03-4C4F-A1A5-085DD8F56646}"/>
+                <a16:creationId xmlns:a16="http://schemas.microsoft.com/office/drawing/2014/main" id="{1644FD94-AD03-4C4F-A1A5-085DD8F56646}"/>
               </a:ext>
             </a:extLst>
           </p:cNvPr>
@@ -29194,7 +29277,7 @@
           <p:cNvPr id="28" name="Picture Placeholder 33">
             <a:extLst>
               <a:ext uri="{FF2B5EF4-FFF2-40B4-BE49-F238E27FC236}">
-                <a16:creationId xmlns:a16="http://schemas.microsoft.com/office/drawing/2014/main" xmlns="" id="{85BB27A3-DB87-46F4-8CA4-3C04A088E787}"/>
+                <a16:creationId xmlns:a16="http://schemas.microsoft.com/office/drawing/2014/main" id="{85BB27A3-DB87-46F4-8CA4-3C04A088E787}"/>
               </a:ext>
             </a:extLst>
           </p:cNvPr>
@@ -29239,7 +29322,7 @@
           <p:cNvPr id="29" name="Picture Placeholder 33">
             <a:extLst>
               <a:ext uri="{FF2B5EF4-FFF2-40B4-BE49-F238E27FC236}">
-                <a16:creationId xmlns:a16="http://schemas.microsoft.com/office/drawing/2014/main" xmlns="" id="{F356E399-83ED-4937-A1CC-F591866C0E8C}"/>
+                <a16:creationId xmlns:a16="http://schemas.microsoft.com/office/drawing/2014/main" id="{F356E399-83ED-4937-A1CC-F591866C0E8C}"/>
               </a:ext>
             </a:extLst>
           </p:cNvPr>
@@ -29284,7 +29367,7 @@
           <p:cNvPr id="30" name="Picture Placeholder 33">
             <a:extLst>
               <a:ext uri="{FF2B5EF4-FFF2-40B4-BE49-F238E27FC236}">
-                <a16:creationId xmlns:a16="http://schemas.microsoft.com/office/drawing/2014/main" xmlns="" id="{0967254B-CF1D-4F0D-A7F6-EC4E117B7509}"/>
+                <a16:creationId xmlns:a16="http://schemas.microsoft.com/office/drawing/2014/main" id="{0967254B-CF1D-4F0D-A7F6-EC4E117B7509}"/>
               </a:ext>
             </a:extLst>
           </p:cNvPr>
@@ -29329,7 +29412,7 @@
           <p:cNvPr id="31" name="Text Placeholder 39">
             <a:extLst>
               <a:ext uri="{FF2B5EF4-FFF2-40B4-BE49-F238E27FC236}">
-                <a16:creationId xmlns:a16="http://schemas.microsoft.com/office/drawing/2014/main" xmlns="" id="{0CEF6C35-6F7B-43AD-9E4D-44C2F8A7DFAC}"/>
+                <a16:creationId xmlns:a16="http://schemas.microsoft.com/office/drawing/2014/main" id="{0CEF6C35-6F7B-43AD-9E4D-44C2F8A7DFAC}"/>
               </a:ext>
             </a:extLst>
           </p:cNvPr>
@@ -29407,7 +29490,7 @@
           <p:cNvPr id="33" name="Text Placeholder 39">
             <a:extLst>
               <a:ext uri="{FF2B5EF4-FFF2-40B4-BE49-F238E27FC236}">
-                <a16:creationId xmlns:a16="http://schemas.microsoft.com/office/drawing/2014/main" xmlns="" id="{44EF032C-161A-4C58-B624-66488C255E1F}"/>
+                <a16:creationId xmlns:a16="http://schemas.microsoft.com/office/drawing/2014/main" id="{44EF032C-161A-4C58-B624-66488C255E1F}"/>
               </a:ext>
             </a:extLst>
           </p:cNvPr>
@@ -29485,7 +29568,7 @@
           <p:cNvPr id="37" name="Text Placeholder 39">
             <a:extLst>
               <a:ext uri="{FF2B5EF4-FFF2-40B4-BE49-F238E27FC236}">
-                <a16:creationId xmlns:a16="http://schemas.microsoft.com/office/drawing/2014/main" xmlns="" id="{ACF86334-F4A8-4CCD-944F-524700CD8386}"/>
+                <a16:creationId xmlns:a16="http://schemas.microsoft.com/office/drawing/2014/main" id="{ACF86334-F4A8-4CCD-944F-524700CD8386}"/>
               </a:ext>
             </a:extLst>
           </p:cNvPr>
@@ -29563,7 +29646,7 @@
           <p:cNvPr id="38" name="Text Placeholder 39">
             <a:extLst>
               <a:ext uri="{FF2B5EF4-FFF2-40B4-BE49-F238E27FC236}">
-                <a16:creationId xmlns:a16="http://schemas.microsoft.com/office/drawing/2014/main" xmlns="" id="{135B4AC9-821C-4D70-8A4A-1992394DE432}"/>
+                <a16:creationId xmlns:a16="http://schemas.microsoft.com/office/drawing/2014/main" id="{135B4AC9-821C-4D70-8A4A-1992394DE432}"/>
               </a:ext>
             </a:extLst>
           </p:cNvPr>
@@ -29641,7 +29724,7 @@
           <p:cNvPr id="40" name="Text Placeholder 39">
             <a:extLst>
               <a:ext uri="{FF2B5EF4-FFF2-40B4-BE49-F238E27FC236}">
-                <a16:creationId xmlns:a16="http://schemas.microsoft.com/office/drawing/2014/main" xmlns="" id="{D2CF516C-7598-43D3-95E9-5633F8F4469B}"/>
+                <a16:creationId xmlns:a16="http://schemas.microsoft.com/office/drawing/2014/main" id="{D2CF516C-7598-43D3-95E9-5633F8F4469B}"/>
               </a:ext>
             </a:extLst>
           </p:cNvPr>
@@ -29719,7 +29802,7 @@
           <p:cNvPr id="41" name="Text Placeholder 39">
             <a:extLst>
               <a:ext uri="{FF2B5EF4-FFF2-40B4-BE49-F238E27FC236}">
-                <a16:creationId xmlns:a16="http://schemas.microsoft.com/office/drawing/2014/main" xmlns="" id="{12A6084C-5383-4EFC-8D49-33C5B61E6492}"/>
+                <a16:creationId xmlns:a16="http://schemas.microsoft.com/office/drawing/2014/main" id="{12A6084C-5383-4EFC-8D49-33C5B61E6492}"/>
               </a:ext>
             </a:extLst>
           </p:cNvPr>
@@ -29797,7 +29880,7 @@
           <p:cNvPr id="42" name="Text Placeholder 39">
             <a:extLst>
               <a:ext uri="{FF2B5EF4-FFF2-40B4-BE49-F238E27FC236}">
-                <a16:creationId xmlns:a16="http://schemas.microsoft.com/office/drawing/2014/main" xmlns="" id="{EFC5493B-D3CF-41B9-A996-7FBE932504B8}"/>
+                <a16:creationId xmlns:a16="http://schemas.microsoft.com/office/drawing/2014/main" id="{EFC5493B-D3CF-41B9-A996-7FBE932504B8}"/>
               </a:ext>
             </a:extLst>
           </p:cNvPr>
@@ -29875,7 +29958,7 @@
           <p:cNvPr id="44" name="Text Placeholder 39">
             <a:extLst>
               <a:ext uri="{FF2B5EF4-FFF2-40B4-BE49-F238E27FC236}">
-                <a16:creationId xmlns:a16="http://schemas.microsoft.com/office/drawing/2014/main" xmlns="" id="{33A98F60-C169-44C1-9654-2239C9C1F29A}"/>
+                <a16:creationId xmlns:a16="http://schemas.microsoft.com/office/drawing/2014/main" id="{33A98F60-C169-44C1-9654-2239C9C1F29A}"/>
               </a:ext>
             </a:extLst>
           </p:cNvPr>
@@ -29951,7 +30034,7 @@
     </p:spTree>
     <p:extLst>
       <p:ext uri="{BB962C8B-B14F-4D97-AF65-F5344CB8AC3E}">
-        <p14:creationId xmlns:p14="http://schemas.microsoft.com/office/powerpoint/2010/main" xmlns="" val="565382800"/>
+        <p14:creationId xmlns:p14="http://schemas.microsoft.com/office/powerpoint/2010/main" val="565382800"/>
       </p:ext>
     </p:extLst>
   </p:cSld>
@@ -29983,7 +30066,7 @@
           <p:cNvPr id="2" name="Title 1">
             <a:extLst>
               <a:ext uri="{FF2B5EF4-FFF2-40B4-BE49-F238E27FC236}">
-                <a16:creationId xmlns:a16="http://schemas.microsoft.com/office/drawing/2014/main" xmlns="" id="{BADB3C88-F13B-4B5F-920D-B4EFFAA592E5}"/>
+                <a16:creationId xmlns:a16="http://schemas.microsoft.com/office/drawing/2014/main" id="{BADB3C88-F13B-4B5F-920D-B4EFFAA592E5}"/>
               </a:ext>
             </a:extLst>
           </p:cNvPr>
@@ -30017,7 +30100,7 @@
           <p:cNvPr id="17" name="Slide Number Placeholder 4">
             <a:extLst>
               <a:ext uri="{FF2B5EF4-FFF2-40B4-BE49-F238E27FC236}">
-                <a16:creationId xmlns:a16="http://schemas.microsoft.com/office/drawing/2014/main" xmlns="" id="{76336E3A-55EE-4423-B1AA-7489CA988813}"/>
+                <a16:creationId xmlns:a16="http://schemas.microsoft.com/office/drawing/2014/main" id="{76336E3A-55EE-4423-B1AA-7489CA988813}"/>
               </a:ext>
             </a:extLst>
           </p:cNvPr>
@@ -30052,7 +30135,7 @@
           <p:cNvPr id="24" name="Straight Connector 23">
             <a:extLst>
               <a:ext uri="{FF2B5EF4-FFF2-40B4-BE49-F238E27FC236}">
-                <a16:creationId xmlns:a16="http://schemas.microsoft.com/office/drawing/2014/main" xmlns="" id="{0C61EA57-B8EA-4589-A9DD-E25F300D5AFD}"/>
+                <a16:creationId xmlns:a16="http://schemas.microsoft.com/office/drawing/2014/main" id="{0C61EA57-B8EA-4589-A9DD-E25F300D5AFD}"/>
               </a:ext>
             </a:extLst>
           </p:cNvPr>
@@ -30093,7 +30176,7 @@
           <p:cNvPr id="4" name="Chart Placeholder 3">
             <a:extLst>
               <a:ext uri="{FF2B5EF4-FFF2-40B4-BE49-F238E27FC236}">
-                <a16:creationId xmlns:a16="http://schemas.microsoft.com/office/drawing/2014/main" xmlns="" id="{56084AEC-DB39-4367-A213-BB2FE4AD38BE}"/>
+                <a16:creationId xmlns:a16="http://schemas.microsoft.com/office/drawing/2014/main" id="{56084AEC-DB39-4367-A213-BB2FE4AD38BE}"/>
               </a:ext>
             </a:extLst>
           </p:cNvPr>
@@ -30132,7 +30215,7 @@
     </p:spTree>
     <p:extLst>
       <p:ext uri="{BB962C8B-B14F-4D97-AF65-F5344CB8AC3E}">
-        <p14:creationId xmlns:p14="http://schemas.microsoft.com/office/powerpoint/2010/main" xmlns="" val="2589529795"/>
+        <p14:creationId xmlns:p14="http://schemas.microsoft.com/office/powerpoint/2010/main" val="2589529795"/>
       </p:ext>
     </p:extLst>
   </p:cSld>
@@ -30164,7 +30247,7 @@
           <p:cNvPr id="2" name="Title 1">
             <a:extLst>
               <a:ext uri="{FF2B5EF4-FFF2-40B4-BE49-F238E27FC236}">
-                <a16:creationId xmlns:a16="http://schemas.microsoft.com/office/drawing/2014/main" xmlns="" id="{BADB3C88-F13B-4B5F-920D-B4EFFAA592E5}"/>
+                <a16:creationId xmlns:a16="http://schemas.microsoft.com/office/drawing/2014/main" id="{BADB3C88-F13B-4B5F-920D-B4EFFAA592E5}"/>
               </a:ext>
             </a:extLst>
           </p:cNvPr>
@@ -30198,7 +30281,7 @@
           <p:cNvPr id="17" name="Slide Number Placeholder 4">
             <a:extLst>
               <a:ext uri="{FF2B5EF4-FFF2-40B4-BE49-F238E27FC236}">
-                <a16:creationId xmlns:a16="http://schemas.microsoft.com/office/drawing/2014/main" xmlns="" id="{76336E3A-55EE-4423-B1AA-7489CA988813}"/>
+                <a16:creationId xmlns:a16="http://schemas.microsoft.com/office/drawing/2014/main" id="{76336E3A-55EE-4423-B1AA-7489CA988813}"/>
               </a:ext>
             </a:extLst>
           </p:cNvPr>
@@ -30233,7 +30316,7 @@
           <p:cNvPr id="24" name="Straight Connector 23">
             <a:extLst>
               <a:ext uri="{FF2B5EF4-FFF2-40B4-BE49-F238E27FC236}">
-                <a16:creationId xmlns:a16="http://schemas.microsoft.com/office/drawing/2014/main" xmlns="" id="{0C61EA57-B8EA-4589-A9DD-E25F300D5AFD}"/>
+                <a16:creationId xmlns:a16="http://schemas.microsoft.com/office/drawing/2014/main" id="{0C61EA57-B8EA-4589-A9DD-E25F300D5AFD}"/>
               </a:ext>
             </a:extLst>
           </p:cNvPr>
@@ -30274,7 +30357,7 @@
           <p:cNvPr id="4" name="Chart Placeholder 3">
             <a:extLst>
               <a:ext uri="{FF2B5EF4-FFF2-40B4-BE49-F238E27FC236}">
-                <a16:creationId xmlns:a16="http://schemas.microsoft.com/office/drawing/2014/main" xmlns="" id="{56084AEC-DB39-4367-A213-BB2FE4AD38BE}"/>
+                <a16:creationId xmlns:a16="http://schemas.microsoft.com/office/drawing/2014/main" id="{56084AEC-DB39-4367-A213-BB2FE4AD38BE}"/>
               </a:ext>
             </a:extLst>
           </p:cNvPr>
@@ -30315,7 +30398,7 @@
           <p:cNvPr id="5" name="Picture Placeholder 4">
             <a:extLst>
               <a:ext uri="{FF2B5EF4-FFF2-40B4-BE49-F238E27FC236}">
-                <a16:creationId xmlns:a16="http://schemas.microsoft.com/office/drawing/2014/main" xmlns="" id="{F1D1D3DC-359F-47D3-A498-6E5DEF615BD3}"/>
+                <a16:creationId xmlns:a16="http://schemas.microsoft.com/office/drawing/2014/main" id="{F1D1D3DC-359F-47D3-A498-6E5DEF615BD3}"/>
               </a:ext>
             </a:extLst>
           </p:cNvPr>
@@ -30354,7 +30437,7 @@
     </p:spTree>
     <p:extLst>
       <p:ext uri="{BB962C8B-B14F-4D97-AF65-F5344CB8AC3E}">
-        <p14:creationId xmlns:p14="http://schemas.microsoft.com/office/powerpoint/2010/main" xmlns="" val="3840593002"/>
+        <p14:creationId xmlns:p14="http://schemas.microsoft.com/office/powerpoint/2010/main" val="3840593002"/>
       </p:ext>
     </p:extLst>
   </p:cSld>
@@ -30386,7 +30469,7 @@
           <p:cNvPr id="2" name="Title 1">
             <a:extLst>
               <a:ext uri="{FF2B5EF4-FFF2-40B4-BE49-F238E27FC236}">
-                <a16:creationId xmlns:a16="http://schemas.microsoft.com/office/drawing/2014/main" xmlns="" id="{BADB3C88-F13B-4B5F-920D-B4EFFAA592E5}"/>
+                <a16:creationId xmlns:a16="http://schemas.microsoft.com/office/drawing/2014/main" id="{BADB3C88-F13B-4B5F-920D-B4EFFAA592E5}"/>
               </a:ext>
             </a:extLst>
           </p:cNvPr>
@@ -30420,7 +30503,7 @@
           <p:cNvPr id="17" name="Slide Number Placeholder 4">
             <a:extLst>
               <a:ext uri="{FF2B5EF4-FFF2-40B4-BE49-F238E27FC236}">
-                <a16:creationId xmlns:a16="http://schemas.microsoft.com/office/drawing/2014/main" xmlns="" id="{76336E3A-55EE-4423-B1AA-7489CA988813}"/>
+                <a16:creationId xmlns:a16="http://schemas.microsoft.com/office/drawing/2014/main" id="{76336E3A-55EE-4423-B1AA-7489CA988813}"/>
               </a:ext>
             </a:extLst>
           </p:cNvPr>
@@ -30455,7 +30538,7 @@
           <p:cNvPr id="24" name="Straight Connector 23">
             <a:extLst>
               <a:ext uri="{FF2B5EF4-FFF2-40B4-BE49-F238E27FC236}">
-                <a16:creationId xmlns:a16="http://schemas.microsoft.com/office/drawing/2014/main" xmlns="" id="{0C61EA57-B8EA-4589-A9DD-E25F300D5AFD}"/>
+                <a16:creationId xmlns:a16="http://schemas.microsoft.com/office/drawing/2014/main" id="{0C61EA57-B8EA-4589-A9DD-E25F300D5AFD}"/>
               </a:ext>
             </a:extLst>
           </p:cNvPr>
@@ -30496,7 +30579,7 @@
           <p:cNvPr id="4" name="Chart Placeholder 3">
             <a:extLst>
               <a:ext uri="{FF2B5EF4-FFF2-40B4-BE49-F238E27FC236}">
-                <a16:creationId xmlns:a16="http://schemas.microsoft.com/office/drawing/2014/main" xmlns="" id="{56084AEC-DB39-4367-A213-BB2FE4AD38BE}"/>
+                <a16:creationId xmlns:a16="http://schemas.microsoft.com/office/drawing/2014/main" id="{56084AEC-DB39-4367-A213-BB2FE4AD38BE}"/>
               </a:ext>
             </a:extLst>
           </p:cNvPr>
@@ -30537,7 +30620,7 @@
           <p:cNvPr id="7" name="Chart Placeholder 3">
             <a:extLst>
               <a:ext uri="{FF2B5EF4-FFF2-40B4-BE49-F238E27FC236}">
-                <a16:creationId xmlns:a16="http://schemas.microsoft.com/office/drawing/2014/main" xmlns="" id="{6750280A-6976-42F9-B984-8601DD1972DC}"/>
+                <a16:creationId xmlns:a16="http://schemas.microsoft.com/office/drawing/2014/main" id="{6750280A-6976-42F9-B984-8601DD1972DC}"/>
               </a:ext>
             </a:extLst>
           </p:cNvPr>
@@ -30578,7 +30661,7 @@
           <p:cNvPr id="6" name="Straight Connector 5">
             <a:extLst>
               <a:ext uri="{FF2B5EF4-FFF2-40B4-BE49-F238E27FC236}">
-                <a16:creationId xmlns:a16="http://schemas.microsoft.com/office/drawing/2014/main" xmlns="" id="{5E63221D-DF23-4F80-AB42-A74C1B1CB425}"/>
+                <a16:creationId xmlns:a16="http://schemas.microsoft.com/office/drawing/2014/main" id="{5E63221D-DF23-4F80-AB42-A74C1B1CB425}"/>
               </a:ext>
             </a:extLst>
           </p:cNvPr>
@@ -30617,7 +30700,7 @@
     </p:spTree>
     <p:extLst>
       <p:ext uri="{BB962C8B-B14F-4D97-AF65-F5344CB8AC3E}">
-        <p14:creationId xmlns:p14="http://schemas.microsoft.com/office/powerpoint/2010/main" xmlns="" val="257739575"/>
+        <p14:creationId xmlns:p14="http://schemas.microsoft.com/office/powerpoint/2010/main" val="257739575"/>
       </p:ext>
     </p:extLst>
   </p:cSld>
@@ -30649,7 +30732,7 @@
           <p:cNvPr id="2" name="Title 1">
             <a:extLst>
               <a:ext uri="{FF2B5EF4-FFF2-40B4-BE49-F238E27FC236}">
-                <a16:creationId xmlns:a16="http://schemas.microsoft.com/office/drawing/2014/main" xmlns="" id="{BADB3C88-F13B-4B5F-920D-B4EFFAA592E5}"/>
+                <a16:creationId xmlns:a16="http://schemas.microsoft.com/office/drawing/2014/main" id="{BADB3C88-F13B-4B5F-920D-B4EFFAA592E5}"/>
               </a:ext>
             </a:extLst>
           </p:cNvPr>
@@ -30683,7 +30766,7 @@
           <p:cNvPr id="17" name="Slide Number Placeholder 4">
             <a:extLst>
               <a:ext uri="{FF2B5EF4-FFF2-40B4-BE49-F238E27FC236}">
-                <a16:creationId xmlns:a16="http://schemas.microsoft.com/office/drawing/2014/main" xmlns="" id="{76336E3A-55EE-4423-B1AA-7489CA988813}"/>
+                <a16:creationId xmlns:a16="http://schemas.microsoft.com/office/drawing/2014/main" id="{76336E3A-55EE-4423-B1AA-7489CA988813}"/>
               </a:ext>
             </a:extLst>
           </p:cNvPr>
@@ -30718,7 +30801,7 @@
           <p:cNvPr id="24" name="Straight Connector 23">
             <a:extLst>
               <a:ext uri="{FF2B5EF4-FFF2-40B4-BE49-F238E27FC236}">
-                <a16:creationId xmlns:a16="http://schemas.microsoft.com/office/drawing/2014/main" xmlns="" id="{0C61EA57-B8EA-4589-A9DD-E25F300D5AFD}"/>
+                <a16:creationId xmlns:a16="http://schemas.microsoft.com/office/drawing/2014/main" id="{0C61EA57-B8EA-4589-A9DD-E25F300D5AFD}"/>
               </a:ext>
             </a:extLst>
           </p:cNvPr>
@@ -30759,7 +30842,7 @@
           <p:cNvPr id="4" name="Chart Placeholder 3">
             <a:extLst>
               <a:ext uri="{FF2B5EF4-FFF2-40B4-BE49-F238E27FC236}">
-                <a16:creationId xmlns:a16="http://schemas.microsoft.com/office/drawing/2014/main" xmlns="" id="{56084AEC-DB39-4367-A213-BB2FE4AD38BE}"/>
+                <a16:creationId xmlns:a16="http://schemas.microsoft.com/office/drawing/2014/main" id="{56084AEC-DB39-4367-A213-BB2FE4AD38BE}"/>
               </a:ext>
             </a:extLst>
           </p:cNvPr>
@@ -30800,7 +30883,7 @@
           <p:cNvPr id="9" name="Chart Placeholder 3">
             <a:extLst>
               <a:ext uri="{FF2B5EF4-FFF2-40B4-BE49-F238E27FC236}">
-                <a16:creationId xmlns:a16="http://schemas.microsoft.com/office/drawing/2014/main" xmlns="" id="{3CC4F2FB-E360-40E2-BDA5-455EB243C216}"/>
+                <a16:creationId xmlns:a16="http://schemas.microsoft.com/office/drawing/2014/main" id="{3CC4F2FB-E360-40E2-BDA5-455EB243C216}"/>
               </a:ext>
             </a:extLst>
           </p:cNvPr>
@@ -30841,7 +30924,7 @@
           <p:cNvPr id="10" name="Chart Placeholder 3">
             <a:extLst>
               <a:ext uri="{FF2B5EF4-FFF2-40B4-BE49-F238E27FC236}">
-                <a16:creationId xmlns:a16="http://schemas.microsoft.com/office/drawing/2014/main" xmlns="" id="{6373EAFD-6648-4861-97FB-A3961B86C814}"/>
+                <a16:creationId xmlns:a16="http://schemas.microsoft.com/office/drawing/2014/main" id="{6373EAFD-6648-4861-97FB-A3961B86C814}"/>
               </a:ext>
             </a:extLst>
           </p:cNvPr>
@@ -30882,7 +30965,7 @@
           <p:cNvPr id="11" name="Chart Placeholder 3">
             <a:extLst>
               <a:ext uri="{FF2B5EF4-FFF2-40B4-BE49-F238E27FC236}">
-                <a16:creationId xmlns:a16="http://schemas.microsoft.com/office/drawing/2014/main" xmlns="" id="{CF0E102C-57E1-46ED-BE41-21C356F42BAD}"/>
+                <a16:creationId xmlns:a16="http://schemas.microsoft.com/office/drawing/2014/main" id="{CF0E102C-57E1-46ED-BE41-21C356F42BAD}"/>
               </a:ext>
             </a:extLst>
           </p:cNvPr>
@@ -30921,7 +31004,7 @@
     </p:spTree>
     <p:extLst>
       <p:ext uri="{BB962C8B-B14F-4D97-AF65-F5344CB8AC3E}">
-        <p14:creationId xmlns:p14="http://schemas.microsoft.com/office/powerpoint/2010/main" xmlns="" val="102084420"/>
+        <p14:creationId xmlns:p14="http://schemas.microsoft.com/office/powerpoint/2010/main" val="102084420"/>
       </p:ext>
     </p:extLst>
   </p:cSld>
@@ -30966,14 +31049,12 @@
         <p:spPr/>
         <p:txBody>
           <a:bodyPr/>
-          <a:lstStyle>
-            <a:extLst/>
-          </a:lstStyle>
+          <a:lstStyle/>
           <a:p>
             <a:fld id="{64BF4833-09CA-4F95-9AA9-D45BF689F777}" type="datetimeFigureOut">
               <a:rPr lang="en-IN" smtClean="0"/>
               <a:pPr/>
-              <a:t>11-05-2023</a:t>
+              <a:t>23-06-2023</a:t>
             </a:fld>
             <a:endParaRPr lang="en-IN"/>
           </a:p>
@@ -30992,9 +31073,7 @@
         <p:spPr/>
         <p:txBody>
           <a:bodyPr/>
-          <a:lstStyle>
-            <a:extLst/>
-          </a:lstStyle>
+          <a:lstStyle/>
           <a:p>
             <a:endParaRPr lang="en-IN"/>
           </a:p>
@@ -31013,9 +31092,7 @@
         <p:spPr/>
         <p:txBody>
           <a:bodyPr/>
-          <a:lstStyle>
-            <a:extLst/>
-          </a:lstStyle>
+          <a:lstStyle/>
           <a:p>
             <a:fld id="{03DC2DEF-D2FE-4B45-ABA4-9F153FD1C98A}" type="slidenum">
               <a:rPr lang="en-US" smtClean="0"/>
@@ -31039,15 +31116,12 @@
         <p:spPr/>
         <p:txBody>
           <a:bodyPr rtlCol="0"/>
-          <a:lstStyle>
-            <a:extLst/>
-          </a:lstStyle>
-          <a:p>
-            <a:r>
-              <a:rPr kumimoji="0" lang="en-US" smtClean="0"/>
+          <a:lstStyle/>
+          <a:p>
+            <a:r>
+              <a:rPr kumimoji="0" lang="en-US"/>
               <a:t>Click to edit Master title style</a:t>
             </a:r>
-            <a:endParaRPr kumimoji="0" lang="en-US"/>
           </a:p>
         </p:txBody>
       </p:sp>
@@ -31090,14 +31164,12 @@
         <p:spPr/>
         <p:txBody>
           <a:bodyPr/>
-          <a:lstStyle>
-            <a:extLst/>
-          </a:lstStyle>
+          <a:lstStyle/>
           <a:p>
             <a:fld id="{64BF4833-09CA-4F95-9AA9-D45BF689F777}" type="datetimeFigureOut">
               <a:rPr lang="en-IN" smtClean="0"/>
               <a:pPr/>
-              <a:t>11-05-2023</a:t>
+              <a:t>23-06-2023</a:t>
             </a:fld>
             <a:endParaRPr lang="en-IN"/>
           </a:p>
@@ -31116,9 +31188,7 @@
         <p:spPr/>
         <p:txBody>
           <a:bodyPr/>
-          <a:lstStyle>
-            <a:extLst/>
-          </a:lstStyle>
+          <a:lstStyle/>
           <a:p>
             <a:endParaRPr lang="en-IN"/>
           </a:p>
@@ -31137,9 +31207,7 @@
         <p:spPr/>
         <p:txBody>
           <a:bodyPr/>
-          <a:lstStyle>
-            <a:extLst/>
-          </a:lstStyle>
+          <a:lstStyle/>
           <a:p>
             <a:fld id="{03DC2DEF-D2FE-4B45-ABA4-9F153FD1C98A}" type="slidenum">
               <a:rPr lang="en-US" smtClean="0"/>
@@ -31218,10 +31286,9 @@
           </a:lstStyle>
           <a:p>
             <a:r>
-              <a:rPr kumimoji="0" lang="en-US" smtClean="0"/>
+              <a:rPr kumimoji="0" lang="en-US"/>
               <a:t>Click to edit Master title style</a:t>
             </a:r>
-            <a:endParaRPr kumimoji="0" lang="en-US"/>
           </a:p>
         </p:txBody>
       </p:sp>
@@ -31269,7 +31336,7 @@
           <a:p>
             <a:pPr lvl="0" eaLnBrk="1" latinLnBrk="0" hangingPunct="1"/>
             <a:r>
-              <a:rPr kumimoji="0" lang="en-US" smtClean="0"/>
+              <a:rPr kumimoji="0" lang="en-US"/>
               <a:t>Click to edit Master text styles</a:t>
             </a:r>
           </a:p>
@@ -31314,35 +31381,35 @@
           <a:p>
             <a:pPr lvl="0" eaLnBrk="1" latinLnBrk="0" hangingPunct="1"/>
             <a:r>
-              <a:rPr lang="en-US" smtClean="0"/>
+              <a:rPr lang="en-US"/>
               <a:t>Click to edit Master text styles</a:t>
             </a:r>
           </a:p>
           <a:p>
             <a:pPr lvl="1" eaLnBrk="1" latinLnBrk="0" hangingPunct="1"/>
             <a:r>
-              <a:rPr lang="en-US" smtClean="0"/>
+              <a:rPr lang="en-US"/>
               <a:t>Second level</a:t>
             </a:r>
           </a:p>
           <a:p>
             <a:pPr lvl="2" eaLnBrk="1" latinLnBrk="0" hangingPunct="1"/>
             <a:r>
-              <a:rPr lang="en-US" smtClean="0"/>
+              <a:rPr lang="en-US"/>
               <a:t>Third level</a:t>
             </a:r>
           </a:p>
           <a:p>
             <a:pPr lvl="3" eaLnBrk="1" latinLnBrk="0" hangingPunct="1"/>
             <a:r>
-              <a:rPr lang="en-US" smtClean="0"/>
+              <a:rPr lang="en-US"/>
               <a:t>Fourth level</a:t>
             </a:r>
           </a:p>
           <a:p>
             <a:pPr lvl="4" eaLnBrk="1" latinLnBrk="0" hangingPunct="1"/>
             <a:r>
-              <a:rPr lang="en-US" smtClean="0"/>
+              <a:rPr lang="en-US"/>
               <a:t>Fifth level</a:t>
             </a:r>
             <a:endParaRPr kumimoji="0" lang="en-US"/>
@@ -31367,14 +31434,12 @@
         </p:spPr>
         <p:txBody>
           <a:bodyPr/>
-          <a:lstStyle>
-            <a:extLst/>
-          </a:lstStyle>
+          <a:lstStyle/>
           <a:p>
             <a:fld id="{64BF4833-09CA-4F95-9AA9-D45BF689F777}" type="datetimeFigureOut">
               <a:rPr lang="en-IN" smtClean="0"/>
               <a:pPr/>
-              <a:t>11-05-2023</a:t>
+              <a:t>23-06-2023</a:t>
             </a:fld>
             <a:endParaRPr lang="en-IN"/>
           </a:p>
@@ -31393,9 +31458,7 @@
         <p:spPr/>
         <p:txBody>
           <a:bodyPr/>
-          <a:lstStyle>
-            <a:extLst/>
-          </a:lstStyle>
+          <a:lstStyle/>
           <a:p>
             <a:endParaRPr lang="en-IN"/>
           </a:p>
@@ -31414,9 +31477,7 @@
         <p:spPr/>
         <p:txBody>
           <a:bodyPr/>
-          <a:lstStyle>
-            <a:extLst/>
-          </a:lstStyle>
+          <a:lstStyle/>
           <a:p>
             <a:fld id="{03DC2DEF-D2FE-4B45-ABA4-9F153FD1C98A}" type="slidenum">
               <a:rPr lang="en-US" smtClean="0"/>
@@ -31498,7 +31559,7 @@
           <a:p>
             <a:pPr lvl="0" eaLnBrk="1" latinLnBrk="0" hangingPunct="1"/>
             <a:r>
-              <a:rPr kumimoji="0" lang="en-US" smtClean="0"/>
+              <a:rPr kumimoji="0" lang="en-US"/>
               <a:t>Click to edit Master text styles</a:t>
             </a:r>
           </a:p>
@@ -31547,7 +31608,7 @@
           </a:lstStyle>
           <a:p>
             <a:r>
-              <a:rPr kumimoji="0" lang="en-US" smtClean="0"/>
+              <a:rPr kumimoji="0" lang="en-US"/>
               <a:t>Click icon to add picture</a:t>
             </a:r>
             <a:endParaRPr kumimoji="0" lang="en-US" dirty="0"/>
@@ -31581,7 +31642,7 @@
             <a:fld id="{64BF4833-09CA-4F95-9AA9-D45BF689F777}" type="datetimeFigureOut">
               <a:rPr lang="en-IN" smtClean="0"/>
               <a:pPr/>
-              <a:t>11-05-2023</a:t>
+              <a:t>23-06-2023</a:t>
             </a:fld>
             <a:endParaRPr lang="en-IN"/>
           </a:p>
@@ -31694,10 +31755,9 @@
           </a:lstStyle>
           <a:p>
             <a:r>
-              <a:rPr kumimoji="0" lang="en-US" smtClean="0"/>
+              <a:rPr kumimoji="0" lang="en-US"/>
               <a:t>Click to edit Master title style</a:t>
             </a:r>
-            <a:endParaRPr kumimoji="0" lang="en-US"/>
           </a:p>
         </p:txBody>
       </p:sp>
@@ -31777,9 +31837,7 @@
         </p:spPr>
         <p:txBody>
           <a:bodyPr vert="horz" wrap="square" lIns="91440" tIns="45720" rIns="91440" bIns="45720" anchor="t" compatLnSpc="1"/>
-          <a:lstStyle>
-            <a:extLst/>
-          </a:lstStyle>
+          <a:lstStyle/>
           <a:p>
             <a:endParaRPr kumimoji="0" lang="en-US"/>
           </a:p>
@@ -31859,9 +31917,7 @@
         </p:spPr>
         <p:txBody>
           <a:bodyPr vert="horz" wrap="square" lIns="91440" tIns="45720" rIns="91440" bIns="45720" anchor="t" compatLnSpc="1"/>
-          <a:lstStyle>
-            <a:extLst/>
-          </a:lstStyle>
+          <a:lstStyle/>
           <a:p>
             <a:endParaRPr kumimoji="0" lang="en-US"/>
           </a:p>
@@ -31969,9 +32025,7 @@
         </p:style>
         <p:txBody>
           <a:bodyPr vert="horz" wrap="square" lIns="91440" tIns="45720" rIns="91440" bIns="45720" anchor="ctr" compatLnSpc="1"/>
-          <a:lstStyle>
-            <a:extLst/>
-          </a:lstStyle>
+          <a:lstStyle/>
           <a:p>
             <a:pPr algn="ctr" eaLnBrk="1" latinLnBrk="0" hangingPunct="1"/>
             <a:endParaRPr kumimoji="0" lang="en-US"/>
@@ -32102,9 +32156,7 @@
         </p:style>
         <p:txBody>
           <a:bodyPr anchor="ctr"/>
-          <a:lstStyle>
-            <a:extLst/>
-          </a:lstStyle>
+          <a:lstStyle/>
           <a:p>
             <a:pPr algn="l" eaLnBrk="1" latinLnBrk="0" hangingPunct="1"/>
             <a:endParaRPr kumimoji="0" lang="en-US"/>
@@ -32182,9 +32234,7 @@
         </p:style>
         <p:txBody>
           <a:bodyPr anchor="ctr"/>
-          <a:lstStyle>
-            <a:extLst/>
-          </a:lstStyle>
+          <a:lstStyle/>
           <a:p>
             <a:pPr algn="l" eaLnBrk="1" latinLnBrk="0" hangingPunct="1"/>
             <a:endParaRPr kumimoji="0" lang="en-US"/>
@@ -32297,9 +32347,7 @@
         </p:spPr>
         <p:txBody>
           <a:bodyPr vert="horz" wrap="square" lIns="91440" tIns="45720" rIns="91440" bIns="45720" anchor="t" compatLnSpc="1"/>
-          <a:lstStyle>
-            <a:extLst/>
-          </a:lstStyle>
+          <a:lstStyle/>
           <a:p>
             <a:endParaRPr kumimoji="0" lang="en-US"/>
           </a:p>
@@ -32379,9 +32427,7 @@
         </p:spPr>
         <p:txBody>
           <a:bodyPr vert="horz" wrap="square" lIns="91440" tIns="45720" rIns="91440" bIns="45720" anchor="t" compatLnSpc="1"/>
-          <a:lstStyle>
-            <a:extLst/>
-          </a:lstStyle>
+          <a:lstStyle/>
           <a:p>
             <a:endParaRPr kumimoji="0" lang="en-US"/>
           </a:p>
@@ -32489,9 +32535,7 @@
         </p:style>
         <p:txBody>
           <a:bodyPr vert="horz" wrap="square" lIns="91440" tIns="45720" rIns="91440" bIns="45720" anchor="ctr" compatLnSpc="1"/>
-          <a:lstStyle>
-            <a:extLst/>
-          </a:lstStyle>
+          <a:lstStyle/>
           <a:p>
             <a:pPr algn="ctr" eaLnBrk="1" latinLnBrk="0" hangingPunct="1"/>
             <a:endParaRPr kumimoji="0" lang="en-US"/>
@@ -32581,15 +32625,12 @@
               <a:bevelT w="25400" h="25400"/>
             </a:sp3d>
           </a:bodyPr>
-          <a:lstStyle>
-            <a:extLst/>
-          </a:lstStyle>
-          <a:p>
-            <a:r>
-              <a:rPr kumimoji="0" lang="en-US" smtClean="0"/>
+          <a:lstStyle/>
+          <a:p>
+            <a:r>
+              <a:rPr kumimoji="0" lang="en-US"/>
               <a:t>Click to edit Master title style</a:t>
             </a:r>
-            <a:endParaRPr kumimoji="0" lang="en-US"/>
           </a:p>
         </p:txBody>
       </p:sp>
@@ -32616,44 +32657,41 @@
           <a:bodyPr vert="horz">
             <a:normAutofit/>
           </a:bodyPr>
-          <a:lstStyle>
-            <a:extLst/>
-          </a:lstStyle>
+          <a:lstStyle/>
           <a:p>
             <a:pPr lvl="0" eaLnBrk="1" latinLnBrk="0" hangingPunct="1"/>
             <a:r>
-              <a:rPr kumimoji="0" lang="en-US" smtClean="0"/>
+              <a:rPr kumimoji="0" lang="en-US"/>
               <a:t>Click to edit Master text styles</a:t>
             </a:r>
           </a:p>
           <a:p>
             <a:pPr lvl="1" eaLnBrk="1" latinLnBrk="0" hangingPunct="1"/>
             <a:r>
-              <a:rPr kumimoji="0" lang="en-US" smtClean="0"/>
+              <a:rPr kumimoji="0" lang="en-US"/>
               <a:t>Second level</a:t>
             </a:r>
           </a:p>
           <a:p>
             <a:pPr lvl="2" eaLnBrk="1" latinLnBrk="0" hangingPunct="1"/>
             <a:r>
-              <a:rPr kumimoji="0" lang="en-US" smtClean="0"/>
+              <a:rPr kumimoji="0" lang="en-US"/>
               <a:t>Third level</a:t>
             </a:r>
           </a:p>
           <a:p>
             <a:pPr lvl="3" eaLnBrk="1" latinLnBrk="0" hangingPunct="1"/>
             <a:r>
-              <a:rPr kumimoji="0" lang="en-US" smtClean="0"/>
+              <a:rPr kumimoji="0" lang="en-US"/>
               <a:t>Fourth level</a:t>
             </a:r>
           </a:p>
           <a:p>
             <a:pPr lvl="4" eaLnBrk="1" latinLnBrk="0" hangingPunct="1"/>
             <a:r>
-              <a:rPr kumimoji="0" lang="en-US" smtClean="0"/>
+              <a:rPr kumimoji="0" lang="en-US"/>
               <a:t>Fifth level</a:t>
             </a:r>
-            <a:endParaRPr kumimoji="0" lang="en-US"/>
           </a:p>
         </p:txBody>
       </p:sp>
@@ -32692,7 +32730,7 @@
             <a:fld id="{64BF4833-09CA-4F95-9AA9-D45BF689F777}" type="datetimeFigureOut">
               <a:rPr lang="en-IN" smtClean="0"/>
               <a:pPr/>
-              <a:t>11-05-2023</a:t>
+              <a:t>23-06-2023</a:t>
             </a:fld>
             <a:endParaRPr lang="en-IN"/>
           </a:p>
@@ -32780,7 +32818,7 @@
           <p:cNvPr id="11" name="Rectangle 10">
             <a:extLst>
               <a:ext uri="{FF2B5EF4-FFF2-40B4-BE49-F238E27FC236}">
-                <a16:creationId xmlns:a16="http://schemas.microsoft.com/office/drawing/2014/main" xmlns="" id="{A3BC3459-A353-4F9B-8C87-A98FF9397256}"/>
+                <a16:creationId xmlns:a16="http://schemas.microsoft.com/office/drawing/2014/main" id="{A3BC3459-A353-4F9B-8C87-A98FF9397256}"/>
               </a:ext>
             </a:extLst>
           </p:cNvPr>
@@ -32832,7 +32870,7 @@
           <p:cNvPr id="16" name="Rectangle 15">
             <a:extLst>
               <a:ext uri="{FF2B5EF4-FFF2-40B4-BE49-F238E27FC236}">
-                <a16:creationId xmlns:a16="http://schemas.microsoft.com/office/drawing/2014/main" xmlns="" id="{EE49F491-898E-4BB1-8BB9-BEBFACF27F4E}"/>
+                <a16:creationId xmlns:a16="http://schemas.microsoft.com/office/drawing/2014/main" id="{EE49F491-898E-4BB1-8BB9-BEBFACF27F4E}"/>
               </a:ext>
             </a:extLst>
           </p:cNvPr>
@@ -33258,7 +33296,7 @@
           <p:cNvPr id="10" name="Picture Placeholder 9">
             <a:extLst>
               <a:ext uri="{FF2B5EF4-FFF2-40B4-BE49-F238E27FC236}">
-                <a16:creationId xmlns:a16="http://schemas.microsoft.com/office/drawing/2014/main" xmlns="" id="{26EBDBA8-B5EE-45FE-B1E4-9CE2C8C17EB9}"/>
+                <a16:creationId xmlns:a16="http://schemas.microsoft.com/office/drawing/2014/main" id="{26EBDBA8-B5EE-45FE-B1E4-9CE2C8C17EB9}"/>
               </a:ext>
             </a:extLst>
           </p:cNvPr>
@@ -33288,7 +33326,7 @@
           <p:cNvPr id="3" name="Title 2">
             <a:extLst>
               <a:ext uri="{FF2B5EF4-FFF2-40B4-BE49-F238E27FC236}">
-                <a16:creationId xmlns:a16="http://schemas.microsoft.com/office/drawing/2014/main" xmlns="" id="{3D71C9CD-CAE8-4AC8-936D-333769D479E5}"/>
+                <a16:creationId xmlns:a16="http://schemas.microsoft.com/office/drawing/2014/main" id="{3D71C9CD-CAE8-4AC8-936D-333769D479E5}"/>
               </a:ext>
             </a:extLst>
           </p:cNvPr>
@@ -33319,10 +33357,9 @@
               <a:rPr lang="en-US" sz="6600" dirty="0"/>
             </a:br>
             <a:r>
-              <a:rPr lang="en-US" sz="6600" dirty="0" smtClean="0"/>
+              <a:rPr lang="en-US" sz="6600" dirty="0"/>
               <a:t> </a:t>
             </a:r>
-            <a:endParaRPr lang="en-US" sz="6600" dirty="0"/>
           </a:p>
         </p:txBody>
       </p:sp>
@@ -33331,7 +33368,7 @@
           <p:cNvPr id="4" name="Subtitle 3">
             <a:extLst>
               <a:ext uri="{FF2B5EF4-FFF2-40B4-BE49-F238E27FC236}">
-                <a16:creationId xmlns:a16="http://schemas.microsoft.com/office/drawing/2014/main" xmlns="" id="{C6D24F99-E026-485A-96CD-AEC98137262A}"/>
+                <a16:creationId xmlns:a16="http://schemas.microsoft.com/office/drawing/2014/main" id="{C6D24F99-E026-485A-96CD-AEC98137262A}"/>
               </a:ext>
             </a:extLst>
           </p:cNvPr>
@@ -33355,32 +33392,20 @@
           <a:lstStyle/>
           <a:p>
             <a:r>
-              <a:rPr lang="en-US" sz="2000" b="1" dirty="0" smtClean="0"/>
-              <a:t>		     </a:t>
-            </a:r>
-            <a:r>
-              <a:rPr lang="en-US" sz="2000" b="1" dirty="0" err="1" smtClean="0"/>
-              <a:t>Shridhar</a:t>
-            </a:r>
-            <a:r>
-              <a:rPr lang="en-US" sz="2000" b="1" dirty="0" smtClean="0"/>
-              <a:t> </a:t>
-            </a:r>
-            <a:r>
-              <a:rPr lang="en-US" sz="2000" b="1" dirty="0" err="1" smtClean="0"/>
-              <a:t>H</a:t>
-            </a:r>
-            <a:r>
-              <a:rPr lang="en-US" sz="2000" b="1" smtClean="0"/>
-              <a:t>avinal</a:t>
-            </a:r>
-            <a:r>
-              <a:rPr lang="en-US" sz="2000" b="1" dirty="0" smtClean="0"/>
-              <a:t>       </a:t>
-            </a:r>
-            <a:r>
-              <a:rPr lang="en-US" sz="2000" b="1" dirty="0" smtClean="0"/>
-              <a:t>		      393CS217009</a:t>
+              <a:rPr lang="en-US" sz="2000" b="1" dirty="0"/>
+              <a:t>		</a:t>
+            </a:r>
+            <a:r>
+              <a:rPr lang="en-US" sz="2000" b="1"/>
+              <a:t>     NIKHEEL THAKKA       </a:t>
+            </a:r>
+            <a:r>
+              <a:rPr lang="en-US" sz="2000" b="1" dirty="0"/>
+              <a:t>		</a:t>
+            </a:r>
+            <a:r>
+              <a:rPr lang="en-US" sz="2000" b="1"/>
+              <a:t>      393CS20019</a:t>
             </a:r>
             <a:endParaRPr lang="en-US" sz="2000" b="1" dirty="0"/>
           </a:p>
@@ -33389,7 +33414,7 @@
     </p:spTree>
     <p:extLst>
       <p:ext uri="{BB962C8B-B14F-4D97-AF65-F5344CB8AC3E}">
-        <p14:creationId xmlns:p14="http://schemas.microsoft.com/office/powerpoint/2010/main" xmlns="" val="1495496538"/>
+        <p14:creationId xmlns:p14="http://schemas.microsoft.com/office/powerpoint/2010/main" val="1495496538"/>
       </p:ext>
     </p:extLst>
   </p:cSld>
@@ -33421,7 +33446,7 @@
           <p:cNvPr id="3" name="Slide Number Placeholder 2">
             <a:extLst>
               <a:ext uri="{FF2B5EF4-FFF2-40B4-BE49-F238E27FC236}">
-                <a16:creationId xmlns:a16="http://schemas.microsoft.com/office/drawing/2014/main" xmlns="" id="{CE84475F-A218-40AD-91D5-2A42073651D9}"/>
+                <a16:creationId xmlns:a16="http://schemas.microsoft.com/office/drawing/2014/main" id="{CE84475F-A218-40AD-91D5-2A42073651D9}"/>
               </a:ext>
             </a:extLst>
           </p:cNvPr>
@@ -33451,7 +33476,7 @@
           <p:cNvPr id="38" name="Chart 37">
             <a:extLst>
               <a:ext uri="{FF2B5EF4-FFF2-40B4-BE49-F238E27FC236}">
-                <a16:creationId xmlns:a16="http://schemas.microsoft.com/office/drawing/2014/main" xmlns="" id="{9F3D9408-1EE9-40D5-991D-8F751A00F428}"/>
+                <a16:creationId xmlns:a16="http://schemas.microsoft.com/office/drawing/2014/main" id="{9F3D9408-1EE9-40D5-991D-8F751A00F428}"/>
               </a:ext>
             </a:extLst>
           </p:cNvPr>
@@ -33459,7 +33484,7 @@
           <p:nvPr>
             <p:extLst>
               <p:ext uri="{D42A27DB-BD31-4B8C-83A1-F6EECF244321}">
-                <p14:modId xmlns:p14="http://schemas.microsoft.com/office/powerpoint/2010/main" xmlns="" val="2660243558"/>
+                <p14:modId xmlns:p14="http://schemas.microsoft.com/office/powerpoint/2010/main" val="2660243558"/>
               </p:ext>
             </p:extLst>
           </p:nvPr>
@@ -33479,7 +33504,7 @@
           <p:cNvPr id="39" name="Picture 38">
             <a:extLst>
               <a:ext uri="{FF2B5EF4-FFF2-40B4-BE49-F238E27FC236}">
-                <a16:creationId xmlns:a16="http://schemas.microsoft.com/office/drawing/2014/main" xmlns="" id="{79FDA841-FA1E-4AC0-8980-5680F4BB7661}"/>
+                <a16:creationId xmlns:a16="http://schemas.microsoft.com/office/drawing/2014/main" id="{79FDA841-FA1E-4AC0-8980-5680F4BB7661}"/>
               </a:ext>
             </a:extLst>
           </p:cNvPr>
@@ -33507,7 +33532,7 @@
     </p:spTree>
     <p:extLst>
       <p:ext uri="{BB962C8B-B14F-4D97-AF65-F5344CB8AC3E}">
-        <p14:creationId xmlns:p14="http://schemas.microsoft.com/office/powerpoint/2010/main" xmlns="" val="2971040159"/>
+        <p14:creationId xmlns:p14="http://schemas.microsoft.com/office/powerpoint/2010/main" val="2971040159"/>
       </p:ext>
     </p:extLst>
   </p:cSld>
@@ -33539,7 +33564,7 @@
           <p:cNvPr id="3" name="Slide Number Placeholder 2">
             <a:extLst>
               <a:ext uri="{FF2B5EF4-FFF2-40B4-BE49-F238E27FC236}">
-                <a16:creationId xmlns:a16="http://schemas.microsoft.com/office/drawing/2014/main" xmlns="" id="{581E71C2-3FC1-41C1-8255-33A1AC802247}"/>
+                <a16:creationId xmlns:a16="http://schemas.microsoft.com/office/drawing/2014/main" id="{581E71C2-3FC1-41C1-8255-33A1AC802247}"/>
               </a:ext>
             </a:extLst>
           </p:cNvPr>
@@ -33569,7 +33594,7 @@
           <p:cNvPr id="5" name="Chart 4">
             <a:extLst>
               <a:ext uri="{FF2B5EF4-FFF2-40B4-BE49-F238E27FC236}">
-                <a16:creationId xmlns:a16="http://schemas.microsoft.com/office/drawing/2014/main" xmlns="" id="{EBE22FB5-ED03-4382-BD6F-59A4C5CE2041}"/>
+                <a16:creationId xmlns:a16="http://schemas.microsoft.com/office/drawing/2014/main" id="{EBE22FB5-ED03-4382-BD6F-59A4C5CE2041}"/>
               </a:ext>
             </a:extLst>
           </p:cNvPr>
@@ -33577,7 +33602,7 @@
           <p:nvPr>
             <p:extLst>
               <p:ext uri="{D42A27DB-BD31-4B8C-83A1-F6EECF244321}">
-                <p14:modId xmlns:p14="http://schemas.microsoft.com/office/powerpoint/2010/main" xmlns="" val="3519709908"/>
+                <p14:modId xmlns:p14="http://schemas.microsoft.com/office/powerpoint/2010/main" val="3519709908"/>
               </p:ext>
             </p:extLst>
           </p:nvPr>
@@ -33597,7 +33622,7 @@
           <p:cNvPr id="6" name="Picture 5">
             <a:extLst>
               <a:ext uri="{FF2B5EF4-FFF2-40B4-BE49-F238E27FC236}">
-                <a16:creationId xmlns:a16="http://schemas.microsoft.com/office/drawing/2014/main" xmlns="" id="{9057EACC-E61A-4B40-90D1-63D280947548}"/>
+                <a16:creationId xmlns:a16="http://schemas.microsoft.com/office/drawing/2014/main" id="{9057EACC-E61A-4B40-90D1-63D280947548}"/>
               </a:ext>
             </a:extLst>
           </p:cNvPr>
@@ -33625,7 +33650,7 @@
     </p:spTree>
     <p:extLst>
       <p:ext uri="{BB962C8B-B14F-4D97-AF65-F5344CB8AC3E}">
-        <p14:creationId xmlns:p14="http://schemas.microsoft.com/office/powerpoint/2010/main" xmlns="" val="2900026269"/>
+        <p14:creationId xmlns:p14="http://schemas.microsoft.com/office/powerpoint/2010/main" val="2900026269"/>
       </p:ext>
     </p:extLst>
   </p:cSld>
@@ -33657,7 +33682,7 @@
           <p:cNvPr id="2" name="Slide Number Placeholder 1">
             <a:extLst>
               <a:ext uri="{FF2B5EF4-FFF2-40B4-BE49-F238E27FC236}">
-                <a16:creationId xmlns:a16="http://schemas.microsoft.com/office/drawing/2014/main" xmlns="" id="{65C3BFBB-331A-46AE-94C1-43012460D8F7}"/>
+                <a16:creationId xmlns:a16="http://schemas.microsoft.com/office/drawing/2014/main" id="{65C3BFBB-331A-46AE-94C1-43012460D8F7}"/>
               </a:ext>
             </a:extLst>
           </p:cNvPr>
@@ -33687,7 +33712,7 @@
           <p:cNvPr id="6" name="Picture 5">
             <a:extLst>
               <a:ext uri="{FF2B5EF4-FFF2-40B4-BE49-F238E27FC236}">
-                <a16:creationId xmlns:a16="http://schemas.microsoft.com/office/drawing/2014/main" xmlns="" id="{B128EBCF-0AE7-4A5A-BA21-5FA18EB38F96}"/>
+                <a16:creationId xmlns:a16="http://schemas.microsoft.com/office/drawing/2014/main" id="{B128EBCF-0AE7-4A5A-BA21-5FA18EB38F96}"/>
               </a:ext>
             </a:extLst>
           </p:cNvPr>
@@ -33717,7 +33742,7 @@
           <p:cNvPr id="7" name="Picture 6">
             <a:extLst>
               <a:ext uri="{FF2B5EF4-FFF2-40B4-BE49-F238E27FC236}">
-                <a16:creationId xmlns:a16="http://schemas.microsoft.com/office/drawing/2014/main" xmlns="" id="{48E9AB5A-FE0C-4C40-B7F4-755AFD42A007}"/>
+                <a16:creationId xmlns:a16="http://schemas.microsoft.com/office/drawing/2014/main" id="{48E9AB5A-FE0C-4C40-B7F4-755AFD42A007}"/>
               </a:ext>
             </a:extLst>
           </p:cNvPr>
@@ -33745,7 +33770,7 @@
     </p:spTree>
     <p:extLst>
       <p:ext uri="{BB962C8B-B14F-4D97-AF65-F5344CB8AC3E}">
-        <p14:creationId xmlns:p14="http://schemas.microsoft.com/office/powerpoint/2010/main" xmlns="" val="2829328913"/>
+        <p14:creationId xmlns:p14="http://schemas.microsoft.com/office/powerpoint/2010/main" val="2829328913"/>
       </p:ext>
     </p:extLst>
   </p:cSld>
@@ -33777,7 +33802,7 @@
           <p:cNvPr id="2" name="Slide Number Placeholder 1">
             <a:extLst>
               <a:ext uri="{FF2B5EF4-FFF2-40B4-BE49-F238E27FC236}">
-                <a16:creationId xmlns:a16="http://schemas.microsoft.com/office/drawing/2014/main" xmlns="" id="{EE867346-FFF8-4674-BD90-C72F031D56FA}"/>
+                <a16:creationId xmlns:a16="http://schemas.microsoft.com/office/drawing/2014/main" id="{EE867346-FFF8-4674-BD90-C72F031D56FA}"/>
               </a:ext>
             </a:extLst>
           </p:cNvPr>
@@ -33826,7 +33851,7 @@
           <a:p>
             <a:pPr algn="ctr"/>
             <a:r>
-              <a:rPr lang="en-GB" sz="8000" b="1" dirty="0" smtClean="0">
+              <a:rPr lang="en-GB" sz="8000" b="1" dirty="0">
                 <a:latin typeface="Times New Roman" pitchFamily="18" charset="0"/>
                 <a:cs typeface="Times New Roman" pitchFamily="18" charset="0"/>
               </a:rPr>
@@ -33842,7 +33867,7 @@
     </p:spTree>
     <p:extLst>
       <p:ext uri="{BB962C8B-B14F-4D97-AF65-F5344CB8AC3E}">
-        <p14:creationId xmlns:p14="http://schemas.microsoft.com/office/powerpoint/2010/main" xmlns="" val="2461629764"/>
+        <p14:creationId xmlns:p14="http://schemas.microsoft.com/office/powerpoint/2010/main" val="2461629764"/>
       </p:ext>
     </p:extLst>
   </p:cSld>
@@ -33875,7 +33900,7 @@
           <p:cNvPr id="4" name="Slide Number Placeholder 3">
             <a:extLst>
               <a:ext uri="{FF2B5EF4-FFF2-40B4-BE49-F238E27FC236}">
-                <a16:creationId xmlns:a16="http://schemas.microsoft.com/office/drawing/2014/main" xmlns="" id="{D4C183CA-19AD-485E-AEC5-FC032D453828}"/>
+                <a16:creationId xmlns:a16="http://schemas.microsoft.com/office/drawing/2014/main" id="{D4C183CA-19AD-485E-AEC5-FC032D453828}"/>
               </a:ext>
             </a:extLst>
           </p:cNvPr>
@@ -33917,7 +33942,7 @@
           <p:cNvPr id="23" name="Title 22">
             <a:extLst>
               <a:ext uri="{FF2B5EF4-FFF2-40B4-BE49-F238E27FC236}">
-                <a16:creationId xmlns:a16="http://schemas.microsoft.com/office/drawing/2014/main" xmlns="" id="{0A9F878B-3F4A-4620-9915-6DD94C576218}"/>
+                <a16:creationId xmlns:a16="http://schemas.microsoft.com/office/drawing/2014/main" id="{0A9F878B-3F4A-4620-9915-6DD94C576218}"/>
               </a:ext>
             </a:extLst>
           </p:cNvPr>
@@ -33975,7 +34000,7 @@
           <p:cNvPr id="3" name="Picture 2">
             <a:extLst>
               <a:ext uri="{FF2B5EF4-FFF2-40B4-BE49-F238E27FC236}">
-                <a16:creationId xmlns:a16="http://schemas.microsoft.com/office/drawing/2014/main" xmlns="" id="{D4E7B027-1593-4FDC-9DD3-FE6787F04365}"/>
+                <a16:creationId xmlns:a16="http://schemas.microsoft.com/office/drawing/2014/main" id="{D4E7B027-1593-4FDC-9DD3-FE6787F04365}"/>
               </a:ext>
             </a:extLst>
           </p:cNvPr>
@@ -34005,7 +34030,7 @@
           <p:cNvPr id="24" name="TextBox 23">
             <a:extLst>
               <a:ext uri="{FF2B5EF4-FFF2-40B4-BE49-F238E27FC236}">
-                <a16:creationId xmlns:a16="http://schemas.microsoft.com/office/drawing/2014/main" xmlns="" id="{6E3EC895-BB12-458C-87E8-770BF6F09B8D}"/>
+                <a16:creationId xmlns:a16="http://schemas.microsoft.com/office/drawing/2014/main" id="{6E3EC895-BB12-458C-87E8-770BF6F09B8D}"/>
               </a:ext>
             </a:extLst>
           </p:cNvPr>
@@ -34107,7 +34132,7 @@
           <p:cNvPr id="6" name="Straight Connector 5">
             <a:extLst>
               <a:ext uri="{FF2B5EF4-FFF2-40B4-BE49-F238E27FC236}">
-                <a16:creationId xmlns:a16="http://schemas.microsoft.com/office/drawing/2014/main" xmlns="" id="{D216F24A-4AA7-4D3C-9531-FA09AC2E8FC4}"/>
+                <a16:creationId xmlns:a16="http://schemas.microsoft.com/office/drawing/2014/main" id="{D216F24A-4AA7-4D3C-9531-FA09AC2E8FC4}"/>
               </a:ext>
             </a:extLst>
           </p:cNvPr>
@@ -34143,7 +34168,7 @@
     </p:spTree>
     <p:extLst>
       <p:ext uri="{BB962C8B-B14F-4D97-AF65-F5344CB8AC3E}">
-        <p14:creationId xmlns:p14="http://schemas.microsoft.com/office/powerpoint/2010/main" xmlns="" val="1300311978"/>
+        <p14:creationId xmlns:p14="http://schemas.microsoft.com/office/powerpoint/2010/main" val="1300311978"/>
       </p:ext>
     </p:extLst>
   </p:cSld>
@@ -34175,7 +34200,7 @@
           <p:cNvPr id="5" name="Title 4">
             <a:extLst>
               <a:ext uri="{FF2B5EF4-FFF2-40B4-BE49-F238E27FC236}">
-                <a16:creationId xmlns:a16="http://schemas.microsoft.com/office/drawing/2014/main" xmlns="" id="{6F3494C0-ABDD-4C4D-8C46-49B8F20CC7E9}"/>
+                <a16:creationId xmlns:a16="http://schemas.microsoft.com/office/drawing/2014/main" id="{6F3494C0-ABDD-4C4D-8C46-49B8F20CC7E9}"/>
               </a:ext>
             </a:extLst>
           </p:cNvPr>
@@ -34198,25 +34223,6 @@
           </a:bodyPr>
           <a:lstStyle/>
           <a:p>
-            <a:r>
-              <a:rPr kumimoji="0" lang="en-IN" sz="4900" b="1" i="0" u="none" strike="noStrike" kern="1200" cap="none" spc="-50" normalizeH="0" baseline="0" noProof="0" dirty="0" smtClean="0">
-                <a:ln>
-                  <a:noFill/>
-                </a:ln>
-                <a:solidFill>
-                  <a:srgbClr val="000000">
-                    <a:lumMod val="75000"/>
-                    <a:lumOff val="25000"/>
-                  </a:srgbClr>
-                </a:solidFill>
-                <a:effectLst/>
-                <a:uLnTx/>
-                <a:uFillTx/>
-                <a:latin typeface="Times New Roman" pitchFamily="18" charset="0"/>
-                <a:cs typeface="Times New Roman" pitchFamily="18" charset="0"/>
-              </a:rPr>
-              <a:t>   What </a:t>
-            </a:r>
             <a:r>
               <a:rPr kumimoji="0" lang="en-IN" sz="4900" b="1" i="0" u="none" strike="noStrike" kern="1200" cap="none" spc="-50" normalizeH="0" baseline="0" noProof="0" dirty="0">
                 <a:ln>
@@ -34234,7 +34240,7 @@
                 <a:latin typeface="Times New Roman" pitchFamily="18" charset="0"/>
                 <a:cs typeface="Times New Roman" pitchFamily="18" charset="0"/>
               </a:rPr>
-              <a:t>Techify India do?</a:t>
+              <a:t>   What Techify India do?</a:t>
             </a:r>
             <a:endParaRPr lang="en-US" b="1" dirty="0">
               <a:latin typeface="Times New Roman" pitchFamily="18" charset="0"/>
@@ -34248,7 +34254,7 @@
           <p:cNvPr id="3" name="Slide Number Placeholder 2">
             <a:extLst>
               <a:ext uri="{FF2B5EF4-FFF2-40B4-BE49-F238E27FC236}">
-                <a16:creationId xmlns:a16="http://schemas.microsoft.com/office/drawing/2014/main" xmlns="" id="{C9D622C3-EE4F-4FB9-94FB-550563528286}"/>
+                <a16:creationId xmlns:a16="http://schemas.microsoft.com/office/drawing/2014/main" id="{C9D622C3-EE4F-4FB9-94FB-550563528286}"/>
               </a:ext>
             </a:extLst>
           </p:cNvPr>
@@ -34285,7 +34291,7 @@
           <p:cNvPr id="23" name="Picture Placeholder 22">
             <a:extLst>
               <a:ext uri="{FF2B5EF4-FFF2-40B4-BE49-F238E27FC236}">
-                <a16:creationId xmlns:a16="http://schemas.microsoft.com/office/drawing/2014/main" xmlns="" id="{0A73D31B-4084-45BD-A18C-4153EFA1B81B}"/>
+                <a16:creationId xmlns:a16="http://schemas.microsoft.com/office/drawing/2014/main" id="{0A73D31B-4084-45BD-A18C-4153EFA1B81B}"/>
               </a:ext>
             </a:extLst>
           </p:cNvPr>
@@ -34310,7 +34316,7 @@
           <p:cNvPr id="25" name="Picture Placeholder 24">
             <a:extLst>
               <a:ext uri="{FF2B5EF4-FFF2-40B4-BE49-F238E27FC236}">
-                <a16:creationId xmlns:a16="http://schemas.microsoft.com/office/drawing/2014/main" xmlns="" id="{96BA4573-B347-4CDD-933E-4BAFDA2C3015}"/>
+                <a16:creationId xmlns:a16="http://schemas.microsoft.com/office/drawing/2014/main" id="{96BA4573-B347-4CDD-933E-4BAFDA2C3015}"/>
               </a:ext>
             </a:extLst>
           </p:cNvPr>
@@ -34335,7 +34341,7 @@
           <p:cNvPr id="27" name="Picture Placeholder 26">
             <a:extLst>
               <a:ext uri="{FF2B5EF4-FFF2-40B4-BE49-F238E27FC236}">
-                <a16:creationId xmlns:a16="http://schemas.microsoft.com/office/drawing/2014/main" xmlns="" id="{874A7BE1-B66F-42C4-8175-5A2952C24CD4}"/>
+                <a16:creationId xmlns:a16="http://schemas.microsoft.com/office/drawing/2014/main" id="{874A7BE1-B66F-42C4-8175-5A2952C24CD4}"/>
               </a:ext>
             </a:extLst>
           </p:cNvPr>
@@ -34358,7 +34364,7 @@
           <p:cNvPr id="35" name="Picture Placeholder 34">
             <a:extLst>
               <a:ext uri="{FF2B5EF4-FFF2-40B4-BE49-F238E27FC236}">
-                <a16:creationId xmlns:a16="http://schemas.microsoft.com/office/drawing/2014/main" xmlns="" id="{BBB34E6C-0C18-4561-B259-4CFEF7A54A48}"/>
+                <a16:creationId xmlns:a16="http://schemas.microsoft.com/office/drawing/2014/main" id="{BBB34E6C-0C18-4561-B259-4CFEF7A54A48}"/>
               </a:ext>
             </a:extLst>
           </p:cNvPr>
@@ -34381,7 +34387,7 @@
           <p:cNvPr id="2" name="Text Placeholder 1">
             <a:extLst>
               <a:ext uri="{FF2B5EF4-FFF2-40B4-BE49-F238E27FC236}">
-                <a16:creationId xmlns:a16="http://schemas.microsoft.com/office/drawing/2014/main" xmlns="" id="{AC8AD2CA-D508-4F09-80F4-12FF4658917F}"/>
+                <a16:creationId xmlns:a16="http://schemas.microsoft.com/office/drawing/2014/main" id="{AC8AD2CA-D508-4F09-80F4-12FF4658917F}"/>
               </a:ext>
             </a:extLst>
           </p:cNvPr>
@@ -34414,7 +34420,7 @@
           <p:cNvPr id="10" name="Text Placeholder 9">
             <a:extLst>
               <a:ext uri="{FF2B5EF4-FFF2-40B4-BE49-F238E27FC236}">
-                <a16:creationId xmlns:a16="http://schemas.microsoft.com/office/drawing/2014/main" xmlns="" id="{0846F302-5C33-4F94-83C0-B454A7ED57D6}"/>
+                <a16:creationId xmlns:a16="http://schemas.microsoft.com/office/drawing/2014/main" id="{0846F302-5C33-4F94-83C0-B454A7ED57D6}"/>
               </a:ext>
             </a:extLst>
           </p:cNvPr>
@@ -34447,7 +34453,7 @@
           <p:cNvPr id="12" name="Text Placeholder 11">
             <a:extLst>
               <a:ext uri="{FF2B5EF4-FFF2-40B4-BE49-F238E27FC236}">
-                <a16:creationId xmlns:a16="http://schemas.microsoft.com/office/drawing/2014/main" xmlns="" id="{78162207-766B-4DFC-B8B5-60B81643713B}"/>
+                <a16:creationId xmlns:a16="http://schemas.microsoft.com/office/drawing/2014/main" id="{78162207-766B-4DFC-B8B5-60B81643713B}"/>
               </a:ext>
             </a:extLst>
           </p:cNvPr>
@@ -34480,7 +34486,7 @@
           <p:cNvPr id="14" name="Text Placeholder 13">
             <a:extLst>
               <a:ext uri="{FF2B5EF4-FFF2-40B4-BE49-F238E27FC236}">
-                <a16:creationId xmlns:a16="http://schemas.microsoft.com/office/drawing/2014/main" xmlns="" id="{3558D145-2D12-487E-A0D6-9A70A2D60828}"/>
+                <a16:creationId xmlns:a16="http://schemas.microsoft.com/office/drawing/2014/main" id="{3558D145-2D12-487E-A0D6-9A70A2D60828}"/>
               </a:ext>
             </a:extLst>
           </p:cNvPr>
@@ -34516,7 +34522,7 @@
           <p:cNvPr id="4" name="Picture 3">
             <a:extLst>
               <a:ext uri="{FF2B5EF4-FFF2-40B4-BE49-F238E27FC236}">
-                <a16:creationId xmlns:a16="http://schemas.microsoft.com/office/drawing/2014/main" xmlns="" id="{4542D3E7-313E-4344-98EA-D67314BA8371}"/>
+                <a16:creationId xmlns:a16="http://schemas.microsoft.com/office/drawing/2014/main" id="{4542D3E7-313E-4344-98EA-D67314BA8371}"/>
               </a:ext>
             </a:extLst>
           </p:cNvPr>
@@ -34546,7 +34552,7 @@
           <p:cNvPr id="13" name="Straight Connector 12">
             <a:extLst>
               <a:ext uri="{FF2B5EF4-FFF2-40B4-BE49-F238E27FC236}">
-                <a16:creationId xmlns:a16="http://schemas.microsoft.com/office/drawing/2014/main" xmlns="" id="{91316DE3-5333-4618-AA60-8CA4865DE762}"/>
+                <a16:creationId xmlns:a16="http://schemas.microsoft.com/office/drawing/2014/main" id="{91316DE3-5333-4618-AA60-8CA4865DE762}"/>
               </a:ext>
             </a:extLst>
           </p:cNvPr>
@@ -34582,7 +34588,7 @@
     </p:spTree>
     <p:extLst>
       <p:ext uri="{BB962C8B-B14F-4D97-AF65-F5344CB8AC3E}">
-        <p14:creationId xmlns:p14="http://schemas.microsoft.com/office/powerpoint/2010/main" xmlns="" val="3462884272"/>
+        <p14:creationId xmlns:p14="http://schemas.microsoft.com/office/powerpoint/2010/main" val="3462884272"/>
       </p:ext>
     </p:extLst>
   </p:cSld>
@@ -34622,7 +34628,7 @@
           <p:cNvPr id="7" name="Slide Number Placeholder 2">
             <a:extLst>
               <a:ext uri="{FF2B5EF4-FFF2-40B4-BE49-F238E27FC236}">
-                <a16:creationId xmlns:a16="http://schemas.microsoft.com/office/drawing/2014/main" xmlns="" id="{534263F4-8325-4C55-A088-98F4AAEC6DD8}"/>
+                <a16:creationId xmlns:a16="http://schemas.microsoft.com/office/drawing/2014/main" id="{534263F4-8325-4C55-A088-98F4AAEC6DD8}"/>
               </a:ext>
             </a:extLst>
           </p:cNvPr>
@@ -34652,7 +34658,7 @@
           <p:cNvPr id="5" name="Title 4">
             <a:extLst>
               <a:ext uri="{FF2B5EF4-FFF2-40B4-BE49-F238E27FC236}">
-                <a16:creationId xmlns:a16="http://schemas.microsoft.com/office/drawing/2014/main" xmlns="" id="{89D4047B-CB70-4525-84CD-D291A6642F3F}"/>
+                <a16:creationId xmlns:a16="http://schemas.microsoft.com/office/drawing/2014/main" id="{89D4047B-CB70-4525-84CD-D291A6642F3F}"/>
               </a:ext>
             </a:extLst>
           </p:cNvPr>
@@ -34677,7 +34683,7 @@
           <a:p>
             <a:pPr algn="l"/>
             <a:r>
-              <a:rPr kumimoji="0" lang="en-GB" sz="6000" b="1" i="0" u="none" strike="noStrike" kern="1200" cap="none" spc="-150" normalizeH="0" baseline="0" noProof="0" dirty="0" smtClean="0">
+              <a:rPr kumimoji="0" lang="en-GB" sz="6000" b="1" i="0" u="none" strike="noStrike" kern="1200" cap="none" spc="-150" normalizeH="0" baseline="0" noProof="0" dirty="0">
                 <a:ln>
                   <a:noFill/>
                 </a:ln>
@@ -34701,7 +34707,7 @@
           <p:cNvPr id="6" name="Subtitle 5">
             <a:extLst>
               <a:ext uri="{FF2B5EF4-FFF2-40B4-BE49-F238E27FC236}">
-                <a16:creationId xmlns:a16="http://schemas.microsoft.com/office/drawing/2014/main" xmlns="" id="{C01C482D-8CAA-4BB0-B5AD-52A859E6E08A}"/>
+                <a16:creationId xmlns:a16="http://schemas.microsoft.com/office/drawing/2014/main" id="{C01C482D-8CAA-4BB0-B5AD-52A859E6E08A}"/>
               </a:ext>
             </a:extLst>
           </p:cNvPr>
@@ -34737,28 +34743,7 @@
                 <a:latin typeface="Times New Roman" pitchFamily="18" charset="0"/>
                 <a:cs typeface="Times New Roman" pitchFamily="18" charset="0"/>
               </a:rPr>
-              <a:t>Our vision is </a:t>
-            </a:r>
-            <a:r>
-              <a:rPr lang="en-GB" sz="2200" dirty="0" smtClean="0">
-                <a:latin typeface="Times New Roman" pitchFamily="18" charset="0"/>
-                <a:cs typeface="Times New Roman" pitchFamily="18" charset="0"/>
-              </a:rPr>
-              <a:t>being one </a:t>
-            </a:r>
-            <a:r>
-              <a:rPr lang="en-GB" sz="2200" dirty="0">
-                <a:latin typeface="Times New Roman" pitchFamily="18" charset="0"/>
-                <a:cs typeface="Times New Roman" pitchFamily="18" charset="0"/>
-              </a:rPr>
-              <a:t>of the most innovative IT Solution and Service provider</a:t>
-            </a:r>
-            <a:r>
-              <a:rPr lang="en-GB" sz="2200" dirty="0" smtClean="0">
-                <a:latin typeface="Times New Roman" pitchFamily="18" charset="0"/>
-                <a:cs typeface="Times New Roman" pitchFamily="18" charset="0"/>
-              </a:rPr>
-              <a:t>.</a:t>
+              <a:t>Our vision is being one of the most innovative IT Solution and Service provider.</a:t>
             </a:r>
           </a:p>
           <a:p>
@@ -34777,27 +34762,16 @@
               <a:buChar char="•"/>
             </a:pPr>
             <a:r>
-              <a:rPr lang="en-GB" sz="2200" dirty="0" smtClean="0">
-                <a:latin typeface="Times New Roman" pitchFamily="18" charset="0"/>
-                <a:cs typeface="Times New Roman" pitchFamily="18" charset="0"/>
-              </a:rPr>
-              <a:t>To </a:t>
-            </a:r>
-            <a:r>
               <a:rPr lang="en-GB" sz="2200" dirty="0">
                 <a:latin typeface="Times New Roman" pitchFamily="18" charset="0"/>
                 <a:cs typeface="Times New Roman" pitchFamily="18" charset="0"/>
               </a:rPr>
-              <a:t>produce excellent services in the field of IT Services </a:t>
-            </a:r>
-            <a:endParaRPr lang="en-GB" sz="2200" dirty="0" smtClean="0">
-              <a:latin typeface="Times New Roman" pitchFamily="18" charset="0"/>
-              <a:cs typeface="Times New Roman" pitchFamily="18" charset="0"/>
-            </a:endParaRPr>
+              <a:t>To produce excellent services in the field of IT Services </a:t>
+            </a:r>
           </a:p>
           <a:p>
             <a:pPr marL="342900" indent="-342900" algn="just"/>
-            <a:endParaRPr lang="en-GB" sz="2200" dirty="0" smtClean="0">
+            <a:endParaRPr lang="en-GB" sz="2200" dirty="0">
               <a:latin typeface="Times New Roman" pitchFamily="18" charset="0"/>
               <a:cs typeface="Times New Roman" pitchFamily="18" charset="0"/>
             </a:endParaRPr>
@@ -34808,18 +34782,11 @@
               <a:buChar char="•"/>
             </a:pPr>
             <a:r>
-              <a:rPr lang="en-GB" sz="2200" dirty="0" smtClean="0">
-                <a:latin typeface="Times New Roman" pitchFamily="18" charset="0"/>
-                <a:cs typeface="Times New Roman" pitchFamily="18" charset="0"/>
-              </a:rPr>
-              <a:t>The </a:t>
-            </a:r>
-            <a:r>
               <a:rPr lang="en-GB" sz="2200" dirty="0">
                 <a:latin typeface="Times New Roman" pitchFamily="18" charset="0"/>
                 <a:cs typeface="Times New Roman" pitchFamily="18" charset="0"/>
               </a:rPr>
-              <a:t>company's vision and mission reflect its dedication to creating a positive impact on the industry and society</a:t>
+              <a:t>The company's vision and mission reflect its dedication to creating a positive impact on the industry and society</a:t>
             </a:r>
           </a:p>
           <a:p>
@@ -34832,7 +34799,7 @@
           <p:cNvPr id="2" name="Picture 1">
             <a:extLst>
               <a:ext uri="{FF2B5EF4-FFF2-40B4-BE49-F238E27FC236}">
-                <a16:creationId xmlns:a16="http://schemas.microsoft.com/office/drawing/2014/main" xmlns="" id="{5FD40BF2-0EB5-469C-B255-CBDF8519D80A}"/>
+                <a16:creationId xmlns:a16="http://schemas.microsoft.com/office/drawing/2014/main" id="{5FD40BF2-0EB5-469C-B255-CBDF8519D80A}"/>
               </a:ext>
             </a:extLst>
           </p:cNvPr>
@@ -34862,7 +34829,7 @@
           <p:cNvPr id="8" name="Straight Connector 7">
             <a:extLst>
               <a:ext uri="{FF2B5EF4-FFF2-40B4-BE49-F238E27FC236}">
-                <a16:creationId xmlns:a16="http://schemas.microsoft.com/office/drawing/2014/main" xmlns="" id="{9544DE49-07B0-46D0-A59E-71D2B072F9C7}"/>
+                <a16:creationId xmlns:a16="http://schemas.microsoft.com/office/drawing/2014/main" id="{9544DE49-07B0-46D0-A59E-71D2B072F9C7}"/>
               </a:ext>
             </a:extLst>
           </p:cNvPr>
@@ -34898,7 +34865,7 @@
     </p:spTree>
     <p:extLst>
       <p:ext uri="{BB962C8B-B14F-4D97-AF65-F5344CB8AC3E}">
-        <p14:creationId xmlns:p14="http://schemas.microsoft.com/office/powerpoint/2010/main" xmlns="" val="196070355"/>
+        <p14:creationId xmlns:p14="http://schemas.microsoft.com/office/powerpoint/2010/main" val="196070355"/>
       </p:ext>
     </p:extLst>
   </p:cSld>
@@ -34930,7 +34897,7 @@
           <p:cNvPr id="3" name="Slide Number Placeholder 2">
             <a:extLst>
               <a:ext uri="{FF2B5EF4-FFF2-40B4-BE49-F238E27FC236}">
-                <a16:creationId xmlns:a16="http://schemas.microsoft.com/office/drawing/2014/main" xmlns="" id="{774AF259-0EA0-486A-A345-68549DF558C8}"/>
+                <a16:creationId xmlns:a16="http://schemas.microsoft.com/office/drawing/2014/main" id="{774AF259-0EA0-486A-A345-68549DF558C8}"/>
               </a:ext>
             </a:extLst>
           </p:cNvPr>
@@ -34960,7 +34927,7 @@
           <p:cNvPr id="5" name="Title 4">
             <a:extLst>
               <a:ext uri="{FF2B5EF4-FFF2-40B4-BE49-F238E27FC236}">
-                <a16:creationId xmlns:a16="http://schemas.microsoft.com/office/drawing/2014/main" xmlns="" id="{9151932C-7145-4FBD-B81D-9ADC42401B87}"/>
+                <a16:creationId xmlns:a16="http://schemas.microsoft.com/office/drawing/2014/main" id="{9151932C-7145-4FBD-B81D-9ADC42401B87}"/>
               </a:ext>
             </a:extLst>
           </p:cNvPr>
@@ -34997,7 +34964,7 @@
           <p:cNvPr id="7" name="Content Placeholder 6">
             <a:extLst>
               <a:ext uri="{FF2B5EF4-FFF2-40B4-BE49-F238E27FC236}">
-                <a16:creationId xmlns:a16="http://schemas.microsoft.com/office/drawing/2014/main" xmlns="" id="{A7F42263-DE86-44BB-AC19-CD7982D365B2}"/>
+                <a16:creationId xmlns:a16="http://schemas.microsoft.com/office/drawing/2014/main" id="{A7F42263-DE86-44BB-AC19-CD7982D365B2}"/>
               </a:ext>
             </a:extLst>
           </p:cNvPr>
@@ -35072,7 +35039,7 @@
           <p:cNvPr id="2" name="Picture 1">
             <a:extLst>
               <a:ext uri="{FF2B5EF4-FFF2-40B4-BE49-F238E27FC236}">
-                <a16:creationId xmlns:a16="http://schemas.microsoft.com/office/drawing/2014/main" xmlns="" id="{BA51EBA2-2AAF-4986-BCCF-29A968FF511F}"/>
+                <a16:creationId xmlns:a16="http://schemas.microsoft.com/office/drawing/2014/main" id="{BA51EBA2-2AAF-4986-BCCF-29A968FF511F}"/>
               </a:ext>
             </a:extLst>
           </p:cNvPr>
@@ -35102,7 +35069,7 @@
           <p:cNvPr id="6" name="Straight Connector 5">
             <a:extLst>
               <a:ext uri="{FF2B5EF4-FFF2-40B4-BE49-F238E27FC236}">
-                <a16:creationId xmlns:a16="http://schemas.microsoft.com/office/drawing/2014/main" xmlns="" id="{57C5E9D5-21DA-46DA-80E0-1E8DF957BAAB}"/>
+                <a16:creationId xmlns:a16="http://schemas.microsoft.com/office/drawing/2014/main" id="{57C5E9D5-21DA-46DA-80E0-1E8DF957BAAB}"/>
               </a:ext>
             </a:extLst>
           </p:cNvPr>
@@ -35138,7 +35105,7 @@
     </p:spTree>
     <p:extLst>
       <p:ext uri="{BB962C8B-B14F-4D97-AF65-F5344CB8AC3E}">
-        <p14:creationId xmlns:p14="http://schemas.microsoft.com/office/powerpoint/2010/main" xmlns="" val="3242389936"/>
+        <p14:creationId xmlns:p14="http://schemas.microsoft.com/office/powerpoint/2010/main" val="3242389936"/>
       </p:ext>
     </p:extLst>
   </p:cSld>
@@ -35170,7 +35137,7 @@
           <p:cNvPr id="11" name="Content Placeholder 10">
             <a:extLst>
               <a:ext uri="{FF2B5EF4-FFF2-40B4-BE49-F238E27FC236}">
-                <a16:creationId xmlns:a16="http://schemas.microsoft.com/office/drawing/2014/main" xmlns="" id="{2B253683-524F-46CF-BFCD-BFF6A7A920A7}"/>
+                <a16:creationId xmlns:a16="http://schemas.microsoft.com/office/drawing/2014/main" id="{2B253683-524F-46CF-BFCD-BFF6A7A920A7}"/>
               </a:ext>
             </a:extLst>
           </p:cNvPr>
@@ -35198,23 +35165,16 @@
           </a:p>
           <a:p>
             <a:pPr algn="just"/>
-            <a:endParaRPr lang="en-GB" sz="2400" dirty="0" smtClean="0"/>
+            <a:endParaRPr lang="en-GB" sz="2400" dirty="0"/>
           </a:p>
           <a:p>
             <a:pPr algn="just"/>
-            <a:r>
-              <a:rPr lang="en-GB" sz="2400" dirty="0" smtClean="0">
-                <a:latin typeface="Times New Roman" pitchFamily="18" charset="0"/>
-                <a:cs typeface="Times New Roman" pitchFamily="18" charset="0"/>
-              </a:rPr>
-              <a:t>The </a:t>
-            </a:r>
             <a:r>
               <a:rPr lang="en-GB" sz="2400" dirty="0">
                 <a:latin typeface="Times New Roman" pitchFamily="18" charset="0"/>
                 <a:cs typeface="Times New Roman" pitchFamily="18" charset="0"/>
               </a:rPr>
-              <a:t>roles and responsibilities of personnel within the organization vary depending on their job functions and departmental affiliations.</a:t>
+              <a:t>The roles and responsibilities of personnel within the organization vary depending on their job functions and departmental affiliations.</a:t>
             </a:r>
           </a:p>
           <a:p>
@@ -35243,21 +35203,7 @@
                 <a:latin typeface="Times New Roman" pitchFamily="18" charset="0"/>
                 <a:cs typeface="Times New Roman" pitchFamily="18" charset="0"/>
               </a:rPr>
-              <a:t>  </a:t>
-            </a:r>
-            <a:r>
-              <a:rPr lang="en-GB" sz="2400" dirty="0" smtClean="0">
-                <a:latin typeface="Times New Roman" pitchFamily="18" charset="0"/>
-                <a:cs typeface="Times New Roman" pitchFamily="18" charset="0"/>
-              </a:rPr>
-              <a:t>   </a:t>
-            </a:r>
-            <a:r>
-              <a:rPr lang="en-GB" sz="2400" dirty="0">
-                <a:latin typeface="Times New Roman" pitchFamily="18" charset="0"/>
-                <a:cs typeface="Times New Roman" pitchFamily="18" charset="0"/>
-              </a:rPr>
-              <a:t>CEO, Marketing management, Developers, H-R management, etc,</a:t>
+              <a:t>     CEO, Marketing management, Developers, H-R management, etc,</a:t>
             </a:r>
           </a:p>
           <a:p>
@@ -35273,7 +35219,7 @@
           <p:cNvPr id="3" name="Slide Number Placeholder 2">
             <a:extLst>
               <a:ext uri="{FF2B5EF4-FFF2-40B4-BE49-F238E27FC236}">
-                <a16:creationId xmlns:a16="http://schemas.microsoft.com/office/drawing/2014/main" xmlns="" id="{FE60433D-E380-4571-991C-16B6CE7A48BE}"/>
+                <a16:creationId xmlns:a16="http://schemas.microsoft.com/office/drawing/2014/main" id="{FE60433D-E380-4571-991C-16B6CE7A48BE}"/>
               </a:ext>
             </a:extLst>
           </p:cNvPr>
@@ -35308,7 +35254,7 @@
           <p:cNvPr id="9" name="Title 8">
             <a:extLst>
               <a:ext uri="{FF2B5EF4-FFF2-40B4-BE49-F238E27FC236}">
-                <a16:creationId xmlns:a16="http://schemas.microsoft.com/office/drawing/2014/main" xmlns="" id="{DEF48F30-BEB4-44C7-9F35-3BBB61CF89AF}"/>
+                <a16:creationId xmlns:a16="http://schemas.microsoft.com/office/drawing/2014/main" id="{DEF48F30-BEB4-44C7-9F35-3BBB61CF89AF}"/>
               </a:ext>
             </a:extLst>
           </p:cNvPr>
@@ -35331,10 +35277,6 @@
           </a:bodyPr>
           <a:lstStyle/>
           <a:p>
-            <a:r>
-              <a:rPr lang="en-GB" b="1" dirty="0"/>
-              <a:t/>
-            </a:r>
             <a:br>
               <a:rPr lang="en-GB" b="1" dirty="0"/>
             </a:br>
@@ -35370,7 +35312,7 @@
           <p:cNvPr id="4" name="Picture 3">
             <a:extLst>
               <a:ext uri="{FF2B5EF4-FFF2-40B4-BE49-F238E27FC236}">
-                <a16:creationId xmlns:a16="http://schemas.microsoft.com/office/drawing/2014/main" xmlns="" id="{5AABD8CC-7046-44B0-BD51-C78FDB6CC609}"/>
+                <a16:creationId xmlns:a16="http://schemas.microsoft.com/office/drawing/2014/main" id="{5AABD8CC-7046-44B0-BD51-C78FDB6CC609}"/>
               </a:ext>
             </a:extLst>
           </p:cNvPr>
@@ -35400,7 +35342,7 @@
           <p:cNvPr id="6" name="Straight Connector 5">
             <a:extLst>
               <a:ext uri="{FF2B5EF4-FFF2-40B4-BE49-F238E27FC236}">
-                <a16:creationId xmlns:a16="http://schemas.microsoft.com/office/drawing/2014/main" xmlns="" id="{ADC9A189-DF95-41E3-8587-72F02897FBE1}"/>
+                <a16:creationId xmlns:a16="http://schemas.microsoft.com/office/drawing/2014/main" id="{ADC9A189-DF95-41E3-8587-72F02897FBE1}"/>
               </a:ext>
             </a:extLst>
           </p:cNvPr>
@@ -35436,7 +35378,7 @@
     </p:spTree>
     <p:extLst>
       <p:ext uri="{BB962C8B-B14F-4D97-AF65-F5344CB8AC3E}">
-        <p14:creationId xmlns:p14="http://schemas.microsoft.com/office/powerpoint/2010/main" xmlns="" val="1154969311"/>
+        <p14:creationId xmlns:p14="http://schemas.microsoft.com/office/powerpoint/2010/main" val="1154969311"/>
       </p:ext>
     </p:extLst>
   </p:cSld>
@@ -35468,7 +35410,7 @@
           <p:cNvPr id="11" name="Content Placeholder 10">
             <a:extLst>
               <a:ext uri="{FF2B5EF4-FFF2-40B4-BE49-F238E27FC236}">
-                <a16:creationId xmlns:a16="http://schemas.microsoft.com/office/drawing/2014/main" xmlns="" id="{2B253683-524F-46CF-BFCD-BFF6A7A920A7}"/>
+                <a16:creationId xmlns:a16="http://schemas.microsoft.com/office/drawing/2014/main" id="{2B253683-524F-46CF-BFCD-BFF6A7A920A7}"/>
               </a:ext>
             </a:extLst>
           </p:cNvPr>
@@ -35494,23 +35436,16 @@
             <a:pPr algn="just">
               <a:buNone/>
             </a:pPr>
-            <a:endParaRPr lang="en-GB" sz="2200" dirty="0" smtClean="0"/>
+            <a:endParaRPr lang="en-GB" sz="2200" dirty="0"/>
           </a:p>
           <a:p>
             <a:pPr algn="just"/>
-            <a:r>
-              <a:rPr lang="en-GB" sz="2200" dirty="0" smtClean="0">
-                <a:latin typeface="Times New Roman" pitchFamily="18" charset="0"/>
-                <a:cs typeface="Times New Roman" pitchFamily="18" charset="0"/>
-              </a:rPr>
-              <a:t>TECHIFYINDIA </a:t>
-            </a:r>
             <a:r>
               <a:rPr lang="en-GB" sz="2200" dirty="0">
                 <a:latin typeface="Times New Roman" pitchFamily="18" charset="0"/>
                 <a:cs typeface="Times New Roman" pitchFamily="18" charset="0"/>
               </a:rPr>
-              <a:t>Software Solution’s strength lies in understanding the client’s business processes, culture, vision and goals across the industry segments and offering client oriented solutions which are highly reliable, creating customer comfort. Few of our products are listed below.</a:t>
+              <a:t>TECHIFYINDIA Software Solution’s strength lies in understanding the client’s business processes, culture, vision and goals across the industry segments and offering client oriented solutions which are highly reliable, creating customer comfort. Few of our products are listed below.</a:t>
             </a:r>
           </a:p>
           <a:p>
@@ -35564,7 +35499,7 @@
           <p:cNvPr id="3" name="Slide Number Placeholder 2">
             <a:extLst>
               <a:ext uri="{FF2B5EF4-FFF2-40B4-BE49-F238E27FC236}">
-                <a16:creationId xmlns:a16="http://schemas.microsoft.com/office/drawing/2014/main" xmlns="" id="{FE60433D-E380-4571-991C-16B6CE7A48BE}"/>
+                <a16:creationId xmlns:a16="http://schemas.microsoft.com/office/drawing/2014/main" id="{FE60433D-E380-4571-991C-16B6CE7A48BE}"/>
               </a:ext>
             </a:extLst>
           </p:cNvPr>
@@ -35599,7 +35534,7 @@
           <p:cNvPr id="9" name="Title 8">
             <a:extLst>
               <a:ext uri="{FF2B5EF4-FFF2-40B4-BE49-F238E27FC236}">
-                <a16:creationId xmlns:a16="http://schemas.microsoft.com/office/drawing/2014/main" xmlns="" id="{DEF48F30-BEB4-44C7-9F35-3BBB61CF89AF}"/>
+                <a16:creationId xmlns:a16="http://schemas.microsoft.com/office/drawing/2014/main" id="{DEF48F30-BEB4-44C7-9F35-3BBB61CF89AF}"/>
               </a:ext>
             </a:extLst>
           </p:cNvPr>
@@ -35623,18 +35558,11 @@
           <a:lstStyle/>
           <a:p>
             <a:r>
-              <a:rPr lang="en-GB" sz="5300" b="1" dirty="0" smtClean="0">
-                <a:latin typeface="Times New Roman" pitchFamily="18" charset="0"/>
-                <a:cs typeface="Times New Roman" pitchFamily="18" charset="0"/>
-              </a:rPr>
-              <a:t>Products </a:t>
-            </a:r>
-            <a:r>
               <a:rPr lang="en-GB" sz="5300" b="1" dirty="0">
                 <a:latin typeface="Times New Roman" pitchFamily="18" charset="0"/>
                 <a:cs typeface="Times New Roman" pitchFamily="18" charset="0"/>
               </a:rPr>
-              <a:t>and market performance:</a:t>
+              <a:t>Products and market performance:</a:t>
             </a:r>
             <a:endParaRPr lang="en-US" sz="6000" b="1" dirty="0">
               <a:latin typeface="Times New Roman" pitchFamily="18" charset="0"/>
@@ -35648,7 +35576,7 @@
           <p:cNvPr id="4" name="Picture 3">
             <a:extLst>
               <a:ext uri="{FF2B5EF4-FFF2-40B4-BE49-F238E27FC236}">
-                <a16:creationId xmlns:a16="http://schemas.microsoft.com/office/drawing/2014/main" xmlns="" id="{9240A8C1-18D7-4432-834C-78A061495EA6}"/>
+                <a16:creationId xmlns:a16="http://schemas.microsoft.com/office/drawing/2014/main" id="{9240A8C1-18D7-4432-834C-78A061495EA6}"/>
               </a:ext>
             </a:extLst>
           </p:cNvPr>
@@ -35678,7 +35606,7 @@
           <p:cNvPr id="6" name="Straight Connector 5">
             <a:extLst>
               <a:ext uri="{FF2B5EF4-FFF2-40B4-BE49-F238E27FC236}">
-                <a16:creationId xmlns:a16="http://schemas.microsoft.com/office/drawing/2014/main" xmlns="" id="{D54596E0-B99E-4C71-9BFC-90187D2507E3}"/>
+                <a16:creationId xmlns:a16="http://schemas.microsoft.com/office/drawing/2014/main" id="{D54596E0-B99E-4C71-9BFC-90187D2507E3}"/>
               </a:ext>
             </a:extLst>
           </p:cNvPr>
@@ -35714,7 +35642,7 @@
     </p:spTree>
     <p:extLst>
       <p:ext uri="{BB962C8B-B14F-4D97-AF65-F5344CB8AC3E}">
-        <p14:creationId xmlns:p14="http://schemas.microsoft.com/office/powerpoint/2010/main" xmlns="" val="4220313636"/>
+        <p14:creationId xmlns:p14="http://schemas.microsoft.com/office/powerpoint/2010/main" val="4220313636"/>
       </p:ext>
     </p:extLst>
   </p:cSld>
@@ -35746,7 +35674,7 @@
           <p:cNvPr id="3" name="Slide Number Placeholder 2">
             <a:extLst>
               <a:ext uri="{FF2B5EF4-FFF2-40B4-BE49-F238E27FC236}">
-                <a16:creationId xmlns:a16="http://schemas.microsoft.com/office/drawing/2014/main" xmlns="" id="{8D0BEB88-12D3-41F1-B6BA-706EF7480FD3}"/>
+                <a16:creationId xmlns:a16="http://schemas.microsoft.com/office/drawing/2014/main" id="{8D0BEB88-12D3-41F1-B6BA-706EF7480FD3}"/>
               </a:ext>
             </a:extLst>
           </p:cNvPr>
@@ -35781,7 +35709,7 @@
           <p:cNvPr id="32" name="Picture 31">
             <a:extLst>
               <a:ext uri="{FF2B5EF4-FFF2-40B4-BE49-F238E27FC236}">
-                <a16:creationId xmlns:a16="http://schemas.microsoft.com/office/drawing/2014/main" xmlns="" id="{716FF175-BA07-4EC1-98D9-09028390CCE0}"/>
+                <a16:creationId xmlns:a16="http://schemas.microsoft.com/office/drawing/2014/main" id="{716FF175-BA07-4EC1-98D9-09028390CCE0}"/>
               </a:ext>
             </a:extLst>
           </p:cNvPr>
@@ -35811,7 +35739,7 @@
           <p:cNvPr id="36" name="Picture 35">
             <a:extLst>
               <a:ext uri="{FF2B5EF4-FFF2-40B4-BE49-F238E27FC236}">
-                <a16:creationId xmlns:a16="http://schemas.microsoft.com/office/drawing/2014/main" xmlns="" id="{0380DFB9-6E88-4451-A85D-1C355CD7ADB6}"/>
+                <a16:creationId xmlns:a16="http://schemas.microsoft.com/office/drawing/2014/main" id="{0380DFB9-6E88-4451-A85D-1C355CD7ADB6}"/>
               </a:ext>
             </a:extLst>
           </p:cNvPr>
@@ -35841,7 +35769,7 @@
           <p:cNvPr id="2" name="Picture 1">
             <a:extLst>
               <a:ext uri="{FF2B5EF4-FFF2-40B4-BE49-F238E27FC236}">
-                <a16:creationId xmlns:a16="http://schemas.microsoft.com/office/drawing/2014/main" xmlns="" id="{45287BBD-9193-4208-83E8-FC4AAC2D88A2}"/>
+                <a16:creationId xmlns:a16="http://schemas.microsoft.com/office/drawing/2014/main" id="{45287BBD-9193-4208-83E8-FC4AAC2D88A2}"/>
               </a:ext>
             </a:extLst>
           </p:cNvPr>
@@ -35869,7 +35797,7 @@
     </p:spTree>
     <p:extLst>
       <p:ext uri="{BB962C8B-B14F-4D97-AF65-F5344CB8AC3E}">
-        <p14:creationId xmlns:p14="http://schemas.microsoft.com/office/powerpoint/2010/main" xmlns="" val="3149670743"/>
+        <p14:creationId xmlns:p14="http://schemas.microsoft.com/office/powerpoint/2010/main" val="3149670743"/>
       </p:ext>
     </p:extLst>
   </p:cSld>
@@ -35901,7 +35829,7 @@
           <p:cNvPr id="2" name="Slide Number Placeholder 1">
             <a:extLst>
               <a:ext uri="{FF2B5EF4-FFF2-40B4-BE49-F238E27FC236}">
-                <a16:creationId xmlns:a16="http://schemas.microsoft.com/office/drawing/2014/main" xmlns="" id="{7EAB17F8-59B5-4C93-9884-D30446299CA5}"/>
+                <a16:creationId xmlns:a16="http://schemas.microsoft.com/office/drawing/2014/main" id="{7EAB17F8-59B5-4C93-9884-D30446299CA5}"/>
               </a:ext>
             </a:extLst>
           </p:cNvPr>
@@ -35931,10 +35859,10 @@
           <p:cNvPr id="22" name="Picture Placeholder 21">
             <a:extLst>
               <a:ext uri="{FF2B5EF4-FFF2-40B4-BE49-F238E27FC236}">
-                <a16:creationId xmlns:a16="http://schemas.microsoft.com/office/drawing/2014/main" xmlns="" id="{0F5C8F58-81B2-4162-9563-70C679CF85F2}"/>
+                <a16:creationId xmlns:a16="http://schemas.microsoft.com/office/drawing/2014/main" id="{0F5C8F58-81B2-4162-9563-70C679CF85F2}"/>
               </a:ext>
               <a:ext uri="{C183D7F6-B498-43B3-948B-1728B52AA6E4}">
-                <adec:decorative xmlns:adec="http://schemas.microsoft.com/office/drawing/2017/decorative" xmlns="" val="1"/>
+                <adec:decorative xmlns:adec="http://schemas.microsoft.com/office/drawing/2017/decorative" val="1"/>
               </a:ext>
             </a:extLst>
           </p:cNvPr>
@@ -35949,10 +35877,10 @@
           <a:blip r:embed="rId2">
             <a:extLst>
               <a:ext uri="{28A0092B-C50C-407E-A947-70E740481C1C}">
-                <a14:useLocalDpi xmlns:a14="http://schemas.microsoft.com/office/drawing/2010/main" xmlns="" val="0"/>
+                <a14:useLocalDpi xmlns:a14="http://schemas.microsoft.com/office/drawing/2010/main" val="0"/>
               </a:ext>
               <a:ext uri="{96DAC541-7B7A-43D3-8B79-37D633B846F1}">
-                <asvg:svgBlip xmlns:asvg="http://schemas.microsoft.com/office/drawing/2016/SVG/main" xmlns="" r:embed="rId3"/>
+                <asvg:svgBlip xmlns:asvg="http://schemas.microsoft.com/office/drawing/2016/SVG/main" r:embed="rId3"/>
               </a:ext>
             </a:extLst>
           </a:blip>
@@ -35971,10 +35899,10 @@
           <p:cNvPr id="26" name="Picture Placeholder 25">
             <a:extLst>
               <a:ext uri="{FF2B5EF4-FFF2-40B4-BE49-F238E27FC236}">
-                <a16:creationId xmlns:a16="http://schemas.microsoft.com/office/drawing/2014/main" xmlns="" id="{2AD0E03E-80ED-4CBF-B567-3E1EAB01FD41}"/>
+                <a16:creationId xmlns:a16="http://schemas.microsoft.com/office/drawing/2014/main" id="{2AD0E03E-80ED-4CBF-B567-3E1EAB01FD41}"/>
               </a:ext>
               <a:ext uri="{C183D7F6-B498-43B3-948B-1728B52AA6E4}">
-                <adec:decorative xmlns:adec="http://schemas.microsoft.com/office/drawing/2017/decorative" xmlns="" val="1"/>
+                <adec:decorative xmlns:adec="http://schemas.microsoft.com/office/drawing/2017/decorative" val="1"/>
               </a:ext>
             </a:extLst>
           </p:cNvPr>
@@ -35989,10 +35917,10 @@
           <a:blip r:embed="rId4">
             <a:extLst>
               <a:ext uri="{28A0092B-C50C-407E-A947-70E740481C1C}">
-                <a14:useLocalDpi xmlns:a14="http://schemas.microsoft.com/office/drawing/2010/main" xmlns="" val="0"/>
+                <a14:useLocalDpi xmlns:a14="http://schemas.microsoft.com/office/drawing/2010/main" val="0"/>
               </a:ext>
               <a:ext uri="{96DAC541-7B7A-43D3-8B79-37D633B846F1}">
-                <asvg:svgBlip xmlns:asvg="http://schemas.microsoft.com/office/drawing/2016/SVG/main" xmlns="" r:embed="rId5"/>
+                <asvg:svgBlip xmlns:asvg="http://schemas.microsoft.com/office/drawing/2016/SVG/main" r:embed="rId5"/>
               </a:ext>
             </a:extLst>
           </a:blip>
@@ -36011,10 +35939,10 @@
           <p:cNvPr id="24" name="Picture Placeholder 23">
             <a:extLst>
               <a:ext uri="{FF2B5EF4-FFF2-40B4-BE49-F238E27FC236}">
-                <a16:creationId xmlns:a16="http://schemas.microsoft.com/office/drawing/2014/main" xmlns="" id="{F1E0AF3E-867C-4F0D-8325-9DC9A985B427}"/>
+                <a16:creationId xmlns:a16="http://schemas.microsoft.com/office/drawing/2014/main" id="{F1E0AF3E-867C-4F0D-8325-9DC9A985B427}"/>
               </a:ext>
               <a:ext uri="{C183D7F6-B498-43B3-948B-1728B52AA6E4}">
-                <adec:decorative xmlns:adec="http://schemas.microsoft.com/office/drawing/2017/decorative" xmlns="" val="1"/>
+                <adec:decorative xmlns:adec="http://schemas.microsoft.com/office/drawing/2017/decorative" val="1"/>
               </a:ext>
             </a:extLst>
           </p:cNvPr>
@@ -36029,10 +35957,10 @@
           <a:blip r:embed="rId6">
             <a:extLst>
               <a:ext uri="{28A0092B-C50C-407E-A947-70E740481C1C}">
-                <a14:useLocalDpi xmlns:a14="http://schemas.microsoft.com/office/drawing/2010/main" xmlns="" val="0"/>
+                <a14:useLocalDpi xmlns:a14="http://schemas.microsoft.com/office/drawing/2010/main" val="0"/>
               </a:ext>
               <a:ext uri="{96DAC541-7B7A-43D3-8B79-37D633B846F1}">
-                <asvg:svgBlip xmlns:asvg="http://schemas.microsoft.com/office/drawing/2016/SVG/main" xmlns="" r:embed="rId7"/>
+                <asvg:svgBlip xmlns:asvg="http://schemas.microsoft.com/office/drawing/2016/SVG/main" r:embed="rId7"/>
               </a:ext>
             </a:extLst>
           </a:blip>
@@ -36051,10 +35979,10 @@
           <p:cNvPr id="28" name="Picture Placeholder 27">
             <a:extLst>
               <a:ext uri="{FF2B5EF4-FFF2-40B4-BE49-F238E27FC236}">
-                <a16:creationId xmlns:a16="http://schemas.microsoft.com/office/drawing/2014/main" xmlns="" id="{43BC7054-E269-4210-98F5-65D485066725}"/>
+                <a16:creationId xmlns:a16="http://schemas.microsoft.com/office/drawing/2014/main" id="{43BC7054-E269-4210-98F5-65D485066725}"/>
               </a:ext>
               <a:ext uri="{C183D7F6-B498-43B3-948B-1728B52AA6E4}">
-                <adec:decorative xmlns:adec="http://schemas.microsoft.com/office/drawing/2017/decorative" xmlns="" val="1"/>
+                <adec:decorative xmlns:adec="http://schemas.microsoft.com/office/drawing/2017/decorative" val="1"/>
               </a:ext>
             </a:extLst>
           </p:cNvPr>
@@ -36069,10 +35997,10 @@
           <a:blip r:embed="rId8">
             <a:extLst>
               <a:ext uri="{28A0092B-C50C-407E-A947-70E740481C1C}">
-                <a14:useLocalDpi xmlns:a14="http://schemas.microsoft.com/office/drawing/2010/main" xmlns="" val="0"/>
+                <a14:useLocalDpi xmlns:a14="http://schemas.microsoft.com/office/drawing/2010/main" val="0"/>
               </a:ext>
               <a:ext uri="{96DAC541-7B7A-43D3-8B79-37D633B846F1}">
-                <asvg:svgBlip xmlns:asvg="http://schemas.microsoft.com/office/drawing/2016/SVG/main" xmlns="" r:embed="rId9"/>
+                <asvg:svgBlip xmlns:asvg="http://schemas.microsoft.com/office/drawing/2016/SVG/main" r:embed="rId9"/>
               </a:ext>
             </a:extLst>
           </a:blip>
@@ -36091,7 +36019,7 @@
           <p:cNvPr id="5" name="Chart 4">
             <a:extLst>
               <a:ext uri="{FF2B5EF4-FFF2-40B4-BE49-F238E27FC236}">
-                <a16:creationId xmlns:a16="http://schemas.microsoft.com/office/drawing/2014/main" xmlns="" id="{6EF9E1B2-7087-4E02-920C-30F40BC8B5E3}"/>
+                <a16:creationId xmlns:a16="http://schemas.microsoft.com/office/drawing/2014/main" id="{6EF9E1B2-7087-4E02-920C-30F40BC8B5E3}"/>
               </a:ext>
             </a:extLst>
           </p:cNvPr>
@@ -36099,7 +36027,7 @@
           <p:nvPr>
             <p:extLst>
               <p:ext uri="{D42A27DB-BD31-4B8C-83A1-F6EECF244321}">
-                <p14:modId xmlns:p14="http://schemas.microsoft.com/office/powerpoint/2010/main" xmlns="" val="783950892"/>
+                <p14:modId xmlns:p14="http://schemas.microsoft.com/office/powerpoint/2010/main" val="783950892"/>
               </p:ext>
             </p:extLst>
           </p:nvPr>
@@ -36119,7 +36047,7 @@
           <p:cNvPr id="3" name="Picture 2">
             <a:extLst>
               <a:ext uri="{FF2B5EF4-FFF2-40B4-BE49-F238E27FC236}">
-                <a16:creationId xmlns:a16="http://schemas.microsoft.com/office/drawing/2014/main" xmlns="" id="{55A176B1-DE90-4D74-B6A3-9984E2E6D1E7}"/>
+                <a16:creationId xmlns:a16="http://schemas.microsoft.com/office/drawing/2014/main" id="{55A176B1-DE90-4D74-B6A3-9984E2E6D1E7}"/>
               </a:ext>
             </a:extLst>
           </p:cNvPr>
@@ -36147,7 +36075,7 @@
     </p:spTree>
     <p:extLst>
       <p:ext uri="{BB962C8B-B14F-4D97-AF65-F5344CB8AC3E}">
-        <p14:creationId xmlns:p14="http://schemas.microsoft.com/office/powerpoint/2010/main" xmlns="" val="1163063007"/>
+        <p14:creationId xmlns:p14="http://schemas.microsoft.com/office/powerpoint/2010/main" val="1163063007"/>
       </p:ext>
     </p:extLst>
   </p:cSld>
@@ -36731,7 +36659,7 @@
   <a:extraClrSchemeLst/>
   <a:extLst>
     <a:ext uri="{05A4C25C-085E-4340-85A3-A5531E510DB2}">
-      <thm15:themeFamily xmlns:thm15="http://schemas.microsoft.com/office/thememl/2012/main" xmlns="" name="Office Theme" id="{62F939B6-93AF-4DB8-9C6B-D6C7DFDC589F}" vid="{4A3C46E8-61CC-4603-A589-7422A47A8E4A}"/>
+      <thm15:themeFamily xmlns:thm15="http://schemas.microsoft.com/office/thememl/2012/main" name="Office Theme" id="{62F939B6-93AF-4DB8-9C6B-D6C7DFDC589F}" vid="{4A3C46E8-61CC-4603-A589-7422A47A8E4A}"/>
     </a:ext>
   </a:extLst>
 </a:theme>
@@ -37026,7 +36954,7 @@
   <a:extraClrSchemeLst/>
   <a:extLst>
     <a:ext uri="{05A4C25C-085E-4340-85A3-A5531E510DB2}">
-      <thm15:themeFamily xmlns:thm15="http://schemas.microsoft.com/office/thememl/2012/main" xmlns="" name="Office Theme" id="{62F939B6-93AF-4DB8-9C6B-D6C7DFDC589F}" vid="{4A3C46E8-61CC-4603-A589-7422A47A8E4A}"/>
+      <thm15:themeFamily xmlns:thm15="http://schemas.microsoft.com/office/thememl/2012/main" name="Office Theme" id="{62F939B6-93AF-4DB8-9C6B-D6C7DFDC589F}" vid="{4A3C46E8-61CC-4603-A589-7422A47A8E4A}"/>
     </a:ext>
   </a:extLst>
 </a:theme>
